--- a/presentation/fasttext.pptx
+++ b/presentation/fasttext.pptx
@@ -4,12 +4,16 @@
   <p:sldMasterIdLst>
     <p:sldMasterId id="2147483648" r:id="rId1"/>
   </p:sldMasterIdLst>
+  <p:notesMasterIdLst>
+    <p:notesMasterId r:id="rId8"/>
+  </p:notesMasterIdLst>
   <p:sldIdLst>
     <p:sldId id="256" r:id="rId2"/>
     <p:sldId id="257" r:id="rId3"/>
     <p:sldId id="260" r:id="rId4"/>
     <p:sldId id="258" r:id="rId5"/>
-    <p:sldId id="259" r:id="rId6"/>
+    <p:sldId id="261" r:id="rId6"/>
+    <p:sldId id="263" r:id="rId7"/>
   </p:sldIdLst>
   <p:sldSz cx="12192000" cy="6858000"/>
   <p:notesSz cx="6858000" cy="9144000"/>
@@ -108,7 +112,884 @@
       </a:defRPr>
     </a:lvl9pPr>
   </p:defaultTextStyle>
+  <p:extLst>
+    <p:ext uri="{EFAFB233-063F-42B5-8137-9DF3F51BA10A}">
+      <p15:sldGuideLst xmlns:p15="http://schemas.microsoft.com/office/powerpoint/2012/main"/>
+    </p:ext>
+  </p:extLst>
 </p:presentation>
+</file>
+
+<file path=ppt/notesMasters/notesMaster1.xml><?xml version="1.0" encoding="utf-8"?>
+<p:notesMaster xmlns:a="http://schemas.openxmlformats.org/drawingml/2006/main" xmlns:r="http://schemas.openxmlformats.org/officeDocument/2006/relationships" xmlns:p="http://schemas.openxmlformats.org/presentationml/2006/main">
+  <p:cSld>
+    <p:bg>
+      <p:bgRef idx="1001">
+        <a:schemeClr val="bg1"/>
+      </p:bgRef>
+    </p:bg>
+    <p:spTree>
+      <p:nvGrpSpPr>
+        <p:cNvPr id="1" name=""/>
+        <p:cNvGrpSpPr/>
+        <p:nvPr/>
+      </p:nvGrpSpPr>
+      <p:grpSpPr>
+        <a:xfrm>
+          <a:off x="0" y="0"/>
+          <a:ext cx="0" cy="0"/>
+          <a:chOff x="0" y="0"/>
+          <a:chExt cx="0" cy="0"/>
+        </a:xfrm>
+      </p:grpSpPr>
+      <p:sp>
+        <p:nvSpPr>
+          <p:cNvPr id="2" name="ヘッダー プレースホルダー 1"/>
+          <p:cNvSpPr>
+            <a:spLocks noGrp="1"/>
+          </p:cNvSpPr>
+          <p:nvPr>
+            <p:ph type="hdr" sz="quarter"/>
+          </p:nvPr>
+        </p:nvSpPr>
+        <p:spPr>
+          <a:xfrm>
+            <a:off x="0" y="0"/>
+            <a:ext cx="2971800" cy="458788"/>
+          </a:xfrm>
+          <a:prstGeom prst="rect">
+            <a:avLst/>
+          </a:prstGeom>
+        </p:spPr>
+        <p:txBody>
+          <a:bodyPr vert="horz" lIns="91440" tIns="45720" rIns="91440" bIns="45720" rtlCol="0"/>
+          <a:lstStyle>
+            <a:lvl1pPr algn="l">
+              <a:defRPr sz="1200"/>
+            </a:lvl1pPr>
+          </a:lstStyle>
+          <a:p>
+            <a:endParaRPr kumimoji="1" lang="ja-JP" altLang="en-US"/>
+          </a:p>
+        </p:txBody>
+      </p:sp>
+      <p:sp>
+        <p:nvSpPr>
+          <p:cNvPr id="3" name="日付プレースホルダー 2"/>
+          <p:cNvSpPr>
+            <a:spLocks noGrp="1"/>
+          </p:cNvSpPr>
+          <p:nvPr>
+            <p:ph type="dt" idx="1"/>
+          </p:nvPr>
+        </p:nvSpPr>
+        <p:spPr>
+          <a:xfrm>
+            <a:off x="3884613" y="0"/>
+            <a:ext cx="2971800" cy="458788"/>
+          </a:xfrm>
+          <a:prstGeom prst="rect">
+            <a:avLst/>
+          </a:prstGeom>
+        </p:spPr>
+        <p:txBody>
+          <a:bodyPr vert="horz" lIns="91440" tIns="45720" rIns="91440" bIns="45720" rtlCol="0"/>
+          <a:lstStyle>
+            <a:lvl1pPr algn="r">
+              <a:defRPr sz="1200"/>
+            </a:lvl1pPr>
+          </a:lstStyle>
+          <a:p>
+            <a:fld id="{C71847E3-A545-4FEE-96D0-B2F7F758E0F3}" type="datetimeFigureOut">
+              <a:rPr kumimoji="1" lang="ja-JP" altLang="en-US" smtClean="0"/>
+              <a:t>2021/12/3</a:t>
+            </a:fld>
+            <a:endParaRPr kumimoji="1" lang="ja-JP" altLang="en-US"/>
+          </a:p>
+        </p:txBody>
+      </p:sp>
+      <p:sp>
+        <p:nvSpPr>
+          <p:cNvPr id="4" name="スライド イメージ プレースホルダー 3"/>
+          <p:cNvSpPr>
+            <a:spLocks noGrp="1" noRot="1" noChangeAspect="1"/>
+          </p:cNvSpPr>
+          <p:nvPr>
+            <p:ph type="sldImg" idx="2"/>
+          </p:nvPr>
+        </p:nvSpPr>
+        <p:spPr>
+          <a:xfrm>
+            <a:off x="685800" y="1143000"/>
+            <a:ext cx="5486400" cy="3086100"/>
+          </a:xfrm>
+          <a:prstGeom prst="rect">
+            <a:avLst/>
+          </a:prstGeom>
+          <a:noFill/>
+          <a:ln w="12700">
+            <a:solidFill>
+              <a:prstClr val="black"/>
+            </a:solidFill>
+          </a:ln>
+        </p:spPr>
+        <p:txBody>
+          <a:bodyPr vert="horz" lIns="91440" tIns="45720" rIns="91440" bIns="45720" rtlCol="0" anchor="ctr"/>
+          <a:lstStyle/>
+          <a:p>
+            <a:endParaRPr lang="ja-JP" altLang="en-US"/>
+          </a:p>
+        </p:txBody>
+      </p:sp>
+      <p:sp>
+        <p:nvSpPr>
+          <p:cNvPr id="5" name="ノート プレースホルダー 4"/>
+          <p:cNvSpPr>
+            <a:spLocks noGrp="1"/>
+          </p:cNvSpPr>
+          <p:nvPr>
+            <p:ph type="body" sz="quarter" idx="3"/>
+          </p:nvPr>
+        </p:nvSpPr>
+        <p:spPr>
+          <a:xfrm>
+            <a:off x="685800" y="4400550"/>
+            <a:ext cx="5486400" cy="3600450"/>
+          </a:xfrm>
+          <a:prstGeom prst="rect">
+            <a:avLst/>
+          </a:prstGeom>
+        </p:spPr>
+        <p:txBody>
+          <a:bodyPr vert="horz" lIns="91440" tIns="45720" rIns="91440" bIns="45720" rtlCol="0"/>
+          <a:lstStyle/>
+          <a:p>
+            <a:pPr lvl="0"/>
+            <a:r>
+              <a:rPr kumimoji="1" lang="ja-JP" altLang="en-US"/>
+              <a:t>マスター テキストの書式設定</a:t>
+            </a:r>
+          </a:p>
+          <a:p>
+            <a:pPr lvl="1"/>
+            <a:r>
+              <a:rPr kumimoji="1" lang="ja-JP" altLang="en-US"/>
+              <a:t>第 </a:t>
+            </a:r>
+            <a:r>
+              <a:rPr kumimoji="1" lang="en-US" altLang="ja-JP"/>
+              <a:t>2 </a:t>
+            </a:r>
+            <a:r>
+              <a:rPr kumimoji="1" lang="ja-JP" altLang="en-US"/>
+              <a:t>レベル</a:t>
+            </a:r>
+          </a:p>
+          <a:p>
+            <a:pPr lvl="2"/>
+            <a:r>
+              <a:rPr kumimoji="1" lang="ja-JP" altLang="en-US"/>
+              <a:t>第 </a:t>
+            </a:r>
+            <a:r>
+              <a:rPr kumimoji="1" lang="en-US" altLang="ja-JP"/>
+              <a:t>3 </a:t>
+            </a:r>
+            <a:r>
+              <a:rPr kumimoji="1" lang="ja-JP" altLang="en-US"/>
+              <a:t>レベル</a:t>
+            </a:r>
+          </a:p>
+          <a:p>
+            <a:pPr lvl="3"/>
+            <a:r>
+              <a:rPr kumimoji="1" lang="ja-JP" altLang="en-US"/>
+              <a:t>第 </a:t>
+            </a:r>
+            <a:r>
+              <a:rPr kumimoji="1" lang="en-US" altLang="ja-JP"/>
+              <a:t>4 </a:t>
+            </a:r>
+            <a:r>
+              <a:rPr kumimoji="1" lang="ja-JP" altLang="en-US"/>
+              <a:t>レベル</a:t>
+            </a:r>
+          </a:p>
+          <a:p>
+            <a:pPr lvl="4"/>
+            <a:r>
+              <a:rPr kumimoji="1" lang="ja-JP" altLang="en-US"/>
+              <a:t>第 </a:t>
+            </a:r>
+            <a:r>
+              <a:rPr kumimoji="1" lang="en-US" altLang="ja-JP"/>
+              <a:t>5 </a:t>
+            </a:r>
+            <a:r>
+              <a:rPr kumimoji="1" lang="ja-JP" altLang="en-US"/>
+              <a:t>レベル</a:t>
+            </a:r>
+          </a:p>
+        </p:txBody>
+      </p:sp>
+      <p:sp>
+        <p:nvSpPr>
+          <p:cNvPr id="6" name="フッター プレースホルダー 5"/>
+          <p:cNvSpPr>
+            <a:spLocks noGrp="1"/>
+          </p:cNvSpPr>
+          <p:nvPr>
+            <p:ph type="ftr" sz="quarter" idx="4"/>
+          </p:nvPr>
+        </p:nvSpPr>
+        <p:spPr>
+          <a:xfrm>
+            <a:off x="0" y="8685213"/>
+            <a:ext cx="2971800" cy="458787"/>
+          </a:xfrm>
+          <a:prstGeom prst="rect">
+            <a:avLst/>
+          </a:prstGeom>
+        </p:spPr>
+        <p:txBody>
+          <a:bodyPr vert="horz" lIns="91440" tIns="45720" rIns="91440" bIns="45720" rtlCol="0" anchor="b"/>
+          <a:lstStyle>
+            <a:lvl1pPr algn="l">
+              <a:defRPr sz="1200"/>
+            </a:lvl1pPr>
+          </a:lstStyle>
+          <a:p>
+            <a:endParaRPr kumimoji="1" lang="ja-JP" altLang="en-US"/>
+          </a:p>
+        </p:txBody>
+      </p:sp>
+      <p:sp>
+        <p:nvSpPr>
+          <p:cNvPr id="7" name="スライド番号プレースホルダー 6"/>
+          <p:cNvSpPr>
+            <a:spLocks noGrp="1"/>
+          </p:cNvSpPr>
+          <p:nvPr>
+            <p:ph type="sldNum" sz="quarter" idx="5"/>
+          </p:nvPr>
+        </p:nvSpPr>
+        <p:spPr>
+          <a:xfrm>
+            <a:off x="3884613" y="8685213"/>
+            <a:ext cx="2971800" cy="458787"/>
+          </a:xfrm>
+          <a:prstGeom prst="rect">
+            <a:avLst/>
+          </a:prstGeom>
+        </p:spPr>
+        <p:txBody>
+          <a:bodyPr vert="horz" lIns="91440" tIns="45720" rIns="91440" bIns="45720" rtlCol="0" anchor="b"/>
+          <a:lstStyle>
+            <a:lvl1pPr algn="r">
+              <a:defRPr sz="1200"/>
+            </a:lvl1pPr>
+          </a:lstStyle>
+          <a:p>
+            <a:fld id="{8DF1E08D-4A53-4A5C-9DAB-BDA17F3E8D74}" type="slidenum">
+              <a:rPr kumimoji="1" lang="ja-JP" altLang="en-US" smtClean="0"/>
+              <a:t>‹#›</a:t>
+            </a:fld>
+            <a:endParaRPr kumimoji="1" lang="ja-JP" altLang="en-US"/>
+          </a:p>
+        </p:txBody>
+      </p:sp>
+    </p:spTree>
+    <p:extLst>
+      <p:ext uri="{BB962C8B-B14F-4D97-AF65-F5344CB8AC3E}">
+        <p14:creationId xmlns:p14="http://schemas.microsoft.com/office/powerpoint/2010/main" val="2443621186"/>
+      </p:ext>
+    </p:extLst>
+  </p:cSld>
+  <p:clrMap bg1="lt1" tx1="dk1" bg2="lt2" tx2="dk2" accent1="accent1" accent2="accent2" accent3="accent3" accent4="accent4" accent5="accent5" accent6="accent6" hlink="hlink" folHlink="folHlink"/>
+  <p:notesStyle>
+    <a:lvl1pPr marL="0" algn="l" defTabSz="914400" rtl="0" eaLnBrk="1" latinLnBrk="0" hangingPunct="1">
+      <a:defRPr kumimoji="1" sz="1200" kern="1200">
+        <a:solidFill>
+          <a:schemeClr val="tx1"/>
+        </a:solidFill>
+        <a:latin typeface="+mn-lt"/>
+        <a:ea typeface="+mn-ea"/>
+        <a:cs typeface="+mn-cs"/>
+      </a:defRPr>
+    </a:lvl1pPr>
+    <a:lvl2pPr marL="457200" algn="l" defTabSz="914400" rtl="0" eaLnBrk="1" latinLnBrk="0" hangingPunct="1">
+      <a:defRPr kumimoji="1" sz="1200" kern="1200">
+        <a:solidFill>
+          <a:schemeClr val="tx1"/>
+        </a:solidFill>
+        <a:latin typeface="+mn-lt"/>
+        <a:ea typeface="+mn-ea"/>
+        <a:cs typeface="+mn-cs"/>
+      </a:defRPr>
+    </a:lvl2pPr>
+    <a:lvl3pPr marL="914400" algn="l" defTabSz="914400" rtl="0" eaLnBrk="1" latinLnBrk="0" hangingPunct="1">
+      <a:defRPr kumimoji="1" sz="1200" kern="1200">
+        <a:solidFill>
+          <a:schemeClr val="tx1"/>
+        </a:solidFill>
+        <a:latin typeface="+mn-lt"/>
+        <a:ea typeface="+mn-ea"/>
+        <a:cs typeface="+mn-cs"/>
+      </a:defRPr>
+    </a:lvl3pPr>
+    <a:lvl4pPr marL="1371600" algn="l" defTabSz="914400" rtl="0" eaLnBrk="1" latinLnBrk="0" hangingPunct="1">
+      <a:defRPr kumimoji="1" sz="1200" kern="1200">
+        <a:solidFill>
+          <a:schemeClr val="tx1"/>
+        </a:solidFill>
+        <a:latin typeface="+mn-lt"/>
+        <a:ea typeface="+mn-ea"/>
+        <a:cs typeface="+mn-cs"/>
+      </a:defRPr>
+    </a:lvl4pPr>
+    <a:lvl5pPr marL="1828800" algn="l" defTabSz="914400" rtl="0" eaLnBrk="1" latinLnBrk="0" hangingPunct="1">
+      <a:defRPr kumimoji="1" sz="1200" kern="1200">
+        <a:solidFill>
+          <a:schemeClr val="tx1"/>
+        </a:solidFill>
+        <a:latin typeface="+mn-lt"/>
+        <a:ea typeface="+mn-ea"/>
+        <a:cs typeface="+mn-cs"/>
+      </a:defRPr>
+    </a:lvl5pPr>
+    <a:lvl6pPr marL="2286000" algn="l" defTabSz="914400" rtl="0" eaLnBrk="1" latinLnBrk="0" hangingPunct="1">
+      <a:defRPr kumimoji="1" sz="1200" kern="1200">
+        <a:solidFill>
+          <a:schemeClr val="tx1"/>
+        </a:solidFill>
+        <a:latin typeface="+mn-lt"/>
+        <a:ea typeface="+mn-ea"/>
+        <a:cs typeface="+mn-cs"/>
+      </a:defRPr>
+    </a:lvl6pPr>
+    <a:lvl7pPr marL="2743200" algn="l" defTabSz="914400" rtl="0" eaLnBrk="1" latinLnBrk="0" hangingPunct="1">
+      <a:defRPr kumimoji="1" sz="1200" kern="1200">
+        <a:solidFill>
+          <a:schemeClr val="tx1"/>
+        </a:solidFill>
+        <a:latin typeface="+mn-lt"/>
+        <a:ea typeface="+mn-ea"/>
+        <a:cs typeface="+mn-cs"/>
+      </a:defRPr>
+    </a:lvl7pPr>
+    <a:lvl8pPr marL="3200400" algn="l" defTabSz="914400" rtl="0" eaLnBrk="1" latinLnBrk="0" hangingPunct="1">
+      <a:defRPr kumimoji="1" sz="1200" kern="1200">
+        <a:solidFill>
+          <a:schemeClr val="tx1"/>
+        </a:solidFill>
+        <a:latin typeface="+mn-lt"/>
+        <a:ea typeface="+mn-ea"/>
+        <a:cs typeface="+mn-cs"/>
+      </a:defRPr>
+    </a:lvl8pPr>
+    <a:lvl9pPr marL="3657600" algn="l" defTabSz="914400" rtl="0" eaLnBrk="1" latinLnBrk="0" hangingPunct="1">
+      <a:defRPr kumimoji="1" sz="1200" kern="1200">
+        <a:solidFill>
+          <a:schemeClr val="tx1"/>
+        </a:solidFill>
+        <a:latin typeface="+mn-lt"/>
+        <a:ea typeface="+mn-ea"/>
+        <a:cs typeface="+mn-cs"/>
+      </a:defRPr>
+    </a:lvl9pPr>
+  </p:notesStyle>
+</p:notesMaster>
+</file>
+
+<file path=ppt/notesSlides/notesSlide1.xml><?xml version="1.0" encoding="utf-8"?>
+<p:notes xmlns:a="http://schemas.openxmlformats.org/drawingml/2006/main" xmlns:r="http://schemas.openxmlformats.org/officeDocument/2006/relationships" xmlns:p="http://schemas.openxmlformats.org/presentationml/2006/main">
+  <p:cSld>
+    <p:spTree>
+      <p:nvGrpSpPr>
+        <p:cNvPr id="1" name=""/>
+        <p:cNvGrpSpPr/>
+        <p:nvPr/>
+      </p:nvGrpSpPr>
+      <p:grpSpPr>
+        <a:xfrm>
+          <a:off x="0" y="0"/>
+          <a:ext cx="0" cy="0"/>
+          <a:chOff x="0" y="0"/>
+          <a:chExt cx="0" cy="0"/>
+        </a:xfrm>
+      </p:grpSpPr>
+      <p:sp>
+        <p:nvSpPr>
+          <p:cNvPr id="2" name="スライド イメージ プレースホルダー 1"/>
+          <p:cNvSpPr>
+            <a:spLocks noGrp="1" noRot="1" noChangeAspect="1"/>
+          </p:cNvSpPr>
+          <p:nvPr>
+            <p:ph type="sldImg"/>
+          </p:nvPr>
+        </p:nvSpPr>
+        <p:spPr/>
+      </p:sp>
+      <p:sp>
+        <p:nvSpPr>
+          <p:cNvPr id="3" name="ノート プレースホルダー 2"/>
+          <p:cNvSpPr>
+            <a:spLocks noGrp="1"/>
+          </p:cNvSpPr>
+          <p:nvPr>
+            <p:ph type="body" idx="1"/>
+          </p:nvPr>
+        </p:nvSpPr>
+        <p:spPr/>
+        <p:txBody>
+          <a:bodyPr/>
+          <a:lstStyle/>
+          <a:p>
+            <a:pPr marL="0" marR="0" lvl="0" indent="0" algn="l" defTabSz="914400" rtl="0" eaLnBrk="1" fontAlgn="auto" latinLnBrk="0" hangingPunct="1">
+              <a:lnSpc>
+                <a:spcPct val="100000"/>
+              </a:lnSpc>
+              <a:spcBef>
+                <a:spcPts val="0"/>
+              </a:spcBef>
+              <a:spcAft>
+                <a:spcPts val="0"/>
+              </a:spcAft>
+              <a:buClrTx/>
+              <a:buSzTx/>
+              <a:buFontTx/>
+              <a:buNone/>
+              <a:tabLst/>
+              <a:defRPr/>
+            </a:pPr>
+            <a:r>
+              <a:rPr lang="en-US" altLang="ja-JP" dirty="0" err="1"/>
+              <a:t>fastText</a:t>
+            </a:r>
+            <a:r>
+              <a:rPr lang="ja-JP" altLang="en-US" dirty="0"/>
+              <a:t>は、単語表現と文章分類を効率的に学習するためのライブラリです。</a:t>
+            </a:r>
+            <a:endParaRPr lang="en-US" altLang="ja-JP" dirty="0"/>
+          </a:p>
+          <a:p>
+            <a:pPr marL="0" marR="0" lvl="0" indent="0" algn="l" defTabSz="914400" rtl="0" eaLnBrk="1" fontAlgn="auto" latinLnBrk="0" hangingPunct="1">
+              <a:lnSpc>
+                <a:spcPct val="100000"/>
+              </a:lnSpc>
+              <a:spcBef>
+                <a:spcPts val="0"/>
+              </a:spcBef>
+              <a:spcAft>
+                <a:spcPts val="0"/>
+              </a:spcAft>
+              <a:buClrTx/>
+              <a:buSzTx/>
+              <a:buFontTx/>
+              <a:buNone/>
+              <a:tabLst/>
+              <a:defRPr/>
+            </a:pPr>
+            <a:r>
+              <a:rPr lang="ja-JP" altLang="en-US" dirty="0"/>
+              <a:t>流れとしては、予測したい文章を入れ、その意味を解析し、予測した結果を返してくれます。</a:t>
+            </a:r>
+            <a:endParaRPr lang="en-US" altLang="ja-JP" dirty="0"/>
+          </a:p>
+          <a:p>
+            <a:pPr marL="0" marR="0" lvl="0" indent="0" algn="l" defTabSz="914400" rtl="0" eaLnBrk="1" fontAlgn="auto" latinLnBrk="0" hangingPunct="1">
+              <a:lnSpc>
+                <a:spcPct val="100000"/>
+              </a:lnSpc>
+              <a:spcBef>
+                <a:spcPts val="0"/>
+              </a:spcBef>
+              <a:spcAft>
+                <a:spcPts val="0"/>
+              </a:spcAft>
+              <a:buClrTx/>
+              <a:buSzTx/>
+              <a:buFontTx/>
+              <a:buNone/>
+              <a:tabLst/>
+              <a:defRPr/>
+            </a:pPr>
+            <a:r>
+              <a:rPr kumimoji="1" lang="ja-JP" altLang="en-US" dirty="0"/>
+              <a:t>この図では天気と晴れ？</a:t>
+            </a:r>
+            <a:r>
+              <a:rPr kumimoji="1" lang="ja-JP" altLang="en-US" dirty="0" err="1"/>
+              <a:t>が抽</a:t>
+            </a:r>
+            <a:r>
+              <a:rPr kumimoji="1" lang="ja-JP" altLang="en-US" dirty="0"/>
+              <a:t>出されています。この二つの単語を重点的に解析することで</a:t>
+            </a:r>
+            <a:endParaRPr kumimoji="1" lang="en-US" altLang="ja-JP" dirty="0"/>
+          </a:p>
+          <a:p>
+            <a:pPr marL="0" marR="0" lvl="0" indent="0" algn="l" defTabSz="914400" rtl="0" eaLnBrk="1" fontAlgn="auto" latinLnBrk="0" hangingPunct="1">
+              <a:lnSpc>
+                <a:spcPct val="100000"/>
+              </a:lnSpc>
+              <a:spcBef>
+                <a:spcPts val="0"/>
+              </a:spcBef>
+              <a:spcAft>
+                <a:spcPts val="0"/>
+              </a:spcAft>
+              <a:buClrTx/>
+              <a:buSzTx/>
+              <a:buFontTx/>
+              <a:buNone/>
+              <a:tabLst/>
+              <a:defRPr/>
+            </a:pPr>
+            <a:r>
+              <a:rPr kumimoji="1" lang="ja-JP" altLang="en-US"/>
+              <a:t>この文章が天気に関する文章であると結果を返します</a:t>
+            </a:r>
+            <a:endParaRPr kumimoji="1" lang="ja-JP" altLang="en-US" dirty="0"/>
+          </a:p>
+          <a:p>
+            <a:pPr marL="0" marR="0" lvl="0" indent="0" algn="l" defTabSz="914400" rtl="0" eaLnBrk="1" fontAlgn="auto" latinLnBrk="0" hangingPunct="1">
+              <a:lnSpc>
+                <a:spcPct val="100000"/>
+              </a:lnSpc>
+              <a:spcBef>
+                <a:spcPts val="0"/>
+              </a:spcBef>
+              <a:spcAft>
+                <a:spcPts val="0"/>
+              </a:spcAft>
+              <a:buClrTx/>
+              <a:buSzTx/>
+              <a:buFontTx/>
+              <a:buNone/>
+              <a:tabLst/>
+              <a:defRPr/>
+            </a:pPr>
+            <a:endParaRPr lang="en-US" altLang="ja-JP" dirty="0"/>
+          </a:p>
+          <a:p>
+            <a:pPr marL="0" marR="0" lvl="0" indent="0" algn="l" defTabSz="914400" rtl="0" eaLnBrk="1" fontAlgn="auto" latinLnBrk="0" hangingPunct="1">
+              <a:lnSpc>
+                <a:spcPct val="100000"/>
+              </a:lnSpc>
+              <a:spcBef>
+                <a:spcPts val="0"/>
+              </a:spcBef>
+              <a:spcAft>
+                <a:spcPts val="0"/>
+              </a:spcAft>
+              <a:buClrTx/>
+              <a:buSzTx/>
+              <a:buFontTx/>
+              <a:buNone/>
+              <a:tabLst/>
+              <a:defRPr/>
+            </a:pPr>
+            <a:endParaRPr kumimoji="1" lang="ja-JP" altLang="en-US" dirty="0"/>
+          </a:p>
+          <a:p>
+            <a:endParaRPr kumimoji="1" lang="ja-JP" altLang="en-US" dirty="0"/>
+          </a:p>
+        </p:txBody>
+      </p:sp>
+      <p:sp>
+        <p:nvSpPr>
+          <p:cNvPr id="4" name="スライド番号プレースホルダー 3"/>
+          <p:cNvSpPr>
+            <a:spLocks noGrp="1"/>
+          </p:cNvSpPr>
+          <p:nvPr>
+            <p:ph type="sldNum" sz="quarter" idx="5"/>
+          </p:nvPr>
+        </p:nvSpPr>
+        <p:spPr/>
+        <p:txBody>
+          <a:bodyPr/>
+          <a:lstStyle/>
+          <a:p>
+            <a:fld id="{8DF1E08D-4A53-4A5C-9DAB-BDA17F3E8D74}" type="slidenum">
+              <a:rPr kumimoji="1" lang="ja-JP" altLang="en-US" smtClean="0"/>
+              <a:t>2</a:t>
+            </a:fld>
+            <a:endParaRPr kumimoji="1" lang="ja-JP" altLang="en-US"/>
+          </a:p>
+        </p:txBody>
+      </p:sp>
+    </p:spTree>
+    <p:extLst>
+      <p:ext uri="{BB962C8B-B14F-4D97-AF65-F5344CB8AC3E}">
+        <p14:creationId xmlns:p14="http://schemas.microsoft.com/office/powerpoint/2010/main" val="1647683301"/>
+      </p:ext>
+    </p:extLst>
+  </p:cSld>
+  <p:clrMapOvr>
+    <a:masterClrMapping/>
+  </p:clrMapOvr>
+</p:notes>
+</file>
+
+<file path=ppt/notesSlides/notesSlide2.xml><?xml version="1.0" encoding="utf-8"?>
+<p:notes xmlns:a="http://schemas.openxmlformats.org/drawingml/2006/main" xmlns:r="http://schemas.openxmlformats.org/officeDocument/2006/relationships" xmlns:p="http://schemas.openxmlformats.org/presentationml/2006/main">
+  <p:cSld>
+    <p:spTree>
+      <p:nvGrpSpPr>
+        <p:cNvPr id="1" name=""/>
+        <p:cNvGrpSpPr/>
+        <p:nvPr/>
+      </p:nvGrpSpPr>
+      <p:grpSpPr>
+        <a:xfrm>
+          <a:off x="0" y="0"/>
+          <a:ext cx="0" cy="0"/>
+          <a:chOff x="0" y="0"/>
+          <a:chExt cx="0" cy="0"/>
+        </a:xfrm>
+      </p:grpSpPr>
+      <p:sp>
+        <p:nvSpPr>
+          <p:cNvPr id="2" name="スライド イメージ プレースホルダー 1"/>
+          <p:cNvSpPr>
+            <a:spLocks noGrp="1" noRot="1" noChangeAspect="1"/>
+          </p:cNvSpPr>
+          <p:nvPr>
+            <p:ph type="sldImg"/>
+          </p:nvPr>
+        </p:nvSpPr>
+        <p:spPr/>
+      </p:sp>
+      <p:sp>
+        <p:nvSpPr>
+          <p:cNvPr id="3" name="ノート プレースホルダー 2"/>
+          <p:cNvSpPr>
+            <a:spLocks noGrp="1"/>
+          </p:cNvSpPr>
+          <p:nvPr>
+            <p:ph type="body" idx="1"/>
+          </p:nvPr>
+        </p:nvSpPr>
+        <p:spPr/>
+        <p:txBody>
+          <a:bodyPr/>
+          <a:lstStyle/>
+          <a:p>
+            <a:r>
+              <a:rPr kumimoji="1" lang="ja-JP" altLang="en-US" dirty="0"/>
+              <a:t>本来の作り方としては、トレーニングデータ用の文章を形態素解析で単語ごとに分割するのですが、</a:t>
+            </a:r>
+            <a:r>
+              <a:rPr kumimoji="1" lang="en-US" altLang="ja-JP" dirty="0" err="1"/>
+              <a:t>fastText</a:t>
+            </a:r>
+            <a:r>
+              <a:rPr kumimoji="1" lang="ja-JP" altLang="en-US" dirty="0"/>
+              <a:t>では</a:t>
+            </a:r>
+            <a:r>
+              <a:rPr kumimoji="1" lang="en-US" altLang="ja-JP" dirty="0"/>
+              <a:t>1</a:t>
+            </a:r>
+            <a:r>
+              <a:rPr kumimoji="1" lang="ja-JP" altLang="en-US" dirty="0" err="1"/>
+              <a:t>つの</a:t>
+            </a:r>
+            <a:r>
+              <a:rPr kumimoji="1" lang="ja-JP" altLang="en-US" dirty="0"/>
+              <a:t>単語を１つのデータとして扱うため、</a:t>
+            </a:r>
+            <a:endParaRPr kumimoji="1" lang="en-US" altLang="ja-JP" dirty="0"/>
+          </a:p>
+          <a:p>
+            <a:r>
+              <a:rPr kumimoji="1" lang="ja-JP" altLang="en-US" dirty="0"/>
+              <a:t>「今日の天気は晴れ？」という文章のあとに「今日の天気を教えて」という文章を追加しても、「今日の天気」の部分が重複してしまうため、その分データが増えないことになります</a:t>
+            </a:r>
+            <a:endParaRPr kumimoji="1" lang="en-US" altLang="ja-JP" dirty="0"/>
+          </a:p>
+          <a:p>
+            <a:r>
+              <a:rPr kumimoji="1" lang="ja-JP" altLang="en-US" dirty="0"/>
+              <a:t>私たちが使うであろう文章は、単語が多く重複してしまうため、対策を考えました</a:t>
+            </a:r>
+            <a:endParaRPr kumimoji="1" lang="en-US" altLang="ja-JP" dirty="0"/>
+          </a:p>
+          <a:p>
+            <a:r>
+              <a:rPr kumimoji="1" lang="ja-JP" altLang="en-US" dirty="0"/>
+              <a:t>解決策として、文章を分割せずに、そのまま</a:t>
+            </a:r>
+            <a:r>
+              <a:rPr kumimoji="1" lang="en-US" altLang="ja-JP" dirty="0"/>
+              <a:t>1</a:t>
+            </a:r>
+            <a:r>
+              <a:rPr kumimoji="1" lang="ja-JP" altLang="en-US" dirty="0" err="1"/>
+              <a:t>つの</a:t>
+            </a:r>
+            <a:r>
+              <a:rPr kumimoji="1" lang="ja-JP" altLang="en-US" dirty="0"/>
+              <a:t>文章を</a:t>
+            </a:r>
+            <a:r>
+              <a:rPr kumimoji="1" lang="en-US" altLang="ja-JP" dirty="0"/>
+              <a:t>1</a:t>
+            </a:r>
+            <a:r>
+              <a:rPr kumimoji="1" lang="ja-JP" altLang="en-US" dirty="0" err="1"/>
+              <a:t>つの</a:t>
+            </a:r>
+            <a:r>
+              <a:rPr kumimoji="1" lang="ja-JP" altLang="en-US" dirty="0"/>
+              <a:t>単語として扱うという方法を考えました</a:t>
+            </a:r>
+            <a:endParaRPr kumimoji="1" lang="en-US" altLang="ja-JP" dirty="0"/>
+          </a:p>
+          <a:p>
+            <a:r>
+              <a:rPr kumimoji="1" lang="ja-JP" altLang="en-US" dirty="0"/>
+              <a:t>こうすることで、入力した文章がそのまま</a:t>
+            </a:r>
+            <a:r>
+              <a:rPr kumimoji="1" lang="en-US" altLang="ja-JP" dirty="0"/>
+              <a:t>1</a:t>
+            </a:r>
+            <a:r>
+              <a:rPr kumimoji="1" lang="ja-JP" altLang="en-US" dirty="0" err="1"/>
+              <a:t>つの</a:t>
+            </a:r>
+            <a:r>
+              <a:rPr kumimoji="1" lang="ja-JP" altLang="en-US" dirty="0"/>
+              <a:t>データとして扱えるので、データを増やしやすくなります</a:t>
+            </a:r>
+            <a:endParaRPr kumimoji="1" lang="en-US" altLang="ja-JP" dirty="0"/>
+          </a:p>
+        </p:txBody>
+      </p:sp>
+      <p:sp>
+        <p:nvSpPr>
+          <p:cNvPr id="4" name="スライド番号プレースホルダー 3"/>
+          <p:cNvSpPr>
+            <a:spLocks noGrp="1"/>
+          </p:cNvSpPr>
+          <p:nvPr>
+            <p:ph type="sldNum" sz="quarter" idx="5"/>
+          </p:nvPr>
+        </p:nvSpPr>
+        <p:spPr/>
+        <p:txBody>
+          <a:bodyPr/>
+          <a:lstStyle/>
+          <a:p>
+            <a:fld id="{8DF1E08D-4A53-4A5C-9DAB-BDA17F3E8D74}" type="slidenum">
+              <a:rPr kumimoji="1" lang="ja-JP" altLang="en-US" smtClean="0"/>
+              <a:t>4</a:t>
+            </a:fld>
+            <a:endParaRPr kumimoji="1" lang="ja-JP" altLang="en-US"/>
+          </a:p>
+        </p:txBody>
+      </p:sp>
+    </p:spTree>
+    <p:extLst>
+      <p:ext uri="{BB962C8B-B14F-4D97-AF65-F5344CB8AC3E}">
+        <p14:creationId xmlns:p14="http://schemas.microsoft.com/office/powerpoint/2010/main" val="2082119112"/>
+      </p:ext>
+    </p:extLst>
+  </p:cSld>
+  <p:clrMapOvr>
+    <a:masterClrMapping/>
+  </p:clrMapOvr>
+</p:notes>
+</file>
+
+<file path=ppt/notesSlides/notesSlide3.xml><?xml version="1.0" encoding="utf-8"?>
+<p:notes xmlns:a="http://schemas.openxmlformats.org/drawingml/2006/main" xmlns:r="http://schemas.openxmlformats.org/officeDocument/2006/relationships" xmlns:p="http://schemas.openxmlformats.org/presentationml/2006/main">
+  <p:cSld>
+    <p:spTree>
+      <p:nvGrpSpPr>
+        <p:cNvPr id="1" name=""/>
+        <p:cNvGrpSpPr/>
+        <p:nvPr/>
+      </p:nvGrpSpPr>
+      <p:grpSpPr>
+        <a:xfrm>
+          <a:off x="0" y="0"/>
+          <a:ext cx="0" cy="0"/>
+          <a:chOff x="0" y="0"/>
+          <a:chExt cx="0" cy="0"/>
+        </a:xfrm>
+      </p:grpSpPr>
+      <p:sp>
+        <p:nvSpPr>
+          <p:cNvPr id="2" name="スライド イメージ プレースホルダー 1"/>
+          <p:cNvSpPr>
+            <a:spLocks noGrp="1" noRot="1" noChangeAspect="1"/>
+          </p:cNvSpPr>
+          <p:nvPr>
+            <p:ph type="sldImg"/>
+          </p:nvPr>
+        </p:nvSpPr>
+        <p:spPr/>
+      </p:sp>
+      <p:sp>
+        <p:nvSpPr>
+          <p:cNvPr id="3" name="ノート プレースホルダー 2"/>
+          <p:cNvSpPr>
+            <a:spLocks noGrp="1"/>
+          </p:cNvSpPr>
+          <p:nvPr>
+            <p:ph type="body" idx="1"/>
+          </p:nvPr>
+        </p:nvSpPr>
+        <p:spPr/>
+        <p:txBody>
+          <a:bodyPr/>
+          <a:lstStyle/>
+          <a:p>
+            <a:r>
+              <a:rPr kumimoji="1" lang="ja-JP" altLang="en-US" dirty="0"/>
+              <a:t>現在はデータを増やす方向で精度を上げていますがパラメーターを</a:t>
+            </a:r>
+          </a:p>
+        </p:txBody>
+      </p:sp>
+      <p:sp>
+        <p:nvSpPr>
+          <p:cNvPr id="4" name="スライド番号プレースホルダー 3"/>
+          <p:cNvSpPr>
+            <a:spLocks noGrp="1"/>
+          </p:cNvSpPr>
+          <p:nvPr>
+            <p:ph type="sldNum" sz="quarter" idx="5"/>
+          </p:nvPr>
+        </p:nvSpPr>
+        <p:spPr/>
+        <p:txBody>
+          <a:bodyPr/>
+          <a:lstStyle/>
+          <a:p>
+            <a:fld id="{8DF1E08D-4A53-4A5C-9DAB-BDA17F3E8D74}" type="slidenum">
+              <a:rPr kumimoji="1" lang="ja-JP" altLang="en-US" smtClean="0"/>
+              <a:t>5</a:t>
+            </a:fld>
+            <a:endParaRPr kumimoji="1" lang="ja-JP" altLang="en-US"/>
+          </a:p>
+        </p:txBody>
+      </p:sp>
+    </p:spTree>
+    <p:extLst>
+      <p:ext uri="{BB962C8B-B14F-4D97-AF65-F5344CB8AC3E}">
+        <p14:creationId xmlns:p14="http://schemas.microsoft.com/office/powerpoint/2010/main" val="1326187351"/>
+      </p:ext>
+    </p:extLst>
+  </p:cSld>
+  <p:clrMapOvr>
+    <a:masterClrMapping/>
+  </p:clrMapOvr>
+</p:notes>
 </file>
 
 <file path=ppt/slideLayouts/slideLayout1.xml><?xml version="1.0" encoding="utf-8"?>
@@ -258,7 +1139,7 @@
           <a:p>
             <a:fld id="{C3207B85-80BE-4221-9A94-62BEF993681B}" type="datetimeFigureOut">
               <a:rPr kumimoji="1" lang="ja-JP" altLang="en-US" smtClean="0"/>
-              <a:t>2021/12/1</a:t>
+              <a:t>2021/12/3</a:t>
             </a:fld>
             <a:endParaRPr kumimoji="1" lang="ja-JP" altLang="en-US"/>
           </a:p>
@@ -488,7 +1369,7 @@
           <a:p>
             <a:fld id="{C3207B85-80BE-4221-9A94-62BEF993681B}" type="datetimeFigureOut">
               <a:rPr kumimoji="1" lang="ja-JP" altLang="en-US" smtClean="0"/>
-              <a:t>2021/12/1</a:t>
+              <a:t>2021/12/3</a:t>
             </a:fld>
             <a:endParaRPr kumimoji="1" lang="ja-JP" altLang="en-US"/>
           </a:p>
@@ -728,7 +1609,7 @@
           <a:p>
             <a:fld id="{C3207B85-80BE-4221-9A94-62BEF993681B}" type="datetimeFigureOut">
               <a:rPr kumimoji="1" lang="ja-JP" altLang="en-US" smtClean="0"/>
-              <a:t>2021/12/1</a:t>
+              <a:t>2021/12/3</a:t>
             </a:fld>
             <a:endParaRPr kumimoji="1" lang="ja-JP" altLang="en-US"/>
           </a:p>
@@ -958,7 +1839,7 @@
           <a:p>
             <a:fld id="{C3207B85-80BE-4221-9A94-62BEF993681B}" type="datetimeFigureOut">
               <a:rPr kumimoji="1" lang="ja-JP" altLang="en-US" smtClean="0"/>
-              <a:t>2021/12/1</a:t>
+              <a:t>2021/12/3</a:t>
             </a:fld>
             <a:endParaRPr kumimoji="1" lang="ja-JP" altLang="en-US"/>
           </a:p>
@@ -1233,7 +2114,7 @@
           <a:p>
             <a:fld id="{C3207B85-80BE-4221-9A94-62BEF993681B}" type="datetimeFigureOut">
               <a:rPr kumimoji="1" lang="ja-JP" altLang="en-US" smtClean="0"/>
-              <a:t>2021/12/1</a:t>
+              <a:t>2021/12/3</a:t>
             </a:fld>
             <a:endParaRPr kumimoji="1" lang="ja-JP" altLang="en-US"/>
           </a:p>
@@ -1562,7 +2443,7 @@
           <a:p>
             <a:fld id="{C3207B85-80BE-4221-9A94-62BEF993681B}" type="datetimeFigureOut">
               <a:rPr kumimoji="1" lang="ja-JP" altLang="en-US" smtClean="0"/>
-              <a:t>2021/12/1</a:t>
+              <a:t>2021/12/3</a:t>
             </a:fld>
             <a:endParaRPr kumimoji="1" lang="ja-JP" altLang="en-US"/>
           </a:p>
@@ -2038,7 +2919,7 @@
           <a:p>
             <a:fld id="{C3207B85-80BE-4221-9A94-62BEF993681B}" type="datetimeFigureOut">
               <a:rPr kumimoji="1" lang="ja-JP" altLang="en-US" smtClean="0"/>
-              <a:t>2021/12/1</a:t>
+              <a:t>2021/12/3</a:t>
             </a:fld>
             <a:endParaRPr kumimoji="1" lang="ja-JP" altLang="en-US"/>
           </a:p>
@@ -2179,7 +3060,7 @@
           <a:p>
             <a:fld id="{C3207B85-80BE-4221-9A94-62BEF993681B}" type="datetimeFigureOut">
               <a:rPr kumimoji="1" lang="ja-JP" altLang="en-US" smtClean="0"/>
-              <a:t>2021/12/1</a:t>
+              <a:t>2021/12/3</a:t>
             </a:fld>
             <a:endParaRPr kumimoji="1" lang="ja-JP" altLang="en-US"/>
           </a:p>
@@ -2292,7 +3173,7 @@
           <a:p>
             <a:fld id="{C3207B85-80BE-4221-9A94-62BEF993681B}" type="datetimeFigureOut">
               <a:rPr kumimoji="1" lang="ja-JP" altLang="en-US" smtClean="0"/>
-              <a:t>2021/12/1</a:t>
+              <a:t>2021/12/3</a:t>
             </a:fld>
             <a:endParaRPr kumimoji="1" lang="ja-JP" altLang="en-US"/>
           </a:p>
@@ -2635,7 +3516,7 @@
           <a:p>
             <a:fld id="{C3207B85-80BE-4221-9A94-62BEF993681B}" type="datetimeFigureOut">
               <a:rPr kumimoji="1" lang="ja-JP" altLang="en-US" smtClean="0"/>
-              <a:t>2021/12/1</a:t>
+              <a:t>2021/12/3</a:t>
             </a:fld>
             <a:endParaRPr kumimoji="1" lang="ja-JP" altLang="en-US"/>
           </a:p>
@@ -2923,7 +3804,7 @@
           <a:p>
             <a:fld id="{C3207B85-80BE-4221-9A94-62BEF993681B}" type="datetimeFigureOut">
               <a:rPr kumimoji="1" lang="ja-JP" altLang="en-US" smtClean="0"/>
-              <a:t>2021/12/1</a:t>
+              <a:t>2021/12/3</a:t>
             </a:fld>
             <a:endParaRPr kumimoji="1" lang="ja-JP" altLang="en-US"/>
           </a:p>
@@ -3196,7 +4077,7 @@
           <a:p>
             <a:fld id="{C3207B85-80BE-4221-9A94-62BEF993681B}" type="datetimeFigureOut">
               <a:rPr kumimoji="1" lang="ja-JP" altLang="en-US" smtClean="0"/>
-              <a:t>2021/12/1</a:t>
+              <a:t>2021/12/3</a:t>
             </a:fld>
             <a:endParaRPr kumimoji="1" lang="ja-JP" altLang="en-US"/>
           </a:p>
@@ -3636,7 +4517,7 @@
           <a:p>
             <a:r>
               <a:rPr kumimoji="1" lang="en-US" altLang="ja-JP" dirty="0" err="1"/>
-              <a:t>Fasttext</a:t>
+              <a:t>fastText</a:t>
             </a:r>
             <a:r>
               <a:rPr kumimoji="1" lang="en-US" altLang="ja-JP" baseline="0" dirty="0"/>
@@ -3671,15 +4552,59 @@
           <a:bodyPr/>
           <a:lstStyle/>
           <a:p>
-            <a:r>
-              <a:rPr lang="en-US" altLang="ja-JP" dirty="0" err="1"/>
-              <a:t>fastText</a:t>
-            </a:r>
-            <a:r>
-              <a:rPr lang="ja-JP" altLang="en-US" dirty="0"/>
-              <a:t>は、単語表現と文分類を効率的に学習するためのライブラリです</a:t>
-            </a:r>
             <a:endParaRPr kumimoji="1" lang="ja-JP" altLang="en-US" dirty="0"/>
+          </a:p>
+        </p:txBody>
+      </p:sp>
+      <p:sp>
+        <p:nvSpPr>
+          <p:cNvPr id="4" name="正方形/長方形 3">
+            <a:extLst>
+              <a:ext uri="{FF2B5EF4-FFF2-40B4-BE49-F238E27FC236}">
+                <a16:creationId xmlns:a16="http://schemas.microsoft.com/office/drawing/2014/main" id="{CE93B8AB-A3C2-4A18-BB3C-FECBD6BEBFEF}"/>
+              </a:ext>
+            </a:extLst>
+          </p:cNvPr>
+          <p:cNvSpPr/>
+          <p:nvPr/>
+        </p:nvSpPr>
+        <p:spPr>
+          <a:xfrm>
+            <a:off x="9508067" y="0"/>
+            <a:ext cx="2683933" cy="1593908"/>
+          </a:xfrm>
+          <a:prstGeom prst="rect">
+            <a:avLst/>
+          </a:prstGeom>
+          <a:solidFill>
+            <a:schemeClr val="accent6">
+              <a:lumMod val="60000"/>
+              <a:lumOff val="40000"/>
+            </a:schemeClr>
+          </a:solidFill>
+        </p:spPr>
+        <p:style>
+          <a:lnRef idx="2">
+            <a:schemeClr val="accent1">
+              <a:shade val="50000"/>
+            </a:schemeClr>
+          </a:lnRef>
+          <a:fillRef idx="1">
+            <a:schemeClr val="accent1"/>
+          </a:fillRef>
+          <a:effectRef idx="0">
+            <a:schemeClr val="accent1"/>
+          </a:effectRef>
+          <a:fontRef idx="minor">
+            <a:schemeClr val="lt1"/>
+          </a:fontRef>
+        </p:style>
+        <p:txBody>
+          <a:bodyPr rtlCol="0" anchor="ctr"/>
+          <a:lstStyle/>
+          <a:p>
+            <a:pPr algn="ctr"/>
+            <a:endParaRPr kumimoji="1" lang="ja-JP" altLang="en-US"/>
           </a:p>
         </p:txBody>
       </p:sp>
@@ -3729,7 +4654,12 @@
             <p:ph type="title"/>
           </p:nvPr>
         </p:nvSpPr>
-        <p:spPr/>
+        <p:spPr>
+          <a:xfrm>
+            <a:off x="838200" y="365125"/>
+            <a:ext cx="10515600" cy="1325563"/>
+          </a:xfrm>
+        </p:spPr>
         <p:txBody>
           <a:bodyPr/>
           <a:lstStyle/>
@@ -3743,26 +4673,826 @@
       </p:sp>
       <p:sp>
         <p:nvSpPr>
-          <p:cNvPr id="6" name="コンテンツ プレースホルダー 5">
-            <a:extLst>
-              <a:ext uri="{FF2B5EF4-FFF2-40B4-BE49-F238E27FC236}">
-                <a16:creationId xmlns:a16="http://schemas.microsoft.com/office/drawing/2014/main" id="{7A71A4CF-9AC4-4CFD-B5AE-3C1757A396D9}"/>
-              </a:ext>
-            </a:extLst>
-          </p:cNvPr>
-          <p:cNvSpPr>
-            <a:spLocks noGrp="1"/>
-          </p:cNvSpPr>
-          <p:nvPr>
-            <p:ph idx="1"/>
-          </p:nvPr>
-        </p:nvSpPr>
-        <p:spPr/>
-        <p:txBody>
-          <a:bodyPr/>
-          <a:lstStyle/>
-          <a:p>
+          <p:cNvPr id="3" name="正方形/長方形 2">
+            <a:extLst>
+              <a:ext uri="{FF2B5EF4-FFF2-40B4-BE49-F238E27FC236}">
+                <a16:creationId xmlns:a16="http://schemas.microsoft.com/office/drawing/2014/main" id="{9EB847BF-5C10-45D4-9710-F38D68B894E0}"/>
+              </a:ext>
+            </a:extLst>
+          </p:cNvPr>
+          <p:cNvSpPr/>
+          <p:nvPr/>
+        </p:nvSpPr>
+        <p:spPr>
+          <a:xfrm>
+            <a:off x="1316254" y="2420777"/>
+            <a:ext cx="1827463" cy="1930400"/>
+          </a:xfrm>
+          <a:prstGeom prst="rect">
+            <a:avLst/>
+          </a:prstGeom>
+          <a:ln>
+            <a:solidFill>
+              <a:schemeClr val="tx1">
+                <a:lumMod val="95000"/>
+                <a:lumOff val="5000"/>
+              </a:schemeClr>
+            </a:solidFill>
+          </a:ln>
+          <a:effectLst>
+            <a:outerShdw blurRad="50800" dist="38100" dir="2700000" algn="tl" rotWithShape="0">
+              <a:prstClr val="black">
+                <a:alpha val="40000"/>
+              </a:prstClr>
+            </a:outerShdw>
+          </a:effectLst>
+        </p:spPr>
+        <p:style>
+          <a:lnRef idx="2">
+            <a:schemeClr val="accent6"/>
+          </a:lnRef>
+          <a:fillRef idx="1">
+            <a:schemeClr val="lt1"/>
+          </a:fillRef>
+          <a:effectRef idx="0">
+            <a:schemeClr val="accent6"/>
+          </a:effectRef>
+          <a:fontRef idx="minor">
+            <a:schemeClr val="dk1"/>
+          </a:fontRef>
+        </p:style>
+        <p:txBody>
+          <a:bodyPr rtlCol="0" anchor="ctr"/>
+          <a:lstStyle/>
+          <a:p>
+            <a:pPr algn="ctr"/>
+            <a:r>
+              <a:rPr lang="ja-JP" altLang="en-US" dirty="0"/>
+              <a:t>予測したい文章を入れる</a:t>
+            </a:r>
             <a:endParaRPr kumimoji="1" lang="ja-JP" altLang="en-US" dirty="0"/>
+          </a:p>
+        </p:txBody>
+      </p:sp>
+      <p:sp>
+        <p:nvSpPr>
+          <p:cNvPr id="4" name="矢印: 右 3">
+            <a:extLst>
+              <a:ext uri="{FF2B5EF4-FFF2-40B4-BE49-F238E27FC236}">
+                <a16:creationId xmlns:a16="http://schemas.microsoft.com/office/drawing/2014/main" id="{FCAA5B2B-B2D0-4027-A4FC-18422A933228}"/>
+              </a:ext>
+            </a:extLst>
+          </p:cNvPr>
+          <p:cNvSpPr/>
+          <p:nvPr/>
+        </p:nvSpPr>
+        <p:spPr>
+          <a:xfrm>
+            <a:off x="3209071" y="2551028"/>
+            <a:ext cx="1251284" cy="1106905"/>
+          </a:xfrm>
+          <a:prstGeom prst="rightArrow">
+            <a:avLst/>
+          </a:prstGeom>
+        </p:spPr>
+        <p:style>
+          <a:lnRef idx="2">
+            <a:schemeClr val="accent1">
+              <a:shade val="50000"/>
+            </a:schemeClr>
+          </a:lnRef>
+          <a:fillRef idx="1">
+            <a:schemeClr val="accent1"/>
+          </a:fillRef>
+          <a:effectRef idx="0">
+            <a:schemeClr val="accent1"/>
+          </a:effectRef>
+          <a:fontRef idx="minor">
+            <a:schemeClr val="lt1"/>
+          </a:fontRef>
+        </p:style>
+        <p:txBody>
+          <a:bodyPr rtlCol="0" anchor="ctr"/>
+          <a:lstStyle/>
+          <a:p>
+            <a:pPr algn="ctr"/>
+            <a:endParaRPr kumimoji="1" lang="ja-JP" altLang="en-US"/>
+          </a:p>
+        </p:txBody>
+      </p:sp>
+      <p:sp>
+        <p:nvSpPr>
+          <p:cNvPr id="5" name="正方形/長方形 4">
+            <a:extLst>
+              <a:ext uri="{FF2B5EF4-FFF2-40B4-BE49-F238E27FC236}">
+                <a16:creationId xmlns:a16="http://schemas.microsoft.com/office/drawing/2014/main" id="{3C98069C-13A5-4C19-903B-38044E1D69DF}"/>
+              </a:ext>
+            </a:extLst>
+          </p:cNvPr>
+          <p:cNvSpPr/>
+          <p:nvPr/>
+        </p:nvSpPr>
+        <p:spPr>
+          <a:xfrm>
+            <a:off x="997284" y="3961622"/>
+            <a:ext cx="2618072" cy="723884"/>
+          </a:xfrm>
+          <a:prstGeom prst="rect">
+            <a:avLst/>
+          </a:prstGeom>
+          <a:effectLst>
+            <a:outerShdw blurRad="50800" dist="38100" dir="18900000" algn="bl" rotWithShape="0">
+              <a:prstClr val="black">
+                <a:alpha val="40000"/>
+              </a:prstClr>
+            </a:outerShdw>
+          </a:effectLst>
+        </p:spPr>
+        <p:style>
+          <a:lnRef idx="2">
+            <a:schemeClr val="accent2"/>
+          </a:lnRef>
+          <a:fillRef idx="1">
+            <a:schemeClr val="lt1"/>
+          </a:fillRef>
+          <a:effectRef idx="0">
+            <a:schemeClr val="accent2"/>
+          </a:effectRef>
+          <a:fontRef idx="minor">
+            <a:schemeClr val="dk1"/>
+          </a:fontRef>
+        </p:style>
+        <p:txBody>
+          <a:bodyPr rtlCol="0" anchor="ctr"/>
+          <a:lstStyle/>
+          <a:p>
+            <a:pPr algn="ctr"/>
+            <a:r>
+              <a:rPr lang="ja-JP" altLang="en-US" dirty="0"/>
+              <a:t>今日の天気は晴れ？</a:t>
+            </a:r>
+            <a:endParaRPr kumimoji="1" lang="ja-JP" altLang="en-US" dirty="0"/>
+          </a:p>
+        </p:txBody>
+      </p:sp>
+      <p:sp>
+        <p:nvSpPr>
+          <p:cNvPr id="7" name="正方形/長方形 6">
+            <a:extLst>
+              <a:ext uri="{FF2B5EF4-FFF2-40B4-BE49-F238E27FC236}">
+                <a16:creationId xmlns:a16="http://schemas.microsoft.com/office/drawing/2014/main" id="{17AD7007-37B6-42F3-BE00-20C827F49049}"/>
+              </a:ext>
+            </a:extLst>
+          </p:cNvPr>
+          <p:cNvSpPr/>
+          <p:nvPr/>
+        </p:nvSpPr>
+        <p:spPr>
+          <a:xfrm>
+            <a:off x="4455962" y="2420777"/>
+            <a:ext cx="1827463" cy="1930400"/>
+          </a:xfrm>
+          <a:prstGeom prst="rect">
+            <a:avLst/>
+          </a:prstGeom>
+          <a:ln>
+            <a:solidFill>
+              <a:schemeClr val="tx1">
+                <a:lumMod val="95000"/>
+                <a:lumOff val="5000"/>
+              </a:schemeClr>
+            </a:solidFill>
+          </a:ln>
+          <a:effectLst>
+            <a:outerShdw blurRad="50800" dist="38100" dir="2700000" algn="tl" rotWithShape="0">
+              <a:prstClr val="black">
+                <a:alpha val="40000"/>
+              </a:prstClr>
+            </a:outerShdw>
+          </a:effectLst>
+        </p:spPr>
+        <p:style>
+          <a:lnRef idx="2">
+            <a:schemeClr val="accent6"/>
+          </a:lnRef>
+          <a:fillRef idx="1">
+            <a:schemeClr val="lt1"/>
+          </a:fillRef>
+          <a:effectRef idx="0">
+            <a:schemeClr val="accent6"/>
+          </a:effectRef>
+          <a:fontRef idx="minor">
+            <a:schemeClr val="dk1"/>
+          </a:fontRef>
+        </p:style>
+        <p:txBody>
+          <a:bodyPr rtlCol="0" anchor="ctr"/>
+          <a:lstStyle/>
+          <a:p>
+            <a:pPr algn="ctr"/>
+            <a:r>
+              <a:rPr kumimoji="1" lang="ja-JP" altLang="en-US" dirty="0"/>
+              <a:t>意味を解析</a:t>
+            </a:r>
+          </a:p>
+        </p:txBody>
+      </p:sp>
+      <p:sp>
+        <p:nvSpPr>
+          <p:cNvPr id="8" name="正方形/長方形 7">
+            <a:extLst>
+              <a:ext uri="{FF2B5EF4-FFF2-40B4-BE49-F238E27FC236}">
+                <a16:creationId xmlns:a16="http://schemas.microsoft.com/office/drawing/2014/main" id="{F77CB271-C758-4C37-A32B-2645499C9278}"/>
+              </a:ext>
+            </a:extLst>
+          </p:cNvPr>
+          <p:cNvSpPr/>
+          <p:nvPr/>
+        </p:nvSpPr>
+        <p:spPr>
+          <a:xfrm>
+            <a:off x="3778690" y="1653887"/>
+            <a:ext cx="696299" cy="723884"/>
+          </a:xfrm>
+          <a:prstGeom prst="rect">
+            <a:avLst/>
+          </a:prstGeom>
+          <a:effectLst>
+            <a:outerShdw blurRad="50800" dist="38100" dir="18900000" algn="bl" rotWithShape="0">
+              <a:prstClr val="black">
+                <a:alpha val="40000"/>
+              </a:prstClr>
+            </a:outerShdw>
+          </a:effectLst>
+        </p:spPr>
+        <p:style>
+          <a:lnRef idx="2">
+            <a:schemeClr val="accent2"/>
+          </a:lnRef>
+          <a:fillRef idx="1">
+            <a:schemeClr val="lt1"/>
+          </a:fillRef>
+          <a:effectRef idx="0">
+            <a:schemeClr val="accent2"/>
+          </a:effectRef>
+          <a:fontRef idx="minor">
+            <a:schemeClr val="dk1"/>
+          </a:fontRef>
+        </p:style>
+        <p:txBody>
+          <a:bodyPr rtlCol="0" anchor="ctr"/>
+          <a:lstStyle/>
+          <a:p>
+            <a:pPr algn="ctr"/>
+            <a:r>
+              <a:rPr lang="ja-JP" altLang="en-US" dirty="0"/>
+              <a:t>今日</a:t>
+            </a:r>
+            <a:endParaRPr kumimoji="1" lang="ja-JP" altLang="en-US" dirty="0"/>
+          </a:p>
+        </p:txBody>
+      </p:sp>
+      <p:sp>
+        <p:nvSpPr>
+          <p:cNvPr id="9" name="正方形/長方形 8">
+            <a:extLst>
+              <a:ext uri="{FF2B5EF4-FFF2-40B4-BE49-F238E27FC236}">
+                <a16:creationId xmlns:a16="http://schemas.microsoft.com/office/drawing/2014/main" id="{2CFE3E34-D1FA-4CDC-B96A-A3C5AE52FDFA}"/>
+              </a:ext>
+            </a:extLst>
+          </p:cNvPr>
+          <p:cNvSpPr/>
+          <p:nvPr/>
+        </p:nvSpPr>
+        <p:spPr>
+          <a:xfrm>
+            <a:off x="5204216" y="1653887"/>
+            <a:ext cx="652341" cy="723884"/>
+          </a:xfrm>
+          <a:prstGeom prst="rect">
+            <a:avLst/>
+          </a:prstGeom>
+          <a:effectLst>
+            <a:outerShdw blurRad="50800" dist="38100" dir="18900000" algn="bl" rotWithShape="0">
+              <a:prstClr val="black">
+                <a:alpha val="40000"/>
+              </a:prstClr>
+            </a:outerShdw>
+          </a:effectLst>
+        </p:spPr>
+        <p:style>
+          <a:lnRef idx="2">
+            <a:schemeClr val="accent2"/>
+          </a:lnRef>
+          <a:fillRef idx="1">
+            <a:schemeClr val="lt1"/>
+          </a:fillRef>
+          <a:effectRef idx="0">
+            <a:schemeClr val="accent2"/>
+          </a:effectRef>
+          <a:fontRef idx="minor">
+            <a:schemeClr val="dk1"/>
+          </a:fontRef>
+        </p:style>
+        <p:txBody>
+          <a:bodyPr rtlCol="0" anchor="ctr"/>
+          <a:lstStyle/>
+          <a:p>
+            <a:pPr algn="ctr"/>
+            <a:r>
+              <a:rPr lang="ja-JP" altLang="en-US" dirty="0"/>
+              <a:t>天気</a:t>
+            </a:r>
+            <a:endParaRPr kumimoji="1" lang="ja-JP" altLang="en-US" dirty="0"/>
+          </a:p>
+        </p:txBody>
+      </p:sp>
+      <p:sp>
+        <p:nvSpPr>
+          <p:cNvPr id="10" name="正方形/長方形 9">
+            <a:extLst>
+              <a:ext uri="{FF2B5EF4-FFF2-40B4-BE49-F238E27FC236}">
+                <a16:creationId xmlns:a16="http://schemas.microsoft.com/office/drawing/2014/main" id="{BC96D2ED-DFAF-4ADC-AD5C-603A991EEEF7}"/>
+              </a:ext>
+            </a:extLst>
+          </p:cNvPr>
+          <p:cNvSpPr/>
+          <p:nvPr/>
+        </p:nvSpPr>
+        <p:spPr>
+          <a:xfrm>
+            <a:off x="6038605" y="1653887"/>
+            <a:ext cx="455691" cy="723884"/>
+          </a:xfrm>
+          <a:prstGeom prst="rect">
+            <a:avLst/>
+          </a:prstGeom>
+          <a:effectLst>
+            <a:outerShdw blurRad="50800" dist="38100" dir="18900000" algn="bl" rotWithShape="0">
+              <a:prstClr val="black">
+                <a:alpha val="40000"/>
+              </a:prstClr>
+            </a:outerShdw>
+          </a:effectLst>
+        </p:spPr>
+        <p:style>
+          <a:lnRef idx="2">
+            <a:schemeClr val="accent2"/>
+          </a:lnRef>
+          <a:fillRef idx="1">
+            <a:schemeClr val="lt1"/>
+          </a:fillRef>
+          <a:effectRef idx="0">
+            <a:schemeClr val="accent2"/>
+          </a:effectRef>
+          <a:fontRef idx="minor">
+            <a:schemeClr val="dk1"/>
+          </a:fontRef>
+        </p:style>
+        <p:txBody>
+          <a:bodyPr rtlCol="0" anchor="ctr"/>
+          <a:lstStyle/>
+          <a:p>
+            <a:pPr algn="ctr"/>
+            <a:r>
+              <a:rPr lang="ja-JP" altLang="en-US" dirty="0"/>
+              <a:t>は</a:t>
+            </a:r>
+            <a:endParaRPr kumimoji="1" lang="ja-JP" altLang="en-US" dirty="0"/>
+          </a:p>
+        </p:txBody>
+      </p:sp>
+      <p:sp>
+        <p:nvSpPr>
+          <p:cNvPr id="11" name="正方形/長方形 10">
+            <a:extLst>
+              <a:ext uri="{FF2B5EF4-FFF2-40B4-BE49-F238E27FC236}">
+                <a16:creationId xmlns:a16="http://schemas.microsoft.com/office/drawing/2014/main" id="{0C761BE8-12F4-4E6D-8894-1036C8EE64C8}"/>
+              </a:ext>
+            </a:extLst>
+          </p:cNvPr>
+          <p:cNvSpPr/>
+          <p:nvPr/>
+        </p:nvSpPr>
+        <p:spPr>
+          <a:xfrm>
+            <a:off x="6636299" y="1648201"/>
+            <a:ext cx="926900" cy="723884"/>
+          </a:xfrm>
+          <a:prstGeom prst="rect">
+            <a:avLst/>
+          </a:prstGeom>
+          <a:effectLst>
+            <a:outerShdw blurRad="50800" dist="38100" dir="18900000" algn="bl" rotWithShape="0">
+              <a:prstClr val="black">
+                <a:alpha val="40000"/>
+              </a:prstClr>
+            </a:outerShdw>
+          </a:effectLst>
+        </p:spPr>
+        <p:style>
+          <a:lnRef idx="2">
+            <a:schemeClr val="accent2"/>
+          </a:lnRef>
+          <a:fillRef idx="1">
+            <a:schemeClr val="lt1"/>
+          </a:fillRef>
+          <a:effectRef idx="0">
+            <a:schemeClr val="accent2"/>
+          </a:effectRef>
+          <a:fontRef idx="minor">
+            <a:schemeClr val="dk1"/>
+          </a:fontRef>
+        </p:style>
+        <p:txBody>
+          <a:bodyPr rtlCol="0" anchor="ctr"/>
+          <a:lstStyle/>
+          <a:p>
+            <a:pPr algn="ctr"/>
+            <a:r>
+              <a:rPr lang="ja-JP" altLang="en-US" dirty="0"/>
+              <a:t>晴れ？</a:t>
+            </a:r>
+            <a:endParaRPr kumimoji="1" lang="ja-JP" altLang="en-US" dirty="0"/>
+          </a:p>
+        </p:txBody>
+      </p:sp>
+      <p:sp>
+        <p:nvSpPr>
+          <p:cNvPr id="16" name="矢印: 右 15">
+            <a:extLst>
+              <a:ext uri="{FF2B5EF4-FFF2-40B4-BE49-F238E27FC236}">
+                <a16:creationId xmlns:a16="http://schemas.microsoft.com/office/drawing/2014/main" id="{C5249B34-1B2B-484B-97A4-F85ABDD60913}"/>
+              </a:ext>
+            </a:extLst>
+          </p:cNvPr>
+          <p:cNvSpPr/>
+          <p:nvPr/>
+        </p:nvSpPr>
+        <p:spPr>
+          <a:xfrm>
+            <a:off x="6560353" y="2753037"/>
+            <a:ext cx="1251284" cy="1106905"/>
+          </a:xfrm>
+          <a:prstGeom prst="rightArrow">
+            <a:avLst/>
+          </a:prstGeom>
+        </p:spPr>
+        <p:style>
+          <a:lnRef idx="2">
+            <a:schemeClr val="accent1">
+              <a:shade val="50000"/>
+            </a:schemeClr>
+          </a:lnRef>
+          <a:fillRef idx="1">
+            <a:schemeClr val="accent1"/>
+          </a:fillRef>
+          <a:effectRef idx="0">
+            <a:schemeClr val="accent1"/>
+          </a:effectRef>
+          <a:fontRef idx="minor">
+            <a:schemeClr val="lt1"/>
+          </a:fontRef>
+        </p:style>
+        <p:txBody>
+          <a:bodyPr rtlCol="0" anchor="ctr"/>
+          <a:lstStyle/>
+          <a:p>
+            <a:pPr algn="ctr"/>
+            <a:endParaRPr kumimoji="1" lang="ja-JP" altLang="en-US"/>
+          </a:p>
+        </p:txBody>
+      </p:sp>
+      <p:sp>
+        <p:nvSpPr>
+          <p:cNvPr id="18" name="正方形/長方形 17">
+            <a:extLst>
+              <a:ext uri="{FF2B5EF4-FFF2-40B4-BE49-F238E27FC236}">
+                <a16:creationId xmlns:a16="http://schemas.microsoft.com/office/drawing/2014/main" id="{5A958CD7-9F51-4CBB-B5A5-889187194E6E}"/>
+              </a:ext>
+            </a:extLst>
+          </p:cNvPr>
+          <p:cNvSpPr/>
+          <p:nvPr/>
+        </p:nvSpPr>
+        <p:spPr>
+          <a:xfrm>
+            <a:off x="9508067" y="0"/>
+            <a:ext cx="2683933" cy="1593908"/>
+          </a:xfrm>
+          <a:prstGeom prst="rect">
+            <a:avLst/>
+          </a:prstGeom>
+          <a:solidFill>
+            <a:schemeClr val="accent6">
+              <a:lumMod val="60000"/>
+              <a:lumOff val="40000"/>
+            </a:schemeClr>
+          </a:solidFill>
+        </p:spPr>
+        <p:style>
+          <a:lnRef idx="2">
+            <a:schemeClr val="accent1">
+              <a:shade val="50000"/>
+            </a:schemeClr>
+          </a:lnRef>
+          <a:fillRef idx="1">
+            <a:schemeClr val="accent1"/>
+          </a:fillRef>
+          <a:effectRef idx="0">
+            <a:schemeClr val="accent1"/>
+          </a:effectRef>
+          <a:fontRef idx="minor">
+            <a:schemeClr val="lt1"/>
+          </a:fontRef>
+        </p:style>
+        <p:txBody>
+          <a:bodyPr rtlCol="0" anchor="ctr"/>
+          <a:lstStyle/>
+          <a:p>
+            <a:pPr algn="ctr"/>
+            <a:endParaRPr kumimoji="1" lang="ja-JP" altLang="en-US"/>
+          </a:p>
+        </p:txBody>
+      </p:sp>
+      <p:sp>
+        <p:nvSpPr>
+          <p:cNvPr id="20" name="正方形/長方形 19">
+            <a:extLst>
+              <a:ext uri="{FF2B5EF4-FFF2-40B4-BE49-F238E27FC236}">
+                <a16:creationId xmlns:a16="http://schemas.microsoft.com/office/drawing/2014/main" id="{D7E47B66-D6F3-4D18-AAD3-E7AB98E95E0E}"/>
+              </a:ext>
+            </a:extLst>
+          </p:cNvPr>
+          <p:cNvSpPr/>
+          <p:nvPr/>
+        </p:nvSpPr>
+        <p:spPr>
+          <a:xfrm>
+            <a:off x="7848006" y="2359321"/>
+            <a:ext cx="1827463" cy="1930400"/>
+          </a:xfrm>
+          <a:prstGeom prst="rect">
+            <a:avLst/>
+          </a:prstGeom>
+          <a:ln>
+            <a:solidFill>
+              <a:schemeClr val="tx1">
+                <a:lumMod val="95000"/>
+                <a:lumOff val="5000"/>
+              </a:schemeClr>
+            </a:solidFill>
+          </a:ln>
+          <a:effectLst>
+            <a:outerShdw blurRad="50800" dist="38100" dir="2700000" algn="tl" rotWithShape="0">
+              <a:prstClr val="black">
+                <a:alpha val="40000"/>
+              </a:prstClr>
+            </a:outerShdw>
+          </a:effectLst>
+        </p:spPr>
+        <p:style>
+          <a:lnRef idx="2">
+            <a:schemeClr val="accent6"/>
+          </a:lnRef>
+          <a:fillRef idx="1">
+            <a:schemeClr val="lt1"/>
+          </a:fillRef>
+          <a:effectRef idx="0">
+            <a:schemeClr val="accent6"/>
+          </a:effectRef>
+          <a:fontRef idx="minor">
+            <a:schemeClr val="dk1"/>
+          </a:fontRef>
+        </p:style>
+        <p:txBody>
+          <a:bodyPr rtlCol="0" anchor="ctr"/>
+          <a:lstStyle/>
+          <a:p>
+            <a:pPr algn="ctr"/>
+            <a:r>
+              <a:rPr kumimoji="1" lang="ja-JP" altLang="en-US" dirty="0"/>
+              <a:t>予測</a:t>
+            </a:r>
+          </a:p>
+        </p:txBody>
+      </p:sp>
+      <p:sp>
+        <p:nvSpPr>
+          <p:cNvPr id="25" name="正方形/長方形 24">
+            <a:extLst>
+              <a:ext uri="{FF2B5EF4-FFF2-40B4-BE49-F238E27FC236}">
+                <a16:creationId xmlns:a16="http://schemas.microsoft.com/office/drawing/2014/main" id="{BDEDE308-B079-4D58-9CF3-6C6646097869}"/>
+              </a:ext>
+            </a:extLst>
+          </p:cNvPr>
+          <p:cNvSpPr/>
+          <p:nvPr/>
+        </p:nvSpPr>
+        <p:spPr>
+          <a:xfrm>
+            <a:off x="4593478" y="1653887"/>
+            <a:ext cx="412167" cy="723884"/>
+          </a:xfrm>
+          <a:prstGeom prst="rect">
+            <a:avLst/>
+          </a:prstGeom>
+          <a:effectLst>
+            <a:outerShdw blurRad="50800" dist="38100" dir="18900000" algn="bl" rotWithShape="0">
+              <a:prstClr val="black">
+                <a:alpha val="40000"/>
+              </a:prstClr>
+            </a:outerShdw>
+          </a:effectLst>
+        </p:spPr>
+        <p:style>
+          <a:lnRef idx="2">
+            <a:schemeClr val="accent2"/>
+          </a:lnRef>
+          <a:fillRef idx="1">
+            <a:schemeClr val="lt1"/>
+          </a:fillRef>
+          <a:effectRef idx="0">
+            <a:schemeClr val="accent2"/>
+          </a:effectRef>
+          <a:fontRef idx="minor">
+            <a:schemeClr val="dk1"/>
+          </a:fontRef>
+        </p:style>
+        <p:txBody>
+          <a:bodyPr rtlCol="0" anchor="ctr"/>
+          <a:lstStyle/>
+          <a:p>
+            <a:pPr algn="ctr"/>
+            <a:r>
+              <a:rPr lang="ja-JP" altLang="en-US" dirty="0"/>
+              <a:t>の</a:t>
+            </a:r>
+            <a:endParaRPr kumimoji="1" lang="ja-JP" altLang="en-US" dirty="0"/>
+          </a:p>
+        </p:txBody>
+      </p:sp>
+      <p:sp>
+        <p:nvSpPr>
+          <p:cNvPr id="26" name="正方形/長方形 25">
+            <a:extLst>
+              <a:ext uri="{FF2B5EF4-FFF2-40B4-BE49-F238E27FC236}">
+                <a16:creationId xmlns:a16="http://schemas.microsoft.com/office/drawing/2014/main" id="{005B569B-6A26-45FF-8251-0C150346E7B1}"/>
+              </a:ext>
+            </a:extLst>
+          </p:cNvPr>
+          <p:cNvSpPr/>
+          <p:nvPr/>
+        </p:nvSpPr>
+        <p:spPr>
+          <a:xfrm>
+            <a:off x="4147220" y="4524434"/>
+            <a:ext cx="652341" cy="723884"/>
+          </a:xfrm>
+          <a:prstGeom prst="rect">
+            <a:avLst/>
+          </a:prstGeom>
+          <a:effectLst>
+            <a:outerShdw blurRad="50800" dist="38100" dir="18900000" algn="bl" rotWithShape="0">
+              <a:prstClr val="black">
+                <a:alpha val="40000"/>
+              </a:prstClr>
+            </a:outerShdw>
+          </a:effectLst>
+        </p:spPr>
+        <p:style>
+          <a:lnRef idx="2">
+            <a:schemeClr val="accent2"/>
+          </a:lnRef>
+          <a:fillRef idx="1">
+            <a:schemeClr val="lt1"/>
+          </a:fillRef>
+          <a:effectRef idx="0">
+            <a:schemeClr val="accent2"/>
+          </a:effectRef>
+          <a:fontRef idx="minor">
+            <a:schemeClr val="dk1"/>
+          </a:fontRef>
+        </p:style>
+        <p:txBody>
+          <a:bodyPr rtlCol="0" anchor="ctr"/>
+          <a:lstStyle/>
+          <a:p>
+            <a:pPr algn="ctr"/>
+            <a:r>
+              <a:rPr lang="ja-JP" altLang="en-US" dirty="0"/>
+              <a:t>天気</a:t>
+            </a:r>
+            <a:endParaRPr kumimoji="1" lang="ja-JP" altLang="en-US" dirty="0"/>
+          </a:p>
+        </p:txBody>
+      </p:sp>
+      <p:sp>
+        <p:nvSpPr>
+          <p:cNvPr id="27" name="正方形/長方形 26">
+            <a:extLst>
+              <a:ext uri="{FF2B5EF4-FFF2-40B4-BE49-F238E27FC236}">
+                <a16:creationId xmlns:a16="http://schemas.microsoft.com/office/drawing/2014/main" id="{55043AA0-AB4D-41AE-A2F8-E21BA140ADD7}"/>
+              </a:ext>
+            </a:extLst>
+          </p:cNvPr>
+          <p:cNvSpPr/>
+          <p:nvPr/>
+        </p:nvSpPr>
+        <p:spPr>
+          <a:xfrm>
+            <a:off x="5331425" y="4537844"/>
+            <a:ext cx="926900" cy="723884"/>
+          </a:xfrm>
+          <a:prstGeom prst="rect">
+            <a:avLst/>
+          </a:prstGeom>
+          <a:effectLst>
+            <a:outerShdw blurRad="50800" dist="38100" dir="18900000" algn="bl" rotWithShape="0">
+              <a:prstClr val="black">
+                <a:alpha val="40000"/>
+              </a:prstClr>
+            </a:outerShdw>
+          </a:effectLst>
+        </p:spPr>
+        <p:style>
+          <a:lnRef idx="2">
+            <a:schemeClr val="accent2"/>
+          </a:lnRef>
+          <a:fillRef idx="1">
+            <a:schemeClr val="lt1"/>
+          </a:fillRef>
+          <a:effectRef idx="0">
+            <a:schemeClr val="accent2"/>
+          </a:effectRef>
+          <a:fontRef idx="minor">
+            <a:schemeClr val="dk1"/>
+          </a:fontRef>
+        </p:style>
+        <p:txBody>
+          <a:bodyPr rtlCol="0" anchor="ctr"/>
+          <a:lstStyle/>
+          <a:p>
+            <a:pPr algn="ctr"/>
+            <a:r>
+              <a:rPr lang="ja-JP" altLang="en-US" dirty="0"/>
+              <a:t>晴れ？</a:t>
+            </a:r>
+            <a:endParaRPr kumimoji="1" lang="ja-JP" altLang="en-US" dirty="0"/>
+          </a:p>
+        </p:txBody>
+      </p:sp>
+      <p:sp>
+        <p:nvSpPr>
+          <p:cNvPr id="28" name="正方形/長方形 27">
+            <a:extLst>
+              <a:ext uri="{FF2B5EF4-FFF2-40B4-BE49-F238E27FC236}">
+                <a16:creationId xmlns:a16="http://schemas.microsoft.com/office/drawing/2014/main" id="{8EE88ACD-F695-4F37-8C85-C578F68CB145}"/>
+              </a:ext>
+            </a:extLst>
+          </p:cNvPr>
+          <p:cNvSpPr/>
+          <p:nvPr/>
+        </p:nvSpPr>
+        <p:spPr>
+          <a:xfrm>
+            <a:off x="7848006" y="3813960"/>
+            <a:ext cx="2372954" cy="723884"/>
+          </a:xfrm>
+          <a:prstGeom prst="rect">
+            <a:avLst/>
+          </a:prstGeom>
+          <a:effectLst>
+            <a:outerShdw blurRad="50800" dist="38100" dir="18900000" algn="bl" rotWithShape="0">
+              <a:prstClr val="black">
+                <a:alpha val="40000"/>
+              </a:prstClr>
+            </a:outerShdw>
+          </a:effectLst>
+        </p:spPr>
+        <p:style>
+          <a:lnRef idx="2">
+            <a:schemeClr val="accent2"/>
+          </a:lnRef>
+          <a:fillRef idx="1">
+            <a:schemeClr val="lt1"/>
+          </a:fillRef>
+          <a:effectRef idx="0">
+            <a:schemeClr val="accent2"/>
+          </a:effectRef>
+          <a:fontRef idx="minor">
+            <a:schemeClr val="dk1"/>
+          </a:fontRef>
+        </p:style>
+        <p:txBody>
+          <a:bodyPr rtlCol="0" anchor="ctr"/>
+          <a:lstStyle/>
+          <a:p>
+            <a:pPr algn="ctr"/>
+            <a:r>
+              <a:rPr kumimoji="1" lang="ja-JP" altLang="en-US" dirty="0"/>
+              <a:t>天気についての文章</a:t>
+            </a:r>
           </a:p>
         </p:txBody>
       </p:sp>
@@ -3853,7 +5583,7 @@
         </p:blipFill>
         <p:spPr bwMode="auto">
           <a:xfrm>
-            <a:off x="6973668" y="0"/>
+            <a:off x="728394" y="1593908"/>
             <a:ext cx="5218332" cy="4179562"/>
           </a:xfrm>
           <a:prstGeom prst="rect">
@@ -3986,6 +5716,58 @@
           </a:p>
           <a:p>
             <a:endParaRPr kumimoji="1" lang="ja-JP" altLang="en-US" dirty="0"/>
+          </a:p>
+        </p:txBody>
+      </p:sp>
+      <p:sp>
+        <p:nvSpPr>
+          <p:cNvPr id="7" name="正方形/長方形 6">
+            <a:extLst>
+              <a:ext uri="{FF2B5EF4-FFF2-40B4-BE49-F238E27FC236}">
+                <a16:creationId xmlns:a16="http://schemas.microsoft.com/office/drawing/2014/main" id="{50ACEDEF-E73B-4EA8-90A0-0449DF315AC5}"/>
+              </a:ext>
+            </a:extLst>
+          </p:cNvPr>
+          <p:cNvSpPr/>
+          <p:nvPr/>
+        </p:nvSpPr>
+        <p:spPr>
+          <a:xfrm>
+            <a:off x="9508067" y="0"/>
+            <a:ext cx="2683933" cy="1593908"/>
+          </a:xfrm>
+          <a:prstGeom prst="rect">
+            <a:avLst/>
+          </a:prstGeom>
+          <a:solidFill>
+            <a:schemeClr val="accent6">
+              <a:lumMod val="60000"/>
+              <a:lumOff val="40000"/>
+            </a:schemeClr>
+          </a:solidFill>
+        </p:spPr>
+        <p:style>
+          <a:lnRef idx="2">
+            <a:schemeClr val="accent1">
+              <a:shade val="50000"/>
+            </a:schemeClr>
+          </a:lnRef>
+          <a:fillRef idx="1">
+            <a:schemeClr val="accent1"/>
+          </a:fillRef>
+          <a:effectRef idx="0">
+            <a:schemeClr val="accent1"/>
+          </a:effectRef>
+          <a:fontRef idx="minor">
+            <a:schemeClr val="lt1"/>
+          </a:fontRef>
+        </p:style>
+        <p:txBody>
+          <a:bodyPr rtlCol="0" anchor="ctr"/>
+          <a:lstStyle/>
+          <a:p>
+            <a:pPr algn="ctr"/>
+            <a:endParaRPr kumimoji="1" lang="ja-JP" altLang="en-US"/>
           </a:p>
         </p:txBody>
       </p:sp>
@@ -4065,9 +5847,122 @@
         </p:nvSpPr>
         <p:spPr/>
         <p:txBody>
-          <a:bodyPr/>
-          <a:lstStyle/>
-          <a:p>
+          <a:bodyPr>
+            <a:noAutofit/>
+          </a:bodyPr>
+          <a:lstStyle/>
+          <a:p>
+            <a:r>
+              <a:rPr kumimoji="1" lang="ja-JP" altLang="en-US" sz="3600" b="1" dirty="0"/>
+              <a:t>今まで</a:t>
+            </a:r>
+            <a:endParaRPr kumimoji="1" lang="en-US" altLang="ja-JP" sz="3600" b="1" dirty="0"/>
+          </a:p>
+          <a:p>
+            <a:pPr marL="457200" lvl="1" indent="0">
+              <a:buNone/>
+            </a:pPr>
+            <a:r>
+              <a:rPr kumimoji="1" lang="ja-JP" altLang="en-US" sz="3600" b="1" dirty="0"/>
+              <a:t>文章を単語ごとに分割</a:t>
+            </a:r>
+            <a:endParaRPr kumimoji="1" lang="en-US" altLang="ja-JP" sz="3600" b="1" dirty="0"/>
+          </a:p>
+          <a:p>
+            <a:pPr marL="914400" lvl="2" indent="0">
+              <a:buNone/>
+            </a:pPr>
+            <a:r>
+              <a:rPr lang="ja-JP" altLang="en-US" sz="3200" b="1" dirty="0"/>
+              <a:t>↑</a:t>
+            </a:r>
+            <a:r>
+              <a:rPr kumimoji="1" lang="ja-JP" altLang="en-US" sz="3200" b="1" u="sng" dirty="0"/>
+              <a:t>重複する単語が多い</a:t>
+            </a:r>
+            <a:endParaRPr kumimoji="1" lang="en-US" altLang="ja-JP" sz="3200" dirty="0"/>
+          </a:p>
+          <a:p>
+            <a:r>
+              <a:rPr kumimoji="1" lang="ja-JP" altLang="en-US" sz="3600" b="1" dirty="0"/>
+              <a:t>現在</a:t>
+            </a:r>
+            <a:endParaRPr kumimoji="1" lang="en-US" altLang="ja-JP" sz="3600" b="1" dirty="0"/>
+          </a:p>
+          <a:p>
+            <a:pPr marL="457200" lvl="1" indent="0">
+              <a:buNone/>
+            </a:pPr>
+            <a:r>
+              <a:rPr kumimoji="1" lang="ja-JP" altLang="en-US" sz="3600" b="1" dirty="0"/>
+              <a:t>文章を単語として扱う</a:t>
+            </a:r>
+            <a:endParaRPr kumimoji="1" lang="en-US" altLang="ja-JP" sz="3600" b="1" dirty="0"/>
+          </a:p>
+          <a:p>
+            <a:pPr marL="914400" lvl="2" indent="0">
+              <a:buNone/>
+            </a:pPr>
+            <a:r>
+              <a:rPr lang="ja-JP" altLang="en-US" sz="3600" b="1" dirty="0"/>
+              <a:t>↑</a:t>
+            </a:r>
+            <a:r>
+              <a:rPr lang="ja-JP" altLang="en-US" sz="3600" b="1" u="sng" dirty="0"/>
+              <a:t>重複せず、データが増える</a:t>
+            </a:r>
+            <a:endParaRPr lang="en-US" altLang="ja-JP" sz="3600" b="1" u="sng" dirty="0"/>
+          </a:p>
+        </p:txBody>
+      </p:sp>
+      <p:sp>
+        <p:nvSpPr>
+          <p:cNvPr id="4" name="正方形/長方形 3">
+            <a:extLst>
+              <a:ext uri="{FF2B5EF4-FFF2-40B4-BE49-F238E27FC236}">
+                <a16:creationId xmlns:a16="http://schemas.microsoft.com/office/drawing/2014/main" id="{2D243C04-27BD-450B-A35E-AD3D68BCA8ED}"/>
+              </a:ext>
+            </a:extLst>
+          </p:cNvPr>
+          <p:cNvSpPr/>
+          <p:nvPr/>
+        </p:nvSpPr>
+        <p:spPr>
+          <a:xfrm>
+            <a:off x="9508067" y="0"/>
+            <a:ext cx="2683933" cy="1593908"/>
+          </a:xfrm>
+          <a:prstGeom prst="rect">
+            <a:avLst/>
+          </a:prstGeom>
+          <a:solidFill>
+            <a:schemeClr val="accent6">
+              <a:lumMod val="60000"/>
+              <a:lumOff val="40000"/>
+            </a:schemeClr>
+          </a:solidFill>
+        </p:spPr>
+        <p:style>
+          <a:lnRef idx="2">
+            <a:schemeClr val="accent1">
+              <a:shade val="50000"/>
+            </a:schemeClr>
+          </a:lnRef>
+          <a:fillRef idx="1">
+            <a:schemeClr val="accent1"/>
+          </a:fillRef>
+          <a:effectRef idx="0">
+            <a:schemeClr val="accent1"/>
+          </a:effectRef>
+          <a:fontRef idx="minor">
+            <a:schemeClr val="lt1"/>
+          </a:fontRef>
+        </p:style>
+        <p:txBody>
+          <a:bodyPr rtlCol="0" anchor="ctr"/>
+          <a:lstStyle/>
+          <a:p>
+            <a:pPr algn="ctr"/>
             <a:endParaRPr kumimoji="1" lang="ja-JP" altLang="en-US"/>
           </a:p>
         </p:txBody>
@@ -4107,7 +6002,7 @@
           <p:cNvPr id="2" name="タイトル 1">
             <a:extLst>
               <a:ext uri="{FF2B5EF4-FFF2-40B4-BE49-F238E27FC236}">
-                <a16:creationId xmlns:a16="http://schemas.microsoft.com/office/drawing/2014/main" id="{EEA139C4-F5C2-4D21-8623-FBA3A6C4A4F9}"/>
+                <a16:creationId xmlns:a16="http://schemas.microsoft.com/office/drawing/2014/main" id="{DEF4C263-910B-426D-B907-59CA81658037}"/>
               </a:ext>
             </a:extLst>
           </p:cNvPr>
@@ -4124,9 +6019,18 @@
           <a:lstStyle/>
           <a:p>
             <a:r>
-              <a:rPr kumimoji="1" lang="ja-JP" altLang="en-US" dirty="0"/>
+              <a:rPr kumimoji="1" lang="ja-JP" altLang="ja-JP" sz="4400" kern="1200" dirty="0">
+                <a:solidFill>
+                  <a:schemeClr val="tx1"/>
+                </a:solidFill>
+                <a:effectLst/>
+                <a:latin typeface="+mj-lt"/>
+                <a:ea typeface="+mj-ea"/>
+                <a:cs typeface="+mj-cs"/>
+              </a:rPr>
               <a:t>精度の上げ方</a:t>
             </a:r>
+            <a:endParaRPr kumimoji="1" lang="ja-JP" altLang="en-US" dirty="0"/>
           </a:p>
         </p:txBody>
       </p:sp>
@@ -4135,7 +6039,7 @@
           <p:cNvPr id="3" name="コンテンツ プレースホルダー 2">
             <a:extLst>
               <a:ext uri="{FF2B5EF4-FFF2-40B4-BE49-F238E27FC236}">
-                <a16:creationId xmlns:a16="http://schemas.microsoft.com/office/drawing/2014/main" id="{A6661E79-6052-42A6-847E-CA0AA63DF511}"/>
+                <a16:creationId xmlns:a16="http://schemas.microsoft.com/office/drawing/2014/main" id="{C0F748B1-5B54-40D0-A11D-D609B06580B8}"/>
               </a:ext>
             </a:extLst>
           </p:cNvPr>
@@ -4178,14 +6082,308 @@
               <a:rPr kumimoji="1" lang="ja-JP" altLang="en-US" dirty="0"/>
               <a:t>今使用してるパラメーター</a:t>
             </a:r>
-            <a:endParaRPr kumimoji="1" lang="en-US" altLang="ja-JP" dirty="0"/>
           </a:p>
         </p:txBody>
       </p:sp>
     </p:spTree>
     <p:extLst>
       <p:ext uri="{BB962C8B-B14F-4D97-AF65-F5344CB8AC3E}">
-        <p14:creationId xmlns:p14="http://schemas.microsoft.com/office/powerpoint/2010/main" val="2364001817"/>
+        <p14:creationId xmlns:p14="http://schemas.microsoft.com/office/powerpoint/2010/main" val="3585728868"/>
+      </p:ext>
+    </p:extLst>
+  </p:cSld>
+  <p:clrMapOvr>
+    <a:masterClrMapping/>
+  </p:clrMapOvr>
+</p:sld>
+</file>
+
+<file path=ppt/slides/slide6.xml><?xml version="1.0" encoding="utf-8"?>
+<p:sld xmlns:a="http://schemas.openxmlformats.org/drawingml/2006/main" xmlns:r="http://schemas.openxmlformats.org/officeDocument/2006/relationships" xmlns:p="http://schemas.openxmlformats.org/presentationml/2006/main">
+  <p:cSld>
+    <p:spTree>
+      <p:nvGrpSpPr>
+        <p:cNvPr id="1" name=""/>
+        <p:cNvGrpSpPr/>
+        <p:nvPr/>
+      </p:nvGrpSpPr>
+      <p:grpSpPr>
+        <a:xfrm>
+          <a:off x="0" y="0"/>
+          <a:ext cx="0" cy="0"/>
+          <a:chOff x="0" y="0"/>
+          <a:chExt cx="0" cy="0"/>
+        </a:xfrm>
+      </p:grpSpPr>
+      <p:sp>
+        <p:nvSpPr>
+          <p:cNvPr id="2" name="タイトル 1">
+            <a:extLst>
+              <a:ext uri="{FF2B5EF4-FFF2-40B4-BE49-F238E27FC236}">
+                <a16:creationId xmlns:a16="http://schemas.microsoft.com/office/drawing/2014/main" id="{EEA139C4-F5C2-4D21-8623-FBA3A6C4A4F9}"/>
+              </a:ext>
+            </a:extLst>
+          </p:cNvPr>
+          <p:cNvSpPr>
+            <a:spLocks noGrp="1"/>
+          </p:cNvSpPr>
+          <p:nvPr>
+            <p:ph type="title"/>
+          </p:nvPr>
+        </p:nvSpPr>
+        <p:spPr/>
+        <p:txBody>
+          <a:bodyPr/>
+          <a:lstStyle/>
+          <a:p>
+            <a:r>
+              <a:rPr kumimoji="1" lang="ja-JP" altLang="en-US" dirty="0"/>
+              <a:t>使ってる関数など</a:t>
+            </a:r>
+          </a:p>
+        </p:txBody>
+      </p:sp>
+      <p:pic>
+        <p:nvPicPr>
+          <p:cNvPr id="6" name="コンテンツ プレースホルダー 5">
+            <a:extLst>
+              <a:ext uri="{FF2B5EF4-FFF2-40B4-BE49-F238E27FC236}">
+                <a16:creationId xmlns:a16="http://schemas.microsoft.com/office/drawing/2014/main" id="{BCB39FCE-323B-45EC-A78A-C4F456A7E97F}"/>
+              </a:ext>
+            </a:extLst>
+          </p:cNvPr>
+          <p:cNvPicPr>
+            <a:picLocks noGrp="1" noChangeAspect="1"/>
+          </p:cNvPicPr>
+          <p:nvPr>
+            <p:ph idx="1"/>
+          </p:nvPr>
+        </p:nvPicPr>
+        <p:blipFill>
+          <a:blip r:embed="rId2">
+            <a:extLst>
+              <a:ext uri="{28A0092B-C50C-407E-A947-70E740481C1C}">
+                <a14:useLocalDpi xmlns:a14="http://schemas.microsoft.com/office/drawing/2010/main" val="0"/>
+              </a:ext>
+            </a:extLst>
+          </a:blip>
+          <a:stretch>
+            <a:fillRect/>
+          </a:stretch>
+        </p:blipFill>
+        <p:spPr>
+          <a:xfrm>
+            <a:off x="838200" y="2055812"/>
+            <a:ext cx="10515600" cy="4334827"/>
+          </a:xfrm>
+        </p:spPr>
+      </p:pic>
+      <p:sp>
+        <p:nvSpPr>
+          <p:cNvPr id="4" name="正方形/長方形 3">
+            <a:extLst>
+              <a:ext uri="{FF2B5EF4-FFF2-40B4-BE49-F238E27FC236}">
+                <a16:creationId xmlns:a16="http://schemas.microsoft.com/office/drawing/2014/main" id="{07924659-6DC8-46F3-9D06-ACCCF5D8087D}"/>
+              </a:ext>
+            </a:extLst>
+          </p:cNvPr>
+          <p:cNvSpPr/>
+          <p:nvPr/>
+        </p:nvSpPr>
+        <p:spPr>
+          <a:xfrm>
+            <a:off x="9508067" y="0"/>
+            <a:ext cx="2683933" cy="1593908"/>
+          </a:xfrm>
+          <a:prstGeom prst="rect">
+            <a:avLst/>
+          </a:prstGeom>
+          <a:solidFill>
+            <a:schemeClr val="accent6">
+              <a:lumMod val="60000"/>
+              <a:lumOff val="40000"/>
+            </a:schemeClr>
+          </a:solidFill>
+        </p:spPr>
+        <p:style>
+          <a:lnRef idx="2">
+            <a:schemeClr val="accent1">
+              <a:shade val="50000"/>
+            </a:schemeClr>
+          </a:lnRef>
+          <a:fillRef idx="1">
+            <a:schemeClr val="accent1"/>
+          </a:fillRef>
+          <a:effectRef idx="0">
+            <a:schemeClr val="accent1"/>
+          </a:effectRef>
+          <a:fontRef idx="minor">
+            <a:schemeClr val="lt1"/>
+          </a:fontRef>
+        </p:style>
+        <p:txBody>
+          <a:bodyPr rtlCol="0" anchor="ctr"/>
+          <a:lstStyle/>
+          <a:p>
+            <a:pPr algn="ctr"/>
+            <a:endParaRPr kumimoji="1" lang="ja-JP" altLang="en-US"/>
+          </a:p>
+        </p:txBody>
+      </p:sp>
+      <p:sp>
+        <p:nvSpPr>
+          <p:cNvPr id="5" name="正方形/長方形 4">
+            <a:extLst>
+              <a:ext uri="{FF2B5EF4-FFF2-40B4-BE49-F238E27FC236}">
+                <a16:creationId xmlns:a16="http://schemas.microsoft.com/office/drawing/2014/main" id="{3827400A-0100-4512-BD53-7AECDB4EBCE5}"/>
+              </a:ext>
+            </a:extLst>
+          </p:cNvPr>
+          <p:cNvSpPr/>
+          <p:nvPr/>
+        </p:nvSpPr>
+        <p:spPr>
+          <a:xfrm>
+            <a:off x="8676640" y="3129280"/>
+            <a:ext cx="1422400" cy="416560"/>
+          </a:xfrm>
+          <a:prstGeom prst="rect">
+            <a:avLst/>
+          </a:prstGeom>
+          <a:noFill/>
+          <a:ln w="76200">
+            <a:solidFill>
+              <a:srgbClr val="FF0000"/>
+            </a:solidFill>
+          </a:ln>
+        </p:spPr>
+        <p:style>
+          <a:lnRef idx="2">
+            <a:schemeClr val="dk1"/>
+          </a:lnRef>
+          <a:fillRef idx="1">
+            <a:schemeClr val="lt1"/>
+          </a:fillRef>
+          <a:effectRef idx="0">
+            <a:schemeClr val="dk1"/>
+          </a:effectRef>
+          <a:fontRef idx="minor">
+            <a:schemeClr val="dk1"/>
+          </a:fontRef>
+        </p:style>
+        <p:txBody>
+          <a:bodyPr rtlCol="0" anchor="ctr"/>
+          <a:lstStyle/>
+          <a:p>
+            <a:pPr algn="ctr"/>
+            <a:endParaRPr kumimoji="1" lang="ja-JP" altLang="en-US"/>
+          </a:p>
+        </p:txBody>
+      </p:sp>
+      <p:sp>
+        <p:nvSpPr>
+          <p:cNvPr id="7" name="正方形/長方形 6">
+            <a:extLst>
+              <a:ext uri="{FF2B5EF4-FFF2-40B4-BE49-F238E27FC236}">
+                <a16:creationId xmlns:a16="http://schemas.microsoft.com/office/drawing/2014/main" id="{ED17702A-E57B-48C9-A5D8-47C21CA284EB}"/>
+              </a:ext>
+            </a:extLst>
+          </p:cNvPr>
+          <p:cNvSpPr/>
+          <p:nvPr/>
+        </p:nvSpPr>
+        <p:spPr>
+          <a:xfrm>
+            <a:off x="7670800" y="3129280"/>
+            <a:ext cx="924560" cy="416560"/>
+          </a:xfrm>
+          <a:prstGeom prst="rect">
+            <a:avLst/>
+          </a:prstGeom>
+          <a:noFill/>
+          <a:ln w="76200">
+            <a:solidFill>
+              <a:srgbClr val="FF0000"/>
+            </a:solidFill>
+          </a:ln>
+        </p:spPr>
+        <p:style>
+          <a:lnRef idx="2">
+            <a:schemeClr val="dk1"/>
+          </a:lnRef>
+          <a:fillRef idx="1">
+            <a:schemeClr val="lt1"/>
+          </a:fillRef>
+          <a:effectRef idx="0">
+            <a:schemeClr val="dk1"/>
+          </a:effectRef>
+          <a:fontRef idx="minor">
+            <a:schemeClr val="dk1"/>
+          </a:fontRef>
+        </p:style>
+        <p:txBody>
+          <a:bodyPr rtlCol="0" anchor="ctr"/>
+          <a:lstStyle/>
+          <a:p>
+            <a:pPr algn="ctr"/>
+            <a:endParaRPr kumimoji="1" lang="ja-JP" altLang="en-US"/>
+          </a:p>
+        </p:txBody>
+      </p:sp>
+      <p:sp>
+        <p:nvSpPr>
+          <p:cNvPr id="8" name="正方形/長方形 7">
+            <a:extLst>
+              <a:ext uri="{FF2B5EF4-FFF2-40B4-BE49-F238E27FC236}">
+                <a16:creationId xmlns:a16="http://schemas.microsoft.com/office/drawing/2014/main" id="{063E1242-A1DC-4FF8-BBC9-F462E4D062AE}"/>
+              </a:ext>
+            </a:extLst>
+          </p:cNvPr>
+          <p:cNvSpPr/>
+          <p:nvPr/>
+        </p:nvSpPr>
+        <p:spPr>
+          <a:xfrm>
+            <a:off x="10099040" y="3129280"/>
+            <a:ext cx="1219200" cy="416560"/>
+          </a:xfrm>
+          <a:prstGeom prst="rect">
+            <a:avLst/>
+          </a:prstGeom>
+          <a:noFill/>
+          <a:ln w="76200">
+            <a:solidFill>
+              <a:srgbClr val="FF0000"/>
+            </a:solidFill>
+          </a:ln>
+        </p:spPr>
+        <p:style>
+          <a:lnRef idx="2">
+            <a:schemeClr val="dk1"/>
+          </a:lnRef>
+          <a:fillRef idx="1">
+            <a:schemeClr val="lt1"/>
+          </a:fillRef>
+          <a:effectRef idx="0">
+            <a:schemeClr val="dk1"/>
+          </a:effectRef>
+          <a:fontRef idx="minor">
+            <a:schemeClr val="dk1"/>
+          </a:fontRef>
+        </p:style>
+        <p:txBody>
+          <a:bodyPr rtlCol="0" anchor="ctr"/>
+          <a:lstStyle/>
+          <a:p>
+            <a:pPr algn="ctr"/>
+            <a:endParaRPr kumimoji="1" lang="ja-JP" altLang="en-US"/>
+          </a:p>
+        </p:txBody>
+      </p:sp>
+    </p:spTree>
+    <p:extLst>
+      <p:ext uri="{BB962C8B-B14F-4D97-AF65-F5344CB8AC3E}">
+        <p14:creationId xmlns:p14="http://schemas.microsoft.com/office/powerpoint/2010/main" val="2013287371"/>
       </p:ext>
     </p:extLst>
   </p:cSld>
@@ -4488,4 +6686,299 @@
     </a:ext>
   </a:extLst>
 </a:theme>
+</file>
+
+<file path=ppt/theme/theme2.xml><?xml version="1.0" encoding="utf-8"?>
+<a:theme xmlns:a="http://schemas.openxmlformats.org/drawingml/2006/main" name="Office テーマ">
+  <a:themeElements>
+    <a:clrScheme name="Office">
+      <a:dk1>
+        <a:sysClr val="windowText" lastClr="000000"/>
+      </a:dk1>
+      <a:lt1>
+        <a:sysClr val="window" lastClr="FFFFFF"/>
+      </a:lt1>
+      <a:dk2>
+        <a:srgbClr val="44546A"/>
+      </a:dk2>
+      <a:lt2>
+        <a:srgbClr val="E7E6E6"/>
+      </a:lt2>
+      <a:accent1>
+        <a:srgbClr val="4472C4"/>
+      </a:accent1>
+      <a:accent2>
+        <a:srgbClr val="ED7D31"/>
+      </a:accent2>
+      <a:accent3>
+        <a:srgbClr val="A5A5A5"/>
+      </a:accent3>
+      <a:accent4>
+        <a:srgbClr val="FFC000"/>
+      </a:accent4>
+      <a:accent5>
+        <a:srgbClr val="5B9BD5"/>
+      </a:accent5>
+      <a:accent6>
+        <a:srgbClr val="70AD47"/>
+      </a:accent6>
+      <a:hlink>
+        <a:srgbClr val="0563C1"/>
+      </a:hlink>
+      <a:folHlink>
+        <a:srgbClr val="954F72"/>
+      </a:folHlink>
+    </a:clrScheme>
+    <a:fontScheme name="Office">
+      <a:majorFont>
+        <a:latin typeface="游ゴシック Light" panose="020F0302020204030204"/>
+        <a:ea typeface=""/>
+        <a:cs typeface=""/>
+        <a:font script="Jpan" typeface="游ゴシック Light"/>
+        <a:font script="Hang" typeface="맑은 고딕"/>
+        <a:font script="Hans" typeface="等线 Light"/>
+        <a:font script="Hant" typeface="新細明體"/>
+        <a:font script="Arab" typeface="Times New Roman"/>
+        <a:font script="Hebr" typeface="Times New Roman"/>
+        <a:font script="Thai" typeface="Angsana New"/>
+        <a:font script="Ethi" typeface="Nyala"/>
+        <a:font script="Beng" typeface="Vrinda"/>
+        <a:font script="Gujr" typeface="Shruti"/>
+        <a:font script="Khmr" typeface="MoolBoran"/>
+        <a:font script="Knda" typeface="Tunga"/>
+        <a:font script="Guru" typeface="Raavi"/>
+        <a:font script="Cans" typeface="Euphemia"/>
+        <a:font script="Cher" typeface="Plantagenet Cherokee"/>
+        <a:font script="Yiii" typeface="Microsoft Yi Baiti"/>
+        <a:font script="Tibt" typeface="Microsoft Himalaya"/>
+        <a:font script="Thaa" typeface="MV Boli"/>
+        <a:font script="Deva" typeface="Mangal"/>
+        <a:font script="Telu" typeface="Gautami"/>
+        <a:font script="Taml" typeface="Latha"/>
+        <a:font script="Syrc" typeface="Estrangelo Edessa"/>
+        <a:font script="Orya" typeface="Kalinga"/>
+        <a:font script="Mlym" typeface="Kartika"/>
+        <a:font script="Laoo" typeface="DokChampa"/>
+        <a:font script="Sinh" typeface="Iskoola Pota"/>
+        <a:font script="Mong" typeface="Mongolian Baiti"/>
+        <a:font script="Viet" typeface="Times New Roman"/>
+        <a:font script="Uigh" typeface="Microsoft Uighur"/>
+        <a:font script="Geor" typeface="Sylfaen"/>
+        <a:font script="Armn" typeface="Arial"/>
+        <a:font script="Bugi" typeface="Leelawadee UI"/>
+        <a:font script="Bopo" typeface="Microsoft JhengHei"/>
+        <a:font script="Java" typeface="Javanese Text"/>
+        <a:font script="Lisu" typeface="Segoe UI"/>
+        <a:font script="Mymr" typeface="Myanmar Text"/>
+        <a:font script="Nkoo" typeface="Ebrima"/>
+        <a:font script="Olck" typeface="Nirmala UI"/>
+        <a:font script="Osma" typeface="Ebrima"/>
+        <a:font script="Phag" typeface="Phagspa"/>
+        <a:font script="Syrn" typeface="Estrangelo Edessa"/>
+        <a:font script="Syrj" typeface="Estrangelo Edessa"/>
+        <a:font script="Syre" typeface="Estrangelo Edessa"/>
+        <a:font script="Sora" typeface="Nirmala UI"/>
+        <a:font script="Tale" typeface="Microsoft Tai Le"/>
+        <a:font script="Talu" typeface="Microsoft New Tai Lue"/>
+        <a:font script="Tfng" typeface="Ebrima"/>
+      </a:majorFont>
+      <a:minorFont>
+        <a:latin typeface="游ゴシック" panose="020F0502020204030204"/>
+        <a:ea typeface=""/>
+        <a:cs typeface=""/>
+        <a:font script="Jpan" typeface="游ゴシック"/>
+        <a:font script="Hang" typeface="맑은 고딕"/>
+        <a:font script="Hans" typeface="等线"/>
+        <a:font script="Hant" typeface="新細明體"/>
+        <a:font script="Arab" typeface="Arial"/>
+        <a:font script="Hebr" typeface="Arial"/>
+        <a:font script="Thai" typeface="Cordia New"/>
+        <a:font script="Ethi" typeface="Nyala"/>
+        <a:font script="Beng" typeface="Vrinda"/>
+        <a:font script="Gujr" typeface="Shruti"/>
+        <a:font script="Khmr" typeface="DaunPenh"/>
+        <a:font script="Knda" typeface="Tunga"/>
+        <a:font script="Guru" typeface="Raavi"/>
+        <a:font script="Cans" typeface="Euphemia"/>
+        <a:font script="Cher" typeface="Plantagenet Cherokee"/>
+        <a:font script="Yiii" typeface="Microsoft Yi Baiti"/>
+        <a:font script="Tibt" typeface="Microsoft Himalaya"/>
+        <a:font script="Thaa" typeface="MV Boli"/>
+        <a:font script="Deva" typeface="Mangal"/>
+        <a:font script="Telu" typeface="Gautami"/>
+        <a:font script="Taml" typeface="Latha"/>
+        <a:font script="Syrc" typeface="Estrangelo Edessa"/>
+        <a:font script="Orya" typeface="Kalinga"/>
+        <a:font script="Mlym" typeface="Kartika"/>
+        <a:font script="Laoo" typeface="DokChampa"/>
+        <a:font script="Sinh" typeface="Iskoola Pota"/>
+        <a:font script="Mong" typeface="Mongolian Baiti"/>
+        <a:font script="Viet" typeface="Arial"/>
+        <a:font script="Uigh" typeface="Microsoft Uighur"/>
+        <a:font script="Geor" typeface="Sylfaen"/>
+        <a:font script="Armn" typeface="Arial"/>
+        <a:font script="Bugi" typeface="Leelawadee UI"/>
+        <a:font script="Bopo" typeface="Microsoft JhengHei"/>
+        <a:font script="Java" typeface="Javanese Text"/>
+        <a:font script="Lisu" typeface="Segoe UI"/>
+        <a:font script="Mymr" typeface="Myanmar Text"/>
+        <a:font script="Nkoo" typeface="Ebrima"/>
+        <a:font script="Olck" typeface="Nirmala UI"/>
+        <a:font script="Osma" typeface="Ebrima"/>
+        <a:font script="Phag" typeface="Phagspa"/>
+        <a:font script="Syrn" typeface="Estrangelo Edessa"/>
+        <a:font script="Syrj" typeface="Estrangelo Edessa"/>
+        <a:font script="Syre" typeface="Estrangelo Edessa"/>
+        <a:font script="Sora" typeface="Nirmala UI"/>
+        <a:font script="Tale" typeface="Microsoft Tai Le"/>
+        <a:font script="Talu" typeface="Microsoft New Tai Lue"/>
+        <a:font script="Tfng" typeface="Ebrima"/>
+      </a:minorFont>
+    </a:fontScheme>
+    <a:fmtScheme name="Office">
+      <a:fillStyleLst>
+        <a:solidFill>
+          <a:schemeClr val="phClr"/>
+        </a:solidFill>
+        <a:gradFill rotWithShape="1">
+          <a:gsLst>
+            <a:gs pos="0">
+              <a:schemeClr val="phClr">
+                <a:lumMod val="110000"/>
+                <a:satMod val="105000"/>
+                <a:tint val="67000"/>
+              </a:schemeClr>
+            </a:gs>
+            <a:gs pos="50000">
+              <a:schemeClr val="phClr">
+                <a:lumMod val="105000"/>
+                <a:satMod val="103000"/>
+                <a:tint val="73000"/>
+              </a:schemeClr>
+            </a:gs>
+            <a:gs pos="100000">
+              <a:schemeClr val="phClr">
+                <a:lumMod val="105000"/>
+                <a:satMod val="109000"/>
+                <a:tint val="81000"/>
+              </a:schemeClr>
+            </a:gs>
+          </a:gsLst>
+          <a:lin ang="5400000" scaled="0"/>
+        </a:gradFill>
+        <a:gradFill rotWithShape="1">
+          <a:gsLst>
+            <a:gs pos="0">
+              <a:schemeClr val="phClr">
+                <a:satMod val="103000"/>
+                <a:lumMod val="102000"/>
+                <a:tint val="94000"/>
+              </a:schemeClr>
+            </a:gs>
+            <a:gs pos="50000">
+              <a:schemeClr val="phClr">
+                <a:satMod val="110000"/>
+                <a:lumMod val="100000"/>
+                <a:shade val="100000"/>
+              </a:schemeClr>
+            </a:gs>
+            <a:gs pos="100000">
+              <a:schemeClr val="phClr">
+                <a:lumMod val="99000"/>
+                <a:satMod val="120000"/>
+                <a:shade val="78000"/>
+              </a:schemeClr>
+            </a:gs>
+          </a:gsLst>
+          <a:lin ang="5400000" scaled="0"/>
+        </a:gradFill>
+      </a:fillStyleLst>
+      <a:lnStyleLst>
+        <a:ln w="6350" cap="flat" cmpd="sng" algn="ctr">
+          <a:solidFill>
+            <a:schemeClr val="phClr"/>
+          </a:solidFill>
+          <a:prstDash val="solid"/>
+          <a:miter lim="800000"/>
+        </a:ln>
+        <a:ln w="12700" cap="flat" cmpd="sng" algn="ctr">
+          <a:solidFill>
+            <a:schemeClr val="phClr"/>
+          </a:solidFill>
+          <a:prstDash val="solid"/>
+          <a:miter lim="800000"/>
+        </a:ln>
+        <a:ln w="19050" cap="flat" cmpd="sng" algn="ctr">
+          <a:solidFill>
+            <a:schemeClr val="phClr"/>
+          </a:solidFill>
+          <a:prstDash val="solid"/>
+          <a:miter lim="800000"/>
+        </a:ln>
+      </a:lnStyleLst>
+      <a:effectStyleLst>
+        <a:effectStyle>
+          <a:effectLst/>
+        </a:effectStyle>
+        <a:effectStyle>
+          <a:effectLst/>
+        </a:effectStyle>
+        <a:effectStyle>
+          <a:effectLst>
+            <a:outerShdw blurRad="57150" dist="19050" dir="5400000" algn="ctr" rotWithShape="0">
+              <a:srgbClr val="000000">
+                <a:alpha val="63000"/>
+              </a:srgbClr>
+            </a:outerShdw>
+          </a:effectLst>
+        </a:effectStyle>
+      </a:effectStyleLst>
+      <a:bgFillStyleLst>
+        <a:solidFill>
+          <a:schemeClr val="phClr"/>
+        </a:solidFill>
+        <a:solidFill>
+          <a:schemeClr val="phClr">
+            <a:tint val="95000"/>
+            <a:satMod val="170000"/>
+          </a:schemeClr>
+        </a:solidFill>
+        <a:gradFill rotWithShape="1">
+          <a:gsLst>
+            <a:gs pos="0">
+              <a:schemeClr val="phClr">
+                <a:tint val="93000"/>
+                <a:satMod val="150000"/>
+                <a:shade val="98000"/>
+                <a:lumMod val="102000"/>
+              </a:schemeClr>
+            </a:gs>
+            <a:gs pos="50000">
+              <a:schemeClr val="phClr">
+                <a:tint val="98000"/>
+                <a:satMod val="130000"/>
+                <a:shade val="90000"/>
+                <a:lumMod val="103000"/>
+              </a:schemeClr>
+            </a:gs>
+            <a:gs pos="100000">
+              <a:schemeClr val="phClr">
+                <a:shade val="63000"/>
+                <a:satMod val="120000"/>
+              </a:schemeClr>
+            </a:gs>
+          </a:gsLst>
+          <a:lin ang="5400000" scaled="0"/>
+        </a:gradFill>
+      </a:bgFillStyleLst>
+    </a:fmtScheme>
+  </a:themeElements>
+  <a:objectDefaults/>
+  <a:extraClrSchemeLst/>
+  <a:extLst>
+    <a:ext uri="{05A4C25C-085E-4340-85A3-A5531E510DB2}">
+      <thm15:themeFamily xmlns:thm15="http://schemas.microsoft.com/office/thememl/2012/main" name="Office Theme" id="{62F939B6-93AF-4DB8-9C6B-D6C7DFDC589F}" vid="{4A3C46E8-61CC-4603-A589-7422A47A8E4A}"/>
+    </a:ext>
+  </a:extLst>
+</a:theme>
 </file>
--- a/presentation/fasttext.pptx
+++ b/presentation/fasttext.pptx
@@ -5,15 +5,14 @@
     <p:sldMasterId id="2147483648" r:id="rId1"/>
   </p:sldMasterIdLst>
   <p:notesMasterIdLst>
-    <p:notesMasterId r:id="rId8"/>
+    <p:notesMasterId r:id="rId7"/>
   </p:notesMasterIdLst>
   <p:sldIdLst>
     <p:sldId id="256" r:id="rId2"/>
     <p:sldId id="257" r:id="rId3"/>
-    <p:sldId id="260" r:id="rId4"/>
-    <p:sldId id="258" r:id="rId5"/>
-    <p:sldId id="261" r:id="rId6"/>
-    <p:sldId id="263" r:id="rId7"/>
+    <p:sldId id="258" r:id="rId4"/>
+    <p:sldId id="261" r:id="rId5"/>
+    <p:sldId id="263" r:id="rId6"/>
   </p:sldIdLst>
   <p:sldSz cx="12192000" cy="6858000"/>
   <p:notesSz cx="6858000" cy="9144000"/>
@@ -202,7 +201,7 @@
           <a:p>
             <a:fld id="{C71847E3-A545-4FEE-96D0-B2F7F758E0F3}" type="datetimeFigureOut">
               <a:rPr kumimoji="1" lang="ja-JP" altLang="en-US" smtClean="0"/>
-              <a:t>2021/12/3</a:t>
+              <a:t>2021/12/4</a:t>
             </a:fld>
             <a:endParaRPr kumimoji="1" lang="ja-JP" altLang="en-US"/>
           </a:p>
@@ -886,7 +885,7 @@
           <a:p>
             <a:fld id="{8DF1E08D-4A53-4A5C-9DAB-BDA17F3E8D74}" type="slidenum">
               <a:rPr kumimoji="1" lang="ja-JP" altLang="en-US" smtClean="0"/>
-              <a:t>4</a:t>
+              <a:t>3</a:t>
             </a:fld>
             <a:endParaRPr kumimoji="1" lang="ja-JP" altLang="en-US"/>
           </a:p>
@@ -951,7 +950,134 @@
           <a:p>
             <a:r>
               <a:rPr kumimoji="1" lang="ja-JP" altLang="en-US" dirty="0"/>
-              <a:t>現在はデータを増やす方向で精度を上げていますがパラメーターを</a:t>
+              <a:t>現在はデータを増やす方向で精度を上げていますがパラメーターを調整する必要があります。</a:t>
+            </a:r>
+          </a:p>
+        </p:txBody>
+      </p:sp>
+      <p:sp>
+        <p:nvSpPr>
+          <p:cNvPr id="4" name="スライド番号プレースホルダー 3"/>
+          <p:cNvSpPr>
+            <a:spLocks noGrp="1"/>
+          </p:cNvSpPr>
+          <p:nvPr>
+            <p:ph type="sldNum" sz="quarter" idx="5"/>
+          </p:nvPr>
+        </p:nvSpPr>
+        <p:spPr/>
+        <p:txBody>
+          <a:bodyPr/>
+          <a:lstStyle/>
+          <a:p>
+            <a:fld id="{8DF1E08D-4A53-4A5C-9DAB-BDA17F3E8D74}" type="slidenum">
+              <a:rPr kumimoji="1" lang="ja-JP" altLang="en-US" smtClean="0"/>
+              <a:t>4</a:t>
+            </a:fld>
+            <a:endParaRPr kumimoji="1" lang="ja-JP" altLang="en-US"/>
+          </a:p>
+        </p:txBody>
+      </p:sp>
+    </p:spTree>
+    <p:extLst>
+      <p:ext uri="{BB962C8B-B14F-4D97-AF65-F5344CB8AC3E}">
+        <p14:creationId xmlns:p14="http://schemas.microsoft.com/office/powerpoint/2010/main" val="1326187351"/>
+      </p:ext>
+    </p:extLst>
+  </p:cSld>
+  <p:clrMapOvr>
+    <a:masterClrMapping/>
+  </p:clrMapOvr>
+</p:notes>
+</file>
+
+<file path=ppt/notesSlides/notesSlide4.xml><?xml version="1.0" encoding="utf-8"?>
+<p:notes xmlns:a="http://schemas.openxmlformats.org/drawingml/2006/main" xmlns:r="http://schemas.openxmlformats.org/officeDocument/2006/relationships" xmlns:p="http://schemas.openxmlformats.org/presentationml/2006/main">
+  <p:cSld>
+    <p:spTree>
+      <p:nvGrpSpPr>
+        <p:cNvPr id="1" name=""/>
+        <p:cNvGrpSpPr/>
+        <p:nvPr/>
+      </p:nvGrpSpPr>
+      <p:grpSpPr>
+        <a:xfrm>
+          <a:off x="0" y="0"/>
+          <a:ext cx="0" cy="0"/>
+          <a:chOff x="0" y="0"/>
+          <a:chExt cx="0" cy="0"/>
+        </a:xfrm>
+      </p:grpSpPr>
+      <p:sp>
+        <p:nvSpPr>
+          <p:cNvPr id="2" name="スライド イメージ プレースホルダー 1"/>
+          <p:cNvSpPr>
+            <a:spLocks noGrp="1" noRot="1" noChangeAspect="1"/>
+          </p:cNvSpPr>
+          <p:nvPr>
+            <p:ph type="sldImg"/>
+          </p:nvPr>
+        </p:nvSpPr>
+        <p:spPr/>
+      </p:sp>
+      <p:sp>
+        <p:nvSpPr>
+          <p:cNvPr id="3" name="ノート プレースホルダー 2"/>
+          <p:cNvSpPr>
+            <a:spLocks noGrp="1"/>
+          </p:cNvSpPr>
+          <p:nvPr>
+            <p:ph type="body" idx="1"/>
+          </p:nvPr>
+        </p:nvSpPr>
+        <p:spPr/>
+        <p:txBody>
+          <a:bodyPr/>
+          <a:lstStyle/>
+          <a:p>
+            <a:r>
+              <a:rPr kumimoji="1" lang="ja-JP" altLang="en-US" dirty="0"/>
+              <a:t>現在使っているパラメータは</a:t>
+            </a:r>
+            <a:r>
+              <a:rPr kumimoji="1" lang="en-US" altLang="ja-JP" dirty="0"/>
+              <a:t>dim</a:t>
+            </a:r>
+            <a:r>
+              <a:rPr kumimoji="1" lang="ja-JP" altLang="en-US" dirty="0"/>
+              <a:t>が</a:t>
+            </a:r>
+            <a:r>
+              <a:rPr kumimoji="1" lang="en-US" altLang="ja-JP" dirty="0"/>
+              <a:t>200</a:t>
+            </a:r>
+            <a:r>
+              <a:rPr kumimoji="1" lang="ja-JP" altLang="en-US" dirty="0"/>
+              <a:t>、</a:t>
+            </a:r>
+            <a:r>
+              <a:rPr kumimoji="1" lang="en-US" altLang="ja-JP" dirty="0"/>
+              <a:t>epoch</a:t>
+            </a:r>
+            <a:r>
+              <a:rPr kumimoji="1" lang="ja-JP" altLang="en-US" dirty="0"/>
+              <a:t>数が</a:t>
+            </a:r>
+            <a:r>
+              <a:rPr kumimoji="1" lang="en-US" altLang="ja-JP" dirty="0"/>
+              <a:t>133000</a:t>
+            </a:r>
+            <a:r>
+              <a:rPr kumimoji="1" lang="ja-JP" altLang="en-US" dirty="0"/>
+              <a:t>、関数の部分を</a:t>
+            </a:r>
+            <a:r>
+              <a:rPr kumimoji="1" lang="en-US" altLang="ja-JP" dirty="0" err="1"/>
+              <a:t>hs</a:t>
+            </a:r>
+            <a:r>
+              <a:rPr kumimoji="1" lang="ja-JP" altLang="en-US" dirty="0"/>
+              <a:t>関数に設定しています。</a:t>
             </a:r>
           </a:p>
         </p:txBody>
@@ -982,7 +1108,7 @@
     </p:spTree>
     <p:extLst>
       <p:ext uri="{BB962C8B-B14F-4D97-AF65-F5344CB8AC3E}">
-        <p14:creationId xmlns:p14="http://schemas.microsoft.com/office/powerpoint/2010/main" val="1326187351"/>
+        <p14:creationId xmlns:p14="http://schemas.microsoft.com/office/powerpoint/2010/main" val="1564109411"/>
       </p:ext>
     </p:extLst>
   </p:cSld>
@@ -1139,7 +1265,7 @@
           <a:p>
             <a:fld id="{C3207B85-80BE-4221-9A94-62BEF993681B}" type="datetimeFigureOut">
               <a:rPr kumimoji="1" lang="ja-JP" altLang="en-US" smtClean="0"/>
-              <a:t>2021/12/3</a:t>
+              <a:t>2021/12/4</a:t>
             </a:fld>
             <a:endParaRPr kumimoji="1" lang="ja-JP" altLang="en-US"/>
           </a:p>
@@ -1369,7 +1495,7 @@
           <a:p>
             <a:fld id="{C3207B85-80BE-4221-9A94-62BEF993681B}" type="datetimeFigureOut">
               <a:rPr kumimoji="1" lang="ja-JP" altLang="en-US" smtClean="0"/>
-              <a:t>2021/12/3</a:t>
+              <a:t>2021/12/4</a:t>
             </a:fld>
             <a:endParaRPr kumimoji="1" lang="ja-JP" altLang="en-US"/>
           </a:p>
@@ -1609,7 +1735,7 @@
           <a:p>
             <a:fld id="{C3207B85-80BE-4221-9A94-62BEF993681B}" type="datetimeFigureOut">
               <a:rPr kumimoji="1" lang="ja-JP" altLang="en-US" smtClean="0"/>
-              <a:t>2021/12/3</a:t>
+              <a:t>2021/12/4</a:t>
             </a:fld>
             <a:endParaRPr kumimoji="1" lang="ja-JP" altLang="en-US"/>
           </a:p>
@@ -1839,7 +1965,7 @@
           <a:p>
             <a:fld id="{C3207B85-80BE-4221-9A94-62BEF993681B}" type="datetimeFigureOut">
               <a:rPr kumimoji="1" lang="ja-JP" altLang="en-US" smtClean="0"/>
-              <a:t>2021/12/3</a:t>
+              <a:t>2021/12/4</a:t>
             </a:fld>
             <a:endParaRPr kumimoji="1" lang="ja-JP" altLang="en-US"/>
           </a:p>
@@ -2114,7 +2240,7 @@
           <a:p>
             <a:fld id="{C3207B85-80BE-4221-9A94-62BEF993681B}" type="datetimeFigureOut">
               <a:rPr kumimoji="1" lang="ja-JP" altLang="en-US" smtClean="0"/>
-              <a:t>2021/12/3</a:t>
+              <a:t>2021/12/4</a:t>
             </a:fld>
             <a:endParaRPr kumimoji="1" lang="ja-JP" altLang="en-US"/>
           </a:p>
@@ -2443,7 +2569,7 @@
           <a:p>
             <a:fld id="{C3207B85-80BE-4221-9A94-62BEF993681B}" type="datetimeFigureOut">
               <a:rPr kumimoji="1" lang="ja-JP" altLang="en-US" smtClean="0"/>
-              <a:t>2021/12/3</a:t>
+              <a:t>2021/12/4</a:t>
             </a:fld>
             <a:endParaRPr kumimoji="1" lang="ja-JP" altLang="en-US"/>
           </a:p>
@@ -2919,7 +3045,7 @@
           <a:p>
             <a:fld id="{C3207B85-80BE-4221-9A94-62BEF993681B}" type="datetimeFigureOut">
               <a:rPr kumimoji="1" lang="ja-JP" altLang="en-US" smtClean="0"/>
-              <a:t>2021/12/3</a:t>
+              <a:t>2021/12/4</a:t>
             </a:fld>
             <a:endParaRPr kumimoji="1" lang="ja-JP" altLang="en-US"/>
           </a:p>
@@ -3060,7 +3186,7 @@
           <a:p>
             <a:fld id="{C3207B85-80BE-4221-9A94-62BEF993681B}" type="datetimeFigureOut">
               <a:rPr kumimoji="1" lang="ja-JP" altLang="en-US" smtClean="0"/>
-              <a:t>2021/12/3</a:t>
+              <a:t>2021/12/4</a:t>
             </a:fld>
             <a:endParaRPr kumimoji="1" lang="ja-JP" altLang="en-US"/>
           </a:p>
@@ -3173,7 +3299,7 @@
           <a:p>
             <a:fld id="{C3207B85-80BE-4221-9A94-62BEF993681B}" type="datetimeFigureOut">
               <a:rPr kumimoji="1" lang="ja-JP" altLang="en-US" smtClean="0"/>
-              <a:t>2021/12/3</a:t>
+              <a:t>2021/12/4</a:t>
             </a:fld>
             <a:endParaRPr kumimoji="1" lang="ja-JP" altLang="en-US"/>
           </a:p>
@@ -3516,7 +3642,7 @@
           <a:p>
             <a:fld id="{C3207B85-80BE-4221-9A94-62BEF993681B}" type="datetimeFigureOut">
               <a:rPr kumimoji="1" lang="ja-JP" altLang="en-US" smtClean="0"/>
-              <a:t>2021/12/3</a:t>
+              <a:t>2021/12/4</a:t>
             </a:fld>
             <a:endParaRPr kumimoji="1" lang="ja-JP" altLang="en-US"/>
           </a:p>
@@ -3804,7 +3930,7 @@
           <a:p>
             <a:fld id="{C3207B85-80BE-4221-9A94-62BEF993681B}" type="datetimeFigureOut">
               <a:rPr kumimoji="1" lang="ja-JP" altLang="en-US" smtClean="0"/>
-              <a:t>2021/12/3</a:t>
+              <a:t>2021/12/4</a:t>
             </a:fld>
             <a:endParaRPr kumimoji="1" lang="ja-JP" altLang="en-US"/>
           </a:p>
@@ -4077,7 +4203,7 @@
           <a:p>
             <a:fld id="{C3207B85-80BE-4221-9A94-62BEF993681B}" type="datetimeFigureOut">
               <a:rPr kumimoji="1" lang="ja-JP" altLang="en-US" smtClean="0"/>
-              <a:t>2021/12/3</a:t>
+              <a:t>2021/12/4</a:t>
             </a:fld>
             <a:endParaRPr kumimoji="1" lang="ja-JP" altLang="en-US"/>
           </a:p>
@@ -5531,7 +5657,7 @@
           <p:cNvPr id="2" name="タイトル 1">
             <a:extLst>
               <a:ext uri="{FF2B5EF4-FFF2-40B4-BE49-F238E27FC236}">
-                <a16:creationId xmlns:a16="http://schemas.microsoft.com/office/drawing/2014/main" id="{21FFDECB-E9B6-462F-8AE5-66AAB94183E4}"/>
+                <a16:creationId xmlns:a16="http://schemas.microsoft.com/office/drawing/2014/main" id="{32B18E73-6557-4AF8-BBEE-9D3D25DCFD88}"/>
               </a:ext>
             </a:extLst>
           </p:cNvPr>
@@ -5549,182 +5675,103 @@
           <a:p>
             <a:r>
               <a:rPr kumimoji="1" lang="ja-JP" altLang="en-US" dirty="0"/>
-              <a:t>全体像　仕組み</a:t>
-            </a:r>
-          </a:p>
-        </p:txBody>
-      </p:sp>
-      <p:pic>
-        <p:nvPicPr>
-          <p:cNvPr id="4" name="Picture 2" descr="fastTextの利用用途">
-            <a:extLst>
-              <a:ext uri="{FF2B5EF4-FFF2-40B4-BE49-F238E27FC236}">
-                <a16:creationId xmlns:a16="http://schemas.microsoft.com/office/drawing/2014/main" id="{7065E25A-CE96-4827-B86B-CE3874DA2A52}"/>
-              </a:ext>
-            </a:extLst>
-          </p:cNvPr>
-          <p:cNvPicPr>
-            <a:picLocks noGrp="1" noChangeAspect="1" noChangeArrowheads="1"/>
-          </p:cNvPicPr>
+              <a:t>トレーニングデータの作成方法</a:t>
+            </a:r>
+          </a:p>
+        </p:txBody>
+      </p:sp>
+      <p:sp>
+        <p:nvSpPr>
+          <p:cNvPr id="3" name="コンテンツ プレースホルダー 2">
+            <a:extLst>
+              <a:ext uri="{FF2B5EF4-FFF2-40B4-BE49-F238E27FC236}">
+                <a16:creationId xmlns:a16="http://schemas.microsoft.com/office/drawing/2014/main" id="{689D0EBA-AF24-4A9A-9E6A-DC9FD96C0119}"/>
+              </a:ext>
+            </a:extLst>
+          </p:cNvPr>
+          <p:cNvSpPr>
+            <a:spLocks noGrp="1"/>
+          </p:cNvSpPr>
           <p:nvPr>
             <p:ph idx="1"/>
           </p:nvPr>
-        </p:nvPicPr>
-        <p:blipFill rotWithShape="1">
-          <a:blip r:embed="rId2">
-            <a:extLst>
-              <a:ext uri="{28A0092B-C50C-407E-A947-70E740481C1C}">
-                <a14:useLocalDpi xmlns:a14="http://schemas.microsoft.com/office/drawing/2010/main" val="0"/>
-              </a:ext>
-            </a:extLst>
-          </a:blip>
-          <a:srcRect l="16364" t="11727" r="13398" b="9916"/>
-          <a:stretch/>
-        </p:blipFill>
-        <p:spPr bwMode="auto">
-          <a:xfrm>
-            <a:off x="728394" y="1593908"/>
-            <a:ext cx="5218332" cy="4179562"/>
-          </a:xfrm>
-          <a:prstGeom prst="rect">
-            <a:avLst/>
-          </a:prstGeom>
-          <a:ln>
-            <a:noFill/>
-          </a:ln>
-          <a:effectLst>
-            <a:outerShdw blurRad="292100" dist="139700" dir="2700000" algn="tl" rotWithShape="0">
-              <a:srgbClr val="333333">
-                <a:alpha val="65000"/>
-              </a:srgbClr>
-            </a:outerShdw>
-          </a:effectLst>
-          <a:extLst>
-            <a:ext uri="{909E8E84-426E-40DD-AFC4-6F175D3DCCD1}">
-              <a14:hiddenFill xmlns:a14="http://schemas.microsoft.com/office/drawing/2010/main">
-                <a:solidFill>
-                  <a:srgbClr val="FFFFFF"/>
-                </a:solidFill>
-              </a14:hiddenFill>
-            </a:ext>
-          </a:extLst>
-        </p:spPr>
-      </p:pic>
-      <p:sp>
-        <p:nvSpPr>
-          <p:cNvPr id="5" name="テキスト ボックス 4">
-            <a:extLst>
-              <a:ext uri="{FF2B5EF4-FFF2-40B4-BE49-F238E27FC236}">
-                <a16:creationId xmlns:a16="http://schemas.microsoft.com/office/drawing/2014/main" id="{DA986D6B-18CA-4495-A301-2B87C7D889BA}"/>
-              </a:ext>
-            </a:extLst>
-          </p:cNvPr>
-          <p:cNvSpPr txBox="1"/>
-          <p:nvPr/>
-        </p:nvSpPr>
-        <p:spPr>
-          <a:xfrm>
-            <a:off x="5836920" y="2870200"/>
-            <a:ext cx="914400" cy="914400"/>
-          </a:xfrm>
-          <a:prstGeom prst="rect">
-            <a:avLst/>
-          </a:prstGeom>
-          <a:noFill/>
-        </p:spPr>
-        <p:txBody>
-          <a:bodyPr wrap="square" rtlCol="0">
-            <a:spAutoFit/>
+        </p:nvSpPr>
+        <p:spPr/>
+        <p:txBody>
+          <a:bodyPr>
+            <a:noAutofit/>
           </a:bodyPr>
           <a:lstStyle/>
           <a:p>
-            <a:endParaRPr kumimoji="1" lang="ja-JP" altLang="en-US" dirty="0"/>
-          </a:p>
-        </p:txBody>
-      </p:sp>
-      <p:sp>
-        <p:nvSpPr>
-          <p:cNvPr id="6" name="テキスト ボックス 5">
-            <a:extLst>
-              <a:ext uri="{FF2B5EF4-FFF2-40B4-BE49-F238E27FC236}">
-                <a16:creationId xmlns:a16="http://schemas.microsoft.com/office/drawing/2014/main" id="{E59794BF-EE1C-4D13-B13D-7A3A42B8224D}"/>
-              </a:ext>
-            </a:extLst>
-          </p:cNvPr>
-          <p:cNvSpPr txBox="1"/>
-          <p:nvPr/>
-        </p:nvSpPr>
-        <p:spPr>
-          <a:xfrm>
-            <a:off x="838200" y="1701721"/>
-            <a:ext cx="6040120" cy="4524315"/>
-          </a:xfrm>
-          <a:prstGeom prst="rect">
-            <a:avLst/>
-          </a:prstGeom>
-          <a:noFill/>
-        </p:spPr>
-        <p:txBody>
-          <a:bodyPr wrap="square" rtlCol="0">
-            <a:spAutoFit/>
-          </a:bodyPr>
-          <a:lstStyle/>
-          <a:p>
-            <a:endParaRPr kumimoji="1" lang="en-US" altLang="ja-JP" dirty="0"/>
-          </a:p>
-          <a:p>
-            <a:endParaRPr lang="en-US" altLang="ja-JP" dirty="0"/>
-          </a:p>
-          <a:p>
-            <a:endParaRPr kumimoji="1" lang="en-US" altLang="ja-JP" dirty="0"/>
-          </a:p>
-          <a:p>
-            <a:endParaRPr lang="en-US" altLang="ja-JP" dirty="0"/>
-          </a:p>
-          <a:p>
-            <a:endParaRPr kumimoji="1" lang="en-US" altLang="ja-JP" dirty="0"/>
-          </a:p>
-          <a:p>
-            <a:endParaRPr lang="en-US" altLang="ja-JP" dirty="0"/>
-          </a:p>
-          <a:p>
-            <a:endParaRPr kumimoji="1" lang="en-US" altLang="ja-JP" dirty="0"/>
-          </a:p>
-          <a:p>
-            <a:endParaRPr lang="en-US" altLang="ja-JP" dirty="0"/>
-          </a:p>
-          <a:p>
-            <a:endParaRPr kumimoji="1" lang="en-US" altLang="ja-JP" dirty="0"/>
-          </a:p>
-          <a:p>
-            <a:endParaRPr lang="en-US" altLang="ja-JP" dirty="0"/>
-          </a:p>
-          <a:p>
-            <a:endParaRPr kumimoji="1" lang="en-US" altLang="ja-JP" dirty="0"/>
-          </a:p>
-          <a:p>
-            <a:endParaRPr lang="en-US" altLang="ja-JP" dirty="0"/>
-          </a:p>
-          <a:p>
-            <a:endParaRPr kumimoji="1" lang="en-US" altLang="ja-JP" dirty="0"/>
-          </a:p>
-          <a:p>
-            <a:endParaRPr lang="en-US" altLang="ja-JP" dirty="0"/>
-          </a:p>
-          <a:p>
-            <a:endParaRPr kumimoji="1" lang="en-US" altLang="ja-JP" dirty="0"/>
-          </a:p>
-          <a:p>
-            <a:endParaRPr kumimoji="1" lang="ja-JP" altLang="en-US" dirty="0"/>
-          </a:p>
-        </p:txBody>
-      </p:sp>
-      <p:sp>
-        <p:nvSpPr>
-          <p:cNvPr id="7" name="正方形/長方形 6">
-            <a:extLst>
-              <a:ext uri="{FF2B5EF4-FFF2-40B4-BE49-F238E27FC236}">
-                <a16:creationId xmlns:a16="http://schemas.microsoft.com/office/drawing/2014/main" id="{50ACEDEF-E73B-4EA8-90A0-0449DF315AC5}"/>
+            <a:r>
+              <a:rPr kumimoji="1" lang="ja-JP" altLang="en-US" sz="3600" b="1" dirty="0"/>
+              <a:t>今まで</a:t>
+            </a:r>
+            <a:endParaRPr kumimoji="1" lang="en-US" altLang="ja-JP" sz="3600" b="1" dirty="0"/>
+          </a:p>
+          <a:p>
+            <a:pPr marL="457200" lvl="1" indent="0">
+              <a:buNone/>
+            </a:pPr>
+            <a:r>
+              <a:rPr kumimoji="1" lang="ja-JP" altLang="en-US" sz="3600" b="1" dirty="0"/>
+              <a:t>文章を単語ごとに分割</a:t>
+            </a:r>
+            <a:endParaRPr kumimoji="1" lang="en-US" altLang="ja-JP" sz="3600" b="1" dirty="0"/>
+          </a:p>
+          <a:p>
+            <a:pPr marL="914400" lvl="2" indent="0">
+              <a:buNone/>
+            </a:pPr>
+            <a:r>
+              <a:rPr lang="ja-JP" altLang="en-US" sz="3200" b="1" dirty="0"/>
+              <a:t>↑</a:t>
+            </a:r>
+            <a:r>
+              <a:rPr kumimoji="1" lang="ja-JP" altLang="en-US" sz="3200" b="1" u="sng" dirty="0"/>
+              <a:t>重複する単語が多い</a:t>
+            </a:r>
+            <a:endParaRPr kumimoji="1" lang="en-US" altLang="ja-JP" sz="3200" dirty="0"/>
+          </a:p>
+          <a:p>
+            <a:r>
+              <a:rPr kumimoji="1" lang="ja-JP" altLang="en-US" sz="3600" b="1" dirty="0"/>
+              <a:t>現在</a:t>
+            </a:r>
+            <a:endParaRPr kumimoji="1" lang="en-US" altLang="ja-JP" sz="3600" b="1" dirty="0"/>
+          </a:p>
+          <a:p>
+            <a:pPr marL="457200" lvl="1" indent="0">
+              <a:buNone/>
+            </a:pPr>
+            <a:r>
+              <a:rPr kumimoji="1" lang="ja-JP" altLang="en-US" sz="3600" b="1" dirty="0"/>
+              <a:t>文章を単語として扱う</a:t>
+            </a:r>
+            <a:endParaRPr kumimoji="1" lang="en-US" altLang="ja-JP" sz="3600" b="1" dirty="0"/>
+          </a:p>
+          <a:p>
+            <a:pPr marL="914400" lvl="2" indent="0">
+              <a:buNone/>
+            </a:pPr>
+            <a:r>
+              <a:rPr lang="ja-JP" altLang="en-US" sz="3600" b="1" dirty="0"/>
+              <a:t>↑</a:t>
+            </a:r>
+            <a:r>
+              <a:rPr lang="ja-JP" altLang="en-US" sz="3600" b="1" u="sng" dirty="0"/>
+              <a:t>重複せず、データが増える</a:t>
+            </a:r>
+            <a:endParaRPr lang="en-US" altLang="ja-JP" sz="3600" b="1" u="sng" dirty="0"/>
+          </a:p>
+        </p:txBody>
+      </p:sp>
+      <p:sp>
+        <p:nvSpPr>
+          <p:cNvPr id="4" name="正方形/長方形 3">
+            <a:extLst>
+              <a:ext uri="{FF2B5EF4-FFF2-40B4-BE49-F238E27FC236}">
+                <a16:creationId xmlns:a16="http://schemas.microsoft.com/office/drawing/2014/main" id="{2D243C04-27BD-450B-A35E-AD3D68BCA8ED}"/>
               </a:ext>
             </a:extLst>
           </p:cNvPr>
@@ -5774,7 +5821,7 @@
     </p:spTree>
     <p:extLst>
       <p:ext uri="{BB962C8B-B14F-4D97-AF65-F5344CB8AC3E}">
-        <p14:creationId xmlns:p14="http://schemas.microsoft.com/office/powerpoint/2010/main" val="28972902"/>
+        <p14:creationId xmlns:p14="http://schemas.microsoft.com/office/powerpoint/2010/main" val="695388641"/>
       </p:ext>
     </p:extLst>
   </p:cSld>
@@ -5806,7 +5853,7 @@
           <p:cNvPr id="2" name="タイトル 1">
             <a:extLst>
               <a:ext uri="{FF2B5EF4-FFF2-40B4-BE49-F238E27FC236}">
-                <a16:creationId xmlns:a16="http://schemas.microsoft.com/office/drawing/2014/main" id="{32B18E73-6557-4AF8-BBEE-9D3D25DCFD88}"/>
+                <a16:creationId xmlns:a16="http://schemas.microsoft.com/office/drawing/2014/main" id="{DEF4C263-910B-426D-B907-59CA81658037}"/>
               </a:ext>
             </a:extLst>
           </p:cNvPr>
@@ -5823,154 +5870,76 @@
           <a:lstStyle/>
           <a:p>
             <a:r>
+              <a:rPr kumimoji="1" lang="ja-JP" altLang="ja-JP" sz="4400" kern="1200" dirty="0">
+                <a:solidFill>
+                  <a:schemeClr val="tx1"/>
+                </a:solidFill>
+                <a:effectLst/>
+                <a:latin typeface="+mj-lt"/>
+                <a:ea typeface="+mj-ea"/>
+                <a:cs typeface="+mj-cs"/>
+              </a:rPr>
+              <a:t>精度の上げ方</a:t>
+            </a:r>
+            <a:endParaRPr kumimoji="1" lang="ja-JP" altLang="en-US" dirty="0"/>
+          </a:p>
+        </p:txBody>
+      </p:sp>
+      <p:sp>
+        <p:nvSpPr>
+          <p:cNvPr id="3" name="コンテンツ プレースホルダー 2">
+            <a:extLst>
+              <a:ext uri="{FF2B5EF4-FFF2-40B4-BE49-F238E27FC236}">
+                <a16:creationId xmlns:a16="http://schemas.microsoft.com/office/drawing/2014/main" id="{C0F748B1-5B54-40D0-A11D-D609B06580B8}"/>
+              </a:ext>
+            </a:extLst>
+          </p:cNvPr>
+          <p:cNvSpPr>
+            <a:spLocks noGrp="1"/>
+          </p:cNvSpPr>
+          <p:nvPr>
+            <p:ph idx="1"/>
+          </p:nvPr>
+        </p:nvSpPr>
+        <p:spPr/>
+        <p:txBody>
+          <a:bodyPr/>
+          <a:lstStyle/>
+          <a:p>
+            <a:r>
               <a:rPr kumimoji="1" lang="ja-JP" altLang="en-US" dirty="0"/>
-              <a:t>トレーニングデータの作成方法</a:t>
-            </a:r>
-          </a:p>
-        </p:txBody>
-      </p:sp>
-      <p:sp>
-        <p:nvSpPr>
-          <p:cNvPr id="3" name="コンテンツ プレースホルダー 2">
-            <a:extLst>
-              <a:ext uri="{FF2B5EF4-FFF2-40B4-BE49-F238E27FC236}">
-                <a16:creationId xmlns:a16="http://schemas.microsoft.com/office/drawing/2014/main" id="{689D0EBA-AF24-4A9A-9E6A-DC9FD96C0119}"/>
-              </a:ext>
-            </a:extLst>
-          </p:cNvPr>
-          <p:cNvSpPr>
-            <a:spLocks noGrp="1"/>
-          </p:cNvSpPr>
-          <p:nvPr>
-            <p:ph idx="1"/>
-          </p:nvPr>
-        </p:nvSpPr>
-        <p:spPr/>
-        <p:txBody>
-          <a:bodyPr>
-            <a:noAutofit/>
-          </a:bodyPr>
-          <a:lstStyle/>
-          <a:p>
-            <a:r>
-              <a:rPr kumimoji="1" lang="ja-JP" altLang="en-US" sz="3600" b="1" dirty="0"/>
-              <a:t>今まで</a:t>
-            </a:r>
-            <a:endParaRPr kumimoji="1" lang="en-US" altLang="ja-JP" sz="3600" b="1" dirty="0"/>
-          </a:p>
-          <a:p>
-            <a:pPr marL="457200" lvl="1" indent="0">
-              <a:buNone/>
-            </a:pPr>
-            <a:r>
-              <a:rPr kumimoji="1" lang="ja-JP" altLang="en-US" sz="3600" b="1" dirty="0"/>
-              <a:t>文章を単語ごとに分割</a:t>
-            </a:r>
-            <a:endParaRPr kumimoji="1" lang="en-US" altLang="ja-JP" sz="3600" b="1" dirty="0"/>
-          </a:p>
-          <a:p>
-            <a:pPr marL="914400" lvl="2" indent="0">
-              <a:buNone/>
-            </a:pPr>
-            <a:r>
-              <a:rPr lang="ja-JP" altLang="en-US" sz="3200" b="1" dirty="0"/>
-              <a:t>↑</a:t>
-            </a:r>
-            <a:r>
-              <a:rPr kumimoji="1" lang="ja-JP" altLang="en-US" sz="3200" b="1" u="sng" dirty="0"/>
-              <a:t>重複する単語が多い</a:t>
-            </a:r>
-            <a:endParaRPr kumimoji="1" lang="en-US" altLang="ja-JP" sz="3200" dirty="0"/>
-          </a:p>
-          <a:p>
-            <a:r>
-              <a:rPr kumimoji="1" lang="ja-JP" altLang="en-US" sz="3600" b="1" dirty="0"/>
-              <a:t>現在</a:t>
-            </a:r>
-            <a:endParaRPr kumimoji="1" lang="en-US" altLang="ja-JP" sz="3600" b="1" dirty="0"/>
-          </a:p>
-          <a:p>
-            <a:pPr marL="457200" lvl="1" indent="0">
-              <a:buNone/>
-            </a:pPr>
-            <a:r>
-              <a:rPr kumimoji="1" lang="ja-JP" altLang="en-US" sz="3600" b="1" dirty="0"/>
-              <a:t>文章を単語として扱う</a:t>
-            </a:r>
-            <a:endParaRPr kumimoji="1" lang="en-US" altLang="ja-JP" sz="3600" b="1" dirty="0"/>
-          </a:p>
-          <a:p>
-            <a:pPr marL="914400" lvl="2" indent="0">
-              <a:buNone/>
-            </a:pPr>
-            <a:r>
-              <a:rPr lang="ja-JP" altLang="en-US" sz="3600" b="1" dirty="0"/>
-              <a:t>↑</a:t>
-            </a:r>
-            <a:r>
-              <a:rPr lang="ja-JP" altLang="en-US" sz="3600" b="1" u="sng" dirty="0"/>
-              <a:t>重複せず、データが増える</a:t>
-            </a:r>
-            <a:endParaRPr lang="en-US" altLang="ja-JP" sz="3600" b="1" u="sng" dirty="0"/>
-          </a:p>
-        </p:txBody>
-      </p:sp>
-      <p:sp>
-        <p:nvSpPr>
-          <p:cNvPr id="4" name="正方形/長方形 3">
-            <a:extLst>
-              <a:ext uri="{FF2B5EF4-FFF2-40B4-BE49-F238E27FC236}">
-                <a16:creationId xmlns:a16="http://schemas.microsoft.com/office/drawing/2014/main" id="{2D243C04-27BD-450B-A35E-AD3D68BCA8ED}"/>
-              </a:ext>
-            </a:extLst>
-          </p:cNvPr>
-          <p:cNvSpPr/>
-          <p:nvPr/>
-        </p:nvSpPr>
-        <p:spPr>
-          <a:xfrm>
-            <a:off x="9508067" y="0"/>
-            <a:ext cx="2683933" cy="1593908"/>
-          </a:xfrm>
-          <a:prstGeom prst="rect">
-            <a:avLst/>
-          </a:prstGeom>
-          <a:solidFill>
-            <a:schemeClr val="accent6">
-              <a:lumMod val="60000"/>
-              <a:lumOff val="40000"/>
-            </a:schemeClr>
-          </a:solidFill>
-        </p:spPr>
-        <p:style>
-          <a:lnRef idx="2">
-            <a:schemeClr val="accent1">
-              <a:shade val="50000"/>
-            </a:schemeClr>
-          </a:lnRef>
-          <a:fillRef idx="1">
-            <a:schemeClr val="accent1"/>
-          </a:fillRef>
-          <a:effectRef idx="0">
-            <a:schemeClr val="accent1"/>
-          </a:effectRef>
-          <a:fontRef idx="minor">
-            <a:schemeClr val="lt1"/>
-          </a:fontRef>
-        </p:style>
-        <p:txBody>
-          <a:bodyPr rtlCol="0" anchor="ctr"/>
-          <a:lstStyle/>
-          <a:p>
-            <a:pPr algn="ctr"/>
-            <a:endParaRPr kumimoji="1" lang="ja-JP" altLang="en-US"/>
+              <a:t>データの数を増やす</a:t>
+            </a:r>
+            <a:endParaRPr kumimoji="1" lang="en-US" altLang="ja-JP" dirty="0"/>
+          </a:p>
+          <a:p>
+            <a:r>
+              <a:rPr kumimoji="1" lang="ja-JP" altLang="en-US" dirty="0"/>
+              <a:t>パラメーター</a:t>
+            </a:r>
+            <a:endParaRPr kumimoji="1" lang="en-US" altLang="ja-JP" dirty="0"/>
+          </a:p>
+          <a:p>
+            <a:pPr lvl="1"/>
+            <a:r>
+              <a:rPr kumimoji="1" lang="ja-JP" altLang="en-US" dirty="0"/>
+              <a:t>種類</a:t>
+            </a:r>
+            <a:endParaRPr kumimoji="1" lang="en-US" altLang="ja-JP" dirty="0"/>
+          </a:p>
+          <a:p>
+            <a:pPr lvl="1"/>
+            <a:r>
+              <a:rPr kumimoji="1" lang="ja-JP" altLang="en-US" dirty="0"/>
+              <a:t>今使用してるパラメーター</a:t>
+            </a:r>
           </a:p>
         </p:txBody>
       </p:sp>
     </p:spTree>
     <p:extLst>
       <p:ext uri="{BB962C8B-B14F-4D97-AF65-F5344CB8AC3E}">
-        <p14:creationId xmlns:p14="http://schemas.microsoft.com/office/powerpoint/2010/main" val="695388641"/>
+        <p14:creationId xmlns:p14="http://schemas.microsoft.com/office/powerpoint/2010/main" val="3585728868"/>
       </p:ext>
     </p:extLst>
   </p:cSld>
@@ -6002,124 +5971,6 @@
           <p:cNvPr id="2" name="タイトル 1">
             <a:extLst>
               <a:ext uri="{FF2B5EF4-FFF2-40B4-BE49-F238E27FC236}">
-                <a16:creationId xmlns:a16="http://schemas.microsoft.com/office/drawing/2014/main" id="{DEF4C263-910B-426D-B907-59CA81658037}"/>
-              </a:ext>
-            </a:extLst>
-          </p:cNvPr>
-          <p:cNvSpPr>
-            <a:spLocks noGrp="1"/>
-          </p:cNvSpPr>
-          <p:nvPr>
-            <p:ph type="title"/>
-          </p:nvPr>
-        </p:nvSpPr>
-        <p:spPr/>
-        <p:txBody>
-          <a:bodyPr/>
-          <a:lstStyle/>
-          <a:p>
-            <a:r>
-              <a:rPr kumimoji="1" lang="ja-JP" altLang="ja-JP" sz="4400" kern="1200" dirty="0">
-                <a:solidFill>
-                  <a:schemeClr val="tx1"/>
-                </a:solidFill>
-                <a:effectLst/>
-                <a:latin typeface="+mj-lt"/>
-                <a:ea typeface="+mj-ea"/>
-                <a:cs typeface="+mj-cs"/>
-              </a:rPr>
-              <a:t>精度の上げ方</a:t>
-            </a:r>
-            <a:endParaRPr kumimoji="1" lang="ja-JP" altLang="en-US" dirty="0"/>
-          </a:p>
-        </p:txBody>
-      </p:sp>
-      <p:sp>
-        <p:nvSpPr>
-          <p:cNvPr id="3" name="コンテンツ プレースホルダー 2">
-            <a:extLst>
-              <a:ext uri="{FF2B5EF4-FFF2-40B4-BE49-F238E27FC236}">
-                <a16:creationId xmlns:a16="http://schemas.microsoft.com/office/drawing/2014/main" id="{C0F748B1-5B54-40D0-A11D-D609B06580B8}"/>
-              </a:ext>
-            </a:extLst>
-          </p:cNvPr>
-          <p:cNvSpPr>
-            <a:spLocks noGrp="1"/>
-          </p:cNvSpPr>
-          <p:nvPr>
-            <p:ph idx="1"/>
-          </p:nvPr>
-        </p:nvSpPr>
-        <p:spPr/>
-        <p:txBody>
-          <a:bodyPr/>
-          <a:lstStyle/>
-          <a:p>
-            <a:r>
-              <a:rPr kumimoji="1" lang="ja-JP" altLang="en-US" dirty="0"/>
-              <a:t>データの数を増やす</a:t>
-            </a:r>
-            <a:endParaRPr kumimoji="1" lang="en-US" altLang="ja-JP" dirty="0"/>
-          </a:p>
-          <a:p>
-            <a:r>
-              <a:rPr kumimoji="1" lang="ja-JP" altLang="en-US" dirty="0"/>
-              <a:t>パラメーター</a:t>
-            </a:r>
-            <a:endParaRPr kumimoji="1" lang="en-US" altLang="ja-JP" dirty="0"/>
-          </a:p>
-          <a:p>
-            <a:pPr lvl="1"/>
-            <a:r>
-              <a:rPr kumimoji="1" lang="ja-JP" altLang="en-US" dirty="0"/>
-              <a:t>種類</a:t>
-            </a:r>
-            <a:endParaRPr kumimoji="1" lang="en-US" altLang="ja-JP" dirty="0"/>
-          </a:p>
-          <a:p>
-            <a:pPr lvl="1"/>
-            <a:r>
-              <a:rPr kumimoji="1" lang="ja-JP" altLang="en-US" dirty="0"/>
-              <a:t>今使用してるパラメーター</a:t>
-            </a:r>
-          </a:p>
-        </p:txBody>
-      </p:sp>
-    </p:spTree>
-    <p:extLst>
-      <p:ext uri="{BB962C8B-B14F-4D97-AF65-F5344CB8AC3E}">
-        <p14:creationId xmlns:p14="http://schemas.microsoft.com/office/powerpoint/2010/main" val="3585728868"/>
-      </p:ext>
-    </p:extLst>
-  </p:cSld>
-  <p:clrMapOvr>
-    <a:masterClrMapping/>
-  </p:clrMapOvr>
-</p:sld>
-</file>
-
-<file path=ppt/slides/slide6.xml><?xml version="1.0" encoding="utf-8"?>
-<p:sld xmlns:a="http://schemas.openxmlformats.org/drawingml/2006/main" xmlns:r="http://schemas.openxmlformats.org/officeDocument/2006/relationships" xmlns:p="http://schemas.openxmlformats.org/presentationml/2006/main">
-  <p:cSld>
-    <p:spTree>
-      <p:nvGrpSpPr>
-        <p:cNvPr id="1" name=""/>
-        <p:cNvGrpSpPr/>
-        <p:nvPr/>
-      </p:nvGrpSpPr>
-      <p:grpSpPr>
-        <a:xfrm>
-          <a:off x="0" y="0"/>
-          <a:ext cx="0" cy="0"/>
-          <a:chOff x="0" y="0"/>
-          <a:chExt cx="0" cy="0"/>
-        </a:xfrm>
-      </p:grpSpPr>
-      <p:sp>
-        <p:nvSpPr>
-          <p:cNvPr id="2" name="タイトル 1">
-            <a:extLst>
-              <a:ext uri="{FF2B5EF4-FFF2-40B4-BE49-F238E27FC236}">
                 <a16:creationId xmlns:a16="http://schemas.microsoft.com/office/drawing/2014/main" id="{EEA139C4-F5C2-4D21-8623-FBA3A6C4A4F9}"/>
               </a:ext>
             </a:extLst>
@@ -6160,7 +6011,7 @@
           </p:nvPr>
         </p:nvPicPr>
         <p:blipFill>
-          <a:blip r:embed="rId2">
+          <a:blip r:embed="rId3">
             <a:extLst>
               <a:ext uri="{28A0092B-C50C-407E-A947-70E740481C1C}">
                 <a14:useLocalDpi xmlns:a14="http://schemas.microsoft.com/office/drawing/2010/main" val="0"/>

--- a/presentation/fasttext.pptx
+++ b/presentation/fasttext.pptx
@@ -10,8 +10,8 @@
   <p:sldIdLst>
     <p:sldId id="256" r:id="rId2"/>
     <p:sldId id="257" r:id="rId3"/>
-    <p:sldId id="260" r:id="rId4"/>
-    <p:sldId id="258" r:id="rId5"/>
+    <p:sldId id="258" r:id="rId4"/>
+    <p:sldId id="265" r:id="rId5"/>
     <p:sldId id="261" r:id="rId6"/>
     <p:sldId id="263" r:id="rId7"/>
   </p:sldIdLst>
@@ -202,7 +202,7 @@
           <a:p>
             <a:fld id="{C71847E3-A545-4FEE-96D0-B2F7F758E0F3}" type="datetimeFigureOut">
               <a:rPr kumimoji="1" lang="ja-JP" altLang="en-US" smtClean="0"/>
-              <a:t>2021/12/3</a:t>
+              <a:t>2021/12/6</a:t>
             </a:fld>
             <a:endParaRPr kumimoji="1" lang="ja-JP" altLang="en-US"/>
           </a:p>
@@ -616,15 +616,15 @@
             </a:pPr>
             <a:r>
               <a:rPr kumimoji="1" lang="ja-JP" altLang="en-US" dirty="0"/>
-              <a:t>この図では天気と晴れ？</a:t>
-            </a:r>
-            <a:r>
-              <a:rPr kumimoji="1" lang="ja-JP" altLang="en-US" dirty="0" err="1"/>
-              <a:t>が抽</a:t>
+              <a:t>この図では白いと犬と猫であるか白い犬、と猫。のどれかに</a:t>
+            </a:r>
+            <a:r>
+              <a:rPr kumimoji="1" lang="en-US" altLang="ja-JP" dirty="0"/>
+              <a:t>AI</a:t>
             </a:r>
             <a:r>
               <a:rPr kumimoji="1" lang="ja-JP" altLang="en-US" dirty="0"/>
-              <a:t>出されています。この二つの単語を重点的に解析することで</a:t>
+              <a:t>を利用して分類しようとしています</a:t>
             </a:r>
             <a:endParaRPr kumimoji="1" lang="en-US" altLang="ja-JP" dirty="0"/>
           </a:p>
@@ -647,10 +647,17 @@
               <a:defRPr/>
             </a:pPr>
             <a:r>
-              <a:rPr kumimoji="1" lang="ja-JP" altLang="en-US"/>
-              <a:t>この文章が天気に関する文章であると結果を返します</a:t>
-            </a:r>
-            <a:endParaRPr kumimoji="1" lang="ja-JP" altLang="en-US" dirty="0"/>
+              <a:rPr kumimoji="1" lang="ja-JP" altLang="en-US" dirty="0"/>
+              <a:t>この文章が白い犬についての文章であると</a:t>
+            </a:r>
+            <a:r>
+              <a:rPr kumimoji="1" lang="en-US" altLang="ja-JP" dirty="0"/>
+              <a:t>AI</a:t>
+            </a:r>
+            <a:r>
+              <a:rPr kumimoji="1" lang="ja-JP" altLang="en-US" dirty="0"/>
+              <a:t>が予測して分類しました。</a:t>
+            </a:r>
           </a:p>
           <a:p>
             <a:pPr marL="0" marR="0" lvl="0" indent="0" algn="l" defTabSz="914400" rtl="0" eaLnBrk="1" fontAlgn="auto" latinLnBrk="0" hangingPunct="1">
@@ -886,7 +893,7 @@
           <a:p>
             <a:fld id="{8DF1E08D-4A53-4A5C-9DAB-BDA17F3E8D74}" type="slidenum">
               <a:rPr kumimoji="1" lang="ja-JP" altLang="en-US" smtClean="0"/>
-              <a:t>4</a:t>
+              <a:t>3</a:t>
             </a:fld>
             <a:endParaRPr kumimoji="1" lang="ja-JP" altLang="en-US"/>
           </a:p>
@@ -951,6 +958,178 @@
           <a:p>
             <a:r>
               <a:rPr kumimoji="1" lang="ja-JP" altLang="en-US" dirty="0"/>
+              <a:t>本来の作り方としては、トレーニングデータ用の文章を形態素解析で単語ごとに分割するのですが、</a:t>
+            </a:r>
+            <a:r>
+              <a:rPr kumimoji="1" lang="en-US" altLang="ja-JP" dirty="0" err="1"/>
+              <a:t>fastText</a:t>
+            </a:r>
+            <a:r>
+              <a:rPr kumimoji="1" lang="ja-JP" altLang="en-US" dirty="0"/>
+              <a:t>では</a:t>
+            </a:r>
+            <a:r>
+              <a:rPr kumimoji="1" lang="en-US" altLang="ja-JP" dirty="0"/>
+              <a:t>1</a:t>
+            </a:r>
+            <a:r>
+              <a:rPr kumimoji="1" lang="ja-JP" altLang="en-US" dirty="0" err="1"/>
+              <a:t>つの</a:t>
+            </a:r>
+            <a:r>
+              <a:rPr kumimoji="1" lang="ja-JP" altLang="en-US" dirty="0"/>
+              <a:t>単語を１つのデータとして扱うため、</a:t>
+            </a:r>
+            <a:endParaRPr kumimoji="1" lang="en-US" altLang="ja-JP" dirty="0"/>
+          </a:p>
+          <a:p>
+            <a:r>
+              <a:rPr kumimoji="1" lang="ja-JP" altLang="en-US" dirty="0"/>
+              <a:t>「今日の天気は晴れ？」という文章のあとに「今日の天気を教えて」という文章を追加しても、「今日の天気」の部分が重複してしまうため、その分データが増えないことになります</a:t>
+            </a:r>
+            <a:endParaRPr kumimoji="1" lang="en-US" altLang="ja-JP" dirty="0"/>
+          </a:p>
+          <a:p>
+            <a:r>
+              <a:rPr kumimoji="1" lang="ja-JP" altLang="en-US" dirty="0"/>
+              <a:t>私たちが使うであろう文章は、単語が多く重複してしまうため、対策を考えました</a:t>
+            </a:r>
+            <a:endParaRPr kumimoji="1" lang="en-US" altLang="ja-JP" dirty="0"/>
+          </a:p>
+          <a:p>
+            <a:r>
+              <a:rPr kumimoji="1" lang="ja-JP" altLang="en-US" dirty="0"/>
+              <a:t>解決策として、文章を分割せずに、そのまま</a:t>
+            </a:r>
+            <a:r>
+              <a:rPr kumimoji="1" lang="en-US" altLang="ja-JP" dirty="0"/>
+              <a:t>1</a:t>
+            </a:r>
+            <a:r>
+              <a:rPr kumimoji="1" lang="ja-JP" altLang="en-US" dirty="0" err="1"/>
+              <a:t>つの</a:t>
+            </a:r>
+            <a:r>
+              <a:rPr kumimoji="1" lang="ja-JP" altLang="en-US" dirty="0"/>
+              <a:t>文章を</a:t>
+            </a:r>
+            <a:r>
+              <a:rPr kumimoji="1" lang="en-US" altLang="ja-JP" dirty="0"/>
+              <a:t>1</a:t>
+            </a:r>
+            <a:r>
+              <a:rPr kumimoji="1" lang="ja-JP" altLang="en-US" dirty="0" err="1"/>
+              <a:t>つの</a:t>
+            </a:r>
+            <a:r>
+              <a:rPr kumimoji="1" lang="ja-JP" altLang="en-US" dirty="0"/>
+              <a:t>単語として扱うという方法を考えました</a:t>
+            </a:r>
+            <a:endParaRPr kumimoji="1" lang="en-US" altLang="ja-JP" dirty="0"/>
+          </a:p>
+          <a:p>
+            <a:r>
+              <a:rPr kumimoji="1" lang="ja-JP" altLang="en-US" dirty="0"/>
+              <a:t>こうすることで、入力した文章がそのまま</a:t>
+            </a:r>
+            <a:r>
+              <a:rPr kumimoji="1" lang="en-US" altLang="ja-JP" dirty="0"/>
+              <a:t>1</a:t>
+            </a:r>
+            <a:r>
+              <a:rPr kumimoji="1" lang="ja-JP" altLang="en-US" dirty="0" err="1"/>
+              <a:t>つの</a:t>
+            </a:r>
+            <a:r>
+              <a:rPr kumimoji="1" lang="ja-JP" altLang="en-US" dirty="0"/>
+              <a:t>データとして扱えるので、データを増やしやすくなります</a:t>
+            </a:r>
+            <a:endParaRPr kumimoji="1" lang="en-US" altLang="ja-JP" dirty="0"/>
+          </a:p>
+        </p:txBody>
+      </p:sp>
+      <p:sp>
+        <p:nvSpPr>
+          <p:cNvPr id="4" name="スライド番号プレースホルダー 3"/>
+          <p:cNvSpPr>
+            <a:spLocks noGrp="1"/>
+          </p:cNvSpPr>
+          <p:nvPr>
+            <p:ph type="sldNum" sz="quarter" idx="5"/>
+          </p:nvPr>
+        </p:nvSpPr>
+        <p:spPr/>
+        <p:txBody>
+          <a:bodyPr/>
+          <a:lstStyle/>
+          <a:p>
+            <a:fld id="{8DF1E08D-4A53-4A5C-9DAB-BDA17F3E8D74}" type="slidenum">
+              <a:rPr kumimoji="1" lang="ja-JP" altLang="en-US" smtClean="0"/>
+              <a:t>4</a:t>
+            </a:fld>
+            <a:endParaRPr kumimoji="1" lang="ja-JP" altLang="en-US"/>
+          </a:p>
+        </p:txBody>
+      </p:sp>
+    </p:spTree>
+    <p:extLst>
+      <p:ext uri="{BB962C8B-B14F-4D97-AF65-F5344CB8AC3E}">
+        <p14:creationId xmlns:p14="http://schemas.microsoft.com/office/powerpoint/2010/main" val="1340245251"/>
+      </p:ext>
+    </p:extLst>
+  </p:cSld>
+  <p:clrMapOvr>
+    <a:masterClrMapping/>
+  </p:clrMapOvr>
+</p:notes>
+</file>
+
+<file path=ppt/notesSlides/notesSlide4.xml><?xml version="1.0" encoding="utf-8"?>
+<p:notes xmlns:a="http://schemas.openxmlformats.org/drawingml/2006/main" xmlns:r="http://schemas.openxmlformats.org/officeDocument/2006/relationships" xmlns:p="http://schemas.openxmlformats.org/presentationml/2006/main">
+  <p:cSld>
+    <p:spTree>
+      <p:nvGrpSpPr>
+        <p:cNvPr id="1" name=""/>
+        <p:cNvGrpSpPr/>
+        <p:nvPr/>
+      </p:nvGrpSpPr>
+      <p:grpSpPr>
+        <a:xfrm>
+          <a:off x="0" y="0"/>
+          <a:ext cx="0" cy="0"/>
+          <a:chOff x="0" y="0"/>
+          <a:chExt cx="0" cy="0"/>
+        </a:xfrm>
+      </p:grpSpPr>
+      <p:sp>
+        <p:nvSpPr>
+          <p:cNvPr id="2" name="スライド イメージ プレースホルダー 1"/>
+          <p:cNvSpPr>
+            <a:spLocks noGrp="1" noRot="1" noChangeAspect="1"/>
+          </p:cNvSpPr>
+          <p:nvPr>
+            <p:ph type="sldImg"/>
+          </p:nvPr>
+        </p:nvSpPr>
+        <p:spPr/>
+      </p:sp>
+      <p:sp>
+        <p:nvSpPr>
+          <p:cNvPr id="3" name="ノート プレースホルダー 2"/>
+          <p:cNvSpPr>
+            <a:spLocks noGrp="1"/>
+          </p:cNvSpPr>
+          <p:nvPr>
+            <p:ph type="body" idx="1"/>
+          </p:nvPr>
+        </p:nvSpPr>
+        <p:spPr/>
+        <p:txBody>
+          <a:bodyPr/>
+          <a:lstStyle/>
+          <a:p>
+            <a:r>
+              <a:rPr kumimoji="1" lang="ja-JP" altLang="en-US" dirty="0"/>
               <a:t>現在はデータを増やす方向で精度を上げていますがパラメーターを</a:t>
             </a:r>
           </a:p>
@@ -1139,7 +1318,7 @@
           <a:p>
             <a:fld id="{C3207B85-80BE-4221-9A94-62BEF993681B}" type="datetimeFigureOut">
               <a:rPr kumimoji="1" lang="ja-JP" altLang="en-US" smtClean="0"/>
-              <a:t>2021/12/3</a:t>
+              <a:t>2021/12/6</a:t>
             </a:fld>
             <a:endParaRPr kumimoji="1" lang="ja-JP" altLang="en-US"/>
           </a:p>
@@ -1369,7 +1548,7 @@
           <a:p>
             <a:fld id="{C3207B85-80BE-4221-9A94-62BEF993681B}" type="datetimeFigureOut">
               <a:rPr kumimoji="1" lang="ja-JP" altLang="en-US" smtClean="0"/>
-              <a:t>2021/12/3</a:t>
+              <a:t>2021/12/6</a:t>
             </a:fld>
             <a:endParaRPr kumimoji="1" lang="ja-JP" altLang="en-US"/>
           </a:p>
@@ -1609,7 +1788,7 @@
           <a:p>
             <a:fld id="{C3207B85-80BE-4221-9A94-62BEF993681B}" type="datetimeFigureOut">
               <a:rPr kumimoji="1" lang="ja-JP" altLang="en-US" smtClean="0"/>
-              <a:t>2021/12/3</a:t>
+              <a:t>2021/12/6</a:t>
             </a:fld>
             <a:endParaRPr kumimoji="1" lang="ja-JP" altLang="en-US"/>
           </a:p>
@@ -1839,7 +2018,7 @@
           <a:p>
             <a:fld id="{C3207B85-80BE-4221-9A94-62BEF993681B}" type="datetimeFigureOut">
               <a:rPr kumimoji="1" lang="ja-JP" altLang="en-US" smtClean="0"/>
-              <a:t>2021/12/3</a:t>
+              <a:t>2021/12/6</a:t>
             </a:fld>
             <a:endParaRPr kumimoji="1" lang="ja-JP" altLang="en-US"/>
           </a:p>
@@ -2114,7 +2293,7 @@
           <a:p>
             <a:fld id="{C3207B85-80BE-4221-9A94-62BEF993681B}" type="datetimeFigureOut">
               <a:rPr kumimoji="1" lang="ja-JP" altLang="en-US" smtClean="0"/>
-              <a:t>2021/12/3</a:t>
+              <a:t>2021/12/6</a:t>
             </a:fld>
             <a:endParaRPr kumimoji="1" lang="ja-JP" altLang="en-US"/>
           </a:p>
@@ -2443,7 +2622,7 @@
           <a:p>
             <a:fld id="{C3207B85-80BE-4221-9A94-62BEF993681B}" type="datetimeFigureOut">
               <a:rPr kumimoji="1" lang="ja-JP" altLang="en-US" smtClean="0"/>
-              <a:t>2021/12/3</a:t>
+              <a:t>2021/12/6</a:t>
             </a:fld>
             <a:endParaRPr kumimoji="1" lang="ja-JP" altLang="en-US"/>
           </a:p>
@@ -2919,7 +3098,7 @@
           <a:p>
             <a:fld id="{C3207B85-80BE-4221-9A94-62BEF993681B}" type="datetimeFigureOut">
               <a:rPr kumimoji="1" lang="ja-JP" altLang="en-US" smtClean="0"/>
-              <a:t>2021/12/3</a:t>
+              <a:t>2021/12/6</a:t>
             </a:fld>
             <a:endParaRPr kumimoji="1" lang="ja-JP" altLang="en-US"/>
           </a:p>
@@ -3060,7 +3239,7 @@
           <a:p>
             <a:fld id="{C3207B85-80BE-4221-9A94-62BEF993681B}" type="datetimeFigureOut">
               <a:rPr kumimoji="1" lang="ja-JP" altLang="en-US" smtClean="0"/>
-              <a:t>2021/12/3</a:t>
+              <a:t>2021/12/6</a:t>
             </a:fld>
             <a:endParaRPr kumimoji="1" lang="ja-JP" altLang="en-US"/>
           </a:p>
@@ -3173,7 +3352,7 @@
           <a:p>
             <a:fld id="{C3207B85-80BE-4221-9A94-62BEF993681B}" type="datetimeFigureOut">
               <a:rPr kumimoji="1" lang="ja-JP" altLang="en-US" smtClean="0"/>
-              <a:t>2021/12/3</a:t>
+              <a:t>2021/12/6</a:t>
             </a:fld>
             <a:endParaRPr kumimoji="1" lang="ja-JP" altLang="en-US"/>
           </a:p>
@@ -3516,7 +3695,7 @@
           <a:p>
             <a:fld id="{C3207B85-80BE-4221-9A94-62BEF993681B}" type="datetimeFigureOut">
               <a:rPr kumimoji="1" lang="ja-JP" altLang="en-US" smtClean="0"/>
-              <a:t>2021/12/3</a:t>
+              <a:t>2021/12/6</a:t>
             </a:fld>
             <a:endParaRPr kumimoji="1" lang="ja-JP" altLang="en-US"/>
           </a:p>
@@ -3804,7 +3983,7 @@
           <a:p>
             <a:fld id="{C3207B85-80BE-4221-9A94-62BEF993681B}" type="datetimeFigureOut">
               <a:rPr kumimoji="1" lang="ja-JP" altLang="en-US" smtClean="0"/>
-              <a:t>2021/12/3</a:t>
+              <a:t>2021/12/6</a:t>
             </a:fld>
             <a:endParaRPr kumimoji="1" lang="ja-JP" altLang="en-US"/>
           </a:p>
@@ -4077,7 +4256,7 @@
           <a:p>
             <a:fld id="{C3207B85-80BE-4221-9A94-62BEF993681B}" type="datetimeFigureOut">
               <a:rPr kumimoji="1" lang="ja-JP" altLang="en-US" smtClean="0"/>
-              <a:t>2021/12/3</a:t>
+              <a:t>2021/12/6</a:t>
             </a:fld>
             <a:endParaRPr kumimoji="1" lang="ja-JP" altLang="en-US"/>
           </a:p>
@@ -4828,10 +5007,9 @@
           <a:p>
             <a:pPr algn="ctr"/>
             <a:r>
-              <a:rPr lang="ja-JP" altLang="en-US" dirty="0"/>
-              <a:t>今日の天気は晴れ？</a:t>
-            </a:r>
-            <a:endParaRPr kumimoji="1" lang="ja-JP" altLang="en-US" dirty="0"/>
+              <a:rPr kumimoji="1" lang="ja-JP" altLang="en-US" dirty="0"/>
+              <a:t>私は白い犬と猫を飼う</a:t>
+            </a:r>
           </a:p>
         </p:txBody>
       </p:sp>
@@ -4899,226 +5077,6 @@
       </p:sp>
       <p:sp>
         <p:nvSpPr>
-          <p:cNvPr id="8" name="正方形/長方形 7">
-            <a:extLst>
-              <a:ext uri="{FF2B5EF4-FFF2-40B4-BE49-F238E27FC236}">
-                <a16:creationId xmlns:a16="http://schemas.microsoft.com/office/drawing/2014/main" id="{F77CB271-C758-4C37-A32B-2645499C9278}"/>
-              </a:ext>
-            </a:extLst>
-          </p:cNvPr>
-          <p:cNvSpPr/>
-          <p:nvPr/>
-        </p:nvSpPr>
-        <p:spPr>
-          <a:xfrm>
-            <a:off x="3778690" y="1653887"/>
-            <a:ext cx="696299" cy="723884"/>
-          </a:xfrm>
-          <a:prstGeom prst="rect">
-            <a:avLst/>
-          </a:prstGeom>
-          <a:effectLst>
-            <a:outerShdw blurRad="50800" dist="38100" dir="18900000" algn="bl" rotWithShape="0">
-              <a:prstClr val="black">
-                <a:alpha val="40000"/>
-              </a:prstClr>
-            </a:outerShdw>
-          </a:effectLst>
-        </p:spPr>
-        <p:style>
-          <a:lnRef idx="2">
-            <a:schemeClr val="accent2"/>
-          </a:lnRef>
-          <a:fillRef idx="1">
-            <a:schemeClr val="lt1"/>
-          </a:fillRef>
-          <a:effectRef idx="0">
-            <a:schemeClr val="accent2"/>
-          </a:effectRef>
-          <a:fontRef idx="minor">
-            <a:schemeClr val="dk1"/>
-          </a:fontRef>
-        </p:style>
-        <p:txBody>
-          <a:bodyPr rtlCol="0" anchor="ctr"/>
-          <a:lstStyle/>
-          <a:p>
-            <a:pPr algn="ctr"/>
-            <a:r>
-              <a:rPr lang="ja-JP" altLang="en-US" dirty="0"/>
-              <a:t>今日</a:t>
-            </a:r>
-            <a:endParaRPr kumimoji="1" lang="ja-JP" altLang="en-US" dirty="0"/>
-          </a:p>
-        </p:txBody>
-      </p:sp>
-      <p:sp>
-        <p:nvSpPr>
-          <p:cNvPr id="9" name="正方形/長方形 8">
-            <a:extLst>
-              <a:ext uri="{FF2B5EF4-FFF2-40B4-BE49-F238E27FC236}">
-                <a16:creationId xmlns:a16="http://schemas.microsoft.com/office/drawing/2014/main" id="{2CFE3E34-D1FA-4CDC-B96A-A3C5AE52FDFA}"/>
-              </a:ext>
-            </a:extLst>
-          </p:cNvPr>
-          <p:cNvSpPr/>
-          <p:nvPr/>
-        </p:nvSpPr>
-        <p:spPr>
-          <a:xfrm>
-            <a:off x="5204216" y="1653887"/>
-            <a:ext cx="652341" cy="723884"/>
-          </a:xfrm>
-          <a:prstGeom prst="rect">
-            <a:avLst/>
-          </a:prstGeom>
-          <a:effectLst>
-            <a:outerShdw blurRad="50800" dist="38100" dir="18900000" algn="bl" rotWithShape="0">
-              <a:prstClr val="black">
-                <a:alpha val="40000"/>
-              </a:prstClr>
-            </a:outerShdw>
-          </a:effectLst>
-        </p:spPr>
-        <p:style>
-          <a:lnRef idx="2">
-            <a:schemeClr val="accent2"/>
-          </a:lnRef>
-          <a:fillRef idx="1">
-            <a:schemeClr val="lt1"/>
-          </a:fillRef>
-          <a:effectRef idx="0">
-            <a:schemeClr val="accent2"/>
-          </a:effectRef>
-          <a:fontRef idx="minor">
-            <a:schemeClr val="dk1"/>
-          </a:fontRef>
-        </p:style>
-        <p:txBody>
-          <a:bodyPr rtlCol="0" anchor="ctr"/>
-          <a:lstStyle/>
-          <a:p>
-            <a:pPr algn="ctr"/>
-            <a:r>
-              <a:rPr lang="ja-JP" altLang="en-US" dirty="0"/>
-              <a:t>天気</a:t>
-            </a:r>
-            <a:endParaRPr kumimoji="1" lang="ja-JP" altLang="en-US" dirty="0"/>
-          </a:p>
-        </p:txBody>
-      </p:sp>
-      <p:sp>
-        <p:nvSpPr>
-          <p:cNvPr id="10" name="正方形/長方形 9">
-            <a:extLst>
-              <a:ext uri="{FF2B5EF4-FFF2-40B4-BE49-F238E27FC236}">
-                <a16:creationId xmlns:a16="http://schemas.microsoft.com/office/drawing/2014/main" id="{BC96D2ED-DFAF-4ADC-AD5C-603A991EEEF7}"/>
-              </a:ext>
-            </a:extLst>
-          </p:cNvPr>
-          <p:cNvSpPr/>
-          <p:nvPr/>
-        </p:nvSpPr>
-        <p:spPr>
-          <a:xfrm>
-            <a:off x="6038605" y="1653887"/>
-            <a:ext cx="455691" cy="723884"/>
-          </a:xfrm>
-          <a:prstGeom prst="rect">
-            <a:avLst/>
-          </a:prstGeom>
-          <a:effectLst>
-            <a:outerShdw blurRad="50800" dist="38100" dir="18900000" algn="bl" rotWithShape="0">
-              <a:prstClr val="black">
-                <a:alpha val="40000"/>
-              </a:prstClr>
-            </a:outerShdw>
-          </a:effectLst>
-        </p:spPr>
-        <p:style>
-          <a:lnRef idx="2">
-            <a:schemeClr val="accent2"/>
-          </a:lnRef>
-          <a:fillRef idx="1">
-            <a:schemeClr val="lt1"/>
-          </a:fillRef>
-          <a:effectRef idx="0">
-            <a:schemeClr val="accent2"/>
-          </a:effectRef>
-          <a:fontRef idx="minor">
-            <a:schemeClr val="dk1"/>
-          </a:fontRef>
-        </p:style>
-        <p:txBody>
-          <a:bodyPr rtlCol="0" anchor="ctr"/>
-          <a:lstStyle/>
-          <a:p>
-            <a:pPr algn="ctr"/>
-            <a:r>
-              <a:rPr lang="ja-JP" altLang="en-US" dirty="0"/>
-              <a:t>は</a:t>
-            </a:r>
-            <a:endParaRPr kumimoji="1" lang="ja-JP" altLang="en-US" dirty="0"/>
-          </a:p>
-        </p:txBody>
-      </p:sp>
-      <p:sp>
-        <p:nvSpPr>
-          <p:cNvPr id="11" name="正方形/長方形 10">
-            <a:extLst>
-              <a:ext uri="{FF2B5EF4-FFF2-40B4-BE49-F238E27FC236}">
-                <a16:creationId xmlns:a16="http://schemas.microsoft.com/office/drawing/2014/main" id="{0C761BE8-12F4-4E6D-8894-1036C8EE64C8}"/>
-              </a:ext>
-            </a:extLst>
-          </p:cNvPr>
-          <p:cNvSpPr/>
-          <p:nvPr/>
-        </p:nvSpPr>
-        <p:spPr>
-          <a:xfrm>
-            <a:off x="6636299" y="1648201"/>
-            <a:ext cx="926900" cy="723884"/>
-          </a:xfrm>
-          <a:prstGeom prst="rect">
-            <a:avLst/>
-          </a:prstGeom>
-          <a:effectLst>
-            <a:outerShdw blurRad="50800" dist="38100" dir="18900000" algn="bl" rotWithShape="0">
-              <a:prstClr val="black">
-                <a:alpha val="40000"/>
-              </a:prstClr>
-            </a:outerShdw>
-          </a:effectLst>
-        </p:spPr>
-        <p:style>
-          <a:lnRef idx="2">
-            <a:schemeClr val="accent2"/>
-          </a:lnRef>
-          <a:fillRef idx="1">
-            <a:schemeClr val="lt1"/>
-          </a:fillRef>
-          <a:effectRef idx="0">
-            <a:schemeClr val="accent2"/>
-          </a:effectRef>
-          <a:fontRef idx="minor">
-            <a:schemeClr val="dk1"/>
-          </a:fontRef>
-        </p:style>
-        <p:txBody>
-          <a:bodyPr rtlCol="0" anchor="ctr"/>
-          <a:lstStyle/>
-          <a:p>
-            <a:pPr algn="ctr"/>
-            <a:r>
-              <a:rPr lang="ja-JP" altLang="en-US" dirty="0"/>
-              <a:t>晴れ？</a:t>
-            </a:r>
-            <a:endParaRPr kumimoji="1" lang="ja-JP" altLang="en-US" dirty="0"/>
-          </a:p>
-        </p:txBody>
-      </p:sp>
-      <p:sp>
-        <p:nvSpPr>
           <p:cNvPr id="16" name="矢印: 右 15">
             <a:extLst>
               <a:ext uri="{FF2B5EF4-FFF2-40B4-BE49-F238E27FC236}">
@@ -5279,10 +5237,10 @@
       </p:sp>
       <p:sp>
         <p:nvSpPr>
-          <p:cNvPr id="25" name="正方形/長方形 24">
-            <a:extLst>
-              <a:ext uri="{FF2B5EF4-FFF2-40B4-BE49-F238E27FC236}">
-                <a16:creationId xmlns:a16="http://schemas.microsoft.com/office/drawing/2014/main" id="{BDEDE308-B079-4D58-9CF3-6C6646097869}"/>
+          <p:cNvPr id="26" name="正方形/長方形 25">
+            <a:extLst>
+              <a:ext uri="{FF2B5EF4-FFF2-40B4-BE49-F238E27FC236}">
+                <a16:creationId xmlns:a16="http://schemas.microsoft.com/office/drawing/2014/main" id="{005B569B-6A26-45FF-8251-0C150346E7B1}"/>
               </a:ext>
             </a:extLst>
           </p:cNvPr>
@@ -5291,8 +5249,8 @@
         </p:nvSpPr>
         <p:spPr>
           <a:xfrm>
-            <a:off x="4593478" y="1653887"/>
-            <a:ext cx="412167" cy="723884"/>
+            <a:off x="3620912" y="4500862"/>
+            <a:ext cx="683539" cy="723884"/>
           </a:xfrm>
           <a:prstGeom prst="rect">
             <a:avLst/>
@@ -5325,19 +5283,18 @@
           <a:p>
             <a:pPr algn="ctr"/>
             <a:r>
-              <a:rPr lang="ja-JP" altLang="en-US" dirty="0"/>
-              <a:t>の</a:t>
-            </a:r>
-            <a:endParaRPr kumimoji="1" lang="ja-JP" altLang="en-US" dirty="0"/>
-          </a:p>
-        </p:txBody>
-      </p:sp>
-      <p:sp>
-        <p:nvSpPr>
-          <p:cNvPr id="26" name="正方形/長方形 25">
-            <a:extLst>
-              <a:ext uri="{FF2B5EF4-FFF2-40B4-BE49-F238E27FC236}">
-                <a16:creationId xmlns:a16="http://schemas.microsoft.com/office/drawing/2014/main" id="{005B569B-6A26-45FF-8251-0C150346E7B1}"/>
+              <a:rPr kumimoji="1" lang="ja-JP" altLang="en-US" dirty="0"/>
+              <a:t>私は</a:t>
+            </a:r>
+          </a:p>
+        </p:txBody>
+      </p:sp>
+      <p:sp>
+        <p:nvSpPr>
+          <p:cNvPr id="27" name="正方形/長方形 26">
+            <a:extLst>
+              <a:ext uri="{FF2B5EF4-FFF2-40B4-BE49-F238E27FC236}">
+                <a16:creationId xmlns:a16="http://schemas.microsoft.com/office/drawing/2014/main" id="{55043AA0-AB4D-41AE-A2F8-E21BA140ADD7}"/>
               </a:ext>
             </a:extLst>
           </p:cNvPr>
@@ -5346,62 +5303,7 @@
         </p:nvSpPr>
         <p:spPr>
           <a:xfrm>
-            <a:off x="4147220" y="4524434"/>
-            <a:ext cx="652341" cy="723884"/>
-          </a:xfrm>
-          <a:prstGeom prst="rect">
-            <a:avLst/>
-          </a:prstGeom>
-          <a:effectLst>
-            <a:outerShdw blurRad="50800" dist="38100" dir="18900000" algn="bl" rotWithShape="0">
-              <a:prstClr val="black">
-                <a:alpha val="40000"/>
-              </a:prstClr>
-            </a:outerShdw>
-          </a:effectLst>
-        </p:spPr>
-        <p:style>
-          <a:lnRef idx="2">
-            <a:schemeClr val="accent2"/>
-          </a:lnRef>
-          <a:fillRef idx="1">
-            <a:schemeClr val="lt1"/>
-          </a:fillRef>
-          <a:effectRef idx="0">
-            <a:schemeClr val="accent2"/>
-          </a:effectRef>
-          <a:fontRef idx="minor">
-            <a:schemeClr val="dk1"/>
-          </a:fontRef>
-        </p:style>
-        <p:txBody>
-          <a:bodyPr rtlCol="0" anchor="ctr"/>
-          <a:lstStyle/>
-          <a:p>
-            <a:pPr algn="ctr"/>
-            <a:r>
-              <a:rPr lang="ja-JP" altLang="en-US" dirty="0"/>
-              <a:t>天気</a:t>
-            </a:r>
-            <a:endParaRPr kumimoji="1" lang="ja-JP" altLang="en-US" dirty="0"/>
-          </a:p>
-        </p:txBody>
-      </p:sp>
-      <p:sp>
-        <p:nvSpPr>
-          <p:cNvPr id="27" name="正方形/長方形 26">
-            <a:extLst>
-              <a:ext uri="{FF2B5EF4-FFF2-40B4-BE49-F238E27FC236}">
-                <a16:creationId xmlns:a16="http://schemas.microsoft.com/office/drawing/2014/main" id="{55043AA0-AB4D-41AE-A2F8-E21BA140ADD7}"/>
-              </a:ext>
-            </a:extLst>
-          </p:cNvPr>
-          <p:cNvSpPr/>
-          <p:nvPr/>
-        </p:nvSpPr>
-        <p:spPr>
-          <a:xfrm>
-            <a:off x="5331425" y="4537844"/>
+            <a:off x="4481886" y="4500862"/>
             <a:ext cx="926900" cy="723884"/>
           </a:xfrm>
           <a:prstGeom prst="rect">
@@ -5435,19 +5337,18 @@
           <a:p>
             <a:pPr algn="ctr"/>
             <a:r>
-              <a:rPr lang="ja-JP" altLang="en-US" dirty="0"/>
-              <a:t>晴れ？</a:t>
-            </a:r>
-            <a:endParaRPr kumimoji="1" lang="ja-JP" altLang="en-US" dirty="0"/>
-          </a:p>
-        </p:txBody>
-      </p:sp>
-      <p:sp>
-        <p:nvSpPr>
-          <p:cNvPr id="28" name="正方形/長方形 27">
-            <a:extLst>
-              <a:ext uri="{FF2B5EF4-FFF2-40B4-BE49-F238E27FC236}">
-                <a16:creationId xmlns:a16="http://schemas.microsoft.com/office/drawing/2014/main" id="{8EE88ACD-F695-4F37-8C85-C578F68CB145}"/>
+              <a:rPr kumimoji="1" lang="ja-JP" altLang="en-US" dirty="0"/>
+              <a:t>白い犬</a:t>
+            </a:r>
+          </a:p>
+        </p:txBody>
+      </p:sp>
+      <p:sp>
+        <p:nvSpPr>
+          <p:cNvPr id="19" name="正方形/長方形 18">
+            <a:extLst>
+              <a:ext uri="{FF2B5EF4-FFF2-40B4-BE49-F238E27FC236}">
+                <a16:creationId xmlns:a16="http://schemas.microsoft.com/office/drawing/2014/main" id="{80CECD27-BF91-456D-AB30-604055AE293E}"/>
               </a:ext>
             </a:extLst>
           </p:cNvPr>
@@ -5456,8 +5357,8 @@
         </p:nvSpPr>
         <p:spPr>
           <a:xfrm>
-            <a:off x="7848006" y="3813960"/>
-            <a:ext cx="2372954" cy="723884"/>
+            <a:off x="3942281" y="1523455"/>
+            <a:ext cx="2618072" cy="723884"/>
           </a:xfrm>
           <a:prstGeom prst="rect">
             <a:avLst/>
@@ -5491,7 +5392,544 @@
             <a:pPr algn="ctr"/>
             <a:r>
               <a:rPr kumimoji="1" lang="ja-JP" altLang="en-US" dirty="0"/>
-              <a:t>天気についての文章</a:t>
+              <a:t>私は白い犬と猫を飼う</a:t>
+            </a:r>
+          </a:p>
+        </p:txBody>
+      </p:sp>
+      <p:sp>
+        <p:nvSpPr>
+          <p:cNvPr id="22" name="正方形/長方形 21">
+            <a:extLst>
+              <a:ext uri="{FF2B5EF4-FFF2-40B4-BE49-F238E27FC236}">
+                <a16:creationId xmlns:a16="http://schemas.microsoft.com/office/drawing/2014/main" id="{4843227F-4A18-404E-A7A0-000B2DA0CD84}"/>
+              </a:ext>
+            </a:extLst>
+          </p:cNvPr>
+          <p:cNvSpPr/>
+          <p:nvPr/>
+        </p:nvSpPr>
+        <p:spPr>
+          <a:xfrm>
+            <a:off x="5529325" y="4487633"/>
+            <a:ext cx="308742" cy="723884"/>
+          </a:xfrm>
+          <a:prstGeom prst="rect">
+            <a:avLst/>
+          </a:prstGeom>
+          <a:effectLst>
+            <a:outerShdw blurRad="50800" dist="38100" dir="18900000" algn="bl" rotWithShape="0">
+              <a:prstClr val="black">
+                <a:alpha val="40000"/>
+              </a:prstClr>
+            </a:outerShdw>
+          </a:effectLst>
+        </p:spPr>
+        <p:style>
+          <a:lnRef idx="2">
+            <a:schemeClr val="accent2"/>
+          </a:lnRef>
+          <a:fillRef idx="1">
+            <a:schemeClr val="lt1"/>
+          </a:fillRef>
+          <a:effectRef idx="0">
+            <a:schemeClr val="accent2"/>
+          </a:effectRef>
+          <a:fontRef idx="minor">
+            <a:schemeClr val="dk1"/>
+          </a:fontRef>
+        </p:style>
+        <p:txBody>
+          <a:bodyPr rtlCol="0" anchor="ctr"/>
+          <a:lstStyle/>
+          <a:p>
+            <a:pPr algn="ctr"/>
+            <a:r>
+              <a:rPr kumimoji="1" lang="ja-JP" altLang="en-US" dirty="0"/>
+              <a:t>と</a:t>
+            </a:r>
+          </a:p>
+        </p:txBody>
+      </p:sp>
+      <p:sp>
+        <p:nvSpPr>
+          <p:cNvPr id="23" name="正方形/長方形 22">
+            <a:extLst>
+              <a:ext uri="{FF2B5EF4-FFF2-40B4-BE49-F238E27FC236}">
+                <a16:creationId xmlns:a16="http://schemas.microsoft.com/office/drawing/2014/main" id="{596ABE88-9950-40FE-971C-4283FBB31A14}"/>
+              </a:ext>
+            </a:extLst>
+          </p:cNvPr>
+          <p:cNvSpPr/>
+          <p:nvPr/>
+        </p:nvSpPr>
+        <p:spPr>
+          <a:xfrm>
+            <a:off x="6379402" y="4498865"/>
+            <a:ext cx="943353" cy="723884"/>
+          </a:xfrm>
+          <a:prstGeom prst="rect">
+            <a:avLst/>
+          </a:prstGeom>
+          <a:effectLst>
+            <a:outerShdw blurRad="50800" dist="38100" dir="18900000" algn="bl" rotWithShape="0">
+              <a:prstClr val="black">
+                <a:alpha val="40000"/>
+              </a:prstClr>
+            </a:outerShdw>
+          </a:effectLst>
+        </p:spPr>
+        <p:style>
+          <a:lnRef idx="2">
+            <a:schemeClr val="accent2"/>
+          </a:lnRef>
+          <a:fillRef idx="1">
+            <a:schemeClr val="lt1"/>
+          </a:fillRef>
+          <a:effectRef idx="0">
+            <a:schemeClr val="accent2"/>
+          </a:effectRef>
+          <a:fontRef idx="minor">
+            <a:schemeClr val="dk1"/>
+          </a:fontRef>
+        </p:style>
+        <p:txBody>
+          <a:bodyPr rtlCol="0" anchor="ctr"/>
+          <a:lstStyle/>
+          <a:p>
+            <a:pPr algn="ctr"/>
+            <a:r>
+              <a:rPr lang="ja-JP" altLang="en-US" dirty="0"/>
+              <a:t>を飼う</a:t>
+            </a:r>
+            <a:endParaRPr kumimoji="1" lang="ja-JP" altLang="en-US" dirty="0"/>
+          </a:p>
+        </p:txBody>
+      </p:sp>
+      <p:sp>
+        <p:nvSpPr>
+          <p:cNvPr id="24" name="正方形/長方形 23">
+            <a:extLst>
+              <a:ext uri="{FF2B5EF4-FFF2-40B4-BE49-F238E27FC236}">
+                <a16:creationId xmlns:a16="http://schemas.microsoft.com/office/drawing/2014/main" id="{D45C7548-4E45-477C-A577-5AA70E4404AD}"/>
+              </a:ext>
+            </a:extLst>
+          </p:cNvPr>
+          <p:cNvSpPr/>
+          <p:nvPr/>
+        </p:nvSpPr>
+        <p:spPr>
+          <a:xfrm>
+            <a:off x="5902924" y="4498865"/>
+            <a:ext cx="308742" cy="723884"/>
+          </a:xfrm>
+          <a:prstGeom prst="rect">
+            <a:avLst/>
+          </a:prstGeom>
+          <a:effectLst>
+            <a:outerShdw blurRad="50800" dist="38100" dir="18900000" algn="bl" rotWithShape="0">
+              <a:prstClr val="black">
+                <a:alpha val="40000"/>
+              </a:prstClr>
+            </a:outerShdw>
+          </a:effectLst>
+        </p:spPr>
+        <p:style>
+          <a:lnRef idx="2">
+            <a:schemeClr val="accent2"/>
+          </a:lnRef>
+          <a:fillRef idx="1">
+            <a:schemeClr val="lt1"/>
+          </a:fillRef>
+          <a:effectRef idx="0">
+            <a:schemeClr val="accent2"/>
+          </a:effectRef>
+          <a:fontRef idx="minor">
+            <a:schemeClr val="dk1"/>
+          </a:fontRef>
+        </p:style>
+        <p:txBody>
+          <a:bodyPr rtlCol="0" anchor="ctr"/>
+          <a:lstStyle/>
+          <a:p>
+            <a:pPr algn="ctr"/>
+            <a:r>
+              <a:rPr lang="ja-JP" altLang="en-US" dirty="0"/>
+              <a:t>猫</a:t>
+            </a:r>
+            <a:endParaRPr kumimoji="1" lang="ja-JP" altLang="en-US" dirty="0"/>
+          </a:p>
+        </p:txBody>
+      </p:sp>
+      <p:sp>
+        <p:nvSpPr>
+          <p:cNvPr id="29" name="正方形/長方形 28">
+            <a:extLst>
+              <a:ext uri="{FF2B5EF4-FFF2-40B4-BE49-F238E27FC236}">
+                <a16:creationId xmlns:a16="http://schemas.microsoft.com/office/drawing/2014/main" id="{42F59DC1-9363-4423-8A77-7B9357288C3E}"/>
+              </a:ext>
+            </a:extLst>
+          </p:cNvPr>
+          <p:cNvSpPr/>
+          <p:nvPr/>
+        </p:nvSpPr>
+        <p:spPr>
+          <a:xfrm>
+            <a:off x="3600511" y="5341794"/>
+            <a:ext cx="683539" cy="723884"/>
+          </a:xfrm>
+          <a:prstGeom prst="rect">
+            <a:avLst/>
+          </a:prstGeom>
+          <a:effectLst>
+            <a:outerShdw blurRad="50800" dist="38100" dir="18900000" algn="bl" rotWithShape="0">
+              <a:prstClr val="black">
+                <a:alpha val="40000"/>
+              </a:prstClr>
+            </a:outerShdw>
+          </a:effectLst>
+        </p:spPr>
+        <p:style>
+          <a:lnRef idx="2">
+            <a:schemeClr val="accent2"/>
+          </a:lnRef>
+          <a:fillRef idx="1">
+            <a:schemeClr val="lt1"/>
+          </a:fillRef>
+          <a:effectRef idx="0">
+            <a:schemeClr val="accent2"/>
+          </a:effectRef>
+          <a:fontRef idx="minor">
+            <a:schemeClr val="dk1"/>
+          </a:fontRef>
+        </p:style>
+        <p:txBody>
+          <a:bodyPr rtlCol="0" anchor="ctr"/>
+          <a:lstStyle/>
+          <a:p>
+            <a:pPr algn="ctr"/>
+            <a:r>
+              <a:rPr kumimoji="1" lang="ja-JP" altLang="en-US" dirty="0"/>
+              <a:t>私は</a:t>
+            </a:r>
+          </a:p>
+        </p:txBody>
+      </p:sp>
+      <p:sp>
+        <p:nvSpPr>
+          <p:cNvPr id="30" name="正方形/長方形 29">
+            <a:extLst>
+              <a:ext uri="{FF2B5EF4-FFF2-40B4-BE49-F238E27FC236}">
+                <a16:creationId xmlns:a16="http://schemas.microsoft.com/office/drawing/2014/main" id="{4E759E02-BE51-48BF-93DC-5959B96AC877}"/>
+              </a:ext>
+            </a:extLst>
+          </p:cNvPr>
+          <p:cNvSpPr/>
+          <p:nvPr/>
+        </p:nvSpPr>
+        <p:spPr>
+          <a:xfrm>
+            <a:off x="4452728" y="5341794"/>
+            <a:ext cx="683539" cy="723884"/>
+          </a:xfrm>
+          <a:prstGeom prst="rect">
+            <a:avLst/>
+          </a:prstGeom>
+          <a:effectLst>
+            <a:outerShdw blurRad="50800" dist="38100" dir="18900000" algn="bl" rotWithShape="0">
+              <a:prstClr val="black">
+                <a:alpha val="40000"/>
+              </a:prstClr>
+            </a:outerShdw>
+          </a:effectLst>
+        </p:spPr>
+        <p:style>
+          <a:lnRef idx="2">
+            <a:schemeClr val="accent2"/>
+          </a:lnRef>
+          <a:fillRef idx="1">
+            <a:schemeClr val="lt1"/>
+          </a:fillRef>
+          <a:effectRef idx="0">
+            <a:schemeClr val="accent2"/>
+          </a:effectRef>
+          <a:fontRef idx="minor">
+            <a:schemeClr val="dk1"/>
+          </a:fontRef>
+        </p:style>
+        <p:txBody>
+          <a:bodyPr rtlCol="0" anchor="ctr"/>
+          <a:lstStyle/>
+          <a:p>
+            <a:pPr algn="ctr"/>
+            <a:r>
+              <a:rPr lang="ja-JP" altLang="en-US" dirty="0"/>
+              <a:t>白い</a:t>
+            </a:r>
+            <a:endParaRPr kumimoji="1" lang="ja-JP" altLang="en-US" dirty="0"/>
+          </a:p>
+        </p:txBody>
+      </p:sp>
+      <p:sp>
+        <p:nvSpPr>
+          <p:cNvPr id="31" name="正方形/長方形 30">
+            <a:extLst>
+              <a:ext uri="{FF2B5EF4-FFF2-40B4-BE49-F238E27FC236}">
+                <a16:creationId xmlns:a16="http://schemas.microsoft.com/office/drawing/2014/main" id="{D000BF9C-BE00-4A5A-B23A-34D46ECEB0D7}"/>
+              </a:ext>
+            </a:extLst>
+          </p:cNvPr>
+          <p:cNvSpPr/>
+          <p:nvPr/>
+        </p:nvSpPr>
+        <p:spPr>
+          <a:xfrm>
+            <a:off x="5309105" y="5341794"/>
+            <a:ext cx="926900" cy="723884"/>
+          </a:xfrm>
+          <a:prstGeom prst="rect">
+            <a:avLst/>
+          </a:prstGeom>
+          <a:effectLst>
+            <a:outerShdw blurRad="50800" dist="38100" dir="18900000" algn="bl" rotWithShape="0">
+              <a:prstClr val="black">
+                <a:alpha val="40000"/>
+              </a:prstClr>
+            </a:outerShdw>
+          </a:effectLst>
+        </p:spPr>
+        <p:style>
+          <a:lnRef idx="2">
+            <a:schemeClr val="accent2"/>
+          </a:lnRef>
+          <a:fillRef idx="1">
+            <a:schemeClr val="lt1"/>
+          </a:fillRef>
+          <a:effectRef idx="0">
+            <a:schemeClr val="accent2"/>
+          </a:effectRef>
+          <a:fontRef idx="minor">
+            <a:schemeClr val="dk1"/>
+          </a:fontRef>
+        </p:style>
+        <p:txBody>
+          <a:bodyPr rtlCol="0" anchor="ctr"/>
+          <a:lstStyle/>
+          <a:p>
+            <a:pPr algn="ctr"/>
+            <a:r>
+              <a:rPr kumimoji="1" lang="ja-JP" altLang="en-US" dirty="0"/>
+              <a:t>犬と猫</a:t>
+            </a:r>
+          </a:p>
+        </p:txBody>
+      </p:sp>
+      <p:sp>
+        <p:nvSpPr>
+          <p:cNvPr id="34" name="正方形/長方形 33">
+            <a:extLst>
+              <a:ext uri="{FF2B5EF4-FFF2-40B4-BE49-F238E27FC236}">
+                <a16:creationId xmlns:a16="http://schemas.microsoft.com/office/drawing/2014/main" id="{BE441EF9-5940-4B2B-B480-F5D2545406B1}"/>
+              </a:ext>
+            </a:extLst>
+          </p:cNvPr>
+          <p:cNvSpPr/>
+          <p:nvPr/>
+        </p:nvSpPr>
+        <p:spPr>
+          <a:xfrm>
+            <a:off x="6379401" y="5346046"/>
+            <a:ext cx="943353" cy="723884"/>
+          </a:xfrm>
+          <a:prstGeom prst="rect">
+            <a:avLst/>
+          </a:prstGeom>
+          <a:effectLst>
+            <a:outerShdw blurRad="50800" dist="38100" dir="18900000" algn="bl" rotWithShape="0">
+              <a:prstClr val="black">
+                <a:alpha val="40000"/>
+              </a:prstClr>
+            </a:outerShdw>
+          </a:effectLst>
+        </p:spPr>
+        <p:style>
+          <a:lnRef idx="2">
+            <a:schemeClr val="accent2"/>
+          </a:lnRef>
+          <a:fillRef idx="1">
+            <a:schemeClr val="lt1"/>
+          </a:fillRef>
+          <a:effectRef idx="0">
+            <a:schemeClr val="accent2"/>
+          </a:effectRef>
+          <a:fontRef idx="minor">
+            <a:schemeClr val="dk1"/>
+          </a:fontRef>
+        </p:style>
+        <p:txBody>
+          <a:bodyPr rtlCol="0" anchor="ctr"/>
+          <a:lstStyle/>
+          <a:p>
+            <a:pPr algn="ctr"/>
+            <a:r>
+              <a:rPr lang="ja-JP" altLang="en-US" dirty="0"/>
+              <a:t>を飼う</a:t>
+            </a:r>
+            <a:endParaRPr kumimoji="1" lang="ja-JP" altLang="en-US" dirty="0"/>
+          </a:p>
+        </p:txBody>
+      </p:sp>
+      <p:sp>
+        <p:nvSpPr>
+          <p:cNvPr id="35" name="正方形/長方形 34">
+            <a:extLst>
+              <a:ext uri="{FF2B5EF4-FFF2-40B4-BE49-F238E27FC236}">
+                <a16:creationId xmlns:a16="http://schemas.microsoft.com/office/drawing/2014/main" id="{C7F685B0-DBA5-4C0B-970A-4C425B051880}"/>
+              </a:ext>
+            </a:extLst>
+          </p:cNvPr>
+          <p:cNvSpPr/>
+          <p:nvPr/>
+        </p:nvSpPr>
+        <p:spPr>
+          <a:xfrm>
+            <a:off x="7595670" y="4008193"/>
+            <a:ext cx="2618072" cy="723884"/>
+          </a:xfrm>
+          <a:prstGeom prst="rect">
+            <a:avLst/>
+          </a:prstGeom>
+          <a:effectLst>
+            <a:outerShdw blurRad="50800" dist="38100" dir="18900000" algn="bl" rotWithShape="0">
+              <a:prstClr val="black">
+                <a:alpha val="40000"/>
+              </a:prstClr>
+            </a:outerShdw>
+          </a:effectLst>
+        </p:spPr>
+        <p:style>
+          <a:lnRef idx="2">
+            <a:schemeClr val="accent2"/>
+          </a:lnRef>
+          <a:fillRef idx="1">
+            <a:schemeClr val="lt1"/>
+          </a:fillRef>
+          <a:effectRef idx="0">
+            <a:schemeClr val="accent2"/>
+          </a:effectRef>
+          <a:fontRef idx="minor">
+            <a:schemeClr val="dk1"/>
+          </a:fontRef>
+        </p:style>
+        <p:txBody>
+          <a:bodyPr rtlCol="0" anchor="ctr"/>
+          <a:lstStyle/>
+          <a:p>
+            <a:pPr algn="ctr"/>
+            <a:r>
+              <a:rPr kumimoji="1" lang="ja-JP" altLang="en-US" dirty="0"/>
+              <a:t>私は白い犬と猫を飼う</a:t>
+            </a:r>
+          </a:p>
+        </p:txBody>
+      </p:sp>
+      <p:sp>
+        <p:nvSpPr>
+          <p:cNvPr id="36" name="正方形/長方形 35">
+            <a:extLst>
+              <a:ext uri="{FF2B5EF4-FFF2-40B4-BE49-F238E27FC236}">
+                <a16:creationId xmlns:a16="http://schemas.microsoft.com/office/drawing/2014/main" id="{D7ADE3F6-DF0E-4B84-AB29-82ECAB05663F}"/>
+              </a:ext>
+            </a:extLst>
+          </p:cNvPr>
+          <p:cNvSpPr/>
+          <p:nvPr/>
+        </p:nvSpPr>
+        <p:spPr>
+          <a:xfrm>
+            <a:off x="8197394" y="4142897"/>
+            <a:ext cx="689942" cy="416560"/>
+          </a:xfrm>
+          <a:prstGeom prst="rect">
+            <a:avLst/>
+          </a:prstGeom>
+          <a:noFill/>
+          <a:ln w="28575">
+            <a:solidFill>
+              <a:srgbClr val="FF0000"/>
+            </a:solidFill>
+          </a:ln>
+        </p:spPr>
+        <p:style>
+          <a:lnRef idx="2">
+            <a:schemeClr val="dk1"/>
+          </a:lnRef>
+          <a:fillRef idx="1">
+            <a:schemeClr val="lt1"/>
+          </a:fillRef>
+          <a:effectRef idx="0">
+            <a:schemeClr val="dk1"/>
+          </a:effectRef>
+          <a:fontRef idx="minor">
+            <a:schemeClr val="dk1"/>
+          </a:fontRef>
+        </p:style>
+        <p:txBody>
+          <a:bodyPr rtlCol="0" anchor="ctr"/>
+          <a:lstStyle/>
+          <a:p>
+            <a:pPr algn="ctr"/>
+            <a:endParaRPr kumimoji="1" lang="ja-JP" altLang="en-US"/>
+          </a:p>
+        </p:txBody>
+      </p:sp>
+      <p:sp>
+        <p:nvSpPr>
+          <p:cNvPr id="12" name="楕円 11">
+            <a:extLst>
+              <a:ext uri="{FF2B5EF4-FFF2-40B4-BE49-F238E27FC236}">
+                <a16:creationId xmlns:a16="http://schemas.microsoft.com/office/drawing/2014/main" id="{9717C4C0-D0D0-43BB-8B87-0C67A56483CD}"/>
+              </a:ext>
+            </a:extLst>
+          </p:cNvPr>
+          <p:cNvSpPr/>
+          <p:nvPr/>
+        </p:nvSpPr>
+        <p:spPr>
+          <a:xfrm>
+            <a:off x="4450624" y="3508926"/>
+            <a:ext cx="1818640" cy="812255"/>
+          </a:xfrm>
+          <a:prstGeom prst="ellipse">
+            <a:avLst/>
+          </a:prstGeom>
+        </p:spPr>
+        <p:style>
+          <a:lnRef idx="2">
+            <a:schemeClr val="accent1"/>
+          </a:lnRef>
+          <a:fillRef idx="1">
+            <a:schemeClr val="lt1"/>
+          </a:fillRef>
+          <a:effectRef idx="0">
+            <a:schemeClr val="accent1"/>
+          </a:effectRef>
+          <a:fontRef idx="minor">
+            <a:schemeClr val="dk1"/>
+          </a:fontRef>
+        </p:style>
+        <p:txBody>
+          <a:bodyPr rtlCol="0" anchor="ctr"/>
+          <a:lstStyle/>
+          <a:p>
+            <a:pPr algn="ctr"/>
+            <a:r>
+              <a:rPr kumimoji="1" lang="en-US" altLang="ja-JP" dirty="0"/>
+              <a:t>AI</a:t>
+            </a:r>
+            <a:r>
+              <a:rPr kumimoji="1" lang="ja-JP" altLang="en-US" dirty="0"/>
+              <a:t>を使用</a:t>
             </a:r>
           </a:p>
         </p:txBody>
@@ -5506,6 +5944,92 @@
   <p:clrMapOvr>
     <a:masterClrMapping/>
   </p:clrMapOvr>
+  <p:timing>
+    <p:tnLst>
+      <p:par>
+        <p:cTn id="1" dur="indefinite" restart="never" nodeType="tmRoot">
+          <p:childTnLst>
+            <p:seq concurrent="1" nextAc="seek">
+              <p:cTn id="2" dur="indefinite" nodeType="mainSeq">
+                <p:childTnLst>
+                  <p:par>
+                    <p:cTn id="3" fill="hold">
+                      <p:stCondLst>
+                        <p:cond delay="indefinite"/>
+                      </p:stCondLst>
+                      <p:childTnLst>
+                        <p:par>
+                          <p:cTn id="4" fill="hold">
+                            <p:stCondLst>
+                              <p:cond delay="0"/>
+                            </p:stCondLst>
+                            <p:childTnLst>
+                              <p:par>
+                                <p:cTn id="5" presetID="22" presetClass="entr" presetSubtype="4" fill="hold" grpId="0" nodeType="clickEffect">
+                                  <p:stCondLst>
+                                    <p:cond delay="0"/>
+                                  </p:stCondLst>
+                                  <p:childTnLst>
+                                    <p:set>
+                                      <p:cBhvr>
+                                        <p:cTn id="6" dur="1" fill="hold">
+                                          <p:stCondLst>
+                                            <p:cond delay="0"/>
+                                          </p:stCondLst>
+                                        </p:cTn>
+                                        <p:tgtEl>
+                                          <p:spTgt spid="36"/>
+                                        </p:tgtEl>
+                                        <p:attrNameLst>
+                                          <p:attrName>style.visibility</p:attrName>
+                                        </p:attrNameLst>
+                                      </p:cBhvr>
+                                      <p:to>
+                                        <p:strVal val="visible"/>
+                                      </p:to>
+                                    </p:set>
+                                    <p:animEffect transition="in" filter="wipe(down)">
+                                      <p:cBhvr>
+                                        <p:cTn id="7" dur="500"/>
+                                        <p:tgtEl>
+                                          <p:spTgt spid="36"/>
+                                        </p:tgtEl>
+                                      </p:cBhvr>
+                                    </p:animEffect>
+                                  </p:childTnLst>
+                                </p:cTn>
+                              </p:par>
+                            </p:childTnLst>
+                          </p:cTn>
+                        </p:par>
+                      </p:childTnLst>
+                    </p:cTn>
+                  </p:par>
+                </p:childTnLst>
+              </p:cTn>
+              <p:prevCondLst>
+                <p:cond evt="onPrev" delay="0">
+                  <p:tgtEl>
+                    <p:sldTgt/>
+                  </p:tgtEl>
+                </p:cond>
+              </p:prevCondLst>
+              <p:nextCondLst>
+                <p:cond evt="onNext" delay="0">
+                  <p:tgtEl>
+                    <p:sldTgt/>
+                  </p:tgtEl>
+                </p:cond>
+              </p:nextCondLst>
+            </p:seq>
+          </p:childTnLst>
+        </p:cTn>
+      </p:par>
+    </p:tnLst>
+    <p:bldLst>
+      <p:bldP spid="36" grpId="0" animBg="1"/>
+    </p:bldLst>
+  </p:timing>
 </p:sld>
 </file>
 
@@ -5531,7 +6055,7 @@
           <p:cNvPr id="2" name="タイトル 1">
             <a:extLst>
               <a:ext uri="{FF2B5EF4-FFF2-40B4-BE49-F238E27FC236}">
-                <a16:creationId xmlns:a16="http://schemas.microsoft.com/office/drawing/2014/main" id="{21FFDECB-E9B6-462F-8AE5-66AAB94183E4}"/>
+                <a16:creationId xmlns:a16="http://schemas.microsoft.com/office/drawing/2014/main" id="{32B18E73-6557-4AF8-BBEE-9D3D25DCFD88}"/>
               </a:ext>
             </a:extLst>
           </p:cNvPr>
@@ -5549,182 +6073,17 @@
           <a:p>
             <a:r>
               <a:rPr kumimoji="1" lang="ja-JP" altLang="en-US" dirty="0"/>
-              <a:t>全体像　仕組み</a:t>
-            </a:r>
-          </a:p>
-        </p:txBody>
-      </p:sp>
-      <p:pic>
-        <p:nvPicPr>
-          <p:cNvPr id="4" name="Picture 2" descr="fastTextの利用用途">
-            <a:extLst>
-              <a:ext uri="{FF2B5EF4-FFF2-40B4-BE49-F238E27FC236}">
-                <a16:creationId xmlns:a16="http://schemas.microsoft.com/office/drawing/2014/main" id="{7065E25A-CE96-4827-B86B-CE3874DA2A52}"/>
-              </a:ext>
-            </a:extLst>
-          </p:cNvPr>
-          <p:cNvPicPr>
-            <a:picLocks noGrp="1" noChangeAspect="1" noChangeArrowheads="1"/>
-          </p:cNvPicPr>
-          <p:nvPr>
-            <p:ph idx="1"/>
-          </p:nvPr>
-        </p:nvPicPr>
-        <p:blipFill rotWithShape="1">
-          <a:blip r:embed="rId2">
-            <a:extLst>
-              <a:ext uri="{28A0092B-C50C-407E-A947-70E740481C1C}">
-                <a14:useLocalDpi xmlns:a14="http://schemas.microsoft.com/office/drawing/2010/main" val="0"/>
-              </a:ext>
-            </a:extLst>
-          </a:blip>
-          <a:srcRect l="16364" t="11727" r="13398" b="9916"/>
-          <a:stretch/>
-        </p:blipFill>
-        <p:spPr bwMode="auto">
-          <a:xfrm>
-            <a:off x="728394" y="1593908"/>
-            <a:ext cx="5218332" cy="4179562"/>
-          </a:xfrm>
-          <a:prstGeom prst="rect">
-            <a:avLst/>
-          </a:prstGeom>
-          <a:ln>
-            <a:noFill/>
-          </a:ln>
-          <a:effectLst>
-            <a:outerShdw blurRad="292100" dist="139700" dir="2700000" algn="tl" rotWithShape="0">
-              <a:srgbClr val="333333">
-                <a:alpha val="65000"/>
-              </a:srgbClr>
-            </a:outerShdw>
-          </a:effectLst>
-          <a:extLst>
-            <a:ext uri="{909E8E84-426E-40DD-AFC4-6F175D3DCCD1}">
-              <a14:hiddenFill xmlns:a14="http://schemas.microsoft.com/office/drawing/2010/main">
-                <a:solidFill>
-                  <a:srgbClr val="FFFFFF"/>
-                </a:solidFill>
-              </a14:hiddenFill>
-            </a:ext>
-          </a:extLst>
-        </p:spPr>
-      </p:pic>
-      <p:sp>
-        <p:nvSpPr>
-          <p:cNvPr id="5" name="テキスト ボックス 4">
-            <a:extLst>
-              <a:ext uri="{FF2B5EF4-FFF2-40B4-BE49-F238E27FC236}">
-                <a16:creationId xmlns:a16="http://schemas.microsoft.com/office/drawing/2014/main" id="{DA986D6B-18CA-4495-A301-2B87C7D889BA}"/>
-              </a:ext>
-            </a:extLst>
-          </p:cNvPr>
-          <p:cNvSpPr txBox="1"/>
-          <p:nvPr/>
-        </p:nvSpPr>
-        <p:spPr>
-          <a:xfrm>
-            <a:off x="5836920" y="2870200"/>
-            <a:ext cx="914400" cy="914400"/>
-          </a:xfrm>
-          <a:prstGeom prst="rect">
-            <a:avLst/>
-          </a:prstGeom>
-          <a:noFill/>
-        </p:spPr>
-        <p:txBody>
-          <a:bodyPr wrap="square" rtlCol="0">
-            <a:spAutoFit/>
-          </a:bodyPr>
-          <a:lstStyle/>
-          <a:p>
-            <a:endParaRPr kumimoji="1" lang="ja-JP" altLang="en-US" dirty="0"/>
-          </a:p>
-        </p:txBody>
-      </p:sp>
-      <p:sp>
-        <p:nvSpPr>
-          <p:cNvPr id="6" name="テキスト ボックス 5">
-            <a:extLst>
-              <a:ext uri="{FF2B5EF4-FFF2-40B4-BE49-F238E27FC236}">
-                <a16:creationId xmlns:a16="http://schemas.microsoft.com/office/drawing/2014/main" id="{E59794BF-EE1C-4D13-B13D-7A3A42B8224D}"/>
-              </a:ext>
-            </a:extLst>
-          </p:cNvPr>
-          <p:cNvSpPr txBox="1"/>
-          <p:nvPr/>
-        </p:nvSpPr>
-        <p:spPr>
-          <a:xfrm>
-            <a:off x="838200" y="1701721"/>
-            <a:ext cx="6040120" cy="4524315"/>
-          </a:xfrm>
-          <a:prstGeom prst="rect">
-            <a:avLst/>
-          </a:prstGeom>
-          <a:noFill/>
-        </p:spPr>
-        <p:txBody>
-          <a:bodyPr wrap="square" rtlCol="0">
-            <a:spAutoFit/>
-          </a:bodyPr>
-          <a:lstStyle/>
-          <a:p>
-            <a:endParaRPr kumimoji="1" lang="en-US" altLang="ja-JP" dirty="0"/>
-          </a:p>
-          <a:p>
-            <a:endParaRPr lang="en-US" altLang="ja-JP" dirty="0"/>
-          </a:p>
-          <a:p>
-            <a:endParaRPr kumimoji="1" lang="en-US" altLang="ja-JP" dirty="0"/>
-          </a:p>
-          <a:p>
-            <a:endParaRPr lang="en-US" altLang="ja-JP" dirty="0"/>
-          </a:p>
-          <a:p>
-            <a:endParaRPr kumimoji="1" lang="en-US" altLang="ja-JP" dirty="0"/>
-          </a:p>
-          <a:p>
-            <a:endParaRPr lang="en-US" altLang="ja-JP" dirty="0"/>
-          </a:p>
-          <a:p>
-            <a:endParaRPr kumimoji="1" lang="en-US" altLang="ja-JP" dirty="0"/>
-          </a:p>
-          <a:p>
-            <a:endParaRPr lang="en-US" altLang="ja-JP" dirty="0"/>
-          </a:p>
-          <a:p>
-            <a:endParaRPr kumimoji="1" lang="en-US" altLang="ja-JP" dirty="0"/>
-          </a:p>
-          <a:p>
-            <a:endParaRPr lang="en-US" altLang="ja-JP" dirty="0"/>
-          </a:p>
-          <a:p>
-            <a:endParaRPr kumimoji="1" lang="en-US" altLang="ja-JP" dirty="0"/>
-          </a:p>
-          <a:p>
-            <a:endParaRPr lang="en-US" altLang="ja-JP" dirty="0"/>
-          </a:p>
-          <a:p>
-            <a:endParaRPr kumimoji="1" lang="en-US" altLang="ja-JP" dirty="0"/>
-          </a:p>
-          <a:p>
-            <a:endParaRPr lang="en-US" altLang="ja-JP" dirty="0"/>
-          </a:p>
-          <a:p>
-            <a:endParaRPr kumimoji="1" lang="en-US" altLang="ja-JP" dirty="0"/>
-          </a:p>
-          <a:p>
-            <a:endParaRPr kumimoji="1" lang="ja-JP" altLang="en-US" dirty="0"/>
-          </a:p>
-        </p:txBody>
-      </p:sp>
-      <p:sp>
-        <p:nvSpPr>
-          <p:cNvPr id="7" name="正方形/長方形 6">
-            <a:extLst>
-              <a:ext uri="{FF2B5EF4-FFF2-40B4-BE49-F238E27FC236}">
-                <a16:creationId xmlns:a16="http://schemas.microsoft.com/office/drawing/2014/main" id="{50ACEDEF-E73B-4EA8-90A0-0449DF315AC5}"/>
+              <a:t>トレーニングデータの作成方法</a:t>
+            </a:r>
+          </a:p>
+        </p:txBody>
+      </p:sp>
+      <p:sp>
+        <p:nvSpPr>
+          <p:cNvPr id="4" name="正方形/長方形 3">
+            <a:extLst>
+              <a:ext uri="{FF2B5EF4-FFF2-40B4-BE49-F238E27FC236}">
+                <a16:creationId xmlns:a16="http://schemas.microsoft.com/office/drawing/2014/main" id="{2D243C04-27BD-450B-A35E-AD3D68BCA8ED}"/>
               </a:ext>
             </a:extLst>
           </p:cNvPr>
@@ -5771,10 +6130,98 @@
           </a:p>
         </p:txBody>
       </p:sp>
+      <p:sp>
+        <p:nvSpPr>
+          <p:cNvPr id="5" name="コンテンツ プレースホルダー 2">
+            <a:extLst>
+              <a:ext uri="{FF2B5EF4-FFF2-40B4-BE49-F238E27FC236}">
+                <a16:creationId xmlns:a16="http://schemas.microsoft.com/office/drawing/2014/main" id="{1E5E313E-35C9-48E0-B1B7-7FA9DED19C60}"/>
+              </a:ext>
+            </a:extLst>
+          </p:cNvPr>
+          <p:cNvSpPr>
+            <a:spLocks noGrp="1"/>
+          </p:cNvSpPr>
+          <p:nvPr>
+            <p:ph idx="1"/>
+          </p:nvPr>
+        </p:nvSpPr>
+        <p:spPr>
+          <a:xfrm>
+            <a:off x="838200" y="1825625"/>
+            <a:ext cx="10515600" cy="4351338"/>
+          </a:xfrm>
+        </p:spPr>
+        <p:txBody>
+          <a:bodyPr/>
+          <a:lstStyle/>
+          <a:p>
+            <a:r>
+              <a:rPr kumimoji="1" lang="ja-JP" altLang="en-US" sz="3600" b="1" dirty="0"/>
+              <a:t>今まで</a:t>
+            </a:r>
+            <a:endParaRPr kumimoji="1" lang="en-US" altLang="ja-JP" sz="3600" b="1" dirty="0"/>
+          </a:p>
+          <a:p>
+            <a:pPr marL="457200" lvl="1" indent="0">
+              <a:buNone/>
+            </a:pPr>
+            <a:r>
+              <a:rPr kumimoji="1" lang="ja-JP" altLang="en-US" sz="3600" b="1" dirty="0"/>
+              <a:t>文章を単語ごとに分割</a:t>
+            </a:r>
+            <a:endParaRPr kumimoji="1" lang="en-US" altLang="ja-JP" sz="3600" b="1" dirty="0"/>
+          </a:p>
+          <a:p>
+            <a:pPr marL="914400" lvl="2" indent="0">
+              <a:buNone/>
+            </a:pPr>
+            <a:r>
+              <a:rPr lang="ja-JP" altLang="en-US" sz="3200" b="1" dirty="0"/>
+              <a:t>↑</a:t>
+            </a:r>
+            <a:r>
+              <a:rPr kumimoji="1" lang="ja-JP" altLang="en-US" sz="3200" b="1" u="sng" dirty="0"/>
+              <a:t>重複する単語が多い</a:t>
+            </a:r>
+            <a:endParaRPr kumimoji="1" lang="en-US" altLang="ja-JP" sz="3200" dirty="0"/>
+          </a:p>
+          <a:p>
+            <a:r>
+              <a:rPr kumimoji="1" lang="ja-JP" altLang="en-US" sz="3600" b="1" dirty="0"/>
+              <a:t>現在</a:t>
+            </a:r>
+            <a:endParaRPr kumimoji="1" lang="en-US" altLang="ja-JP" sz="3600" b="1" dirty="0"/>
+          </a:p>
+          <a:p>
+            <a:pPr marL="457200" lvl="1" indent="0">
+              <a:buNone/>
+            </a:pPr>
+            <a:r>
+              <a:rPr kumimoji="1" lang="ja-JP" altLang="en-US" sz="3600" b="1" dirty="0"/>
+              <a:t>文章を単語として扱う</a:t>
+            </a:r>
+            <a:endParaRPr kumimoji="1" lang="en-US" altLang="ja-JP" sz="3600" b="1" dirty="0"/>
+          </a:p>
+          <a:p>
+            <a:pPr marL="914400" lvl="2" indent="0">
+              <a:buNone/>
+            </a:pPr>
+            <a:r>
+              <a:rPr lang="ja-JP" altLang="en-US" sz="3600" b="1" dirty="0"/>
+              <a:t>↑</a:t>
+            </a:r>
+            <a:r>
+              <a:rPr lang="ja-JP" altLang="en-US" sz="3600" b="1" u="sng" dirty="0"/>
+              <a:t>重複せず、データが増える</a:t>
+            </a:r>
+          </a:p>
+        </p:txBody>
+      </p:sp>
     </p:spTree>
     <p:extLst>
       <p:ext uri="{BB962C8B-B14F-4D97-AF65-F5344CB8AC3E}">
-        <p14:creationId xmlns:p14="http://schemas.microsoft.com/office/powerpoint/2010/main" val="28972902"/>
+        <p14:creationId xmlns:p14="http://schemas.microsoft.com/office/powerpoint/2010/main" val="695388641"/>
       </p:ext>
     </p:extLst>
   </p:cSld>
@@ -5824,94 +6271,8 @@
           <a:p>
             <a:r>
               <a:rPr kumimoji="1" lang="ja-JP" altLang="en-US" dirty="0"/>
-              <a:t>トレーニングデータの作成方法</a:t>
-            </a:r>
-          </a:p>
-        </p:txBody>
-      </p:sp>
-      <p:sp>
-        <p:nvSpPr>
-          <p:cNvPr id="3" name="コンテンツ プレースホルダー 2">
-            <a:extLst>
-              <a:ext uri="{FF2B5EF4-FFF2-40B4-BE49-F238E27FC236}">
-                <a16:creationId xmlns:a16="http://schemas.microsoft.com/office/drawing/2014/main" id="{689D0EBA-AF24-4A9A-9E6A-DC9FD96C0119}"/>
-              </a:ext>
-            </a:extLst>
-          </p:cNvPr>
-          <p:cNvSpPr>
-            <a:spLocks noGrp="1"/>
-          </p:cNvSpPr>
-          <p:nvPr>
-            <p:ph idx="1"/>
-          </p:nvPr>
-        </p:nvSpPr>
-        <p:spPr/>
-        <p:txBody>
-          <a:bodyPr>
-            <a:noAutofit/>
-          </a:bodyPr>
-          <a:lstStyle/>
-          <a:p>
-            <a:r>
-              <a:rPr kumimoji="1" lang="ja-JP" altLang="en-US" sz="3600" b="1" dirty="0"/>
-              <a:t>今まで</a:t>
-            </a:r>
-            <a:endParaRPr kumimoji="1" lang="en-US" altLang="ja-JP" sz="3600" b="1" dirty="0"/>
-          </a:p>
-          <a:p>
-            <a:pPr marL="457200" lvl="1" indent="0">
-              <a:buNone/>
-            </a:pPr>
-            <a:r>
-              <a:rPr kumimoji="1" lang="ja-JP" altLang="en-US" sz="3600" b="1" dirty="0"/>
-              <a:t>文章を単語ごとに分割</a:t>
-            </a:r>
-            <a:endParaRPr kumimoji="1" lang="en-US" altLang="ja-JP" sz="3600" b="1" dirty="0"/>
-          </a:p>
-          <a:p>
-            <a:pPr marL="914400" lvl="2" indent="0">
-              <a:buNone/>
-            </a:pPr>
-            <a:r>
-              <a:rPr lang="ja-JP" altLang="en-US" sz="3200" b="1" dirty="0"/>
-              <a:t>↑</a:t>
-            </a:r>
-            <a:r>
-              <a:rPr kumimoji="1" lang="ja-JP" altLang="en-US" sz="3200" b="1" u="sng" dirty="0"/>
-              <a:t>重複する単語が多い</a:t>
-            </a:r>
-            <a:endParaRPr kumimoji="1" lang="en-US" altLang="ja-JP" sz="3200" dirty="0"/>
-          </a:p>
-          <a:p>
-            <a:r>
-              <a:rPr kumimoji="1" lang="ja-JP" altLang="en-US" sz="3600" b="1" dirty="0"/>
-              <a:t>現在</a:t>
-            </a:r>
-            <a:endParaRPr kumimoji="1" lang="en-US" altLang="ja-JP" sz="3600" b="1" dirty="0"/>
-          </a:p>
-          <a:p>
-            <a:pPr marL="457200" lvl="1" indent="0">
-              <a:buNone/>
-            </a:pPr>
-            <a:r>
-              <a:rPr kumimoji="1" lang="ja-JP" altLang="en-US" sz="3600" b="1" dirty="0"/>
-              <a:t>文章を単語として扱う</a:t>
-            </a:r>
-            <a:endParaRPr kumimoji="1" lang="en-US" altLang="ja-JP" sz="3600" b="1" dirty="0"/>
-          </a:p>
-          <a:p>
-            <a:pPr marL="914400" lvl="2" indent="0">
-              <a:buNone/>
-            </a:pPr>
-            <a:r>
-              <a:rPr lang="ja-JP" altLang="en-US" sz="3600" b="1" dirty="0"/>
-              <a:t>↑</a:t>
-            </a:r>
-            <a:r>
-              <a:rPr lang="ja-JP" altLang="en-US" sz="3600" b="1" u="sng" dirty="0"/>
-              <a:t>重複せず、データが増える</a:t>
-            </a:r>
-            <a:endParaRPr lang="en-US" altLang="ja-JP" sz="3600" b="1" u="sng" dirty="0"/>
+              <a:t>この作成方法の利点</a:t>
+            </a:r>
           </a:p>
         </p:txBody>
       </p:sp>
@@ -5967,10 +6328,109 @@
           </a:p>
         </p:txBody>
       </p:sp>
+      <p:sp>
+        <p:nvSpPr>
+          <p:cNvPr id="5" name="コンテンツ プレースホルダー 2">
+            <a:extLst>
+              <a:ext uri="{FF2B5EF4-FFF2-40B4-BE49-F238E27FC236}">
+                <a16:creationId xmlns:a16="http://schemas.microsoft.com/office/drawing/2014/main" id="{1E5E313E-35C9-48E0-B1B7-7FA9DED19C60}"/>
+              </a:ext>
+            </a:extLst>
+          </p:cNvPr>
+          <p:cNvSpPr>
+            <a:spLocks noGrp="1"/>
+          </p:cNvSpPr>
+          <p:nvPr>
+            <p:ph idx="1"/>
+          </p:nvPr>
+        </p:nvSpPr>
+        <p:spPr>
+          <a:xfrm>
+            <a:off x="838200" y="1825625"/>
+            <a:ext cx="10515600" cy="4351338"/>
+          </a:xfrm>
+        </p:spPr>
+        <p:txBody>
+          <a:bodyPr/>
+          <a:lstStyle/>
+          <a:p>
+            <a:r>
+              <a:rPr kumimoji="1" lang="ja-JP" altLang="en-US" sz="3600" b="1" dirty="0"/>
+              <a:t>今まで</a:t>
+            </a:r>
+            <a:endParaRPr kumimoji="1" lang="en-US" altLang="ja-JP" sz="3600" b="1" dirty="0"/>
+          </a:p>
+          <a:p>
+            <a:pPr marL="457200" lvl="1" indent="0">
+              <a:buNone/>
+            </a:pPr>
+            <a:r>
+              <a:rPr kumimoji="1" lang="ja-JP" altLang="en-US" sz="3600" b="1" dirty="0"/>
+              <a:t>文章を単語ごとに分割</a:t>
+            </a:r>
+            <a:endParaRPr kumimoji="1" lang="en-US" altLang="ja-JP" sz="3600" b="1" dirty="0"/>
+          </a:p>
+          <a:p>
+            <a:pPr marL="914400" lvl="2" indent="0">
+              <a:buNone/>
+            </a:pPr>
+            <a:r>
+              <a:rPr lang="ja-JP" altLang="en-US" sz="3200" b="1" dirty="0"/>
+              <a:t>↑</a:t>
+            </a:r>
+            <a:r>
+              <a:rPr kumimoji="1" lang="ja-JP" altLang="en-US" sz="3200" b="1" u="sng" dirty="0"/>
+              <a:t>重複する単語が多い</a:t>
+            </a:r>
+            <a:endParaRPr kumimoji="1" lang="en-US" altLang="ja-JP" sz="3200" dirty="0"/>
+          </a:p>
+          <a:p>
+            <a:r>
+              <a:rPr kumimoji="1" lang="ja-JP" altLang="en-US" sz="3600" b="1" dirty="0"/>
+              <a:t>現在</a:t>
+            </a:r>
+            <a:endParaRPr kumimoji="1" lang="en-US" altLang="ja-JP" sz="3600" b="1" dirty="0"/>
+          </a:p>
+          <a:p>
+            <a:pPr marL="457200" lvl="1" indent="0">
+              <a:buNone/>
+            </a:pPr>
+            <a:r>
+              <a:rPr kumimoji="1" lang="ja-JP" altLang="en-US" sz="3600" b="1" dirty="0"/>
+              <a:t>文章を単語として扱う</a:t>
+            </a:r>
+            <a:endParaRPr kumimoji="1" lang="en-US" altLang="ja-JP" sz="3600" b="1" dirty="0"/>
+          </a:p>
+          <a:p>
+            <a:pPr marL="914400" lvl="2" indent="0">
+              <a:buNone/>
+            </a:pPr>
+            <a:r>
+              <a:rPr lang="ja-JP" altLang="en-US" sz="3600" b="1" dirty="0"/>
+              <a:t>↑</a:t>
+            </a:r>
+            <a:r>
+              <a:rPr lang="ja-JP" altLang="en-US" sz="3600" b="1" u="sng" dirty="0"/>
+              <a:t>重複せず、データが増える</a:t>
+            </a:r>
+            <a:endParaRPr lang="en-US" altLang="ja-JP" sz="3600" b="1" u="sng" dirty="0"/>
+          </a:p>
+          <a:p>
+            <a:pPr marL="914400" lvl="2" indent="0">
+              <a:buNone/>
+            </a:pPr>
+            <a:r>
+              <a:rPr kumimoji="1" lang="en-US" altLang="ja-JP" sz="3600" b="1" u="sng" dirty="0"/>
+              <a:t>	</a:t>
+            </a:r>
+            <a:endParaRPr kumimoji="1" lang="ja-JP" altLang="en-US" dirty="0"/>
+          </a:p>
+        </p:txBody>
+      </p:sp>
     </p:spTree>
     <p:extLst>
       <p:ext uri="{BB962C8B-B14F-4D97-AF65-F5344CB8AC3E}">
-        <p14:creationId xmlns:p14="http://schemas.microsoft.com/office/powerpoint/2010/main" val="695388641"/>
+        <p14:creationId xmlns:p14="http://schemas.microsoft.com/office/powerpoint/2010/main" val="2208956957"/>
       </p:ext>
     </p:extLst>
   </p:cSld>

--- a/presentation/fasttext.pptx
+++ b/presentation/fasttext.pptx
@@ -202,7 +202,7 @@
           <a:p>
             <a:fld id="{C71847E3-A545-4FEE-96D0-B2F7F758E0F3}" type="datetimeFigureOut">
               <a:rPr kumimoji="1" lang="ja-JP" altLang="en-US" smtClean="0"/>
-              <a:t>2021/12/6</a:t>
+              <a:t>2021/12/7</a:t>
             </a:fld>
             <a:endParaRPr kumimoji="1" lang="ja-JP" altLang="en-US"/>
           </a:p>
@@ -1318,7 +1318,7 @@
           <a:p>
             <a:fld id="{C3207B85-80BE-4221-9A94-62BEF993681B}" type="datetimeFigureOut">
               <a:rPr kumimoji="1" lang="ja-JP" altLang="en-US" smtClean="0"/>
-              <a:t>2021/12/6</a:t>
+              <a:t>2021/12/7</a:t>
             </a:fld>
             <a:endParaRPr kumimoji="1" lang="ja-JP" altLang="en-US"/>
           </a:p>
@@ -1548,7 +1548,7 @@
           <a:p>
             <a:fld id="{C3207B85-80BE-4221-9A94-62BEF993681B}" type="datetimeFigureOut">
               <a:rPr kumimoji="1" lang="ja-JP" altLang="en-US" smtClean="0"/>
-              <a:t>2021/12/6</a:t>
+              <a:t>2021/12/7</a:t>
             </a:fld>
             <a:endParaRPr kumimoji="1" lang="ja-JP" altLang="en-US"/>
           </a:p>
@@ -1788,7 +1788,7 @@
           <a:p>
             <a:fld id="{C3207B85-80BE-4221-9A94-62BEF993681B}" type="datetimeFigureOut">
               <a:rPr kumimoji="1" lang="ja-JP" altLang="en-US" smtClean="0"/>
-              <a:t>2021/12/6</a:t>
+              <a:t>2021/12/7</a:t>
             </a:fld>
             <a:endParaRPr kumimoji="1" lang="ja-JP" altLang="en-US"/>
           </a:p>
@@ -2018,7 +2018,7 @@
           <a:p>
             <a:fld id="{C3207B85-80BE-4221-9A94-62BEF993681B}" type="datetimeFigureOut">
               <a:rPr kumimoji="1" lang="ja-JP" altLang="en-US" smtClean="0"/>
-              <a:t>2021/12/6</a:t>
+              <a:t>2021/12/7</a:t>
             </a:fld>
             <a:endParaRPr kumimoji="1" lang="ja-JP" altLang="en-US"/>
           </a:p>
@@ -2293,7 +2293,7 @@
           <a:p>
             <a:fld id="{C3207B85-80BE-4221-9A94-62BEF993681B}" type="datetimeFigureOut">
               <a:rPr kumimoji="1" lang="ja-JP" altLang="en-US" smtClean="0"/>
-              <a:t>2021/12/6</a:t>
+              <a:t>2021/12/7</a:t>
             </a:fld>
             <a:endParaRPr kumimoji="1" lang="ja-JP" altLang="en-US"/>
           </a:p>
@@ -2622,7 +2622,7 @@
           <a:p>
             <a:fld id="{C3207B85-80BE-4221-9A94-62BEF993681B}" type="datetimeFigureOut">
               <a:rPr kumimoji="1" lang="ja-JP" altLang="en-US" smtClean="0"/>
-              <a:t>2021/12/6</a:t>
+              <a:t>2021/12/7</a:t>
             </a:fld>
             <a:endParaRPr kumimoji="1" lang="ja-JP" altLang="en-US"/>
           </a:p>
@@ -3098,7 +3098,7 @@
           <a:p>
             <a:fld id="{C3207B85-80BE-4221-9A94-62BEF993681B}" type="datetimeFigureOut">
               <a:rPr kumimoji="1" lang="ja-JP" altLang="en-US" smtClean="0"/>
-              <a:t>2021/12/6</a:t>
+              <a:t>2021/12/7</a:t>
             </a:fld>
             <a:endParaRPr kumimoji="1" lang="ja-JP" altLang="en-US"/>
           </a:p>
@@ -3239,7 +3239,7 @@
           <a:p>
             <a:fld id="{C3207B85-80BE-4221-9A94-62BEF993681B}" type="datetimeFigureOut">
               <a:rPr kumimoji="1" lang="ja-JP" altLang="en-US" smtClean="0"/>
-              <a:t>2021/12/6</a:t>
+              <a:t>2021/12/7</a:t>
             </a:fld>
             <a:endParaRPr kumimoji="1" lang="ja-JP" altLang="en-US"/>
           </a:p>
@@ -3352,7 +3352,7 @@
           <a:p>
             <a:fld id="{C3207B85-80BE-4221-9A94-62BEF993681B}" type="datetimeFigureOut">
               <a:rPr kumimoji="1" lang="ja-JP" altLang="en-US" smtClean="0"/>
-              <a:t>2021/12/6</a:t>
+              <a:t>2021/12/7</a:t>
             </a:fld>
             <a:endParaRPr kumimoji="1" lang="ja-JP" altLang="en-US"/>
           </a:p>
@@ -3695,7 +3695,7 @@
           <a:p>
             <a:fld id="{C3207B85-80BE-4221-9A94-62BEF993681B}" type="datetimeFigureOut">
               <a:rPr kumimoji="1" lang="ja-JP" altLang="en-US" smtClean="0"/>
-              <a:t>2021/12/6</a:t>
+              <a:t>2021/12/7</a:t>
             </a:fld>
             <a:endParaRPr kumimoji="1" lang="ja-JP" altLang="en-US"/>
           </a:p>
@@ -3983,7 +3983,7 @@
           <a:p>
             <a:fld id="{C3207B85-80BE-4221-9A94-62BEF993681B}" type="datetimeFigureOut">
               <a:rPr kumimoji="1" lang="ja-JP" altLang="en-US" smtClean="0"/>
-              <a:t>2021/12/6</a:t>
+              <a:t>2021/12/7</a:t>
             </a:fld>
             <a:endParaRPr kumimoji="1" lang="ja-JP" altLang="en-US"/>
           </a:p>
@@ -4256,7 +4256,7 @@
           <a:p>
             <a:fld id="{C3207B85-80BE-4221-9A94-62BEF993681B}" type="datetimeFigureOut">
               <a:rPr kumimoji="1" lang="ja-JP" altLang="en-US" smtClean="0"/>
-              <a:t>2021/12/6</a:t>
+              <a:t>2021/12/7</a:t>
             </a:fld>
             <a:endParaRPr kumimoji="1" lang="ja-JP" altLang="en-US"/>
           </a:p>
@@ -5006,10 +5006,7 @@
           <a:lstStyle/>
           <a:p>
             <a:pPr algn="ctr"/>
-            <a:r>
-              <a:rPr kumimoji="1" lang="ja-JP" altLang="en-US" dirty="0"/>
-              <a:t>私は白い犬と猫を飼う</a:t>
-            </a:r>
+            <a:endParaRPr kumimoji="1" lang="ja-JP" altLang="en-US" dirty="0"/>
           </a:p>
         </p:txBody>
       </p:sp>
@@ -5077,52 +5074,6 @@
       </p:sp>
       <p:sp>
         <p:nvSpPr>
-          <p:cNvPr id="16" name="矢印: 右 15">
-            <a:extLst>
-              <a:ext uri="{FF2B5EF4-FFF2-40B4-BE49-F238E27FC236}">
-                <a16:creationId xmlns:a16="http://schemas.microsoft.com/office/drawing/2014/main" id="{C5249B34-1B2B-484B-97A4-F85ABDD60913}"/>
-              </a:ext>
-            </a:extLst>
-          </p:cNvPr>
-          <p:cNvSpPr/>
-          <p:nvPr/>
-        </p:nvSpPr>
-        <p:spPr>
-          <a:xfrm>
-            <a:off x="6560353" y="2753037"/>
-            <a:ext cx="1251284" cy="1106905"/>
-          </a:xfrm>
-          <a:prstGeom prst="rightArrow">
-            <a:avLst/>
-          </a:prstGeom>
-        </p:spPr>
-        <p:style>
-          <a:lnRef idx="2">
-            <a:schemeClr val="accent1">
-              <a:shade val="50000"/>
-            </a:schemeClr>
-          </a:lnRef>
-          <a:fillRef idx="1">
-            <a:schemeClr val="accent1"/>
-          </a:fillRef>
-          <a:effectRef idx="0">
-            <a:schemeClr val="accent1"/>
-          </a:effectRef>
-          <a:fontRef idx="minor">
-            <a:schemeClr val="lt1"/>
-          </a:fontRef>
-        </p:style>
-        <p:txBody>
-          <a:bodyPr rtlCol="0" anchor="ctr"/>
-          <a:lstStyle/>
-          <a:p>
-            <a:pPr algn="ctr"/>
-            <a:endParaRPr kumimoji="1" lang="ja-JP" altLang="en-US"/>
-          </a:p>
-        </p:txBody>
-      </p:sp>
-      <p:sp>
-        <p:nvSpPr>
           <p:cNvPr id="18" name="正方形/長方形 17">
             <a:extLst>
               <a:ext uri="{FF2B5EF4-FFF2-40B4-BE49-F238E27FC236}">
@@ -5175,176 +5126,6 @@
       </p:sp>
       <p:sp>
         <p:nvSpPr>
-          <p:cNvPr id="20" name="正方形/長方形 19">
-            <a:extLst>
-              <a:ext uri="{FF2B5EF4-FFF2-40B4-BE49-F238E27FC236}">
-                <a16:creationId xmlns:a16="http://schemas.microsoft.com/office/drawing/2014/main" id="{D7E47B66-D6F3-4D18-AAD3-E7AB98E95E0E}"/>
-              </a:ext>
-            </a:extLst>
-          </p:cNvPr>
-          <p:cNvSpPr/>
-          <p:nvPr/>
-        </p:nvSpPr>
-        <p:spPr>
-          <a:xfrm>
-            <a:off x="7848006" y="2359321"/>
-            <a:ext cx="1827463" cy="1930400"/>
-          </a:xfrm>
-          <a:prstGeom prst="rect">
-            <a:avLst/>
-          </a:prstGeom>
-          <a:ln>
-            <a:solidFill>
-              <a:schemeClr val="tx1">
-                <a:lumMod val="95000"/>
-                <a:lumOff val="5000"/>
-              </a:schemeClr>
-            </a:solidFill>
-          </a:ln>
-          <a:effectLst>
-            <a:outerShdw blurRad="50800" dist="38100" dir="2700000" algn="tl" rotWithShape="0">
-              <a:prstClr val="black">
-                <a:alpha val="40000"/>
-              </a:prstClr>
-            </a:outerShdw>
-          </a:effectLst>
-        </p:spPr>
-        <p:style>
-          <a:lnRef idx="2">
-            <a:schemeClr val="accent6"/>
-          </a:lnRef>
-          <a:fillRef idx="1">
-            <a:schemeClr val="lt1"/>
-          </a:fillRef>
-          <a:effectRef idx="0">
-            <a:schemeClr val="accent6"/>
-          </a:effectRef>
-          <a:fontRef idx="minor">
-            <a:schemeClr val="dk1"/>
-          </a:fontRef>
-        </p:style>
-        <p:txBody>
-          <a:bodyPr rtlCol="0" anchor="ctr"/>
-          <a:lstStyle/>
-          <a:p>
-            <a:pPr algn="ctr"/>
-            <a:r>
-              <a:rPr kumimoji="1" lang="ja-JP" altLang="en-US" dirty="0"/>
-              <a:t>予測</a:t>
-            </a:r>
-          </a:p>
-        </p:txBody>
-      </p:sp>
-      <p:sp>
-        <p:nvSpPr>
-          <p:cNvPr id="26" name="正方形/長方形 25">
-            <a:extLst>
-              <a:ext uri="{FF2B5EF4-FFF2-40B4-BE49-F238E27FC236}">
-                <a16:creationId xmlns:a16="http://schemas.microsoft.com/office/drawing/2014/main" id="{005B569B-6A26-45FF-8251-0C150346E7B1}"/>
-              </a:ext>
-            </a:extLst>
-          </p:cNvPr>
-          <p:cNvSpPr/>
-          <p:nvPr/>
-        </p:nvSpPr>
-        <p:spPr>
-          <a:xfrm>
-            <a:off x="3620912" y="4500862"/>
-            <a:ext cx="683539" cy="723884"/>
-          </a:xfrm>
-          <a:prstGeom prst="rect">
-            <a:avLst/>
-          </a:prstGeom>
-          <a:effectLst>
-            <a:outerShdw blurRad="50800" dist="38100" dir="18900000" algn="bl" rotWithShape="0">
-              <a:prstClr val="black">
-                <a:alpha val="40000"/>
-              </a:prstClr>
-            </a:outerShdw>
-          </a:effectLst>
-        </p:spPr>
-        <p:style>
-          <a:lnRef idx="2">
-            <a:schemeClr val="accent2"/>
-          </a:lnRef>
-          <a:fillRef idx="1">
-            <a:schemeClr val="lt1"/>
-          </a:fillRef>
-          <a:effectRef idx="0">
-            <a:schemeClr val="accent2"/>
-          </a:effectRef>
-          <a:fontRef idx="minor">
-            <a:schemeClr val="dk1"/>
-          </a:fontRef>
-        </p:style>
-        <p:txBody>
-          <a:bodyPr rtlCol="0" anchor="ctr"/>
-          <a:lstStyle/>
-          <a:p>
-            <a:pPr algn="ctr"/>
-            <a:r>
-              <a:rPr kumimoji="1" lang="ja-JP" altLang="en-US" dirty="0"/>
-              <a:t>私は</a:t>
-            </a:r>
-          </a:p>
-        </p:txBody>
-      </p:sp>
-      <p:sp>
-        <p:nvSpPr>
-          <p:cNvPr id="27" name="正方形/長方形 26">
-            <a:extLst>
-              <a:ext uri="{FF2B5EF4-FFF2-40B4-BE49-F238E27FC236}">
-                <a16:creationId xmlns:a16="http://schemas.microsoft.com/office/drawing/2014/main" id="{55043AA0-AB4D-41AE-A2F8-E21BA140ADD7}"/>
-              </a:ext>
-            </a:extLst>
-          </p:cNvPr>
-          <p:cNvSpPr/>
-          <p:nvPr/>
-        </p:nvSpPr>
-        <p:spPr>
-          <a:xfrm>
-            <a:off x="4481886" y="4500862"/>
-            <a:ext cx="926900" cy="723884"/>
-          </a:xfrm>
-          <a:prstGeom prst="rect">
-            <a:avLst/>
-          </a:prstGeom>
-          <a:effectLst>
-            <a:outerShdw blurRad="50800" dist="38100" dir="18900000" algn="bl" rotWithShape="0">
-              <a:prstClr val="black">
-                <a:alpha val="40000"/>
-              </a:prstClr>
-            </a:outerShdw>
-          </a:effectLst>
-        </p:spPr>
-        <p:style>
-          <a:lnRef idx="2">
-            <a:schemeClr val="accent2"/>
-          </a:lnRef>
-          <a:fillRef idx="1">
-            <a:schemeClr val="lt1"/>
-          </a:fillRef>
-          <a:effectRef idx="0">
-            <a:schemeClr val="accent2"/>
-          </a:effectRef>
-          <a:fontRef idx="minor">
-            <a:schemeClr val="dk1"/>
-          </a:fontRef>
-        </p:style>
-        <p:txBody>
-          <a:bodyPr rtlCol="0" anchor="ctr"/>
-          <a:lstStyle/>
-          <a:p>
-            <a:pPr algn="ctr"/>
-            <a:r>
-              <a:rPr kumimoji="1" lang="ja-JP" altLang="en-US" dirty="0"/>
-              <a:t>白い犬</a:t>
-            </a:r>
-          </a:p>
-        </p:txBody>
-      </p:sp>
-      <p:sp>
-        <p:nvSpPr>
           <p:cNvPr id="19" name="正方形/長方形 18">
             <a:extLst>
               <a:ext uri="{FF2B5EF4-FFF2-40B4-BE49-F238E27FC236}">
@@ -5399,492 +5180,6 @@
       </p:sp>
       <p:sp>
         <p:nvSpPr>
-          <p:cNvPr id="22" name="正方形/長方形 21">
-            <a:extLst>
-              <a:ext uri="{FF2B5EF4-FFF2-40B4-BE49-F238E27FC236}">
-                <a16:creationId xmlns:a16="http://schemas.microsoft.com/office/drawing/2014/main" id="{4843227F-4A18-404E-A7A0-000B2DA0CD84}"/>
-              </a:ext>
-            </a:extLst>
-          </p:cNvPr>
-          <p:cNvSpPr/>
-          <p:nvPr/>
-        </p:nvSpPr>
-        <p:spPr>
-          <a:xfrm>
-            <a:off x="5529325" y="4487633"/>
-            <a:ext cx="308742" cy="723884"/>
-          </a:xfrm>
-          <a:prstGeom prst="rect">
-            <a:avLst/>
-          </a:prstGeom>
-          <a:effectLst>
-            <a:outerShdw blurRad="50800" dist="38100" dir="18900000" algn="bl" rotWithShape="0">
-              <a:prstClr val="black">
-                <a:alpha val="40000"/>
-              </a:prstClr>
-            </a:outerShdw>
-          </a:effectLst>
-        </p:spPr>
-        <p:style>
-          <a:lnRef idx="2">
-            <a:schemeClr val="accent2"/>
-          </a:lnRef>
-          <a:fillRef idx="1">
-            <a:schemeClr val="lt1"/>
-          </a:fillRef>
-          <a:effectRef idx="0">
-            <a:schemeClr val="accent2"/>
-          </a:effectRef>
-          <a:fontRef idx="minor">
-            <a:schemeClr val="dk1"/>
-          </a:fontRef>
-        </p:style>
-        <p:txBody>
-          <a:bodyPr rtlCol="0" anchor="ctr"/>
-          <a:lstStyle/>
-          <a:p>
-            <a:pPr algn="ctr"/>
-            <a:r>
-              <a:rPr kumimoji="1" lang="ja-JP" altLang="en-US" dirty="0"/>
-              <a:t>と</a:t>
-            </a:r>
-          </a:p>
-        </p:txBody>
-      </p:sp>
-      <p:sp>
-        <p:nvSpPr>
-          <p:cNvPr id="23" name="正方形/長方形 22">
-            <a:extLst>
-              <a:ext uri="{FF2B5EF4-FFF2-40B4-BE49-F238E27FC236}">
-                <a16:creationId xmlns:a16="http://schemas.microsoft.com/office/drawing/2014/main" id="{596ABE88-9950-40FE-971C-4283FBB31A14}"/>
-              </a:ext>
-            </a:extLst>
-          </p:cNvPr>
-          <p:cNvSpPr/>
-          <p:nvPr/>
-        </p:nvSpPr>
-        <p:spPr>
-          <a:xfrm>
-            <a:off x="6379402" y="4498865"/>
-            <a:ext cx="943353" cy="723884"/>
-          </a:xfrm>
-          <a:prstGeom prst="rect">
-            <a:avLst/>
-          </a:prstGeom>
-          <a:effectLst>
-            <a:outerShdw blurRad="50800" dist="38100" dir="18900000" algn="bl" rotWithShape="0">
-              <a:prstClr val="black">
-                <a:alpha val="40000"/>
-              </a:prstClr>
-            </a:outerShdw>
-          </a:effectLst>
-        </p:spPr>
-        <p:style>
-          <a:lnRef idx="2">
-            <a:schemeClr val="accent2"/>
-          </a:lnRef>
-          <a:fillRef idx="1">
-            <a:schemeClr val="lt1"/>
-          </a:fillRef>
-          <a:effectRef idx="0">
-            <a:schemeClr val="accent2"/>
-          </a:effectRef>
-          <a:fontRef idx="minor">
-            <a:schemeClr val="dk1"/>
-          </a:fontRef>
-        </p:style>
-        <p:txBody>
-          <a:bodyPr rtlCol="0" anchor="ctr"/>
-          <a:lstStyle/>
-          <a:p>
-            <a:pPr algn="ctr"/>
-            <a:r>
-              <a:rPr lang="ja-JP" altLang="en-US" dirty="0"/>
-              <a:t>を飼う</a:t>
-            </a:r>
-            <a:endParaRPr kumimoji="1" lang="ja-JP" altLang="en-US" dirty="0"/>
-          </a:p>
-        </p:txBody>
-      </p:sp>
-      <p:sp>
-        <p:nvSpPr>
-          <p:cNvPr id="24" name="正方形/長方形 23">
-            <a:extLst>
-              <a:ext uri="{FF2B5EF4-FFF2-40B4-BE49-F238E27FC236}">
-                <a16:creationId xmlns:a16="http://schemas.microsoft.com/office/drawing/2014/main" id="{D45C7548-4E45-477C-A577-5AA70E4404AD}"/>
-              </a:ext>
-            </a:extLst>
-          </p:cNvPr>
-          <p:cNvSpPr/>
-          <p:nvPr/>
-        </p:nvSpPr>
-        <p:spPr>
-          <a:xfrm>
-            <a:off x="5902924" y="4498865"/>
-            <a:ext cx="308742" cy="723884"/>
-          </a:xfrm>
-          <a:prstGeom prst="rect">
-            <a:avLst/>
-          </a:prstGeom>
-          <a:effectLst>
-            <a:outerShdw blurRad="50800" dist="38100" dir="18900000" algn="bl" rotWithShape="0">
-              <a:prstClr val="black">
-                <a:alpha val="40000"/>
-              </a:prstClr>
-            </a:outerShdw>
-          </a:effectLst>
-        </p:spPr>
-        <p:style>
-          <a:lnRef idx="2">
-            <a:schemeClr val="accent2"/>
-          </a:lnRef>
-          <a:fillRef idx="1">
-            <a:schemeClr val="lt1"/>
-          </a:fillRef>
-          <a:effectRef idx="0">
-            <a:schemeClr val="accent2"/>
-          </a:effectRef>
-          <a:fontRef idx="minor">
-            <a:schemeClr val="dk1"/>
-          </a:fontRef>
-        </p:style>
-        <p:txBody>
-          <a:bodyPr rtlCol="0" anchor="ctr"/>
-          <a:lstStyle/>
-          <a:p>
-            <a:pPr algn="ctr"/>
-            <a:r>
-              <a:rPr lang="ja-JP" altLang="en-US" dirty="0"/>
-              <a:t>猫</a:t>
-            </a:r>
-            <a:endParaRPr kumimoji="1" lang="ja-JP" altLang="en-US" dirty="0"/>
-          </a:p>
-        </p:txBody>
-      </p:sp>
-      <p:sp>
-        <p:nvSpPr>
-          <p:cNvPr id="29" name="正方形/長方形 28">
-            <a:extLst>
-              <a:ext uri="{FF2B5EF4-FFF2-40B4-BE49-F238E27FC236}">
-                <a16:creationId xmlns:a16="http://schemas.microsoft.com/office/drawing/2014/main" id="{42F59DC1-9363-4423-8A77-7B9357288C3E}"/>
-              </a:ext>
-            </a:extLst>
-          </p:cNvPr>
-          <p:cNvSpPr/>
-          <p:nvPr/>
-        </p:nvSpPr>
-        <p:spPr>
-          <a:xfrm>
-            <a:off x="3600511" y="5341794"/>
-            <a:ext cx="683539" cy="723884"/>
-          </a:xfrm>
-          <a:prstGeom prst="rect">
-            <a:avLst/>
-          </a:prstGeom>
-          <a:effectLst>
-            <a:outerShdw blurRad="50800" dist="38100" dir="18900000" algn="bl" rotWithShape="0">
-              <a:prstClr val="black">
-                <a:alpha val="40000"/>
-              </a:prstClr>
-            </a:outerShdw>
-          </a:effectLst>
-        </p:spPr>
-        <p:style>
-          <a:lnRef idx="2">
-            <a:schemeClr val="accent2"/>
-          </a:lnRef>
-          <a:fillRef idx="1">
-            <a:schemeClr val="lt1"/>
-          </a:fillRef>
-          <a:effectRef idx="0">
-            <a:schemeClr val="accent2"/>
-          </a:effectRef>
-          <a:fontRef idx="minor">
-            <a:schemeClr val="dk1"/>
-          </a:fontRef>
-        </p:style>
-        <p:txBody>
-          <a:bodyPr rtlCol="0" anchor="ctr"/>
-          <a:lstStyle/>
-          <a:p>
-            <a:pPr algn="ctr"/>
-            <a:r>
-              <a:rPr kumimoji="1" lang="ja-JP" altLang="en-US" dirty="0"/>
-              <a:t>私は</a:t>
-            </a:r>
-          </a:p>
-        </p:txBody>
-      </p:sp>
-      <p:sp>
-        <p:nvSpPr>
-          <p:cNvPr id="30" name="正方形/長方形 29">
-            <a:extLst>
-              <a:ext uri="{FF2B5EF4-FFF2-40B4-BE49-F238E27FC236}">
-                <a16:creationId xmlns:a16="http://schemas.microsoft.com/office/drawing/2014/main" id="{4E759E02-BE51-48BF-93DC-5959B96AC877}"/>
-              </a:ext>
-            </a:extLst>
-          </p:cNvPr>
-          <p:cNvSpPr/>
-          <p:nvPr/>
-        </p:nvSpPr>
-        <p:spPr>
-          <a:xfrm>
-            <a:off x="4452728" y="5341794"/>
-            <a:ext cx="683539" cy="723884"/>
-          </a:xfrm>
-          <a:prstGeom prst="rect">
-            <a:avLst/>
-          </a:prstGeom>
-          <a:effectLst>
-            <a:outerShdw blurRad="50800" dist="38100" dir="18900000" algn="bl" rotWithShape="0">
-              <a:prstClr val="black">
-                <a:alpha val="40000"/>
-              </a:prstClr>
-            </a:outerShdw>
-          </a:effectLst>
-        </p:spPr>
-        <p:style>
-          <a:lnRef idx="2">
-            <a:schemeClr val="accent2"/>
-          </a:lnRef>
-          <a:fillRef idx="1">
-            <a:schemeClr val="lt1"/>
-          </a:fillRef>
-          <a:effectRef idx="0">
-            <a:schemeClr val="accent2"/>
-          </a:effectRef>
-          <a:fontRef idx="minor">
-            <a:schemeClr val="dk1"/>
-          </a:fontRef>
-        </p:style>
-        <p:txBody>
-          <a:bodyPr rtlCol="0" anchor="ctr"/>
-          <a:lstStyle/>
-          <a:p>
-            <a:pPr algn="ctr"/>
-            <a:r>
-              <a:rPr lang="ja-JP" altLang="en-US" dirty="0"/>
-              <a:t>白い</a:t>
-            </a:r>
-            <a:endParaRPr kumimoji="1" lang="ja-JP" altLang="en-US" dirty="0"/>
-          </a:p>
-        </p:txBody>
-      </p:sp>
-      <p:sp>
-        <p:nvSpPr>
-          <p:cNvPr id="31" name="正方形/長方形 30">
-            <a:extLst>
-              <a:ext uri="{FF2B5EF4-FFF2-40B4-BE49-F238E27FC236}">
-                <a16:creationId xmlns:a16="http://schemas.microsoft.com/office/drawing/2014/main" id="{D000BF9C-BE00-4A5A-B23A-34D46ECEB0D7}"/>
-              </a:ext>
-            </a:extLst>
-          </p:cNvPr>
-          <p:cNvSpPr/>
-          <p:nvPr/>
-        </p:nvSpPr>
-        <p:spPr>
-          <a:xfrm>
-            <a:off x="5309105" y="5341794"/>
-            <a:ext cx="926900" cy="723884"/>
-          </a:xfrm>
-          <a:prstGeom prst="rect">
-            <a:avLst/>
-          </a:prstGeom>
-          <a:effectLst>
-            <a:outerShdw blurRad="50800" dist="38100" dir="18900000" algn="bl" rotWithShape="0">
-              <a:prstClr val="black">
-                <a:alpha val="40000"/>
-              </a:prstClr>
-            </a:outerShdw>
-          </a:effectLst>
-        </p:spPr>
-        <p:style>
-          <a:lnRef idx="2">
-            <a:schemeClr val="accent2"/>
-          </a:lnRef>
-          <a:fillRef idx="1">
-            <a:schemeClr val="lt1"/>
-          </a:fillRef>
-          <a:effectRef idx="0">
-            <a:schemeClr val="accent2"/>
-          </a:effectRef>
-          <a:fontRef idx="minor">
-            <a:schemeClr val="dk1"/>
-          </a:fontRef>
-        </p:style>
-        <p:txBody>
-          <a:bodyPr rtlCol="0" anchor="ctr"/>
-          <a:lstStyle/>
-          <a:p>
-            <a:pPr algn="ctr"/>
-            <a:r>
-              <a:rPr kumimoji="1" lang="ja-JP" altLang="en-US" dirty="0"/>
-              <a:t>犬と猫</a:t>
-            </a:r>
-          </a:p>
-        </p:txBody>
-      </p:sp>
-      <p:sp>
-        <p:nvSpPr>
-          <p:cNvPr id="34" name="正方形/長方形 33">
-            <a:extLst>
-              <a:ext uri="{FF2B5EF4-FFF2-40B4-BE49-F238E27FC236}">
-                <a16:creationId xmlns:a16="http://schemas.microsoft.com/office/drawing/2014/main" id="{BE441EF9-5940-4B2B-B480-F5D2545406B1}"/>
-              </a:ext>
-            </a:extLst>
-          </p:cNvPr>
-          <p:cNvSpPr/>
-          <p:nvPr/>
-        </p:nvSpPr>
-        <p:spPr>
-          <a:xfrm>
-            <a:off x="6379401" y="5346046"/>
-            <a:ext cx="943353" cy="723884"/>
-          </a:xfrm>
-          <a:prstGeom prst="rect">
-            <a:avLst/>
-          </a:prstGeom>
-          <a:effectLst>
-            <a:outerShdw blurRad="50800" dist="38100" dir="18900000" algn="bl" rotWithShape="0">
-              <a:prstClr val="black">
-                <a:alpha val="40000"/>
-              </a:prstClr>
-            </a:outerShdw>
-          </a:effectLst>
-        </p:spPr>
-        <p:style>
-          <a:lnRef idx="2">
-            <a:schemeClr val="accent2"/>
-          </a:lnRef>
-          <a:fillRef idx="1">
-            <a:schemeClr val="lt1"/>
-          </a:fillRef>
-          <a:effectRef idx="0">
-            <a:schemeClr val="accent2"/>
-          </a:effectRef>
-          <a:fontRef idx="minor">
-            <a:schemeClr val="dk1"/>
-          </a:fontRef>
-        </p:style>
-        <p:txBody>
-          <a:bodyPr rtlCol="0" anchor="ctr"/>
-          <a:lstStyle/>
-          <a:p>
-            <a:pPr algn="ctr"/>
-            <a:r>
-              <a:rPr lang="ja-JP" altLang="en-US" dirty="0"/>
-              <a:t>を飼う</a:t>
-            </a:r>
-            <a:endParaRPr kumimoji="1" lang="ja-JP" altLang="en-US" dirty="0"/>
-          </a:p>
-        </p:txBody>
-      </p:sp>
-      <p:sp>
-        <p:nvSpPr>
-          <p:cNvPr id="35" name="正方形/長方形 34">
-            <a:extLst>
-              <a:ext uri="{FF2B5EF4-FFF2-40B4-BE49-F238E27FC236}">
-                <a16:creationId xmlns:a16="http://schemas.microsoft.com/office/drawing/2014/main" id="{C7F685B0-DBA5-4C0B-970A-4C425B051880}"/>
-              </a:ext>
-            </a:extLst>
-          </p:cNvPr>
-          <p:cNvSpPr/>
-          <p:nvPr/>
-        </p:nvSpPr>
-        <p:spPr>
-          <a:xfrm>
-            <a:off x="7595670" y="4008193"/>
-            <a:ext cx="2618072" cy="723884"/>
-          </a:xfrm>
-          <a:prstGeom prst="rect">
-            <a:avLst/>
-          </a:prstGeom>
-          <a:effectLst>
-            <a:outerShdw blurRad="50800" dist="38100" dir="18900000" algn="bl" rotWithShape="0">
-              <a:prstClr val="black">
-                <a:alpha val="40000"/>
-              </a:prstClr>
-            </a:outerShdw>
-          </a:effectLst>
-        </p:spPr>
-        <p:style>
-          <a:lnRef idx="2">
-            <a:schemeClr val="accent2"/>
-          </a:lnRef>
-          <a:fillRef idx="1">
-            <a:schemeClr val="lt1"/>
-          </a:fillRef>
-          <a:effectRef idx="0">
-            <a:schemeClr val="accent2"/>
-          </a:effectRef>
-          <a:fontRef idx="minor">
-            <a:schemeClr val="dk1"/>
-          </a:fontRef>
-        </p:style>
-        <p:txBody>
-          <a:bodyPr rtlCol="0" anchor="ctr"/>
-          <a:lstStyle/>
-          <a:p>
-            <a:pPr algn="ctr"/>
-            <a:r>
-              <a:rPr kumimoji="1" lang="ja-JP" altLang="en-US" dirty="0"/>
-              <a:t>私は白い犬と猫を飼う</a:t>
-            </a:r>
-          </a:p>
-        </p:txBody>
-      </p:sp>
-      <p:sp>
-        <p:nvSpPr>
-          <p:cNvPr id="36" name="正方形/長方形 35">
-            <a:extLst>
-              <a:ext uri="{FF2B5EF4-FFF2-40B4-BE49-F238E27FC236}">
-                <a16:creationId xmlns:a16="http://schemas.microsoft.com/office/drawing/2014/main" id="{D7ADE3F6-DF0E-4B84-AB29-82ECAB05663F}"/>
-              </a:ext>
-            </a:extLst>
-          </p:cNvPr>
-          <p:cNvSpPr/>
-          <p:nvPr/>
-        </p:nvSpPr>
-        <p:spPr>
-          <a:xfrm>
-            <a:off x="8197394" y="4142897"/>
-            <a:ext cx="689942" cy="416560"/>
-          </a:xfrm>
-          <a:prstGeom prst="rect">
-            <a:avLst/>
-          </a:prstGeom>
-          <a:noFill/>
-          <a:ln w="28575">
-            <a:solidFill>
-              <a:srgbClr val="FF0000"/>
-            </a:solidFill>
-          </a:ln>
-        </p:spPr>
-        <p:style>
-          <a:lnRef idx="2">
-            <a:schemeClr val="dk1"/>
-          </a:lnRef>
-          <a:fillRef idx="1">
-            <a:schemeClr val="lt1"/>
-          </a:fillRef>
-          <a:effectRef idx="0">
-            <a:schemeClr val="dk1"/>
-          </a:effectRef>
-          <a:fontRef idx="minor">
-            <a:schemeClr val="dk1"/>
-          </a:fontRef>
-        </p:style>
-        <p:txBody>
-          <a:bodyPr rtlCol="0" anchor="ctr"/>
-          <a:lstStyle/>
-          <a:p>
-            <a:pPr algn="ctr"/>
-            <a:endParaRPr kumimoji="1" lang="ja-JP" altLang="en-US"/>
-          </a:p>
-        </p:txBody>
-      </p:sp>
-      <p:sp>
-        <p:nvSpPr>
           <p:cNvPr id="12" name="楕円 11">
             <a:extLst>
               <a:ext uri="{FF2B5EF4-FFF2-40B4-BE49-F238E27FC236}">
@@ -5944,92 +5239,6 @@
   <p:clrMapOvr>
     <a:masterClrMapping/>
   </p:clrMapOvr>
-  <p:timing>
-    <p:tnLst>
-      <p:par>
-        <p:cTn id="1" dur="indefinite" restart="never" nodeType="tmRoot">
-          <p:childTnLst>
-            <p:seq concurrent="1" nextAc="seek">
-              <p:cTn id="2" dur="indefinite" nodeType="mainSeq">
-                <p:childTnLst>
-                  <p:par>
-                    <p:cTn id="3" fill="hold">
-                      <p:stCondLst>
-                        <p:cond delay="indefinite"/>
-                      </p:stCondLst>
-                      <p:childTnLst>
-                        <p:par>
-                          <p:cTn id="4" fill="hold">
-                            <p:stCondLst>
-                              <p:cond delay="0"/>
-                            </p:stCondLst>
-                            <p:childTnLst>
-                              <p:par>
-                                <p:cTn id="5" presetID="22" presetClass="entr" presetSubtype="4" fill="hold" grpId="0" nodeType="clickEffect">
-                                  <p:stCondLst>
-                                    <p:cond delay="0"/>
-                                  </p:stCondLst>
-                                  <p:childTnLst>
-                                    <p:set>
-                                      <p:cBhvr>
-                                        <p:cTn id="6" dur="1" fill="hold">
-                                          <p:stCondLst>
-                                            <p:cond delay="0"/>
-                                          </p:stCondLst>
-                                        </p:cTn>
-                                        <p:tgtEl>
-                                          <p:spTgt spid="36"/>
-                                        </p:tgtEl>
-                                        <p:attrNameLst>
-                                          <p:attrName>style.visibility</p:attrName>
-                                        </p:attrNameLst>
-                                      </p:cBhvr>
-                                      <p:to>
-                                        <p:strVal val="visible"/>
-                                      </p:to>
-                                    </p:set>
-                                    <p:animEffect transition="in" filter="wipe(down)">
-                                      <p:cBhvr>
-                                        <p:cTn id="7" dur="500"/>
-                                        <p:tgtEl>
-                                          <p:spTgt spid="36"/>
-                                        </p:tgtEl>
-                                      </p:cBhvr>
-                                    </p:animEffect>
-                                  </p:childTnLst>
-                                </p:cTn>
-                              </p:par>
-                            </p:childTnLst>
-                          </p:cTn>
-                        </p:par>
-                      </p:childTnLst>
-                    </p:cTn>
-                  </p:par>
-                </p:childTnLst>
-              </p:cTn>
-              <p:prevCondLst>
-                <p:cond evt="onPrev" delay="0">
-                  <p:tgtEl>
-                    <p:sldTgt/>
-                  </p:tgtEl>
-                </p:cond>
-              </p:prevCondLst>
-              <p:nextCondLst>
-                <p:cond evt="onNext" delay="0">
-                  <p:tgtEl>
-                    <p:sldTgt/>
-                  </p:tgtEl>
-                </p:cond>
-              </p:nextCondLst>
-            </p:seq>
-          </p:childTnLst>
-        </p:cTn>
-      </p:par>
-    </p:tnLst>
-    <p:bldLst>
-      <p:bldP spid="36" grpId="0" animBg="1"/>
-    </p:bldLst>
-  </p:timing>
 </p:sld>
 </file>
 

--- a/presentation/fasttext.pptx
+++ b/presentation/fasttext.pptx
@@ -5,15 +5,14 @@
     <p:sldMasterId id="2147483648" r:id="rId1"/>
   </p:sldMasterIdLst>
   <p:notesMasterIdLst>
-    <p:notesMasterId r:id="rId8"/>
+    <p:notesMasterId r:id="rId7"/>
   </p:notesMasterIdLst>
   <p:sldIdLst>
     <p:sldId id="256" r:id="rId2"/>
     <p:sldId id="257" r:id="rId3"/>
     <p:sldId id="258" r:id="rId4"/>
-    <p:sldId id="265" r:id="rId5"/>
-    <p:sldId id="261" r:id="rId6"/>
-    <p:sldId id="263" r:id="rId7"/>
+    <p:sldId id="261" r:id="rId5"/>
+    <p:sldId id="263" r:id="rId6"/>
   </p:sldIdLst>
   <p:sldSz cx="12192000" cy="6858000"/>
   <p:notesSz cx="6858000" cy="9144000"/>
@@ -202,7 +201,7 @@
           <a:p>
             <a:fld id="{C71847E3-A545-4FEE-96D0-B2F7F758E0F3}" type="datetimeFigureOut">
               <a:rPr kumimoji="1" lang="ja-JP" altLang="en-US" smtClean="0"/>
-              <a:t>2021/12/7</a:t>
+              <a:t>2021/12/8</a:t>
             </a:fld>
             <a:endParaRPr kumimoji="1" lang="ja-JP" altLang="en-US"/>
           </a:p>
@@ -592,7 +591,7 @@
             </a:pPr>
             <a:r>
               <a:rPr lang="ja-JP" altLang="en-US" dirty="0"/>
-              <a:t>流れとしては、予測したい文章を入れ、その意味を解析し、予測した結果を返してくれます。</a:t>
+              <a:t>流れとしては、予測したい文章を入れ、その意味を解析し、予測した結果をラベルで返してくれます。</a:t>
             </a:r>
             <a:endParaRPr lang="en-US" altLang="ja-JP" dirty="0"/>
           </a:p>
@@ -616,7 +615,7 @@
             </a:pPr>
             <a:r>
               <a:rPr kumimoji="1" lang="ja-JP" altLang="en-US" dirty="0"/>
-              <a:t>この図では白いと犬と猫であるか白い犬、と猫。のどれかに</a:t>
+              <a:t>この図では「私は犬が好き」という文章が上の三つのラベルのうちのどれかを</a:t>
             </a:r>
             <a:r>
               <a:rPr kumimoji="1" lang="en-US" altLang="ja-JP" dirty="0"/>
@@ -624,7 +623,7 @@
             </a:r>
             <a:r>
               <a:rPr kumimoji="1" lang="ja-JP" altLang="en-US" dirty="0"/>
-              <a:t>を利用して分類しようとしています</a:t>
+              <a:t>で予測</a:t>
             </a:r>
             <a:endParaRPr kumimoji="1" lang="en-US" altLang="ja-JP" dirty="0"/>
           </a:p>
@@ -648,16 +647,29 @@
             </a:pPr>
             <a:r>
               <a:rPr kumimoji="1" lang="ja-JP" altLang="en-US" dirty="0"/>
-              <a:t>この文章が白い犬についての文章であると</a:t>
-            </a:r>
-            <a:r>
-              <a:rPr kumimoji="1" lang="en-US" altLang="ja-JP" dirty="0"/>
-              <a:t>AI</a:t>
-            </a:r>
-            <a:r>
-              <a:rPr kumimoji="1" lang="ja-JP" altLang="en-US" dirty="0"/>
-              <a:t>が予測して分類しました。</a:t>
-            </a:r>
+              <a:t>動物ラベルであると結果を出しています。</a:t>
+            </a:r>
+            <a:endParaRPr kumimoji="1" lang="en-US" altLang="ja-JP" dirty="0"/>
+          </a:p>
+          <a:p>
+            <a:pPr marL="0" marR="0" lvl="0" indent="0" algn="l" defTabSz="914400" rtl="0" eaLnBrk="1" fontAlgn="auto" latinLnBrk="0" hangingPunct="1">
+              <a:lnSpc>
+                <a:spcPct val="100000"/>
+              </a:lnSpc>
+              <a:spcBef>
+                <a:spcPts val="0"/>
+              </a:spcBef>
+              <a:spcAft>
+                <a:spcPts val="0"/>
+              </a:spcAft>
+              <a:buClrTx/>
+              <a:buSzTx/>
+              <a:buFontTx/>
+              <a:buNone/>
+              <a:tabLst/>
+              <a:defRPr/>
+            </a:pPr>
+            <a:endParaRPr kumimoji="1" lang="ja-JP" altLang="en-US" dirty="0"/>
           </a:p>
           <a:p>
             <a:pPr marL="0" marR="0" lvl="0" indent="0" algn="l" defTabSz="914400" rtl="0" eaLnBrk="1" fontAlgn="auto" latinLnBrk="0" hangingPunct="1">
@@ -813,7 +825,14 @@
           <a:p>
             <a:r>
               <a:rPr kumimoji="1" lang="ja-JP" altLang="en-US" dirty="0"/>
-              <a:t>「今日の天気は晴れ？」という文章のあとに「今日の天気を教えて」という文章を追加しても、「今日の天気」の部分が重複してしまうため、その分データが増えないことになります</a:t>
+              <a:t>「今日　の　天気　は　晴れ　？」という文章のあとに「今日　の　天気　を教えて」という文章を追加しても、「今日の天気」の部分が重複してしまうため、</a:t>
+            </a:r>
+            <a:endParaRPr kumimoji="1" lang="en-US" altLang="ja-JP" dirty="0"/>
+          </a:p>
+          <a:p>
+            <a:r>
+              <a:rPr kumimoji="1" lang="ja-JP" altLang="en-US" dirty="0"/>
+              <a:t>その分データが増えないことになります</a:t>
             </a:r>
             <a:endParaRPr kumimoji="1" lang="en-US" altLang="ja-JP" dirty="0"/>
           </a:p>
@@ -958,93 +977,8 @@
           <a:p>
             <a:r>
               <a:rPr kumimoji="1" lang="ja-JP" altLang="en-US" dirty="0"/>
-              <a:t>本来の作り方としては、トレーニングデータ用の文章を形態素解析で単語ごとに分割するのですが、</a:t>
-            </a:r>
-            <a:r>
-              <a:rPr kumimoji="1" lang="en-US" altLang="ja-JP" dirty="0" err="1"/>
-              <a:t>fastText</a:t>
-            </a:r>
-            <a:r>
-              <a:rPr kumimoji="1" lang="ja-JP" altLang="en-US" dirty="0"/>
-              <a:t>では</a:t>
-            </a:r>
-            <a:r>
-              <a:rPr kumimoji="1" lang="en-US" altLang="ja-JP" dirty="0"/>
-              <a:t>1</a:t>
-            </a:r>
-            <a:r>
-              <a:rPr kumimoji="1" lang="ja-JP" altLang="en-US" dirty="0" err="1"/>
-              <a:t>つの</a:t>
-            </a:r>
-            <a:r>
-              <a:rPr kumimoji="1" lang="ja-JP" altLang="en-US" dirty="0"/>
-              <a:t>単語を１つのデータとして扱うため、</a:t>
-            </a:r>
-            <a:endParaRPr kumimoji="1" lang="en-US" altLang="ja-JP" dirty="0"/>
-          </a:p>
-          <a:p>
-            <a:r>
-              <a:rPr kumimoji="1" lang="ja-JP" altLang="en-US" dirty="0"/>
-              <a:t>「今日の天気は晴れ？」という文章のあとに「今日の天気を教えて」という文章を追加しても、「今日の天気」の部分が重複してしまうため、その分データが増えないことになります</a:t>
-            </a:r>
-            <a:endParaRPr kumimoji="1" lang="en-US" altLang="ja-JP" dirty="0"/>
-          </a:p>
-          <a:p>
-            <a:r>
-              <a:rPr kumimoji="1" lang="ja-JP" altLang="en-US" dirty="0"/>
-              <a:t>私たちが使うであろう文章は、単語が多く重複してしまうため、対策を考えました</a:t>
-            </a:r>
-            <a:endParaRPr kumimoji="1" lang="en-US" altLang="ja-JP" dirty="0"/>
-          </a:p>
-          <a:p>
-            <a:r>
-              <a:rPr kumimoji="1" lang="ja-JP" altLang="en-US" dirty="0"/>
-              <a:t>解決策として、文章を分割せずに、そのまま</a:t>
-            </a:r>
-            <a:r>
-              <a:rPr kumimoji="1" lang="en-US" altLang="ja-JP" dirty="0"/>
-              <a:t>1</a:t>
-            </a:r>
-            <a:r>
-              <a:rPr kumimoji="1" lang="ja-JP" altLang="en-US" dirty="0" err="1"/>
-              <a:t>つの</a:t>
-            </a:r>
-            <a:r>
-              <a:rPr kumimoji="1" lang="ja-JP" altLang="en-US" dirty="0"/>
-              <a:t>文章を</a:t>
-            </a:r>
-            <a:r>
-              <a:rPr kumimoji="1" lang="en-US" altLang="ja-JP" dirty="0"/>
-              <a:t>1</a:t>
-            </a:r>
-            <a:r>
-              <a:rPr kumimoji="1" lang="ja-JP" altLang="en-US" dirty="0" err="1"/>
-              <a:t>つの</a:t>
-            </a:r>
-            <a:r>
-              <a:rPr kumimoji="1" lang="ja-JP" altLang="en-US" dirty="0"/>
-              <a:t>単語として扱うという方法を考えました</a:t>
-            </a:r>
-            <a:endParaRPr kumimoji="1" lang="en-US" altLang="ja-JP" dirty="0"/>
-          </a:p>
-          <a:p>
-            <a:r>
-              <a:rPr kumimoji="1" lang="ja-JP" altLang="en-US" dirty="0"/>
-              <a:t>こうすることで、入力した文章がそのまま</a:t>
-            </a:r>
-            <a:r>
-              <a:rPr kumimoji="1" lang="en-US" altLang="ja-JP" dirty="0"/>
-              <a:t>1</a:t>
-            </a:r>
-            <a:r>
-              <a:rPr kumimoji="1" lang="ja-JP" altLang="en-US" dirty="0" err="1"/>
-              <a:t>つの</a:t>
-            </a:r>
-            <a:r>
-              <a:rPr kumimoji="1" lang="ja-JP" altLang="en-US" dirty="0"/>
-              <a:t>データとして扱えるので、データを増やしやすくなります</a:t>
-            </a:r>
-            <a:endParaRPr kumimoji="1" lang="en-US" altLang="ja-JP" dirty="0"/>
+              <a:t>現在はデータを増やす方向で精度を上げていますがパラメーターを</a:t>
+            </a:r>
           </a:p>
         </p:txBody>
       </p:sp>
@@ -1066,93 +1000,6 @@
             <a:fld id="{8DF1E08D-4A53-4A5C-9DAB-BDA17F3E8D74}" type="slidenum">
               <a:rPr kumimoji="1" lang="ja-JP" altLang="en-US" smtClean="0"/>
               <a:t>4</a:t>
-            </a:fld>
-            <a:endParaRPr kumimoji="1" lang="ja-JP" altLang="en-US"/>
-          </a:p>
-        </p:txBody>
-      </p:sp>
-    </p:spTree>
-    <p:extLst>
-      <p:ext uri="{BB962C8B-B14F-4D97-AF65-F5344CB8AC3E}">
-        <p14:creationId xmlns:p14="http://schemas.microsoft.com/office/powerpoint/2010/main" val="1340245251"/>
-      </p:ext>
-    </p:extLst>
-  </p:cSld>
-  <p:clrMapOvr>
-    <a:masterClrMapping/>
-  </p:clrMapOvr>
-</p:notes>
-</file>
-
-<file path=ppt/notesSlides/notesSlide4.xml><?xml version="1.0" encoding="utf-8"?>
-<p:notes xmlns:a="http://schemas.openxmlformats.org/drawingml/2006/main" xmlns:r="http://schemas.openxmlformats.org/officeDocument/2006/relationships" xmlns:p="http://schemas.openxmlformats.org/presentationml/2006/main">
-  <p:cSld>
-    <p:spTree>
-      <p:nvGrpSpPr>
-        <p:cNvPr id="1" name=""/>
-        <p:cNvGrpSpPr/>
-        <p:nvPr/>
-      </p:nvGrpSpPr>
-      <p:grpSpPr>
-        <a:xfrm>
-          <a:off x="0" y="0"/>
-          <a:ext cx="0" cy="0"/>
-          <a:chOff x="0" y="0"/>
-          <a:chExt cx="0" cy="0"/>
-        </a:xfrm>
-      </p:grpSpPr>
-      <p:sp>
-        <p:nvSpPr>
-          <p:cNvPr id="2" name="スライド イメージ プレースホルダー 1"/>
-          <p:cNvSpPr>
-            <a:spLocks noGrp="1" noRot="1" noChangeAspect="1"/>
-          </p:cNvSpPr>
-          <p:nvPr>
-            <p:ph type="sldImg"/>
-          </p:nvPr>
-        </p:nvSpPr>
-        <p:spPr/>
-      </p:sp>
-      <p:sp>
-        <p:nvSpPr>
-          <p:cNvPr id="3" name="ノート プレースホルダー 2"/>
-          <p:cNvSpPr>
-            <a:spLocks noGrp="1"/>
-          </p:cNvSpPr>
-          <p:nvPr>
-            <p:ph type="body" idx="1"/>
-          </p:nvPr>
-        </p:nvSpPr>
-        <p:spPr/>
-        <p:txBody>
-          <a:bodyPr/>
-          <a:lstStyle/>
-          <a:p>
-            <a:r>
-              <a:rPr kumimoji="1" lang="ja-JP" altLang="en-US" dirty="0"/>
-              <a:t>現在はデータを増やす方向で精度を上げていますがパラメーターを</a:t>
-            </a:r>
-          </a:p>
-        </p:txBody>
-      </p:sp>
-      <p:sp>
-        <p:nvSpPr>
-          <p:cNvPr id="4" name="スライド番号プレースホルダー 3"/>
-          <p:cNvSpPr>
-            <a:spLocks noGrp="1"/>
-          </p:cNvSpPr>
-          <p:nvPr>
-            <p:ph type="sldNum" sz="quarter" idx="5"/>
-          </p:nvPr>
-        </p:nvSpPr>
-        <p:spPr/>
-        <p:txBody>
-          <a:bodyPr/>
-          <a:lstStyle/>
-          <a:p>
-            <a:fld id="{8DF1E08D-4A53-4A5C-9DAB-BDA17F3E8D74}" type="slidenum">
-              <a:rPr kumimoji="1" lang="ja-JP" altLang="en-US" smtClean="0"/>
-              <a:t>5</a:t>
             </a:fld>
             <a:endParaRPr kumimoji="1" lang="ja-JP" altLang="en-US"/>
           </a:p>
@@ -1318,7 +1165,7 @@
           <a:p>
             <a:fld id="{C3207B85-80BE-4221-9A94-62BEF993681B}" type="datetimeFigureOut">
               <a:rPr kumimoji="1" lang="ja-JP" altLang="en-US" smtClean="0"/>
-              <a:t>2021/12/7</a:t>
+              <a:t>2021/12/8</a:t>
             </a:fld>
             <a:endParaRPr kumimoji="1" lang="ja-JP" altLang="en-US"/>
           </a:p>
@@ -1548,7 +1395,7 @@
           <a:p>
             <a:fld id="{C3207B85-80BE-4221-9A94-62BEF993681B}" type="datetimeFigureOut">
               <a:rPr kumimoji="1" lang="ja-JP" altLang="en-US" smtClean="0"/>
-              <a:t>2021/12/7</a:t>
+              <a:t>2021/12/8</a:t>
             </a:fld>
             <a:endParaRPr kumimoji="1" lang="ja-JP" altLang="en-US"/>
           </a:p>
@@ -1788,7 +1635,7 @@
           <a:p>
             <a:fld id="{C3207B85-80BE-4221-9A94-62BEF993681B}" type="datetimeFigureOut">
               <a:rPr kumimoji="1" lang="ja-JP" altLang="en-US" smtClean="0"/>
-              <a:t>2021/12/7</a:t>
+              <a:t>2021/12/8</a:t>
             </a:fld>
             <a:endParaRPr kumimoji="1" lang="ja-JP" altLang="en-US"/>
           </a:p>
@@ -2018,7 +1865,7 @@
           <a:p>
             <a:fld id="{C3207B85-80BE-4221-9A94-62BEF993681B}" type="datetimeFigureOut">
               <a:rPr kumimoji="1" lang="ja-JP" altLang="en-US" smtClean="0"/>
-              <a:t>2021/12/7</a:t>
+              <a:t>2021/12/8</a:t>
             </a:fld>
             <a:endParaRPr kumimoji="1" lang="ja-JP" altLang="en-US"/>
           </a:p>
@@ -2293,7 +2140,7 @@
           <a:p>
             <a:fld id="{C3207B85-80BE-4221-9A94-62BEF993681B}" type="datetimeFigureOut">
               <a:rPr kumimoji="1" lang="ja-JP" altLang="en-US" smtClean="0"/>
-              <a:t>2021/12/7</a:t>
+              <a:t>2021/12/8</a:t>
             </a:fld>
             <a:endParaRPr kumimoji="1" lang="ja-JP" altLang="en-US"/>
           </a:p>
@@ -2622,7 +2469,7 @@
           <a:p>
             <a:fld id="{C3207B85-80BE-4221-9A94-62BEF993681B}" type="datetimeFigureOut">
               <a:rPr kumimoji="1" lang="ja-JP" altLang="en-US" smtClean="0"/>
-              <a:t>2021/12/7</a:t>
+              <a:t>2021/12/8</a:t>
             </a:fld>
             <a:endParaRPr kumimoji="1" lang="ja-JP" altLang="en-US"/>
           </a:p>
@@ -3098,7 +2945,7 @@
           <a:p>
             <a:fld id="{C3207B85-80BE-4221-9A94-62BEF993681B}" type="datetimeFigureOut">
               <a:rPr kumimoji="1" lang="ja-JP" altLang="en-US" smtClean="0"/>
-              <a:t>2021/12/7</a:t>
+              <a:t>2021/12/8</a:t>
             </a:fld>
             <a:endParaRPr kumimoji="1" lang="ja-JP" altLang="en-US"/>
           </a:p>
@@ -3239,7 +3086,7 @@
           <a:p>
             <a:fld id="{C3207B85-80BE-4221-9A94-62BEF993681B}" type="datetimeFigureOut">
               <a:rPr kumimoji="1" lang="ja-JP" altLang="en-US" smtClean="0"/>
-              <a:t>2021/12/7</a:t>
+              <a:t>2021/12/8</a:t>
             </a:fld>
             <a:endParaRPr kumimoji="1" lang="ja-JP" altLang="en-US"/>
           </a:p>
@@ -3352,7 +3199,7 @@
           <a:p>
             <a:fld id="{C3207B85-80BE-4221-9A94-62BEF993681B}" type="datetimeFigureOut">
               <a:rPr kumimoji="1" lang="ja-JP" altLang="en-US" smtClean="0"/>
-              <a:t>2021/12/7</a:t>
+              <a:t>2021/12/8</a:t>
             </a:fld>
             <a:endParaRPr kumimoji="1" lang="ja-JP" altLang="en-US"/>
           </a:p>
@@ -3695,7 +3542,7 @@
           <a:p>
             <a:fld id="{C3207B85-80BE-4221-9A94-62BEF993681B}" type="datetimeFigureOut">
               <a:rPr kumimoji="1" lang="ja-JP" altLang="en-US" smtClean="0"/>
-              <a:t>2021/12/7</a:t>
+              <a:t>2021/12/8</a:t>
             </a:fld>
             <a:endParaRPr kumimoji="1" lang="ja-JP" altLang="en-US"/>
           </a:p>
@@ -3983,7 +3830,7 @@
           <a:p>
             <a:fld id="{C3207B85-80BE-4221-9A94-62BEF993681B}" type="datetimeFigureOut">
               <a:rPr kumimoji="1" lang="ja-JP" altLang="en-US" smtClean="0"/>
-              <a:t>2021/12/7</a:t>
+              <a:t>2021/12/8</a:t>
             </a:fld>
             <a:endParaRPr kumimoji="1" lang="ja-JP" altLang="en-US"/>
           </a:p>
@@ -4256,7 +4103,7 @@
           <a:p>
             <a:fld id="{C3207B85-80BE-4221-9A94-62BEF993681B}" type="datetimeFigureOut">
               <a:rPr kumimoji="1" lang="ja-JP" altLang="en-US" smtClean="0"/>
-              <a:t>2021/12/7</a:t>
+              <a:t>2021/12/8</a:t>
             </a:fld>
             <a:endParaRPr kumimoji="1" lang="ja-JP" altLang="en-US"/>
           </a:p>
@@ -4864,7 +4711,7 @@
         </p:nvSpPr>
         <p:spPr>
           <a:xfrm>
-            <a:off x="1316254" y="2420777"/>
+            <a:off x="1233505" y="4149591"/>
             <a:ext cx="1827463" cy="1930400"/>
           </a:xfrm>
           <a:prstGeom prst="rect">
@@ -4927,7 +4774,7 @@
         </p:nvSpPr>
         <p:spPr>
           <a:xfrm>
-            <a:off x="3209071" y="2551028"/>
+            <a:off x="3398519" y="4555010"/>
             <a:ext cx="1251284" cy="1106905"/>
           </a:xfrm>
           <a:prstGeom prst="rightArrow">
@@ -4973,7 +4820,7 @@
         </p:nvSpPr>
         <p:spPr>
           <a:xfrm>
-            <a:off x="997284" y="3961622"/>
+            <a:off x="838200" y="5578689"/>
             <a:ext cx="2618072" cy="723884"/>
           </a:xfrm>
           <a:prstGeom prst="rect">
@@ -5006,7 +4853,10 @@
           <a:lstStyle/>
           <a:p>
             <a:pPr algn="ctr"/>
-            <a:endParaRPr kumimoji="1" lang="ja-JP" altLang="en-US" dirty="0"/>
+            <a:r>
+              <a:rPr kumimoji="1" lang="ja-JP" altLang="en-US" dirty="0"/>
+              <a:t>私は犬が好き</a:t>
+            </a:r>
           </a:p>
         </p:txBody>
       </p:sp>
@@ -5024,7 +4874,7 @@
         </p:nvSpPr>
         <p:spPr>
           <a:xfrm>
-            <a:off x="4455962" y="2420777"/>
+            <a:off x="4820859" y="4010231"/>
             <a:ext cx="1827463" cy="1930400"/>
           </a:xfrm>
           <a:prstGeom prst="rect">
@@ -5126,10 +4976,10 @@
       </p:sp>
       <p:sp>
         <p:nvSpPr>
-          <p:cNvPr id="19" name="正方形/長方形 18">
-            <a:extLst>
-              <a:ext uri="{FF2B5EF4-FFF2-40B4-BE49-F238E27FC236}">
-                <a16:creationId xmlns:a16="http://schemas.microsoft.com/office/drawing/2014/main" id="{80CECD27-BF91-456D-AB30-604055AE293E}"/>
+          <p:cNvPr id="12" name="楕円 11">
+            <a:extLst>
+              <a:ext uri="{FF2B5EF4-FFF2-40B4-BE49-F238E27FC236}">
+                <a16:creationId xmlns:a16="http://schemas.microsoft.com/office/drawing/2014/main" id="{9717C4C0-D0D0-43BB-8B87-0C67A56483CD}"/>
               </a:ext>
             </a:extLst>
           </p:cNvPr>
@@ -5138,8 +4988,59 @@
         </p:nvSpPr>
         <p:spPr>
           <a:xfrm>
-            <a:off x="3942281" y="1523455"/>
-            <a:ext cx="2618072" cy="723884"/>
+            <a:off x="4820859" y="5144989"/>
+            <a:ext cx="1818640" cy="812255"/>
+          </a:xfrm>
+          <a:prstGeom prst="ellipse">
+            <a:avLst/>
+          </a:prstGeom>
+        </p:spPr>
+        <p:style>
+          <a:lnRef idx="2">
+            <a:schemeClr val="accent1"/>
+          </a:lnRef>
+          <a:fillRef idx="1">
+            <a:schemeClr val="lt1"/>
+          </a:fillRef>
+          <a:effectRef idx="0">
+            <a:schemeClr val="accent1"/>
+          </a:effectRef>
+          <a:fontRef idx="minor">
+            <a:schemeClr val="dk1"/>
+          </a:fontRef>
+        </p:style>
+        <p:txBody>
+          <a:bodyPr rtlCol="0" anchor="ctr"/>
+          <a:lstStyle/>
+          <a:p>
+            <a:pPr algn="ctr"/>
+            <a:r>
+              <a:rPr kumimoji="1" lang="en-US" altLang="ja-JP" dirty="0"/>
+              <a:t>AI</a:t>
+            </a:r>
+            <a:r>
+              <a:rPr kumimoji="1" lang="ja-JP" altLang="en-US" dirty="0"/>
+              <a:t>を使用</a:t>
+            </a:r>
+          </a:p>
+        </p:txBody>
+      </p:sp>
+      <p:sp>
+        <p:nvSpPr>
+          <p:cNvPr id="10" name="正方形/長方形 9">
+            <a:extLst>
+              <a:ext uri="{FF2B5EF4-FFF2-40B4-BE49-F238E27FC236}">
+                <a16:creationId xmlns:a16="http://schemas.microsoft.com/office/drawing/2014/main" id="{488874FB-D50B-4DA7-AFB5-91EEA0286E64}"/>
+              </a:ext>
+            </a:extLst>
+          </p:cNvPr>
+          <p:cNvSpPr/>
+          <p:nvPr/>
+        </p:nvSpPr>
+        <p:spPr>
+          <a:xfrm>
+            <a:off x="4536646" y="3879398"/>
+            <a:ext cx="2358848" cy="723884"/>
           </a:xfrm>
           <a:prstGeom prst="rect">
             <a:avLst/>
@@ -5173,17 +5074,17 @@
             <a:pPr algn="ctr"/>
             <a:r>
               <a:rPr kumimoji="1" lang="ja-JP" altLang="en-US" dirty="0"/>
-              <a:t>私は白い犬と猫を飼う</a:t>
-            </a:r>
-          </a:p>
-        </p:txBody>
-      </p:sp>
-      <p:sp>
-        <p:nvSpPr>
-          <p:cNvPr id="12" name="楕円 11">
-            <a:extLst>
-              <a:ext uri="{FF2B5EF4-FFF2-40B4-BE49-F238E27FC236}">
-                <a16:creationId xmlns:a16="http://schemas.microsoft.com/office/drawing/2014/main" id="{9717C4C0-D0D0-43BB-8B87-0C67A56483CD}"/>
+              <a:t>私は犬が好き</a:t>
+            </a:r>
+          </a:p>
+        </p:txBody>
+      </p:sp>
+      <p:sp>
+        <p:nvSpPr>
+          <p:cNvPr id="13" name="正方形/長方形 12">
+            <a:extLst>
+              <a:ext uri="{FF2B5EF4-FFF2-40B4-BE49-F238E27FC236}">
+                <a16:creationId xmlns:a16="http://schemas.microsoft.com/office/drawing/2014/main" id="{51B23BD4-07D0-4A46-8E01-93073F77700F}"/>
               </a:ext>
             </a:extLst>
           </p:cNvPr>
@@ -5192,22 +5093,137 @@
         </p:nvSpPr>
         <p:spPr>
           <a:xfrm>
-            <a:off x="4450624" y="3508926"/>
-            <a:ext cx="1818640" cy="812255"/>
+            <a:off x="8117658" y="4143262"/>
+            <a:ext cx="1827463" cy="1930400"/>
           </a:xfrm>
-          <a:prstGeom prst="ellipse">
+          <a:prstGeom prst="rect">
+            <a:avLst/>
+          </a:prstGeom>
+          <a:ln>
+            <a:solidFill>
+              <a:schemeClr val="tx1">
+                <a:lumMod val="95000"/>
+                <a:lumOff val="5000"/>
+              </a:schemeClr>
+            </a:solidFill>
+          </a:ln>
+          <a:effectLst>
+            <a:outerShdw blurRad="50800" dist="38100" dir="2700000" algn="tl" rotWithShape="0">
+              <a:prstClr val="black">
+                <a:alpha val="40000"/>
+              </a:prstClr>
+            </a:outerShdw>
+          </a:effectLst>
+        </p:spPr>
+        <p:style>
+          <a:lnRef idx="2">
+            <a:schemeClr val="accent6"/>
+          </a:lnRef>
+          <a:fillRef idx="1">
+            <a:schemeClr val="lt1"/>
+          </a:fillRef>
+          <a:effectRef idx="0">
+            <a:schemeClr val="accent6"/>
+          </a:effectRef>
+          <a:fontRef idx="minor">
+            <a:schemeClr val="dk1"/>
+          </a:fontRef>
+        </p:style>
+        <p:txBody>
+          <a:bodyPr rtlCol="0" anchor="ctr"/>
+          <a:lstStyle/>
+          <a:p>
+            <a:pPr algn="ctr"/>
+            <a:r>
+              <a:rPr kumimoji="1" lang="ja-JP" altLang="en-US" dirty="0"/>
+              <a:t>予測した結果を返す</a:t>
+            </a:r>
+          </a:p>
+        </p:txBody>
+      </p:sp>
+      <p:sp>
+        <p:nvSpPr>
+          <p:cNvPr id="14" name="矢印: 右 13">
+            <a:extLst>
+              <a:ext uri="{FF2B5EF4-FFF2-40B4-BE49-F238E27FC236}">
+                <a16:creationId xmlns:a16="http://schemas.microsoft.com/office/drawing/2014/main" id="{0307F9B9-8116-4DBF-A826-B1FF833CAAE9}"/>
+              </a:ext>
+            </a:extLst>
+          </p:cNvPr>
+          <p:cNvSpPr/>
+          <p:nvPr/>
+        </p:nvSpPr>
+        <p:spPr>
+          <a:xfrm>
+            <a:off x="6757348" y="4510805"/>
+            <a:ext cx="1251284" cy="1106905"/>
+          </a:xfrm>
+          <a:prstGeom prst="rightArrow">
             <a:avLst/>
           </a:prstGeom>
         </p:spPr>
         <p:style>
           <a:lnRef idx="2">
+            <a:schemeClr val="accent1">
+              <a:shade val="50000"/>
+            </a:schemeClr>
+          </a:lnRef>
+          <a:fillRef idx="1">
             <a:schemeClr val="accent1"/>
+          </a:fillRef>
+          <a:effectRef idx="0">
+            <a:schemeClr val="accent1"/>
+          </a:effectRef>
+          <a:fontRef idx="minor">
+            <a:schemeClr val="lt1"/>
+          </a:fontRef>
+        </p:style>
+        <p:txBody>
+          <a:bodyPr rtlCol="0" anchor="ctr"/>
+          <a:lstStyle/>
+          <a:p>
+            <a:pPr algn="ctr"/>
+            <a:endParaRPr kumimoji="1" lang="ja-JP" altLang="en-US"/>
+          </a:p>
+        </p:txBody>
+      </p:sp>
+      <p:sp>
+        <p:nvSpPr>
+          <p:cNvPr id="20" name="正方形/長方形 19">
+            <a:extLst>
+              <a:ext uri="{FF2B5EF4-FFF2-40B4-BE49-F238E27FC236}">
+                <a16:creationId xmlns:a16="http://schemas.microsoft.com/office/drawing/2014/main" id="{A2A8DFAC-2DAD-4B02-856B-431C6CC347F0}"/>
+              </a:ext>
+            </a:extLst>
+          </p:cNvPr>
+          <p:cNvSpPr/>
+          <p:nvPr/>
+        </p:nvSpPr>
+        <p:spPr>
+          <a:xfrm>
+            <a:off x="2491978" y="1353600"/>
+            <a:ext cx="1137980" cy="723884"/>
+          </a:xfrm>
+          <a:prstGeom prst="rect">
+            <a:avLst/>
+          </a:prstGeom>
+          <a:effectLst>
+            <a:outerShdw blurRad="50800" dist="38100" dir="18900000" algn="bl" rotWithShape="0">
+              <a:prstClr val="black">
+                <a:alpha val="40000"/>
+              </a:prstClr>
+            </a:outerShdw>
+          </a:effectLst>
+        </p:spPr>
+        <p:style>
+          <a:lnRef idx="2">
+            <a:schemeClr val="accent2"/>
           </a:lnRef>
           <a:fillRef idx="1">
             <a:schemeClr val="lt1"/>
           </a:fillRef>
           <a:effectRef idx="0">
-            <a:schemeClr val="accent1"/>
+            <a:schemeClr val="accent2"/>
           </a:effectRef>
           <a:fontRef idx="minor">
             <a:schemeClr val="dk1"/>
@@ -5219,13 +5235,164 @@
           <a:p>
             <a:pPr algn="ctr"/>
             <a:r>
-              <a:rPr kumimoji="1" lang="en-US" altLang="ja-JP" dirty="0"/>
-              <a:t>AI</a:t>
-            </a:r>
-            <a:r>
               <a:rPr kumimoji="1" lang="ja-JP" altLang="en-US" dirty="0"/>
-              <a:t>を使用</a:t>
-            </a:r>
+              <a:t>動物</a:t>
+            </a:r>
+          </a:p>
+        </p:txBody>
+      </p:sp>
+      <p:sp>
+        <p:nvSpPr>
+          <p:cNvPr id="21" name="正方形/長方形 20">
+            <a:extLst>
+              <a:ext uri="{FF2B5EF4-FFF2-40B4-BE49-F238E27FC236}">
+                <a16:creationId xmlns:a16="http://schemas.microsoft.com/office/drawing/2014/main" id="{F0C59834-B5F3-46C9-A8DE-0298EB1FC7A3}"/>
+              </a:ext>
+            </a:extLst>
+          </p:cNvPr>
+          <p:cNvSpPr/>
+          <p:nvPr/>
+        </p:nvSpPr>
+        <p:spPr>
+          <a:xfrm>
+            <a:off x="5102651" y="1328746"/>
+            <a:ext cx="1137980" cy="723884"/>
+          </a:xfrm>
+          <a:prstGeom prst="rect">
+            <a:avLst/>
+          </a:prstGeom>
+          <a:effectLst>
+            <a:outerShdw blurRad="50800" dist="38100" dir="18900000" algn="bl" rotWithShape="0">
+              <a:prstClr val="black">
+                <a:alpha val="40000"/>
+              </a:prstClr>
+            </a:outerShdw>
+          </a:effectLst>
+        </p:spPr>
+        <p:style>
+          <a:lnRef idx="2">
+            <a:schemeClr val="accent2"/>
+          </a:lnRef>
+          <a:fillRef idx="1">
+            <a:schemeClr val="lt1"/>
+          </a:fillRef>
+          <a:effectRef idx="0">
+            <a:schemeClr val="accent2"/>
+          </a:effectRef>
+          <a:fontRef idx="minor">
+            <a:schemeClr val="dk1"/>
+          </a:fontRef>
+        </p:style>
+        <p:txBody>
+          <a:bodyPr rtlCol="0" anchor="ctr"/>
+          <a:lstStyle/>
+          <a:p>
+            <a:pPr algn="ctr"/>
+            <a:r>
+              <a:rPr lang="ja-JP" altLang="en-US" dirty="0"/>
+              <a:t>経済</a:t>
+            </a:r>
+            <a:endParaRPr kumimoji="1" lang="ja-JP" altLang="en-US" dirty="0"/>
+          </a:p>
+        </p:txBody>
+      </p:sp>
+      <p:sp>
+        <p:nvSpPr>
+          <p:cNvPr id="22" name="正方形/長方形 21">
+            <a:extLst>
+              <a:ext uri="{FF2B5EF4-FFF2-40B4-BE49-F238E27FC236}">
+                <a16:creationId xmlns:a16="http://schemas.microsoft.com/office/drawing/2014/main" id="{BAA6FDE2-BBC6-43BC-A2C5-E247B0789EC6}"/>
+              </a:ext>
+            </a:extLst>
+          </p:cNvPr>
+          <p:cNvSpPr/>
+          <p:nvPr/>
+        </p:nvSpPr>
+        <p:spPr>
+          <a:xfrm>
+            <a:off x="7834971" y="1353600"/>
+            <a:ext cx="1137980" cy="723884"/>
+          </a:xfrm>
+          <a:prstGeom prst="rect">
+            <a:avLst/>
+          </a:prstGeom>
+          <a:effectLst>
+            <a:outerShdw blurRad="50800" dist="38100" dir="18900000" algn="bl" rotWithShape="0">
+              <a:prstClr val="black">
+                <a:alpha val="40000"/>
+              </a:prstClr>
+            </a:outerShdw>
+          </a:effectLst>
+        </p:spPr>
+        <p:style>
+          <a:lnRef idx="2">
+            <a:schemeClr val="accent2"/>
+          </a:lnRef>
+          <a:fillRef idx="1">
+            <a:schemeClr val="lt1"/>
+          </a:fillRef>
+          <a:effectRef idx="0">
+            <a:schemeClr val="accent2"/>
+          </a:effectRef>
+          <a:fontRef idx="minor">
+            <a:schemeClr val="dk1"/>
+          </a:fontRef>
+        </p:style>
+        <p:txBody>
+          <a:bodyPr rtlCol="0" anchor="ctr"/>
+          <a:lstStyle/>
+          <a:p>
+            <a:pPr algn="ctr"/>
+            <a:r>
+              <a:rPr kumimoji="1" lang="ja-JP" altLang="en-US" dirty="0"/>
+              <a:t>スポーツ</a:t>
+            </a:r>
+          </a:p>
+        </p:txBody>
+      </p:sp>
+      <p:sp>
+        <p:nvSpPr>
+          <p:cNvPr id="24" name="矢印: 上 23">
+            <a:extLst>
+              <a:ext uri="{FF2B5EF4-FFF2-40B4-BE49-F238E27FC236}">
+                <a16:creationId xmlns:a16="http://schemas.microsoft.com/office/drawing/2014/main" id="{18313628-56F8-4052-B989-E308F28D5D42}"/>
+              </a:ext>
+            </a:extLst>
+          </p:cNvPr>
+          <p:cNvSpPr/>
+          <p:nvPr/>
+        </p:nvSpPr>
+        <p:spPr>
+          <a:xfrm rot="17592896">
+            <a:off x="5617915" y="415774"/>
+            <a:ext cx="877091" cy="5408023"/>
+          </a:xfrm>
+          <a:prstGeom prst="upArrow">
+            <a:avLst/>
+          </a:prstGeom>
+        </p:spPr>
+        <p:style>
+          <a:lnRef idx="2">
+            <a:schemeClr val="accent1">
+              <a:shade val="50000"/>
+            </a:schemeClr>
+          </a:lnRef>
+          <a:fillRef idx="1">
+            <a:schemeClr val="accent1"/>
+          </a:fillRef>
+          <a:effectRef idx="0">
+            <a:schemeClr val="accent1"/>
+          </a:effectRef>
+          <a:fontRef idx="minor">
+            <a:schemeClr val="lt1"/>
+          </a:fontRef>
+        </p:style>
+        <p:txBody>
+          <a:bodyPr rtlCol="0" anchor="ctr"/>
+          <a:lstStyle/>
+          <a:p>
+            <a:pPr algn="ctr"/>
+            <a:endParaRPr kumimoji="1" lang="ja-JP" altLang="en-US" dirty="0"/>
           </a:p>
         </p:txBody>
       </p:sp>
@@ -5239,6 +5406,138 @@
   <p:clrMapOvr>
     <a:masterClrMapping/>
   </p:clrMapOvr>
+  <p:timing>
+    <p:tnLst>
+      <p:par>
+        <p:cTn id="1" dur="indefinite" restart="never" nodeType="tmRoot">
+          <p:childTnLst>
+            <p:seq concurrent="1" nextAc="seek">
+              <p:cTn id="2" dur="indefinite" nodeType="mainSeq">
+                <p:childTnLst>
+                  <p:par>
+                    <p:cTn id="3" fill="hold">
+                      <p:stCondLst>
+                        <p:cond delay="indefinite"/>
+                      </p:stCondLst>
+                      <p:childTnLst>
+                        <p:par>
+                          <p:cTn id="4" fill="hold">
+                            <p:stCondLst>
+                              <p:cond delay="0"/>
+                            </p:stCondLst>
+                            <p:childTnLst>
+                              <p:par>
+                                <p:cTn id="5" presetID="53" presetClass="entr" presetSubtype="16" fill="hold" grpId="0" nodeType="clickEffect">
+                                  <p:stCondLst>
+                                    <p:cond delay="0"/>
+                                  </p:stCondLst>
+                                  <p:childTnLst>
+                                    <p:set>
+                                      <p:cBhvr>
+                                        <p:cTn id="6" dur="1" fill="hold">
+                                          <p:stCondLst>
+                                            <p:cond delay="0"/>
+                                          </p:stCondLst>
+                                        </p:cTn>
+                                        <p:tgtEl>
+                                          <p:spTgt spid="24"/>
+                                        </p:tgtEl>
+                                        <p:attrNameLst>
+                                          <p:attrName>style.visibility</p:attrName>
+                                        </p:attrNameLst>
+                                      </p:cBhvr>
+                                      <p:to>
+                                        <p:strVal val="visible"/>
+                                      </p:to>
+                                    </p:set>
+                                    <p:anim calcmode="lin" valueType="num">
+                                      <p:cBhvr>
+                                        <p:cTn id="7" dur="500" fill="hold"/>
+                                        <p:tgtEl>
+                                          <p:spTgt spid="24"/>
+                                        </p:tgtEl>
+                                        <p:attrNameLst>
+                                          <p:attrName>ppt_w</p:attrName>
+                                        </p:attrNameLst>
+                                      </p:cBhvr>
+                                      <p:tavLst>
+                                        <p:tav tm="0">
+                                          <p:val>
+                                            <p:fltVal val="0"/>
+                                          </p:val>
+                                        </p:tav>
+                                        <p:tav tm="100000">
+                                          <p:val>
+                                            <p:strVal val="#ppt_w"/>
+                                          </p:val>
+                                        </p:tav>
+                                      </p:tavLst>
+                                    </p:anim>
+                                    <p:anim calcmode="lin" valueType="num">
+                                      <p:cBhvr>
+                                        <p:cTn id="8" dur="500" fill="hold"/>
+                                        <p:tgtEl>
+                                          <p:spTgt spid="24"/>
+                                        </p:tgtEl>
+                                        <p:attrNameLst>
+                                          <p:attrName>ppt_h</p:attrName>
+                                        </p:attrNameLst>
+                                      </p:cBhvr>
+                                      <p:tavLst>
+                                        <p:tav tm="0">
+                                          <p:val>
+                                            <p:fltVal val="0"/>
+                                          </p:val>
+                                        </p:tav>
+                                        <p:tav tm="100000">
+                                          <p:val>
+                                            <p:strVal val="#ppt_h"/>
+                                          </p:val>
+                                        </p:tav>
+                                      </p:tavLst>
+                                    </p:anim>
+                                    <p:animEffect transition="in" filter="fade">
+                                      <p:cBhvr>
+                                        <p:cTn id="9" dur="500"/>
+                                        <p:tgtEl>
+                                          <p:spTgt spid="24"/>
+                                        </p:tgtEl>
+                                      </p:cBhvr>
+                                    </p:animEffect>
+                                  </p:childTnLst>
+                                </p:cTn>
+                              </p:par>
+                            </p:childTnLst>
+                          </p:cTn>
+                        </p:par>
+                      </p:childTnLst>
+                    </p:cTn>
+                  </p:par>
+                </p:childTnLst>
+              </p:cTn>
+              <p:prevCondLst>
+                <p:cond evt="onPrev" delay="0">
+                  <p:tgtEl>
+                    <p:sldTgt/>
+                  </p:tgtEl>
+                </p:cond>
+              </p:prevCondLst>
+              <p:nextCondLst>
+                <p:cond evt="onNext" delay="0">
+                  <p:tgtEl>
+                    <p:sldTgt/>
+                  </p:tgtEl>
+                </p:cond>
+              </p:nextCondLst>
+            </p:seq>
+          </p:childTnLst>
+        </p:cTn>
+      </p:par>
+    </p:tnLst>
+    <p:bldLst>
+      <p:bldP spid="24" grpId="0" animBg="1"/>
+    </p:bldLst>
+  </p:timing>
 </p:sld>
 </file>
 
@@ -5427,6 +5726,168 @@
           </a:p>
         </p:txBody>
       </p:sp>
+      <p:sp>
+        <p:nvSpPr>
+          <p:cNvPr id="7" name="テキスト ボックス 6">
+            <a:extLst>
+              <a:ext uri="{FF2B5EF4-FFF2-40B4-BE49-F238E27FC236}">
+                <a16:creationId xmlns:a16="http://schemas.microsoft.com/office/drawing/2014/main" id="{D5DD4A2F-68D9-4A79-A389-82AAAB394C0F}"/>
+              </a:ext>
+            </a:extLst>
+          </p:cNvPr>
+          <p:cNvSpPr txBox="1"/>
+          <p:nvPr/>
+        </p:nvSpPr>
+        <p:spPr>
+          <a:xfrm flipH="1">
+            <a:off x="7733095" y="2621070"/>
+            <a:ext cx="4458905" cy="584775"/>
+          </a:xfrm>
+          <a:prstGeom prst="rect">
+            <a:avLst/>
+          </a:prstGeom>
+          <a:noFill/>
+        </p:spPr>
+        <p:txBody>
+          <a:bodyPr wrap="square" rtlCol="0">
+            <a:spAutoFit/>
+          </a:bodyPr>
+          <a:lstStyle/>
+          <a:p>
+            <a:r>
+              <a:rPr kumimoji="1" lang="ja-JP" altLang="en-US" sz="3200" u="sng" dirty="0"/>
+              <a:t>データを増やしにくい</a:t>
+            </a:r>
+          </a:p>
+        </p:txBody>
+      </p:sp>
+      <p:sp>
+        <p:nvSpPr>
+          <p:cNvPr id="8" name="矢印: 上 7">
+            <a:extLst>
+              <a:ext uri="{FF2B5EF4-FFF2-40B4-BE49-F238E27FC236}">
+                <a16:creationId xmlns:a16="http://schemas.microsoft.com/office/drawing/2014/main" id="{63FE131A-4C79-490B-93C6-9FA481034CA3}"/>
+              </a:ext>
+            </a:extLst>
+          </p:cNvPr>
+          <p:cNvSpPr/>
+          <p:nvPr/>
+        </p:nvSpPr>
+        <p:spPr>
+          <a:xfrm rot="16200000">
+            <a:off x="6394983" y="2013892"/>
+            <a:ext cx="877091" cy="1799133"/>
+          </a:xfrm>
+          <a:prstGeom prst="upArrow">
+            <a:avLst/>
+          </a:prstGeom>
+        </p:spPr>
+        <p:style>
+          <a:lnRef idx="2">
+            <a:schemeClr val="accent1">
+              <a:shade val="50000"/>
+            </a:schemeClr>
+          </a:lnRef>
+          <a:fillRef idx="1">
+            <a:schemeClr val="accent1"/>
+          </a:fillRef>
+          <a:effectRef idx="0">
+            <a:schemeClr val="accent1"/>
+          </a:effectRef>
+          <a:fontRef idx="minor">
+            <a:schemeClr val="lt1"/>
+          </a:fontRef>
+        </p:style>
+        <p:txBody>
+          <a:bodyPr rtlCol="0" anchor="ctr"/>
+          <a:lstStyle/>
+          <a:p>
+            <a:pPr algn="ctr"/>
+            <a:endParaRPr kumimoji="1" lang="ja-JP" altLang="en-US" dirty="0"/>
+          </a:p>
+        </p:txBody>
+      </p:sp>
+      <p:sp>
+        <p:nvSpPr>
+          <p:cNvPr id="9" name="矢印: 上 8">
+            <a:extLst>
+              <a:ext uri="{FF2B5EF4-FFF2-40B4-BE49-F238E27FC236}">
+                <a16:creationId xmlns:a16="http://schemas.microsoft.com/office/drawing/2014/main" id="{42B22345-9B06-472D-96CD-9DCAB6528AC9}"/>
+              </a:ext>
+            </a:extLst>
+          </p:cNvPr>
+          <p:cNvSpPr/>
+          <p:nvPr/>
+        </p:nvSpPr>
+        <p:spPr>
+          <a:xfrm>
+            <a:off x="5495416" y="5211393"/>
+            <a:ext cx="877091" cy="1256708"/>
+          </a:xfrm>
+          <a:prstGeom prst="upArrow">
+            <a:avLst/>
+          </a:prstGeom>
+        </p:spPr>
+        <p:style>
+          <a:lnRef idx="2">
+            <a:schemeClr val="accent1">
+              <a:shade val="50000"/>
+            </a:schemeClr>
+          </a:lnRef>
+          <a:fillRef idx="1">
+            <a:schemeClr val="accent1"/>
+          </a:fillRef>
+          <a:effectRef idx="0">
+            <a:schemeClr val="accent1"/>
+          </a:effectRef>
+          <a:fontRef idx="minor">
+            <a:schemeClr val="lt1"/>
+          </a:fontRef>
+        </p:style>
+        <p:txBody>
+          <a:bodyPr rtlCol="0" anchor="ctr"/>
+          <a:lstStyle/>
+          <a:p>
+            <a:pPr algn="ctr"/>
+            <a:endParaRPr kumimoji="1" lang="ja-JP" altLang="en-US" dirty="0"/>
+          </a:p>
+        </p:txBody>
+      </p:sp>
+      <p:sp>
+        <p:nvSpPr>
+          <p:cNvPr id="10" name="テキスト ボックス 9">
+            <a:extLst>
+              <a:ext uri="{FF2B5EF4-FFF2-40B4-BE49-F238E27FC236}">
+                <a16:creationId xmlns:a16="http://schemas.microsoft.com/office/drawing/2014/main" id="{7FF3E0A3-6C44-4BE5-AD57-31851EDE70AF}"/>
+              </a:ext>
+            </a:extLst>
+          </p:cNvPr>
+          <p:cNvSpPr txBox="1"/>
+          <p:nvPr/>
+        </p:nvSpPr>
+        <p:spPr>
+          <a:xfrm flipH="1">
+            <a:off x="6345450" y="5957655"/>
+            <a:ext cx="4357842" cy="584775"/>
+          </a:xfrm>
+          <a:prstGeom prst="rect">
+            <a:avLst/>
+          </a:prstGeom>
+          <a:noFill/>
+        </p:spPr>
+        <p:txBody>
+          <a:bodyPr wrap="square" rtlCol="0">
+            <a:spAutoFit/>
+          </a:bodyPr>
+          <a:lstStyle/>
+          <a:p>
+            <a:r>
+              <a:rPr kumimoji="1" lang="ja-JP" altLang="en-US" sz="3200" u="sng" dirty="0"/>
+              <a:t>データを増やしやすい</a:t>
+            </a:r>
+          </a:p>
+        </p:txBody>
+      </p:sp>
     </p:spTree>
     <p:extLst>
       <p:ext uri="{BB962C8B-B14F-4D97-AF65-F5344CB8AC3E}">
@@ -5437,6 +5898,238 @@
   <p:clrMapOvr>
     <a:masterClrMapping/>
   </p:clrMapOvr>
+  <p:timing>
+    <p:tnLst>
+      <p:par>
+        <p:cTn id="1" dur="indefinite" restart="never" nodeType="tmRoot">
+          <p:childTnLst>
+            <p:seq concurrent="1" nextAc="seek">
+              <p:cTn id="2" dur="indefinite" nodeType="mainSeq">
+                <p:childTnLst>
+                  <p:par>
+                    <p:cTn id="3" fill="hold">
+                      <p:stCondLst>
+                        <p:cond delay="indefinite"/>
+                      </p:stCondLst>
+                      <p:childTnLst>
+                        <p:par>
+                          <p:cTn id="4" fill="hold">
+                            <p:stCondLst>
+                              <p:cond delay="0"/>
+                            </p:stCondLst>
+                            <p:childTnLst>
+                              <p:par>
+                                <p:cTn id="5" presetID="53" presetClass="entr" presetSubtype="16" fill="hold" grpId="0" nodeType="clickEffect">
+                                  <p:stCondLst>
+                                    <p:cond delay="0"/>
+                                  </p:stCondLst>
+                                  <p:childTnLst>
+                                    <p:set>
+                                      <p:cBhvr>
+                                        <p:cTn id="6" dur="1" fill="hold">
+                                          <p:stCondLst>
+                                            <p:cond delay="0"/>
+                                          </p:stCondLst>
+                                        </p:cTn>
+                                        <p:tgtEl>
+                                          <p:spTgt spid="8"/>
+                                        </p:tgtEl>
+                                        <p:attrNameLst>
+                                          <p:attrName>style.visibility</p:attrName>
+                                        </p:attrNameLst>
+                                      </p:cBhvr>
+                                      <p:to>
+                                        <p:strVal val="visible"/>
+                                      </p:to>
+                                    </p:set>
+                                    <p:anim calcmode="lin" valueType="num">
+                                      <p:cBhvr>
+                                        <p:cTn id="7" dur="500" fill="hold"/>
+                                        <p:tgtEl>
+                                          <p:spTgt spid="8"/>
+                                        </p:tgtEl>
+                                        <p:attrNameLst>
+                                          <p:attrName>ppt_w</p:attrName>
+                                        </p:attrNameLst>
+                                      </p:cBhvr>
+                                      <p:tavLst>
+                                        <p:tav tm="0">
+                                          <p:val>
+                                            <p:fltVal val="0"/>
+                                          </p:val>
+                                        </p:tav>
+                                        <p:tav tm="100000">
+                                          <p:val>
+                                            <p:strVal val="#ppt_w"/>
+                                          </p:val>
+                                        </p:tav>
+                                      </p:tavLst>
+                                    </p:anim>
+                                    <p:anim calcmode="lin" valueType="num">
+                                      <p:cBhvr>
+                                        <p:cTn id="8" dur="500" fill="hold"/>
+                                        <p:tgtEl>
+                                          <p:spTgt spid="8"/>
+                                        </p:tgtEl>
+                                        <p:attrNameLst>
+                                          <p:attrName>ppt_h</p:attrName>
+                                        </p:attrNameLst>
+                                      </p:cBhvr>
+                                      <p:tavLst>
+                                        <p:tav tm="0">
+                                          <p:val>
+                                            <p:fltVal val="0"/>
+                                          </p:val>
+                                        </p:tav>
+                                        <p:tav tm="100000">
+                                          <p:val>
+                                            <p:strVal val="#ppt_h"/>
+                                          </p:val>
+                                        </p:tav>
+                                      </p:tavLst>
+                                    </p:anim>
+                                    <p:animEffect transition="in" filter="fade">
+                                      <p:cBhvr>
+                                        <p:cTn id="9" dur="500"/>
+                                        <p:tgtEl>
+                                          <p:spTgt spid="8"/>
+                                        </p:tgtEl>
+                                      </p:cBhvr>
+                                    </p:animEffect>
+                                  </p:childTnLst>
+                                </p:cTn>
+                              </p:par>
+                            </p:childTnLst>
+                          </p:cTn>
+                        </p:par>
+                      </p:childTnLst>
+                    </p:cTn>
+                  </p:par>
+                  <p:par>
+                    <p:cTn id="10" fill="hold">
+                      <p:stCondLst>
+                        <p:cond delay="indefinite"/>
+                      </p:stCondLst>
+                      <p:childTnLst>
+                        <p:par>
+                          <p:cTn id="11" fill="hold">
+                            <p:stCondLst>
+                              <p:cond delay="0"/>
+                            </p:stCondLst>
+                            <p:childTnLst>
+                              <p:par>
+                                <p:cTn id="12" presetID="53" presetClass="entr" presetSubtype="16" fill="hold" grpId="0" nodeType="clickEffect">
+                                  <p:stCondLst>
+                                    <p:cond delay="0"/>
+                                  </p:stCondLst>
+                                  <p:childTnLst>
+                                    <p:set>
+                                      <p:cBhvr>
+                                        <p:cTn id="13" dur="1" fill="hold">
+                                          <p:stCondLst>
+                                            <p:cond delay="0"/>
+                                          </p:stCondLst>
+                                        </p:cTn>
+                                        <p:tgtEl>
+                                          <p:spTgt spid="9"/>
+                                        </p:tgtEl>
+                                        <p:attrNameLst>
+                                          <p:attrName>style.visibility</p:attrName>
+                                        </p:attrNameLst>
+                                      </p:cBhvr>
+                                      <p:to>
+                                        <p:strVal val="visible"/>
+                                      </p:to>
+                                    </p:set>
+                                    <p:anim calcmode="lin" valueType="num">
+                                      <p:cBhvr>
+                                        <p:cTn id="14" dur="500" fill="hold"/>
+                                        <p:tgtEl>
+                                          <p:spTgt spid="9"/>
+                                        </p:tgtEl>
+                                        <p:attrNameLst>
+                                          <p:attrName>ppt_w</p:attrName>
+                                        </p:attrNameLst>
+                                      </p:cBhvr>
+                                      <p:tavLst>
+                                        <p:tav tm="0">
+                                          <p:val>
+                                            <p:fltVal val="0"/>
+                                          </p:val>
+                                        </p:tav>
+                                        <p:tav tm="100000">
+                                          <p:val>
+                                            <p:strVal val="#ppt_w"/>
+                                          </p:val>
+                                        </p:tav>
+                                      </p:tavLst>
+                                    </p:anim>
+                                    <p:anim calcmode="lin" valueType="num">
+                                      <p:cBhvr>
+                                        <p:cTn id="15" dur="500" fill="hold"/>
+                                        <p:tgtEl>
+                                          <p:spTgt spid="9"/>
+                                        </p:tgtEl>
+                                        <p:attrNameLst>
+                                          <p:attrName>ppt_h</p:attrName>
+                                        </p:attrNameLst>
+                                      </p:cBhvr>
+                                      <p:tavLst>
+                                        <p:tav tm="0">
+                                          <p:val>
+                                            <p:fltVal val="0"/>
+                                          </p:val>
+                                        </p:tav>
+                                        <p:tav tm="100000">
+                                          <p:val>
+                                            <p:strVal val="#ppt_h"/>
+                                          </p:val>
+                                        </p:tav>
+                                      </p:tavLst>
+                                    </p:anim>
+                                    <p:animEffect transition="in" filter="fade">
+                                      <p:cBhvr>
+                                        <p:cTn id="16" dur="500"/>
+                                        <p:tgtEl>
+                                          <p:spTgt spid="9"/>
+                                        </p:tgtEl>
+                                      </p:cBhvr>
+                                    </p:animEffect>
+                                  </p:childTnLst>
+                                </p:cTn>
+                              </p:par>
+                            </p:childTnLst>
+                          </p:cTn>
+                        </p:par>
+                      </p:childTnLst>
+                    </p:cTn>
+                  </p:par>
+                </p:childTnLst>
+              </p:cTn>
+              <p:prevCondLst>
+                <p:cond evt="onPrev" delay="0">
+                  <p:tgtEl>
+                    <p:sldTgt/>
+                  </p:tgtEl>
+                </p:cond>
+              </p:prevCondLst>
+              <p:nextCondLst>
+                <p:cond evt="onNext" delay="0">
+                  <p:tgtEl>
+                    <p:sldTgt/>
+                  </p:tgtEl>
+                </p:cond>
+              </p:nextCondLst>
+            </p:seq>
+          </p:childTnLst>
+        </p:cTn>
+      </p:par>
+    </p:tnLst>
+    <p:bldLst>
+      <p:bldP spid="8" grpId="0" animBg="1"/>
+      <p:bldP spid="9" grpId="0" animBg="1"/>
+    </p:bldLst>
+  </p:timing>
 </p:sld>
 </file>
 
@@ -5462,215 +6155,6 @@
           <p:cNvPr id="2" name="タイトル 1">
             <a:extLst>
               <a:ext uri="{FF2B5EF4-FFF2-40B4-BE49-F238E27FC236}">
-                <a16:creationId xmlns:a16="http://schemas.microsoft.com/office/drawing/2014/main" id="{32B18E73-6557-4AF8-BBEE-9D3D25DCFD88}"/>
-              </a:ext>
-            </a:extLst>
-          </p:cNvPr>
-          <p:cNvSpPr>
-            <a:spLocks noGrp="1"/>
-          </p:cNvSpPr>
-          <p:nvPr>
-            <p:ph type="title"/>
-          </p:nvPr>
-        </p:nvSpPr>
-        <p:spPr/>
-        <p:txBody>
-          <a:bodyPr/>
-          <a:lstStyle/>
-          <a:p>
-            <a:r>
-              <a:rPr kumimoji="1" lang="ja-JP" altLang="en-US" dirty="0"/>
-              <a:t>この作成方法の利点</a:t>
-            </a:r>
-          </a:p>
-        </p:txBody>
-      </p:sp>
-      <p:sp>
-        <p:nvSpPr>
-          <p:cNvPr id="4" name="正方形/長方形 3">
-            <a:extLst>
-              <a:ext uri="{FF2B5EF4-FFF2-40B4-BE49-F238E27FC236}">
-                <a16:creationId xmlns:a16="http://schemas.microsoft.com/office/drawing/2014/main" id="{2D243C04-27BD-450B-A35E-AD3D68BCA8ED}"/>
-              </a:ext>
-            </a:extLst>
-          </p:cNvPr>
-          <p:cNvSpPr/>
-          <p:nvPr/>
-        </p:nvSpPr>
-        <p:spPr>
-          <a:xfrm>
-            <a:off x="9508067" y="0"/>
-            <a:ext cx="2683933" cy="1593908"/>
-          </a:xfrm>
-          <a:prstGeom prst="rect">
-            <a:avLst/>
-          </a:prstGeom>
-          <a:solidFill>
-            <a:schemeClr val="accent6">
-              <a:lumMod val="60000"/>
-              <a:lumOff val="40000"/>
-            </a:schemeClr>
-          </a:solidFill>
-        </p:spPr>
-        <p:style>
-          <a:lnRef idx="2">
-            <a:schemeClr val="accent1">
-              <a:shade val="50000"/>
-            </a:schemeClr>
-          </a:lnRef>
-          <a:fillRef idx="1">
-            <a:schemeClr val="accent1"/>
-          </a:fillRef>
-          <a:effectRef idx="0">
-            <a:schemeClr val="accent1"/>
-          </a:effectRef>
-          <a:fontRef idx="minor">
-            <a:schemeClr val="lt1"/>
-          </a:fontRef>
-        </p:style>
-        <p:txBody>
-          <a:bodyPr rtlCol="0" anchor="ctr"/>
-          <a:lstStyle/>
-          <a:p>
-            <a:pPr algn="ctr"/>
-            <a:endParaRPr kumimoji="1" lang="ja-JP" altLang="en-US"/>
-          </a:p>
-        </p:txBody>
-      </p:sp>
-      <p:sp>
-        <p:nvSpPr>
-          <p:cNvPr id="5" name="コンテンツ プレースホルダー 2">
-            <a:extLst>
-              <a:ext uri="{FF2B5EF4-FFF2-40B4-BE49-F238E27FC236}">
-                <a16:creationId xmlns:a16="http://schemas.microsoft.com/office/drawing/2014/main" id="{1E5E313E-35C9-48E0-B1B7-7FA9DED19C60}"/>
-              </a:ext>
-            </a:extLst>
-          </p:cNvPr>
-          <p:cNvSpPr>
-            <a:spLocks noGrp="1"/>
-          </p:cNvSpPr>
-          <p:nvPr>
-            <p:ph idx="1"/>
-          </p:nvPr>
-        </p:nvSpPr>
-        <p:spPr>
-          <a:xfrm>
-            <a:off x="838200" y="1825625"/>
-            <a:ext cx="10515600" cy="4351338"/>
-          </a:xfrm>
-        </p:spPr>
-        <p:txBody>
-          <a:bodyPr/>
-          <a:lstStyle/>
-          <a:p>
-            <a:r>
-              <a:rPr kumimoji="1" lang="ja-JP" altLang="en-US" sz="3600" b="1" dirty="0"/>
-              <a:t>今まで</a:t>
-            </a:r>
-            <a:endParaRPr kumimoji="1" lang="en-US" altLang="ja-JP" sz="3600" b="1" dirty="0"/>
-          </a:p>
-          <a:p>
-            <a:pPr marL="457200" lvl="1" indent="0">
-              <a:buNone/>
-            </a:pPr>
-            <a:r>
-              <a:rPr kumimoji="1" lang="ja-JP" altLang="en-US" sz="3600" b="1" dirty="0"/>
-              <a:t>文章を単語ごとに分割</a:t>
-            </a:r>
-            <a:endParaRPr kumimoji="1" lang="en-US" altLang="ja-JP" sz="3600" b="1" dirty="0"/>
-          </a:p>
-          <a:p>
-            <a:pPr marL="914400" lvl="2" indent="0">
-              <a:buNone/>
-            </a:pPr>
-            <a:r>
-              <a:rPr lang="ja-JP" altLang="en-US" sz="3200" b="1" dirty="0"/>
-              <a:t>↑</a:t>
-            </a:r>
-            <a:r>
-              <a:rPr kumimoji="1" lang="ja-JP" altLang="en-US" sz="3200" b="1" u="sng" dirty="0"/>
-              <a:t>重複する単語が多い</a:t>
-            </a:r>
-            <a:endParaRPr kumimoji="1" lang="en-US" altLang="ja-JP" sz="3200" dirty="0"/>
-          </a:p>
-          <a:p>
-            <a:r>
-              <a:rPr kumimoji="1" lang="ja-JP" altLang="en-US" sz="3600" b="1" dirty="0"/>
-              <a:t>現在</a:t>
-            </a:r>
-            <a:endParaRPr kumimoji="1" lang="en-US" altLang="ja-JP" sz="3600" b="1" dirty="0"/>
-          </a:p>
-          <a:p>
-            <a:pPr marL="457200" lvl="1" indent="0">
-              <a:buNone/>
-            </a:pPr>
-            <a:r>
-              <a:rPr kumimoji="1" lang="ja-JP" altLang="en-US" sz="3600" b="1" dirty="0"/>
-              <a:t>文章を単語として扱う</a:t>
-            </a:r>
-            <a:endParaRPr kumimoji="1" lang="en-US" altLang="ja-JP" sz="3600" b="1" dirty="0"/>
-          </a:p>
-          <a:p>
-            <a:pPr marL="914400" lvl="2" indent="0">
-              <a:buNone/>
-            </a:pPr>
-            <a:r>
-              <a:rPr lang="ja-JP" altLang="en-US" sz="3600" b="1" dirty="0"/>
-              <a:t>↑</a:t>
-            </a:r>
-            <a:r>
-              <a:rPr lang="ja-JP" altLang="en-US" sz="3600" b="1" u="sng" dirty="0"/>
-              <a:t>重複せず、データが増える</a:t>
-            </a:r>
-            <a:endParaRPr lang="en-US" altLang="ja-JP" sz="3600" b="1" u="sng" dirty="0"/>
-          </a:p>
-          <a:p>
-            <a:pPr marL="914400" lvl="2" indent="0">
-              <a:buNone/>
-            </a:pPr>
-            <a:r>
-              <a:rPr kumimoji="1" lang="en-US" altLang="ja-JP" sz="3600" b="1" u="sng" dirty="0"/>
-              <a:t>	</a:t>
-            </a:r>
-            <a:endParaRPr kumimoji="1" lang="ja-JP" altLang="en-US" dirty="0"/>
-          </a:p>
-        </p:txBody>
-      </p:sp>
-    </p:spTree>
-    <p:extLst>
-      <p:ext uri="{BB962C8B-B14F-4D97-AF65-F5344CB8AC3E}">
-        <p14:creationId xmlns:p14="http://schemas.microsoft.com/office/powerpoint/2010/main" val="2208956957"/>
-      </p:ext>
-    </p:extLst>
-  </p:cSld>
-  <p:clrMapOvr>
-    <a:masterClrMapping/>
-  </p:clrMapOvr>
-</p:sld>
-</file>
-
-<file path=ppt/slides/slide5.xml><?xml version="1.0" encoding="utf-8"?>
-<p:sld xmlns:a="http://schemas.openxmlformats.org/drawingml/2006/main" xmlns:r="http://schemas.openxmlformats.org/officeDocument/2006/relationships" xmlns:p="http://schemas.openxmlformats.org/presentationml/2006/main">
-  <p:cSld>
-    <p:spTree>
-      <p:nvGrpSpPr>
-        <p:cNvPr id="1" name=""/>
-        <p:cNvGrpSpPr/>
-        <p:nvPr/>
-      </p:nvGrpSpPr>
-      <p:grpSpPr>
-        <a:xfrm>
-          <a:off x="0" y="0"/>
-          <a:ext cx="0" cy="0"/>
-          <a:chOff x="0" y="0"/>
-          <a:chExt cx="0" cy="0"/>
-        </a:xfrm>
-      </p:grpSpPr>
-      <p:sp>
-        <p:nvSpPr>
-          <p:cNvPr id="2" name="タイトル 1">
-            <a:extLst>
-              <a:ext uri="{FF2B5EF4-FFF2-40B4-BE49-F238E27FC236}">
                 <a16:creationId xmlns:a16="http://schemas.microsoft.com/office/drawing/2014/main" id="{DEF4C263-910B-426D-B907-59CA81658037}"/>
               </a:ext>
             </a:extLst>
@@ -5767,7 +6251,7 @@
 </p:sld>
 </file>
 
-<file path=ppt/slides/slide6.xml><?xml version="1.0" encoding="utf-8"?>
+<file path=ppt/slides/slide5.xml><?xml version="1.0" encoding="utf-8"?>
 <p:sld xmlns:a="http://schemas.openxmlformats.org/drawingml/2006/main" xmlns:r="http://schemas.openxmlformats.org/officeDocument/2006/relationships" xmlns:p="http://schemas.openxmlformats.org/presentationml/2006/main">
   <p:cSld>
     <p:spTree>

--- a/presentation/fasttext.pptx
+++ b/presentation/fasttext.pptx
@@ -1009,6 +1009,90 @@
     <p:extLst>
       <p:ext uri="{BB962C8B-B14F-4D97-AF65-F5344CB8AC3E}">
         <p14:creationId xmlns:p14="http://schemas.microsoft.com/office/powerpoint/2010/main" val="1326187351"/>
+      </p:ext>
+    </p:extLst>
+  </p:cSld>
+  <p:clrMapOvr>
+    <a:masterClrMapping/>
+  </p:clrMapOvr>
+</p:notes>
+</file>
+
+<file path=ppt/notesSlides/notesSlide4.xml><?xml version="1.0" encoding="utf-8"?>
+<p:notes xmlns:a="http://schemas.openxmlformats.org/drawingml/2006/main" xmlns:r="http://schemas.openxmlformats.org/officeDocument/2006/relationships" xmlns:p="http://schemas.openxmlformats.org/presentationml/2006/main">
+  <p:cSld>
+    <p:spTree>
+      <p:nvGrpSpPr>
+        <p:cNvPr id="1" name=""/>
+        <p:cNvGrpSpPr/>
+        <p:nvPr/>
+      </p:nvGrpSpPr>
+      <p:grpSpPr>
+        <a:xfrm>
+          <a:off x="0" y="0"/>
+          <a:ext cx="0" cy="0"/>
+          <a:chOff x="0" y="0"/>
+          <a:chExt cx="0" cy="0"/>
+        </a:xfrm>
+      </p:grpSpPr>
+      <p:sp>
+        <p:nvSpPr>
+          <p:cNvPr id="2" name="スライド イメージ プレースホルダー 1"/>
+          <p:cNvSpPr>
+            <a:spLocks noGrp="1" noRot="1" noChangeAspect="1"/>
+          </p:cNvSpPr>
+          <p:nvPr>
+            <p:ph type="sldImg"/>
+          </p:nvPr>
+        </p:nvSpPr>
+        <p:spPr/>
+      </p:sp>
+      <p:sp>
+        <p:nvSpPr>
+          <p:cNvPr id="3" name="ノート プレースホルダー 2"/>
+          <p:cNvSpPr>
+            <a:spLocks noGrp="1"/>
+          </p:cNvSpPr>
+          <p:nvPr>
+            <p:ph type="body" idx="1"/>
+          </p:nvPr>
+        </p:nvSpPr>
+        <p:spPr/>
+        <p:txBody>
+          <a:bodyPr/>
+          <a:lstStyle/>
+          <a:p>
+            <a:endParaRPr kumimoji="1" lang="ja-JP" altLang="en-US" dirty="0"/>
+          </a:p>
+        </p:txBody>
+      </p:sp>
+      <p:sp>
+        <p:nvSpPr>
+          <p:cNvPr id="4" name="スライド番号プレースホルダー 3"/>
+          <p:cNvSpPr>
+            <a:spLocks noGrp="1"/>
+          </p:cNvSpPr>
+          <p:nvPr>
+            <p:ph type="sldNum" sz="quarter" idx="5"/>
+          </p:nvPr>
+        </p:nvSpPr>
+        <p:spPr/>
+        <p:txBody>
+          <a:bodyPr/>
+          <a:lstStyle/>
+          <a:p>
+            <a:fld id="{8DF1E08D-4A53-4A5C-9DAB-BDA17F3E8D74}" type="slidenum">
+              <a:rPr kumimoji="1" lang="ja-JP" altLang="en-US" smtClean="0"/>
+              <a:t>5</a:t>
+            </a:fld>
+            <a:endParaRPr kumimoji="1" lang="ja-JP" altLang="en-US"/>
+          </a:p>
+        </p:txBody>
+      </p:sp>
+    </p:spTree>
+    <p:extLst>
+      <p:ext uri="{BB962C8B-B14F-4D97-AF65-F5344CB8AC3E}">
+        <p14:creationId xmlns:p14="http://schemas.microsoft.com/office/powerpoint/2010/main" val="111915969"/>
       </p:ext>
     </p:extLst>
   </p:cSld>
@@ -4691,8 +4775,12 @@
           <a:lstStyle/>
           <a:p>
             <a:r>
+              <a:rPr kumimoji="1" lang="en-US" altLang="ja-JP" dirty="0" err="1"/>
+              <a:t>fastText</a:t>
+            </a:r>
+            <a:r>
               <a:rPr kumimoji="1" lang="ja-JP" altLang="en-US" dirty="0"/>
-              <a:t>構造</a:t>
+              <a:t>の仕組み</a:t>
             </a:r>
           </a:p>
         </p:txBody>
@@ -4711,7 +4799,7 @@
         </p:nvSpPr>
         <p:spPr>
           <a:xfrm>
-            <a:off x="1233505" y="4149591"/>
+            <a:off x="880852" y="3057844"/>
             <a:ext cx="1827463" cy="1930400"/>
           </a:xfrm>
           <a:prstGeom prst="rect">
@@ -4774,8 +4862,8 @@
         </p:nvSpPr>
         <p:spPr>
           <a:xfrm>
-            <a:off x="3398519" y="4555010"/>
-            <a:ext cx="1251284" cy="1106905"/>
+            <a:off x="3081531" y="3253485"/>
+            <a:ext cx="712292" cy="1106905"/>
           </a:xfrm>
           <a:prstGeom prst="rightArrow">
             <a:avLst/>
@@ -4820,7 +4908,7 @@
         </p:nvSpPr>
         <p:spPr>
           <a:xfrm>
-            <a:off x="838200" y="5578689"/>
+            <a:off x="463459" y="2823213"/>
             <a:ext cx="2618072" cy="723884"/>
           </a:xfrm>
           <a:prstGeom prst="rect">
@@ -4874,7 +4962,7 @@
         </p:nvSpPr>
         <p:spPr>
           <a:xfrm>
-            <a:off x="4820859" y="4010231"/>
+            <a:off x="4026002" y="3011325"/>
             <a:ext cx="1827463" cy="1930400"/>
           </a:xfrm>
           <a:prstGeom prst="rect">
@@ -4988,7 +5076,7 @@
         </p:nvSpPr>
         <p:spPr>
           <a:xfrm>
-            <a:off x="4820859" y="5144989"/>
+            <a:off x="4026002" y="4146083"/>
             <a:ext cx="1818640" cy="812255"/>
           </a:xfrm>
           <a:prstGeom prst="ellipse">
@@ -5039,7 +5127,7 @@
         </p:nvSpPr>
         <p:spPr>
           <a:xfrm>
-            <a:off x="4536646" y="3879398"/>
+            <a:off x="3741789" y="2880492"/>
             <a:ext cx="2358848" cy="723884"/>
           </a:xfrm>
           <a:prstGeom prst="rect">
@@ -5093,7 +5181,7 @@
         </p:nvSpPr>
         <p:spPr>
           <a:xfrm>
-            <a:off x="8117658" y="4143262"/>
+            <a:off x="7143405" y="2946629"/>
             <a:ext cx="1827463" cy="1930400"/>
           </a:xfrm>
           <a:prstGeom prst="rect">
@@ -5155,8 +5243,8 @@
         </p:nvSpPr>
         <p:spPr>
           <a:xfrm>
-            <a:off x="6757348" y="4510805"/>
-            <a:ext cx="1251284" cy="1106905"/>
+            <a:off x="6256625" y="3302944"/>
+            <a:ext cx="730792" cy="1106905"/>
           </a:xfrm>
           <a:prstGeom prst="rightArrow">
             <a:avLst/>
@@ -5201,7 +5289,7 @@
         </p:nvSpPr>
         <p:spPr>
           <a:xfrm>
-            <a:off x="2491978" y="1353600"/>
+            <a:off x="10670902" y="2215931"/>
             <a:ext cx="1137980" cy="723884"/>
           </a:xfrm>
           <a:prstGeom prst="rect">
@@ -5255,7 +5343,7 @@
         </p:nvSpPr>
         <p:spPr>
           <a:xfrm>
-            <a:off x="5102651" y="1328746"/>
+            <a:off x="10670902" y="4988244"/>
             <a:ext cx="1137980" cy="723884"/>
           </a:xfrm>
           <a:prstGeom prst="rect">
@@ -5310,7 +5398,7 @@
         </p:nvSpPr>
         <p:spPr>
           <a:xfrm>
-            <a:off x="7834971" y="1353600"/>
+            <a:off x="10671678" y="3561838"/>
             <a:ext cx="1137980" cy="723884"/>
           </a:xfrm>
           <a:prstGeom prst="rect">
@@ -5363,12 +5451,15 @@
           <p:nvPr/>
         </p:nvSpPr>
         <p:spPr>
-          <a:xfrm rot="17592896">
-            <a:off x="5617915" y="415774"/>
-            <a:ext cx="877091" cy="5408023"/>
+          <a:xfrm rot="16200000" flipH="1" flipV="1">
+            <a:off x="8614677" y="2104100"/>
+            <a:ext cx="991588" cy="994578"/>
           </a:xfrm>
           <a:prstGeom prst="upArrow">
-            <a:avLst/>
+            <a:avLst>
+              <a:gd name="adj1" fmla="val 43450"/>
+              <a:gd name="adj2" fmla="val 50000"/>
+            </a:avLst>
           </a:prstGeom>
         </p:spPr>
         <p:style>
@@ -5393,6 +5484,46 @@
           <a:p>
             <a:pPr algn="ctr"/>
             <a:endParaRPr kumimoji="1" lang="ja-JP" altLang="en-US" dirty="0"/>
+          </a:p>
+        </p:txBody>
+      </p:sp>
+      <p:sp>
+        <p:nvSpPr>
+          <p:cNvPr id="6" name="テキスト ボックス 5">
+            <a:extLst>
+              <a:ext uri="{FF2B5EF4-FFF2-40B4-BE49-F238E27FC236}">
+                <a16:creationId xmlns:a16="http://schemas.microsoft.com/office/drawing/2014/main" id="{3B3E8D80-9F03-430F-B9E6-A013E0659D31}"/>
+              </a:ext>
+            </a:extLst>
+          </p:cNvPr>
+          <p:cNvSpPr txBox="1"/>
+          <p:nvPr/>
+        </p:nvSpPr>
+        <p:spPr>
+          <a:xfrm>
+            <a:off x="9943733" y="2416723"/>
+            <a:ext cx="694778" cy="369332"/>
+          </a:xfrm>
+          <a:prstGeom prst="rect">
+            <a:avLst/>
+          </a:prstGeom>
+          <a:noFill/>
+        </p:spPr>
+        <p:txBody>
+          <a:bodyPr wrap="square" rtlCol="0">
+            <a:spAutoFit/>
+          </a:bodyPr>
+          <a:lstStyle/>
+          <a:p>
+            <a:r>
+              <a:rPr kumimoji="1" lang="en-US" altLang="ja-JP" dirty="0"/>
+              <a:t>90</a:t>
+            </a:r>
+            <a:r>
+              <a:rPr kumimoji="1" lang="ja-JP" altLang="en-US" dirty="0"/>
+              <a:t>％</a:t>
+            </a:r>
+            <a:endParaRPr kumimoji="1" lang="en-US" altLang="ja-JP" dirty="0"/>
           </a:p>
         </p:txBody>
       </p:sp>
@@ -5656,7 +5787,7 @@
         </p:nvSpPr>
         <p:spPr>
           <a:xfrm>
-            <a:off x="838200" y="1825625"/>
+            <a:off x="334433" y="1765990"/>
             <a:ext cx="10515600" cy="4351338"/>
           </a:xfrm>
         </p:spPr>
@@ -5720,9 +5851,10 @@
               <a:t>↑</a:t>
             </a:r>
             <a:r>
-              <a:rPr lang="ja-JP" altLang="en-US" sz="3600" b="1" u="sng" dirty="0"/>
+              <a:rPr lang="ja-JP" altLang="en-US" sz="3200" b="1" u="sng" dirty="0"/>
               <a:t>重複せず、データが増える</a:t>
             </a:r>
+            <a:endParaRPr lang="ja-JP" altLang="en-US" sz="3600" b="1" u="sng" dirty="0"/>
           </a:p>
         </p:txBody>
       </p:sp>
@@ -5740,7 +5872,7 @@
         </p:nvSpPr>
         <p:spPr>
           <a:xfrm flipH="1">
-            <a:off x="7733095" y="2621070"/>
+            <a:off x="6391128" y="2207915"/>
             <a:ext cx="4458905" cy="584775"/>
           </a:xfrm>
           <a:prstGeom prst="rect">
@@ -5775,8 +5907,8 @@
         </p:nvSpPr>
         <p:spPr>
           <a:xfrm rot="16200000">
-            <a:off x="6394983" y="2013892"/>
-            <a:ext cx="877091" cy="1799133"/>
+            <a:off x="5521716" y="2239161"/>
+            <a:ext cx="877091" cy="510394"/>
           </a:xfrm>
           <a:prstGeom prst="upArrow">
             <a:avLst/>
@@ -5820,9 +5952,9 @@
           <p:nvPr/>
         </p:nvSpPr>
         <p:spPr>
-          <a:xfrm>
-            <a:off x="5495416" y="5211393"/>
-            <a:ext cx="877091" cy="1256708"/>
+          <a:xfrm rot="16200000">
+            <a:off x="5525161" y="3964398"/>
+            <a:ext cx="877091" cy="517285"/>
           </a:xfrm>
           <a:prstGeom prst="upArrow">
             <a:avLst/>
@@ -5867,7 +5999,7 @@
         </p:nvSpPr>
         <p:spPr>
           <a:xfrm flipH="1">
-            <a:off x="6345450" y="5957655"/>
+            <a:off x="6391128" y="3941659"/>
             <a:ext cx="4357842" cy="584775"/>
           </a:xfrm>
           <a:prstGeom prst="rect">
@@ -6313,7 +6445,7 @@
           </p:nvPr>
         </p:nvPicPr>
         <p:blipFill>
-          <a:blip r:embed="rId2">
+          <a:blip r:embed="rId3">
             <a:extLst>
               <a:ext uri="{28A0092B-C50C-407E-A947-70E740481C1C}">
                 <a14:useLocalDpi xmlns:a14="http://schemas.microsoft.com/office/drawing/2010/main" val="0"/>
@@ -6326,8 +6458,8 @@
         </p:blipFill>
         <p:spPr>
           <a:xfrm>
-            <a:off x="838200" y="2055812"/>
-            <a:ext cx="10515600" cy="4334827"/>
+            <a:off x="567890" y="2055813"/>
+            <a:ext cx="10901413" cy="4334827"/>
           </a:xfrm>
         </p:spPr>
       </p:pic>

--- a/presentation/fasttext.pptx
+++ b/presentation/fasttext.pptx
@@ -5,14 +5,13 @@
     <p:sldMasterId id="2147483648" r:id="rId1"/>
   </p:sldMasterIdLst>
   <p:notesMasterIdLst>
-    <p:notesMasterId r:id="rId7"/>
+    <p:notesMasterId r:id="rId6"/>
   </p:notesMasterIdLst>
   <p:sldIdLst>
     <p:sldId id="256" r:id="rId2"/>
     <p:sldId id="257" r:id="rId3"/>
     <p:sldId id="258" r:id="rId4"/>
-    <p:sldId id="261" r:id="rId5"/>
-    <p:sldId id="263" r:id="rId6"/>
+    <p:sldId id="263" r:id="rId5"/>
   </p:sldIdLst>
   <p:sldSz cx="12192000" cy="6858000"/>
   <p:notesSz cx="6858000" cy="9144000"/>
@@ -977,8 +976,45 @@
           <a:p>
             <a:r>
               <a:rPr kumimoji="1" lang="ja-JP" altLang="en-US" dirty="0"/>
-              <a:t>現在はデータを増やす方向で精度を上げていますがパラメーターを</a:t>
-            </a:r>
+              <a:t>使っているオプションは</a:t>
+            </a:r>
+            <a:r>
+              <a:rPr kumimoji="1" lang="en-US" altLang="ja-JP" dirty="0"/>
+              <a:t>dim</a:t>
+            </a:r>
+            <a:r>
+              <a:rPr kumimoji="1" lang="ja-JP" altLang="en-US" dirty="0"/>
+              <a:t>は</a:t>
+            </a:r>
+            <a:r>
+              <a:rPr kumimoji="1" lang="en-US" altLang="ja-JP" dirty="0"/>
+              <a:t>200,epoch</a:t>
+            </a:r>
+            <a:r>
+              <a:rPr kumimoji="1" lang="ja-JP" altLang="en-US" dirty="0"/>
+              <a:t>数は</a:t>
+            </a:r>
+            <a:r>
+              <a:rPr kumimoji="1" lang="en-US" altLang="ja-JP"/>
+              <a:t>133000,loss</a:t>
+            </a:r>
+            <a:r>
+              <a:rPr kumimoji="1" lang="ja-JP" altLang="en-US"/>
+              <a:t>関数</a:t>
+            </a:r>
+            <a:r>
+              <a:rPr kumimoji="1" lang="ja-JP" altLang="en-US" dirty="0"/>
+              <a:t>は</a:t>
+            </a:r>
+            <a:r>
+              <a:rPr kumimoji="1" lang="en-US" altLang="ja-JP" dirty="0" err="1"/>
+              <a:t>hs</a:t>
+            </a:r>
+            <a:r>
+              <a:rPr kumimoji="1" lang="ja-JP" altLang="en-US" dirty="0"/>
+              <a:t>関数に設定しています。</a:t>
+            </a:r>
+            <a:endParaRPr kumimoji="1" lang="en-US" altLang="ja-JP" dirty="0"/>
           </a:p>
         </p:txBody>
       </p:sp>
@@ -1000,90 +1036,6 @@
             <a:fld id="{8DF1E08D-4A53-4A5C-9DAB-BDA17F3E8D74}" type="slidenum">
               <a:rPr kumimoji="1" lang="ja-JP" altLang="en-US" smtClean="0"/>
               <a:t>4</a:t>
-            </a:fld>
-            <a:endParaRPr kumimoji="1" lang="ja-JP" altLang="en-US"/>
-          </a:p>
-        </p:txBody>
-      </p:sp>
-    </p:spTree>
-    <p:extLst>
-      <p:ext uri="{BB962C8B-B14F-4D97-AF65-F5344CB8AC3E}">
-        <p14:creationId xmlns:p14="http://schemas.microsoft.com/office/powerpoint/2010/main" val="1326187351"/>
-      </p:ext>
-    </p:extLst>
-  </p:cSld>
-  <p:clrMapOvr>
-    <a:masterClrMapping/>
-  </p:clrMapOvr>
-</p:notes>
-</file>
-
-<file path=ppt/notesSlides/notesSlide4.xml><?xml version="1.0" encoding="utf-8"?>
-<p:notes xmlns:a="http://schemas.openxmlformats.org/drawingml/2006/main" xmlns:r="http://schemas.openxmlformats.org/officeDocument/2006/relationships" xmlns:p="http://schemas.openxmlformats.org/presentationml/2006/main">
-  <p:cSld>
-    <p:spTree>
-      <p:nvGrpSpPr>
-        <p:cNvPr id="1" name=""/>
-        <p:cNvGrpSpPr/>
-        <p:nvPr/>
-      </p:nvGrpSpPr>
-      <p:grpSpPr>
-        <a:xfrm>
-          <a:off x="0" y="0"/>
-          <a:ext cx="0" cy="0"/>
-          <a:chOff x="0" y="0"/>
-          <a:chExt cx="0" cy="0"/>
-        </a:xfrm>
-      </p:grpSpPr>
-      <p:sp>
-        <p:nvSpPr>
-          <p:cNvPr id="2" name="スライド イメージ プレースホルダー 1"/>
-          <p:cNvSpPr>
-            <a:spLocks noGrp="1" noRot="1" noChangeAspect="1"/>
-          </p:cNvSpPr>
-          <p:nvPr>
-            <p:ph type="sldImg"/>
-          </p:nvPr>
-        </p:nvSpPr>
-        <p:spPr/>
-      </p:sp>
-      <p:sp>
-        <p:nvSpPr>
-          <p:cNvPr id="3" name="ノート プレースホルダー 2"/>
-          <p:cNvSpPr>
-            <a:spLocks noGrp="1"/>
-          </p:cNvSpPr>
-          <p:nvPr>
-            <p:ph type="body" idx="1"/>
-          </p:nvPr>
-        </p:nvSpPr>
-        <p:spPr/>
-        <p:txBody>
-          <a:bodyPr/>
-          <a:lstStyle/>
-          <a:p>
-            <a:endParaRPr kumimoji="1" lang="ja-JP" altLang="en-US" dirty="0"/>
-          </a:p>
-        </p:txBody>
-      </p:sp>
-      <p:sp>
-        <p:nvSpPr>
-          <p:cNvPr id="4" name="スライド番号プレースホルダー 3"/>
-          <p:cNvSpPr>
-            <a:spLocks noGrp="1"/>
-          </p:cNvSpPr>
-          <p:nvPr>
-            <p:ph type="sldNum" sz="quarter" idx="5"/>
-          </p:nvPr>
-        </p:nvSpPr>
-        <p:spPr/>
-        <p:txBody>
-          <a:bodyPr/>
-          <a:lstStyle/>
-          <a:p>
-            <a:fld id="{8DF1E08D-4A53-4A5C-9DAB-BDA17F3E8D74}" type="slidenum">
-              <a:rPr kumimoji="1" lang="ja-JP" altLang="en-US" smtClean="0"/>
-              <a:t>5</a:t>
             </a:fld>
             <a:endParaRPr kumimoji="1" lang="ja-JP" altLang="en-US"/>
           </a:p>
@@ -6287,124 +6239,6 @@
           <p:cNvPr id="2" name="タイトル 1">
             <a:extLst>
               <a:ext uri="{FF2B5EF4-FFF2-40B4-BE49-F238E27FC236}">
-                <a16:creationId xmlns:a16="http://schemas.microsoft.com/office/drawing/2014/main" id="{DEF4C263-910B-426D-B907-59CA81658037}"/>
-              </a:ext>
-            </a:extLst>
-          </p:cNvPr>
-          <p:cNvSpPr>
-            <a:spLocks noGrp="1"/>
-          </p:cNvSpPr>
-          <p:nvPr>
-            <p:ph type="title"/>
-          </p:nvPr>
-        </p:nvSpPr>
-        <p:spPr/>
-        <p:txBody>
-          <a:bodyPr/>
-          <a:lstStyle/>
-          <a:p>
-            <a:r>
-              <a:rPr kumimoji="1" lang="ja-JP" altLang="ja-JP" sz="4400" kern="1200" dirty="0">
-                <a:solidFill>
-                  <a:schemeClr val="tx1"/>
-                </a:solidFill>
-                <a:effectLst/>
-                <a:latin typeface="+mj-lt"/>
-                <a:ea typeface="+mj-ea"/>
-                <a:cs typeface="+mj-cs"/>
-              </a:rPr>
-              <a:t>精度の上げ方</a:t>
-            </a:r>
-            <a:endParaRPr kumimoji="1" lang="ja-JP" altLang="en-US" dirty="0"/>
-          </a:p>
-        </p:txBody>
-      </p:sp>
-      <p:sp>
-        <p:nvSpPr>
-          <p:cNvPr id="3" name="コンテンツ プレースホルダー 2">
-            <a:extLst>
-              <a:ext uri="{FF2B5EF4-FFF2-40B4-BE49-F238E27FC236}">
-                <a16:creationId xmlns:a16="http://schemas.microsoft.com/office/drawing/2014/main" id="{C0F748B1-5B54-40D0-A11D-D609B06580B8}"/>
-              </a:ext>
-            </a:extLst>
-          </p:cNvPr>
-          <p:cNvSpPr>
-            <a:spLocks noGrp="1"/>
-          </p:cNvSpPr>
-          <p:nvPr>
-            <p:ph idx="1"/>
-          </p:nvPr>
-        </p:nvSpPr>
-        <p:spPr/>
-        <p:txBody>
-          <a:bodyPr/>
-          <a:lstStyle/>
-          <a:p>
-            <a:r>
-              <a:rPr kumimoji="1" lang="ja-JP" altLang="en-US" dirty="0"/>
-              <a:t>データの数を増やす</a:t>
-            </a:r>
-            <a:endParaRPr kumimoji="1" lang="en-US" altLang="ja-JP" dirty="0"/>
-          </a:p>
-          <a:p>
-            <a:r>
-              <a:rPr kumimoji="1" lang="ja-JP" altLang="en-US" dirty="0"/>
-              <a:t>パラメーター</a:t>
-            </a:r>
-            <a:endParaRPr kumimoji="1" lang="en-US" altLang="ja-JP" dirty="0"/>
-          </a:p>
-          <a:p>
-            <a:pPr lvl="1"/>
-            <a:r>
-              <a:rPr kumimoji="1" lang="ja-JP" altLang="en-US" dirty="0"/>
-              <a:t>種類</a:t>
-            </a:r>
-            <a:endParaRPr kumimoji="1" lang="en-US" altLang="ja-JP" dirty="0"/>
-          </a:p>
-          <a:p>
-            <a:pPr lvl="1"/>
-            <a:r>
-              <a:rPr kumimoji="1" lang="ja-JP" altLang="en-US" dirty="0"/>
-              <a:t>今使用してるパラメーター</a:t>
-            </a:r>
-          </a:p>
-        </p:txBody>
-      </p:sp>
-    </p:spTree>
-    <p:extLst>
-      <p:ext uri="{BB962C8B-B14F-4D97-AF65-F5344CB8AC3E}">
-        <p14:creationId xmlns:p14="http://schemas.microsoft.com/office/powerpoint/2010/main" val="3585728868"/>
-      </p:ext>
-    </p:extLst>
-  </p:cSld>
-  <p:clrMapOvr>
-    <a:masterClrMapping/>
-  </p:clrMapOvr>
-</p:sld>
-</file>
-
-<file path=ppt/slides/slide5.xml><?xml version="1.0" encoding="utf-8"?>
-<p:sld xmlns:a="http://schemas.openxmlformats.org/drawingml/2006/main" xmlns:r="http://schemas.openxmlformats.org/officeDocument/2006/relationships" xmlns:p="http://schemas.openxmlformats.org/presentationml/2006/main">
-  <p:cSld>
-    <p:spTree>
-      <p:nvGrpSpPr>
-        <p:cNvPr id="1" name=""/>
-        <p:cNvGrpSpPr/>
-        <p:nvPr/>
-      </p:nvGrpSpPr>
-      <p:grpSpPr>
-        <a:xfrm>
-          <a:off x="0" y="0"/>
-          <a:ext cx="0" cy="0"/>
-          <a:chOff x="0" y="0"/>
-          <a:chExt cx="0" cy="0"/>
-        </a:xfrm>
-      </p:grpSpPr>
-      <p:sp>
-        <p:nvSpPr>
-          <p:cNvPr id="2" name="タイトル 1">
-            <a:extLst>
-              <a:ext uri="{FF2B5EF4-FFF2-40B4-BE49-F238E27FC236}">
                 <a16:creationId xmlns:a16="http://schemas.microsoft.com/office/drawing/2014/main" id="{EEA139C4-F5C2-4D21-8623-FBA3A6C4A4F9}"/>
               </a:ext>
             </a:extLst>
@@ -6428,41 +6262,6 @@
           </a:p>
         </p:txBody>
       </p:sp>
-      <p:pic>
-        <p:nvPicPr>
-          <p:cNvPr id="6" name="コンテンツ プレースホルダー 5">
-            <a:extLst>
-              <a:ext uri="{FF2B5EF4-FFF2-40B4-BE49-F238E27FC236}">
-                <a16:creationId xmlns:a16="http://schemas.microsoft.com/office/drawing/2014/main" id="{BCB39FCE-323B-45EC-A78A-C4F456A7E97F}"/>
-              </a:ext>
-            </a:extLst>
-          </p:cNvPr>
-          <p:cNvPicPr>
-            <a:picLocks noGrp="1" noChangeAspect="1"/>
-          </p:cNvPicPr>
-          <p:nvPr>
-            <p:ph idx="1"/>
-          </p:nvPr>
-        </p:nvPicPr>
-        <p:blipFill>
-          <a:blip r:embed="rId3">
-            <a:extLst>
-              <a:ext uri="{28A0092B-C50C-407E-A947-70E740481C1C}">
-                <a14:useLocalDpi xmlns:a14="http://schemas.microsoft.com/office/drawing/2010/main" val="0"/>
-              </a:ext>
-            </a:extLst>
-          </a:blip>
-          <a:stretch>
-            <a:fillRect/>
-          </a:stretch>
-        </p:blipFill>
-        <p:spPr>
-          <a:xfrm>
-            <a:off x="567890" y="2055813"/>
-            <a:ext cx="10901413" cy="4334827"/>
-          </a:xfrm>
-        </p:spPr>
-      </p:pic>
       <p:sp>
         <p:nvSpPr>
           <p:cNvPr id="4" name="正方形/長方形 3">
@@ -6515,6 +6314,46 @@
           </a:p>
         </p:txBody>
       </p:sp>
+      <p:pic>
+        <p:nvPicPr>
+          <p:cNvPr id="11" name="コンテンツ プレースホルダー 10">
+            <a:extLst>
+              <a:ext uri="{FF2B5EF4-FFF2-40B4-BE49-F238E27FC236}">
+                <a16:creationId xmlns:a16="http://schemas.microsoft.com/office/drawing/2014/main" id="{757319E6-BEC1-4F69-AD95-034F67E22688}"/>
+              </a:ext>
+            </a:extLst>
+          </p:cNvPr>
+          <p:cNvPicPr>
+            <a:picLocks noGrp="1" noChangeAspect="1"/>
+          </p:cNvPicPr>
+          <p:nvPr>
+            <p:ph idx="1"/>
+          </p:nvPr>
+        </p:nvPicPr>
+        <p:blipFill>
+          <a:blip r:embed="rId3">
+            <a:extLst>
+              <a:ext uri="{28A0092B-C50C-407E-A947-70E740481C1C}">
+                <a14:useLocalDpi xmlns:a14="http://schemas.microsoft.com/office/drawing/2010/main" val="0"/>
+              </a:ext>
+            </a:extLst>
+          </a:blip>
+          <a:stretch>
+            <a:fillRect/>
+          </a:stretch>
+        </p:blipFill>
+        <p:spPr>
+          <a:xfrm>
+            <a:off x="134754" y="1593908"/>
+            <a:ext cx="12057246" cy="4898967"/>
+          </a:xfrm>
+          <a:ln w="38100">
+            <a:solidFill>
+              <a:schemeClr val="tx1"/>
+            </a:solidFill>
+          </a:ln>
+        </p:spPr>
+      </p:pic>
       <p:sp>
         <p:nvSpPr>
           <p:cNvPr id="5" name="正方形/長方形 4">
@@ -6529,14 +6368,14 @@
         </p:nvSpPr>
         <p:spPr>
           <a:xfrm>
-            <a:off x="8676640" y="3129280"/>
-            <a:ext cx="1422400" cy="416560"/>
+            <a:off x="9259091" y="2311274"/>
+            <a:ext cx="1470611" cy="416560"/>
           </a:xfrm>
           <a:prstGeom prst="rect">
             <a:avLst/>
           </a:prstGeom>
           <a:noFill/>
-          <a:ln w="76200">
+          <a:ln w="38100">
             <a:solidFill>
               <a:srgbClr val="FF0000"/>
             </a:solidFill>
@@ -6579,14 +6418,14 @@
         </p:nvSpPr>
         <p:spPr>
           <a:xfrm>
-            <a:off x="7670800" y="3129280"/>
-            <a:ext cx="924560" cy="416560"/>
+            <a:off x="8094847" y="2312904"/>
+            <a:ext cx="1039528" cy="416560"/>
           </a:xfrm>
           <a:prstGeom prst="rect">
             <a:avLst/>
           </a:prstGeom>
           <a:noFill/>
-          <a:ln w="76200">
+          <a:ln w="38100">
             <a:solidFill>
               <a:srgbClr val="FF0000"/>
             </a:solidFill>
@@ -6629,14 +6468,14 @@
         </p:nvSpPr>
         <p:spPr>
           <a:xfrm>
-            <a:off x="10099040" y="3129280"/>
-            <a:ext cx="1219200" cy="416560"/>
+            <a:off x="10838047" y="2311274"/>
+            <a:ext cx="1245608" cy="416560"/>
           </a:xfrm>
           <a:prstGeom prst="rect">
             <a:avLst/>
           </a:prstGeom>
           <a:noFill/>
-          <a:ln w="76200">
+          <a:ln w="38100">
             <a:solidFill>
               <a:srgbClr val="FF0000"/>
             </a:solidFill>

--- a/presentation/fasttext.pptx
+++ b/presentation/fasttext.pptx
@@ -647,6 +647,74 @@
             <a:r>
               <a:rPr kumimoji="1" lang="ja-JP" altLang="en-US" dirty="0"/>
               <a:t>動物ラベルであると結果を出しています。</a:t>
+            </a:r>
+            <a:endParaRPr kumimoji="1" lang="en-US" altLang="ja-JP" dirty="0"/>
+          </a:p>
+          <a:p>
+            <a:pPr marL="0" marR="0" lvl="0" indent="0" algn="l" defTabSz="914400" rtl="0" eaLnBrk="1" fontAlgn="auto" latinLnBrk="0" hangingPunct="1">
+              <a:lnSpc>
+                <a:spcPct val="100000"/>
+              </a:lnSpc>
+              <a:spcBef>
+                <a:spcPts val="0"/>
+              </a:spcBef>
+              <a:spcAft>
+                <a:spcPts val="0"/>
+              </a:spcAft>
+              <a:buClrTx/>
+              <a:buSzTx/>
+              <a:buFontTx/>
+              <a:buNone/>
+              <a:tabLst/>
+              <a:defRPr/>
+            </a:pPr>
+            <a:endParaRPr kumimoji="1" lang="en-US" altLang="ja-JP" dirty="0"/>
+          </a:p>
+          <a:p>
+            <a:pPr marL="0" marR="0" lvl="0" indent="0" algn="l" defTabSz="914400" rtl="0" eaLnBrk="1" fontAlgn="auto" latinLnBrk="0" hangingPunct="1">
+              <a:lnSpc>
+                <a:spcPct val="100000"/>
+              </a:lnSpc>
+              <a:spcBef>
+                <a:spcPts val="0"/>
+              </a:spcBef>
+              <a:spcAft>
+                <a:spcPts val="0"/>
+              </a:spcAft>
+              <a:buClrTx/>
+              <a:buSzTx/>
+              <a:buFontTx/>
+              <a:buNone/>
+              <a:tabLst/>
+              <a:defRPr/>
+            </a:pPr>
+            <a:r>
+              <a:rPr kumimoji="1" lang="ja-JP" altLang="en-US" dirty="0"/>
+              <a:t>予測　＝　確率を計算</a:t>
+            </a:r>
+            <a:endParaRPr kumimoji="1" lang="en-US" altLang="ja-JP" dirty="0"/>
+          </a:p>
+          <a:p>
+            <a:pPr marL="0" marR="0" lvl="0" indent="0" algn="l" defTabSz="914400" rtl="0" eaLnBrk="1" fontAlgn="auto" latinLnBrk="0" hangingPunct="1">
+              <a:lnSpc>
+                <a:spcPct val="100000"/>
+              </a:lnSpc>
+              <a:spcBef>
+                <a:spcPts val="0"/>
+              </a:spcBef>
+              <a:spcAft>
+                <a:spcPts val="0"/>
+              </a:spcAft>
+              <a:buClrTx/>
+              <a:buSzTx/>
+              <a:buFontTx/>
+              <a:buNone/>
+              <a:tabLst/>
+              <a:defRPr/>
+            </a:pPr>
+            <a:r>
+              <a:rPr kumimoji="1" lang="ja-JP" altLang="en-US" dirty="0"/>
+              <a:t>一番確率が高いのを結果として出す→動物</a:t>
             </a:r>
             <a:endParaRPr kumimoji="1" lang="en-US" altLang="ja-JP" dirty="0"/>
           </a:p>
@@ -4751,7 +4819,172 @@
         </p:nvSpPr>
         <p:spPr>
           <a:xfrm>
-            <a:off x="880852" y="3057844"/>
+            <a:off x="1402558" y="2312191"/>
+            <a:ext cx="1978338" cy="578395"/>
+          </a:xfrm>
+          <a:prstGeom prst="rect">
+            <a:avLst/>
+          </a:prstGeom>
+          <a:ln>
+            <a:solidFill>
+              <a:schemeClr val="tx1">
+                <a:lumMod val="95000"/>
+                <a:lumOff val="5000"/>
+              </a:schemeClr>
+            </a:solidFill>
+          </a:ln>
+          <a:effectLst/>
+        </p:spPr>
+        <p:style>
+          <a:lnRef idx="2">
+            <a:schemeClr val="accent6"/>
+          </a:lnRef>
+          <a:fillRef idx="1">
+            <a:schemeClr val="lt1"/>
+          </a:fillRef>
+          <a:effectRef idx="0">
+            <a:schemeClr val="accent6"/>
+          </a:effectRef>
+          <a:fontRef idx="minor">
+            <a:schemeClr val="dk1"/>
+          </a:fontRef>
+        </p:style>
+        <p:txBody>
+          <a:bodyPr rtlCol="0" anchor="ctr"/>
+          <a:lstStyle/>
+          <a:p>
+            <a:pPr algn="ctr"/>
+            <a:r>
+              <a:rPr lang="ja-JP" altLang="en-US" dirty="0"/>
+              <a:t>予測したい文章</a:t>
+            </a:r>
+            <a:endParaRPr lang="en-US" altLang="ja-JP" dirty="0"/>
+          </a:p>
+          <a:p>
+            <a:pPr algn="ctr"/>
+            <a:r>
+              <a:rPr lang="ja-JP" altLang="en-US" dirty="0"/>
+              <a:t>を入れる</a:t>
+            </a:r>
+            <a:endParaRPr kumimoji="1" lang="ja-JP" altLang="en-US" dirty="0"/>
+          </a:p>
+        </p:txBody>
+      </p:sp>
+      <p:sp>
+        <p:nvSpPr>
+          <p:cNvPr id="4" name="矢印: 右 3">
+            <a:extLst>
+              <a:ext uri="{FF2B5EF4-FFF2-40B4-BE49-F238E27FC236}">
+                <a16:creationId xmlns:a16="http://schemas.microsoft.com/office/drawing/2014/main" id="{FCAA5B2B-B2D0-4027-A4FC-18422A933228}"/>
+              </a:ext>
+            </a:extLst>
+          </p:cNvPr>
+          <p:cNvSpPr/>
+          <p:nvPr/>
+        </p:nvSpPr>
+        <p:spPr>
+          <a:xfrm>
+            <a:off x="3358416" y="3202779"/>
+            <a:ext cx="712292" cy="1106905"/>
+          </a:xfrm>
+          <a:prstGeom prst="rightArrow">
+            <a:avLst/>
+          </a:prstGeom>
+        </p:spPr>
+        <p:style>
+          <a:lnRef idx="2">
+            <a:schemeClr val="accent1">
+              <a:shade val="50000"/>
+            </a:schemeClr>
+          </a:lnRef>
+          <a:fillRef idx="1">
+            <a:schemeClr val="accent1"/>
+          </a:fillRef>
+          <a:effectRef idx="0">
+            <a:schemeClr val="accent1"/>
+          </a:effectRef>
+          <a:fontRef idx="minor">
+            <a:schemeClr val="lt1"/>
+          </a:fontRef>
+        </p:style>
+        <p:txBody>
+          <a:bodyPr rtlCol="0" anchor="ctr"/>
+          <a:lstStyle/>
+          <a:p>
+            <a:pPr algn="ctr"/>
+            <a:endParaRPr kumimoji="1" lang="ja-JP" altLang="en-US"/>
+          </a:p>
+        </p:txBody>
+      </p:sp>
+      <p:sp>
+        <p:nvSpPr>
+          <p:cNvPr id="5" name="正方形/長方形 4">
+            <a:extLst>
+              <a:ext uri="{FF2B5EF4-FFF2-40B4-BE49-F238E27FC236}">
+                <a16:creationId xmlns:a16="http://schemas.microsoft.com/office/drawing/2014/main" id="{3C98069C-13A5-4C19-903B-38044E1D69DF}"/>
+              </a:ext>
+            </a:extLst>
+          </p:cNvPr>
+          <p:cNvSpPr/>
+          <p:nvPr/>
+        </p:nvSpPr>
+        <p:spPr>
+          <a:xfrm>
+            <a:off x="793607" y="3483302"/>
+            <a:ext cx="1978338" cy="1325562"/>
+          </a:xfrm>
+          <a:prstGeom prst="rect">
+            <a:avLst/>
+          </a:prstGeom>
+          <a:effectLst>
+            <a:outerShdw blurRad="50800" dist="38100" dir="18900000" algn="bl" rotWithShape="0">
+              <a:prstClr val="black">
+                <a:alpha val="40000"/>
+              </a:prstClr>
+            </a:outerShdw>
+          </a:effectLst>
+        </p:spPr>
+        <p:style>
+          <a:lnRef idx="2">
+            <a:schemeClr val="accent2"/>
+          </a:lnRef>
+          <a:fillRef idx="1">
+            <a:schemeClr val="lt1"/>
+          </a:fillRef>
+          <a:effectRef idx="0">
+            <a:schemeClr val="accent2"/>
+          </a:effectRef>
+          <a:fontRef idx="minor">
+            <a:schemeClr val="dk1"/>
+          </a:fontRef>
+        </p:style>
+        <p:txBody>
+          <a:bodyPr rtlCol="0" anchor="ctr"/>
+          <a:lstStyle/>
+          <a:p>
+            <a:pPr algn="ctr"/>
+            <a:r>
+              <a:rPr kumimoji="1" lang="ja-JP" altLang="en-US" dirty="0"/>
+              <a:t>私は犬が好き</a:t>
+            </a:r>
+          </a:p>
+        </p:txBody>
+      </p:sp>
+      <p:sp>
+        <p:nvSpPr>
+          <p:cNvPr id="7" name="正方形/長方形 6">
+            <a:extLst>
+              <a:ext uri="{FF2B5EF4-FFF2-40B4-BE49-F238E27FC236}">
+                <a16:creationId xmlns:a16="http://schemas.microsoft.com/office/drawing/2014/main" id="{17AD7007-37B6-42F3-BE00-20C827F49049}"/>
+              </a:ext>
+            </a:extLst>
+          </p:cNvPr>
+          <p:cNvSpPr/>
+          <p:nvPr/>
+        </p:nvSpPr>
+        <p:spPr>
+          <a:xfrm>
+            <a:off x="4289177" y="2752824"/>
             <a:ext cx="1827463" cy="1930400"/>
           </a:xfrm>
           <a:prstGeom prst="rect">
@@ -4793,19 +5026,18 @@
           <a:p>
             <a:pPr algn="ctr"/>
             <a:r>
-              <a:rPr lang="ja-JP" altLang="en-US" dirty="0"/>
-              <a:t>予測したい文章を入れる</a:t>
-            </a:r>
-            <a:endParaRPr kumimoji="1" lang="ja-JP" altLang="en-US" dirty="0"/>
-          </a:p>
-        </p:txBody>
-      </p:sp>
-      <p:sp>
-        <p:nvSpPr>
-          <p:cNvPr id="4" name="矢印: 右 3">
-            <a:extLst>
-              <a:ext uri="{FF2B5EF4-FFF2-40B4-BE49-F238E27FC236}">
-                <a16:creationId xmlns:a16="http://schemas.microsoft.com/office/drawing/2014/main" id="{FCAA5B2B-B2D0-4027-A4FC-18422A933228}"/>
+              <a:rPr kumimoji="1" lang="ja-JP" altLang="en-US" dirty="0"/>
+              <a:t>意味を解析</a:t>
+            </a:r>
+          </a:p>
+        </p:txBody>
+      </p:sp>
+      <p:sp>
+        <p:nvSpPr>
+          <p:cNvPr id="18" name="正方形/長方形 17">
+            <a:extLst>
+              <a:ext uri="{FF2B5EF4-FFF2-40B4-BE49-F238E27FC236}">
+                <a16:creationId xmlns:a16="http://schemas.microsoft.com/office/drawing/2014/main" id="{5A958CD7-9F51-4CBB-B5A5-889187194E6E}"/>
               </a:ext>
             </a:extLst>
           </p:cNvPr>
@@ -4814,12 +5046,18 @@
         </p:nvSpPr>
         <p:spPr>
           <a:xfrm>
-            <a:off x="3081531" y="3253485"/>
-            <a:ext cx="712292" cy="1106905"/>
+            <a:off x="9508067" y="0"/>
+            <a:ext cx="2683933" cy="1593908"/>
           </a:xfrm>
-          <a:prstGeom prst="rightArrow">
+          <a:prstGeom prst="rect">
             <a:avLst/>
           </a:prstGeom>
+          <a:solidFill>
+            <a:schemeClr val="accent6">
+              <a:lumMod val="60000"/>
+              <a:lumOff val="40000"/>
+            </a:schemeClr>
+          </a:solidFill>
         </p:spPr>
         <p:style>
           <a:lnRef idx="2">
@@ -4848,10 +5086,10 @@
       </p:sp>
       <p:sp>
         <p:nvSpPr>
-          <p:cNvPr id="5" name="正方形/長方形 4">
-            <a:extLst>
-              <a:ext uri="{FF2B5EF4-FFF2-40B4-BE49-F238E27FC236}">
-                <a16:creationId xmlns:a16="http://schemas.microsoft.com/office/drawing/2014/main" id="{3C98069C-13A5-4C19-903B-38044E1D69DF}"/>
+          <p:cNvPr id="12" name="楕円 11">
+            <a:extLst>
+              <a:ext uri="{FF2B5EF4-FFF2-40B4-BE49-F238E27FC236}">
+                <a16:creationId xmlns:a16="http://schemas.microsoft.com/office/drawing/2014/main" id="{9717C4C0-D0D0-43BB-8B87-0C67A56483CD}"/>
               </a:ext>
             </a:extLst>
           </p:cNvPr>
@@ -4860,29 +5098,22 @@
         </p:nvSpPr>
         <p:spPr>
           <a:xfrm>
-            <a:off x="463459" y="2823213"/>
-            <a:ext cx="2618072" cy="723884"/>
+            <a:off x="4314196" y="3856396"/>
+            <a:ext cx="1818640" cy="812255"/>
           </a:xfrm>
-          <a:prstGeom prst="rect">
+          <a:prstGeom prst="ellipse">
             <a:avLst/>
           </a:prstGeom>
-          <a:effectLst>
-            <a:outerShdw blurRad="50800" dist="38100" dir="18900000" algn="bl" rotWithShape="0">
-              <a:prstClr val="black">
-                <a:alpha val="40000"/>
-              </a:prstClr>
-            </a:outerShdw>
-          </a:effectLst>
         </p:spPr>
         <p:style>
           <a:lnRef idx="2">
-            <a:schemeClr val="accent2"/>
+            <a:schemeClr val="accent1"/>
           </a:lnRef>
           <a:fillRef idx="1">
             <a:schemeClr val="lt1"/>
           </a:fillRef>
           <a:effectRef idx="0">
-            <a:schemeClr val="accent2"/>
+            <a:schemeClr val="accent1"/>
           </a:effectRef>
           <a:fontRef idx="minor">
             <a:schemeClr val="dk1"/>
@@ -4894,18 +5125,19 @@
           <a:p>
             <a:pPr algn="ctr"/>
             <a:r>
-              <a:rPr kumimoji="1" lang="ja-JP" altLang="en-US" dirty="0"/>
-              <a:t>私は犬が好き</a:t>
-            </a:r>
-          </a:p>
-        </p:txBody>
-      </p:sp>
-      <p:sp>
-        <p:nvSpPr>
-          <p:cNvPr id="7" name="正方形/長方形 6">
-            <a:extLst>
-              <a:ext uri="{FF2B5EF4-FFF2-40B4-BE49-F238E27FC236}">
-                <a16:creationId xmlns:a16="http://schemas.microsoft.com/office/drawing/2014/main" id="{17AD7007-37B6-42F3-BE00-20C827F49049}"/>
+              <a:rPr kumimoji="1" lang="en-US" altLang="ja-JP" dirty="0" err="1"/>
+              <a:t>fastText</a:t>
+            </a:r>
+            <a:endParaRPr kumimoji="1" lang="ja-JP" altLang="en-US" dirty="0"/>
+          </a:p>
+        </p:txBody>
+      </p:sp>
+      <p:sp>
+        <p:nvSpPr>
+          <p:cNvPr id="13" name="正方形/長方形 12">
+            <a:extLst>
+              <a:ext uri="{FF2B5EF4-FFF2-40B4-BE49-F238E27FC236}">
+                <a16:creationId xmlns:a16="http://schemas.microsoft.com/office/drawing/2014/main" id="{51B23BD4-07D0-4A46-8E01-93073F77700F}"/>
               </a:ext>
             </a:extLst>
           </p:cNvPr>
@@ -4914,7 +5146,7 @@
         </p:nvSpPr>
         <p:spPr>
           <a:xfrm>
-            <a:off x="4026002" y="3011325"/>
+            <a:off x="7111206" y="2791031"/>
             <a:ext cx="1827463" cy="1930400"/>
           </a:xfrm>
           <a:prstGeom prst="rect">
@@ -4957,225 +5189,6 @@
             <a:pPr algn="ctr"/>
             <a:r>
               <a:rPr kumimoji="1" lang="ja-JP" altLang="en-US" dirty="0"/>
-              <a:t>意味を解析</a:t>
-            </a:r>
-          </a:p>
-        </p:txBody>
-      </p:sp>
-      <p:sp>
-        <p:nvSpPr>
-          <p:cNvPr id="18" name="正方形/長方形 17">
-            <a:extLst>
-              <a:ext uri="{FF2B5EF4-FFF2-40B4-BE49-F238E27FC236}">
-                <a16:creationId xmlns:a16="http://schemas.microsoft.com/office/drawing/2014/main" id="{5A958CD7-9F51-4CBB-B5A5-889187194E6E}"/>
-              </a:ext>
-            </a:extLst>
-          </p:cNvPr>
-          <p:cNvSpPr/>
-          <p:nvPr/>
-        </p:nvSpPr>
-        <p:spPr>
-          <a:xfrm>
-            <a:off x="9508067" y="0"/>
-            <a:ext cx="2683933" cy="1593908"/>
-          </a:xfrm>
-          <a:prstGeom prst="rect">
-            <a:avLst/>
-          </a:prstGeom>
-          <a:solidFill>
-            <a:schemeClr val="accent6">
-              <a:lumMod val="60000"/>
-              <a:lumOff val="40000"/>
-            </a:schemeClr>
-          </a:solidFill>
-        </p:spPr>
-        <p:style>
-          <a:lnRef idx="2">
-            <a:schemeClr val="accent1">
-              <a:shade val="50000"/>
-            </a:schemeClr>
-          </a:lnRef>
-          <a:fillRef idx="1">
-            <a:schemeClr val="accent1"/>
-          </a:fillRef>
-          <a:effectRef idx="0">
-            <a:schemeClr val="accent1"/>
-          </a:effectRef>
-          <a:fontRef idx="minor">
-            <a:schemeClr val="lt1"/>
-          </a:fontRef>
-        </p:style>
-        <p:txBody>
-          <a:bodyPr rtlCol="0" anchor="ctr"/>
-          <a:lstStyle/>
-          <a:p>
-            <a:pPr algn="ctr"/>
-            <a:endParaRPr kumimoji="1" lang="ja-JP" altLang="en-US"/>
-          </a:p>
-        </p:txBody>
-      </p:sp>
-      <p:sp>
-        <p:nvSpPr>
-          <p:cNvPr id="12" name="楕円 11">
-            <a:extLst>
-              <a:ext uri="{FF2B5EF4-FFF2-40B4-BE49-F238E27FC236}">
-                <a16:creationId xmlns:a16="http://schemas.microsoft.com/office/drawing/2014/main" id="{9717C4C0-D0D0-43BB-8B87-0C67A56483CD}"/>
-              </a:ext>
-            </a:extLst>
-          </p:cNvPr>
-          <p:cNvSpPr/>
-          <p:nvPr/>
-        </p:nvSpPr>
-        <p:spPr>
-          <a:xfrm>
-            <a:off x="4026002" y="4146083"/>
-            <a:ext cx="1818640" cy="812255"/>
-          </a:xfrm>
-          <a:prstGeom prst="ellipse">
-            <a:avLst/>
-          </a:prstGeom>
-        </p:spPr>
-        <p:style>
-          <a:lnRef idx="2">
-            <a:schemeClr val="accent1"/>
-          </a:lnRef>
-          <a:fillRef idx="1">
-            <a:schemeClr val="lt1"/>
-          </a:fillRef>
-          <a:effectRef idx="0">
-            <a:schemeClr val="accent1"/>
-          </a:effectRef>
-          <a:fontRef idx="minor">
-            <a:schemeClr val="dk1"/>
-          </a:fontRef>
-        </p:style>
-        <p:txBody>
-          <a:bodyPr rtlCol="0" anchor="ctr"/>
-          <a:lstStyle/>
-          <a:p>
-            <a:pPr algn="ctr"/>
-            <a:r>
-              <a:rPr kumimoji="1" lang="en-US" altLang="ja-JP" dirty="0"/>
-              <a:t>AI</a:t>
-            </a:r>
-            <a:r>
-              <a:rPr kumimoji="1" lang="ja-JP" altLang="en-US" dirty="0"/>
-              <a:t>を使用</a:t>
-            </a:r>
-          </a:p>
-        </p:txBody>
-      </p:sp>
-      <p:sp>
-        <p:nvSpPr>
-          <p:cNvPr id="10" name="正方形/長方形 9">
-            <a:extLst>
-              <a:ext uri="{FF2B5EF4-FFF2-40B4-BE49-F238E27FC236}">
-                <a16:creationId xmlns:a16="http://schemas.microsoft.com/office/drawing/2014/main" id="{488874FB-D50B-4DA7-AFB5-91EEA0286E64}"/>
-              </a:ext>
-            </a:extLst>
-          </p:cNvPr>
-          <p:cNvSpPr/>
-          <p:nvPr/>
-        </p:nvSpPr>
-        <p:spPr>
-          <a:xfrm>
-            <a:off x="3741789" y="2880492"/>
-            <a:ext cx="2358848" cy="723884"/>
-          </a:xfrm>
-          <a:prstGeom prst="rect">
-            <a:avLst/>
-          </a:prstGeom>
-          <a:effectLst>
-            <a:outerShdw blurRad="50800" dist="38100" dir="18900000" algn="bl" rotWithShape="0">
-              <a:prstClr val="black">
-                <a:alpha val="40000"/>
-              </a:prstClr>
-            </a:outerShdw>
-          </a:effectLst>
-        </p:spPr>
-        <p:style>
-          <a:lnRef idx="2">
-            <a:schemeClr val="accent2"/>
-          </a:lnRef>
-          <a:fillRef idx="1">
-            <a:schemeClr val="lt1"/>
-          </a:fillRef>
-          <a:effectRef idx="0">
-            <a:schemeClr val="accent2"/>
-          </a:effectRef>
-          <a:fontRef idx="minor">
-            <a:schemeClr val="dk1"/>
-          </a:fontRef>
-        </p:style>
-        <p:txBody>
-          <a:bodyPr rtlCol="0" anchor="ctr"/>
-          <a:lstStyle/>
-          <a:p>
-            <a:pPr algn="ctr"/>
-            <a:r>
-              <a:rPr kumimoji="1" lang="ja-JP" altLang="en-US" dirty="0"/>
-              <a:t>私は犬が好き</a:t>
-            </a:r>
-          </a:p>
-        </p:txBody>
-      </p:sp>
-      <p:sp>
-        <p:nvSpPr>
-          <p:cNvPr id="13" name="正方形/長方形 12">
-            <a:extLst>
-              <a:ext uri="{FF2B5EF4-FFF2-40B4-BE49-F238E27FC236}">
-                <a16:creationId xmlns:a16="http://schemas.microsoft.com/office/drawing/2014/main" id="{51B23BD4-07D0-4A46-8E01-93073F77700F}"/>
-              </a:ext>
-            </a:extLst>
-          </p:cNvPr>
-          <p:cNvSpPr/>
-          <p:nvPr/>
-        </p:nvSpPr>
-        <p:spPr>
-          <a:xfrm>
-            <a:off x="7143405" y="2946629"/>
-            <a:ext cx="1827463" cy="1930400"/>
-          </a:xfrm>
-          <a:prstGeom prst="rect">
-            <a:avLst/>
-          </a:prstGeom>
-          <a:ln>
-            <a:solidFill>
-              <a:schemeClr val="tx1">
-                <a:lumMod val="95000"/>
-                <a:lumOff val="5000"/>
-              </a:schemeClr>
-            </a:solidFill>
-          </a:ln>
-          <a:effectLst>
-            <a:outerShdw blurRad="50800" dist="38100" dir="2700000" algn="tl" rotWithShape="0">
-              <a:prstClr val="black">
-                <a:alpha val="40000"/>
-              </a:prstClr>
-            </a:outerShdw>
-          </a:effectLst>
-        </p:spPr>
-        <p:style>
-          <a:lnRef idx="2">
-            <a:schemeClr val="accent6"/>
-          </a:lnRef>
-          <a:fillRef idx="1">
-            <a:schemeClr val="lt1"/>
-          </a:fillRef>
-          <a:effectRef idx="0">
-            <a:schemeClr val="accent6"/>
-          </a:effectRef>
-          <a:fontRef idx="minor">
-            <a:schemeClr val="dk1"/>
-          </a:fontRef>
-        </p:style>
-        <p:txBody>
-          <a:bodyPr rtlCol="0" anchor="ctr"/>
-          <a:lstStyle/>
-          <a:p>
-            <a:pPr algn="ctr"/>
-            <a:r>
-              <a:rPr kumimoji="1" lang="ja-JP" altLang="en-US" dirty="0"/>
               <a:t>予測した結果を返す</a:t>
             </a:r>
           </a:p>
@@ -5404,8 +5417,8 @@
         </p:nvSpPr>
         <p:spPr>
           <a:xfrm rot="16200000" flipH="1" flipV="1">
-            <a:off x="8614677" y="2104100"/>
-            <a:ext cx="991588" cy="994578"/>
+            <a:off x="9012273" y="2278874"/>
+            <a:ext cx="991588" cy="694778"/>
           </a:xfrm>
           <a:prstGeom prst="upArrow">
             <a:avLst>
@@ -5454,6 +5467,86 @@
         <p:spPr>
           <a:xfrm>
             <a:off x="9943733" y="2416723"/>
+            <a:ext cx="694778" cy="369332"/>
+          </a:xfrm>
+          <a:prstGeom prst="rect">
+            <a:avLst/>
+          </a:prstGeom>
+          <a:noFill/>
+        </p:spPr>
+        <p:txBody>
+          <a:bodyPr wrap="square" rtlCol="0">
+            <a:spAutoFit/>
+          </a:bodyPr>
+          <a:lstStyle/>
+          <a:p>
+            <a:r>
+              <a:rPr kumimoji="1" lang="en-US" altLang="ja-JP" dirty="0"/>
+              <a:t>90</a:t>
+            </a:r>
+            <a:r>
+              <a:rPr kumimoji="1" lang="ja-JP" altLang="en-US" dirty="0"/>
+              <a:t>％</a:t>
+            </a:r>
+            <a:endParaRPr kumimoji="1" lang="en-US" altLang="ja-JP" dirty="0"/>
+          </a:p>
+        </p:txBody>
+      </p:sp>
+      <p:sp>
+        <p:nvSpPr>
+          <p:cNvPr id="19" name="テキスト ボックス 18">
+            <a:extLst>
+              <a:ext uri="{FF2B5EF4-FFF2-40B4-BE49-F238E27FC236}">
+                <a16:creationId xmlns:a16="http://schemas.microsoft.com/office/drawing/2014/main" id="{A16A0E00-2644-41C6-90FC-B4DD76A3593D}"/>
+              </a:ext>
+            </a:extLst>
+          </p:cNvPr>
+          <p:cNvSpPr txBox="1"/>
+          <p:nvPr/>
+        </p:nvSpPr>
+        <p:spPr>
+          <a:xfrm>
+            <a:off x="9844492" y="3735944"/>
+            <a:ext cx="694778" cy="369332"/>
+          </a:xfrm>
+          <a:prstGeom prst="rect">
+            <a:avLst/>
+          </a:prstGeom>
+          <a:noFill/>
+        </p:spPr>
+        <p:txBody>
+          <a:bodyPr wrap="square" rtlCol="0">
+            <a:spAutoFit/>
+          </a:bodyPr>
+          <a:lstStyle/>
+          <a:p>
+            <a:r>
+              <a:rPr kumimoji="1" lang="en-US" altLang="ja-JP" dirty="0"/>
+              <a:t>90</a:t>
+            </a:r>
+            <a:r>
+              <a:rPr kumimoji="1" lang="ja-JP" altLang="en-US" dirty="0"/>
+              <a:t>％</a:t>
+            </a:r>
+            <a:endParaRPr kumimoji="1" lang="en-US" altLang="ja-JP" dirty="0"/>
+          </a:p>
+        </p:txBody>
+      </p:sp>
+      <p:sp>
+        <p:nvSpPr>
+          <p:cNvPr id="23" name="テキスト ボックス 22">
+            <a:extLst>
+              <a:ext uri="{FF2B5EF4-FFF2-40B4-BE49-F238E27FC236}">
+                <a16:creationId xmlns:a16="http://schemas.microsoft.com/office/drawing/2014/main" id="{AEC037C1-EFFE-4880-B5D9-A8F986DEC662}"/>
+              </a:ext>
+            </a:extLst>
+          </p:cNvPr>
+          <p:cNvSpPr txBox="1"/>
+          <p:nvPr/>
+        </p:nvSpPr>
+        <p:spPr>
+          <a:xfrm>
+            <a:off x="9964699" y="5254572"/>
             <a:ext cx="694778" cy="369332"/>
           </a:xfrm>
           <a:prstGeom prst="rect">

--- a/presentation/fasttext.pptx
+++ b/presentation/fasttext.pptx
@@ -5,13 +5,14 @@
     <p:sldMasterId id="2147483648" r:id="rId1"/>
   </p:sldMasterIdLst>
   <p:notesMasterIdLst>
-    <p:notesMasterId r:id="rId6"/>
+    <p:notesMasterId r:id="rId7"/>
   </p:notesMasterIdLst>
   <p:sldIdLst>
     <p:sldId id="256" r:id="rId2"/>
     <p:sldId id="257" r:id="rId3"/>
-    <p:sldId id="258" r:id="rId4"/>
-    <p:sldId id="263" r:id="rId5"/>
+    <p:sldId id="264" r:id="rId4"/>
+    <p:sldId id="258" r:id="rId5"/>
+    <p:sldId id="263" r:id="rId6"/>
   </p:sldIdLst>
   <p:sldSz cx="12192000" cy="6858000"/>
   <p:notesSz cx="6858000" cy="9144000"/>
@@ -561,12 +562,16 @@
               <a:defRPr/>
             </a:pPr>
             <a:r>
+              <a:rPr lang="ja-JP" altLang="en-US" dirty="0"/>
+              <a:t>テキスト分類の流れと</a:t>
+            </a:r>
+            <a:r>
               <a:rPr lang="en-US" altLang="ja-JP" dirty="0" err="1"/>
               <a:t>fastText</a:t>
             </a:r>
             <a:r>
               <a:rPr lang="ja-JP" altLang="en-US" dirty="0"/>
-              <a:t>は、単語表現と文章分類を効率的に学習するためのライブラリです。</a:t>
+              <a:t>について説明します。</a:t>
             </a:r>
             <a:endParaRPr lang="en-US" altLang="ja-JP" dirty="0"/>
           </a:p>
@@ -590,7 +595,7 @@
             </a:pPr>
             <a:r>
               <a:rPr lang="ja-JP" altLang="en-US" dirty="0"/>
-              <a:t>流れとしては、予測したい文章を入れ、その意味を解析し、予測した結果をラベルで返してくれます。</a:t>
+              <a:t>テキスト分類とは文章を項目ごとに機械学習を用いて分類することです。</a:t>
             </a:r>
             <a:endParaRPr lang="en-US" altLang="ja-JP" dirty="0"/>
           </a:p>
@@ -613,18 +618,10 @@
               <a:defRPr/>
             </a:pPr>
             <a:r>
-              <a:rPr kumimoji="1" lang="ja-JP" altLang="en-US" dirty="0"/>
-              <a:t>この図では「私は犬が好き」という文章が上の三つのラベルのうちのどれかを</a:t>
-            </a:r>
-            <a:r>
-              <a:rPr kumimoji="1" lang="en-US" altLang="ja-JP" dirty="0"/>
-              <a:t>AI</a:t>
-            </a:r>
-            <a:r>
-              <a:rPr kumimoji="1" lang="ja-JP" altLang="en-US" dirty="0"/>
-              <a:t>で予測</a:t>
-            </a:r>
-            <a:endParaRPr kumimoji="1" lang="en-US" altLang="ja-JP" dirty="0"/>
+              <a:rPr lang="ja-JP" altLang="en-US" dirty="0"/>
+              <a:t>流れとしては、予測したい文章を入れ、その意味を解析し、予測した結果を返してくれます。</a:t>
+            </a:r>
+            <a:endParaRPr lang="en-US" altLang="ja-JP" dirty="0"/>
           </a:p>
           <a:p>
             <a:pPr marL="0" marR="0" lvl="0" indent="0" algn="l" defTabSz="914400" rtl="0" eaLnBrk="1" fontAlgn="auto" latinLnBrk="0" hangingPunct="1">
@@ -646,7 +643,95 @@
             </a:pPr>
             <a:r>
               <a:rPr kumimoji="1" lang="ja-JP" altLang="en-US" dirty="0"/>
-              <a:t>動物ラベルであると結果を出しています。</a:t>
+              <a:t>この図では「私は犬と猫が好き」という文章が左の三つの項目のうちのどれかを</a:t>
+            </a:r>
+            <a:r>
+              <a:rPr kumimoji="1" lang="en-US" altLang="ja-JP" dirty="0"/>
+              <a:t>AI</a:t>
+            </a:r>
+            <a:r>
+              <a:rPr kumimoji="1" lang="ja-JP" altLang="en-US" dirty="0"/>
+              <a:t>で予測します</a:t>
+            </a:r>
+            <a:endParaRPr kumimoji="1" lang="en-US" altLang="ja-JP" dirty="0"/>
+          </a:p>
+          <a:p>
+            <a:pPr marL="0" marR="0" lvl="0" indent="0" algn="l" defTabSz="914400" rtl="0" eaLnBrk="1" fontAlgn="auto" latinLnBrk="0" hangingPunct="1">
+              <a:lnSpc>
+                <a:spcPct val="100000"/>
+              </a:lnSpc>
+              <a:spcBef>
+                <a:spcPts val="0"/>
+              </a:spcBef>
+              <a:spcAft>
+                <a:spcPts val="0"/>
+              </a:spcAft>
+              <a:buClrTx/>
+              <a:buSzTx/>
+              <a:buFontTx/>
+              <a:buNone/>
+              <a:tabLst/>
+              <a:defRPr/>
+            </a:pPr>
+            <a:r>
+              <a:rPr kumimoji="1" lang="ja-JP" altLang="en-US" dirty="0"/>
+              <a:t>予測した結果 動物が</a:t>
+            </a:r>
+            <a:r>
+              <a:rPr kumimoji="1" lang="en-US" altLang="ja-JP" dirty="0"/>
+              <a:t>74%</a:t>
+            </a:r>
+            <a:r>
+              <a:rPr kumimoji="1" lang="ja-JP" altLang="en-US" dirty="0" err="1"/>
+              <a:t>、</a:t>
+            </a:r>
+            <a:r>
+              <a:rPr kumimoji="1" lang="ja-JP" altLang="en-US" dirty="0"/>
+              <a:t>スポーツが</a:t>
+            </a:r>
+            <a:r>
+              <a:rPr kumimoji="1" lang="en-US" altLang="ja-JP" dirty="0"/>
+              <a:t>14%</a:t>
+            </a:r>
+            <a:r>
+              <a:rPr kumimoji="1" lang="ja-JP" altLang="en-US" dirty="0" err="1"/>
+              <a:t>、</a:t>
+            </a:r>
+            <a:r>
+              <a:rPr kumimoji="1" lang="ja-JP" altLang="en-US" dirty="0"/>
+              <a:t>経済が</a:t>
+            </a:r>
+            <a:r>
+              <a:rPr kumimoji="1" lang="en-US" altLang="ja-JP" dirty="0"/>
+              <a:t>12%</a:t>
+            </a:r>
+            <a:r>
+              <a:rPr kumimoji="1" lang="ja-JP" altLang="en-US" dirty="0"/>
+              <a:t>と出しているので動物項目に</a:t>
+            </a:r>
+            <a:endParaRPr kumimoji="1" lang="en-US" altLang="ja-JP" dirty="0"/>
+          </a:p>
+          <a:p>
+            <a:pPr marL="0" marR="0" lvl="0" indent="0" algn="l" defTabSz="914400" rtl="0" eaLnBrk="1" fontAlgn="auto" latinLnBrk="0" hangingPunct="1">
+              <a:lnSpc>
+                <a:spcPct val="100000"/>
+              </a:lnSpc>
+              <a:spcBef>
+                <a:spcPts val="0"/>
+              </a:spcBef>
+              <a:spcAft>
+                <a:spcPts val="0"/>
+              </a:spcAft>
+              <a:buClrTx/>
+              <a:buSzTx/>
+              <a:buFontTx/>
+              <a:buNone/>
+              <a:tabLst/>
+              <a:defRPr/>
+            </a:pPr>
+            <a:r>
+              <a:rPr kumimoji="1" lang="ja-JP" altLang="en-US" dirty="0"/>
+              <a:t>分類しました。</a:t>
             </a:r>
             <a:endParaRPr kumimoji="1" lang="en-US" altLang="ja-JP" dirty="0"/>
           </a:p>
@@ -863,101 +948,123 @@
           <a:bodyPr/>
           <a:lstStyle/>
           <a:p>
-            <a:r>
-              <a:rPr kumimoji="1" lang="ja-JP" altLang="en-US" dirty="0"/>
-              <a:t>本来の作り方としては、トレーニングデータ用の文章を形態素解析で単語ごとに分割するのですが、</a:t>
-            </a:r>
+            <a:endParaRPr lang="en-US" altLang="ja-JP" dirty="0"/>
+          </a:p>
+          <a:p>
+            <a:r>
+              <a:rPr lang="en-US" altLang="ja-JP" dirty="0" err="1"/>
+              <a:t>fastText</a:t>
+            </a:r>
+            <a:r>
+              <a:rPr lang="ja-JP" altLang="en-US" dirty="0"/>
+              <a:t>は、単語表現と文章分類を効率的に学習するためのライブラリです。</a:t>
+            </a:r>
+            <a:endParaRPr lang="en-US" altLang="ja-JP" dirty="0"/>
+          </a:p>
+          <a:p>
             <a:r>
               <a:rPr kumimoji="1" lang="en-US" altLang="ja-JP" dirty="0" err="1"/>
               <a:t>fastText</a:t>
             </a:r>
             <a:r>
               <a:rPr kumimoji="1" lang="ja-JP" altLang="en-US" dirty="0"/>
-              <a:t>では</a:t>
-            </a:r>
-            <a:r>
-              <a:rPr kumimoji="1" lang="en-US" altLang="ja-JP" dirty="0"/>
-              <a:t>1</a:t>
-            </a:r>
-            <a:r>
-              <a:rPr kumimoji="1" lang="ja-JP" altLang="en-US" dirty="0" err="1"/>
-              <a:t>つの</a:t>
-            </a:r>
+              <a:t>では、文章をコンピューターで処理するために単語を数値的に表現します。</a:t>
+            </a:r>
+            <a:endParaRPr kumimoji="1" lang="en-US" altLang="ja-JP" dirty="0"/>
+          </a:p>
+          <a:p>
             <a:r>
               <a:rPr kumimoji="1" lang="ja-JP" altLang="en-US" dirty="0"/>
-              <a:t>単語を１つのデータとして扱うため、</a:t>
-            </a:r>
+              <a:t>この図では「犬」、「好き」、「猫」という単語を</a:t>
+            </a:r>
+            <a:r>
+              <a:rPr kumimoji="1" lang="ja-JP" altLang="en-US" sz="1200" b="0" i="0" kern="1200" dirty="0">
+                <a:solidFill>
+                  <a:schemeClr val="tx1"/>
+                </a:solidFill>
+                <a:effectLst/>
+                <a:latin typeface="+mn-lt"/>
+                <a:ea typeface="+mn-ea"/>
+                <a:cs typeface="+mn-cs"/>
+              </a:rPr>
+              <a:t>数の特徴に対する関連の度合いを</a:t>
+            </a:r>
+            <a:r>
+              <a:rPr kumimoji="1" lang="en-US" altLang="ja-JP" sz="1200" b="0" i="0" kern="1200" dirty="0">
+                <a:solidFill>
+                  <a:schemeClr val="tx1"/>
+                </a:solidFill>
+                <a:effectLst/>
+                <a:latin typeface="+mn-lt"/>
+                <a:ea typeface="+mn-ea"/>
+                <a:cs typeface="+mn-cs"/>
+              </a:rPr>
+              <a:t>0〜</a:t>
+            </a:r>
+            <a:r>
+              <a:rPr kumimoji="1" lang="ja-JP" altLang="en-US" sz="1200" b="0" i="0" kern="1200" dirty="0">
+                <a:solidFill>
+                  <a:schemeClr val="tx1"/>
+                </a:solidFill>
+                <a:effectLst/>
+                <a:latin typeface="+mn-lt"/>
+                <a:ea typeface="+mn-ea"/>
+                <a:cs typeface="+mn-cs"/>
+              </a:rPr>
+              <a:t>１の間の実数で</a:t>
+            </a:r>
+            <a:endParaRPr kumimoji="1" lang="en-US" altLang="ja-JP" sz="1200" b="0" i="0" kern="1200" dirty="0">
+              <a:solidFill>
+                <a:schemeClr val="tx1"/>
+              </a:solidFill>
+              <a:effectLst/>
+              <a:latin typeface="+mn-lt"/>
+              <a:ea typeface="+mn-ea"/>
+              <a:cs typeface="+mn-cs"/>
+            </a:endParaRPr>
+          </a:p>
+          <a:p>
+            <a:r>
+              <a:rPr kumimoji="1" lang="ja-JP" altLang="en-US" sz="1200" b="0" i="0" kern="1200" dirty="0">
+                <a:solidFill>
+                  <a:schemeClr val="tx1"/>
+                </a:solidFill>
+                <a:effectLst/>
+                <a:latin typeface="+mn-lt"/>
+                <a:ea typeface="+mn-ea"/>
+                <a:cs typeface="+mn-cs"/>
+              </a:rPr>
+              <a:t>表現して</a:t>
+            </a:r>
+            <a:r>
+              <a:rPr kumimoji="1" lang="ja-JP" altLang="en-US" sz="1200" b="0" i="0" kern="1200">
+                <a:solidFill>
+                  <a:schemeClr val="tx1"/>
+                </a:solidFill>
+                <a:effectLst/>
+                <a:latin typeface="+mn-lt"/>
+                <a:ea typeface="+mn-ea"/>
+                <a:cs typeface="+mn-cs"/>
+              </a:rPr>
+              <a:t>います。</a:t>
+            </a:r>
+            <a:endParaRPr kumimoji="1" lang="en-US" altLang="ja-JP" sz="1200" b="0" i="0" kern="1200">
+              <a:solidFill>
+                <a:schemeClr val="tx1"/>
+              </a:solidFill>
+              <a:effectLst/>
+              <a:latin typeface="+mn-lt"/>
+              <a:ea typeface="+mn-ea"/>
+              <a:cs typeface="+mn-cs"/>
+            </a:endParaRPr>
+          </a:p>
+          <a:p>
             <a:endParaRPr kumimoji="1" lang="en-US" altLang="ja-JP" dirty="0"/>
           </a:p>
           <a:p>
-            <a:r>
-              <a:rPr kumimoji="1" lang="ja-JP" altLang="en-US" dirty="0"/>
-              <a:t>「今日　の　天気　は　晴れ　？」という文章のあとに「今日　の　天気　を教えて」という文章を追加しても、「今日の天気」の部分が重複してしまうため、</a:t>
-            </a:r>
             <a:endParaRPr kumimoji="1" lang="en-US" altLang="ja-JP" dirty="0"/>
           </a:p>
           <a:p>
-            <a:r>
-              <a:rPr kumimoji="1" lang="ja-JP" altLang="en-US" dirty="0"/>
-              <a:t>その分データが増えないことになります</a:t>
-            </a:r>
-            <a:endParaRPr kumimoji="1" lang="en-US" altLang="ja-JP" dirty="0"/>
-          </a:p>
-          <a:p>
-            <a:r>
-              <a:rPr kumimoji="1" lang="ja-JP" altLang="en-US" dirty="0"/>
-              <a:t>私たちが使うであろう文章は、単語が多く重複してしまうため、対策を考えました</a:t>
-            </a:r>
-            <a:endParaRPr kumimoji="1" lang="en-US" altLang="ja-JP" dirty="0"/>
-          </a:p>
-          <a:p>
-            <a:r>
-              <a:rPr kumimoji="1" lang="ja-JP" altLang="en-US" dirty="0"/>
-              <a:t>解決策として、文章を分割せずに、そのまま</a:t>
-            </a:r>
-            <a:r>
-              <a:rPr kumimoji="1" lang="en-US" altLang="ja-JP" dirty="0"/>
-              <a:t>1</a:t>
-            </a:r>
-            <a:r>
-              <a:rPr kumimoji="1" lang="ja-JP" altLang="en-US" dirty="0" err="1"/>
-              <a:t>つの</a:t>
-            </a:r>
-            <a:r>
-              <a:rPr kumimoji="1" lang="ja-JP" altLang="en-US" dirty="0"/>
-              <a:t>文章を</a:t>
-            </a:r>
-            <a:r>
-              <a:rPr kumimoji="1" lang="en-US" altLang="ja-JP" dirty="0"/>
-              <a:t>1</a:t>
-            </a:r>
-            <a:r>
-              <a:rPr kumimoji="1" lang="ja-JP" altLang="en-US" dirty="0" err="1"/>
-              <a:t>つの</a:t>
-            </a:r>
-            <a:r>
-              <a:rPr kumimoji="1" lang="ja-JP" altLang="en-US" dirty="0"/>
-              <a:t>単語として扱うという方法を考えました</a:t>
-            </a:r>
-            <a:endParaRPr kumimoji="1" lang="en-US" altLang="ja-JP" dirty="0"/>
-          </a:p>
-          <a:p>
-            <a:r>
-              <a:rPr kumimoji="1" lang="ja-JP" altLang="en-US" dirty="0"/>
-              <a:t>こうすることで、入力した文章がそのまま</a:t>
-            </a:r>
-            <a:r>
-              <a:rPr kumimoji="1" lang="en-US" altLang="ja-JP" dirty="0"/>
-              <a:t>1</a:t>
-            </a:r>
-            <a:r>
-              <a:rPr kumimoji="1" lang="ja-JP" altLang="en-US" dirty="0" err="1"/>
-              <a:t>つの</a:t>
-            </a:r>
-            <a:r>
-              <a:rPr kumimoji="1" lang="ja-JP" altLang="en-US" dirty="0"/>
-              <a:t>データとして扱えるので、データを増やしやすくなります</a:t>
-            </a:r>
             <a:endParaRPr kumimoji="1" lang="en-US" altLang="ja-JP" dirty="0"/>
           </a:p>
         </p:txBody>
@@ -988,7 +1095,7 @@
     </p:spTree>
     <p:extLst>
       <p:ext uri="{BB962C8B-B14F-4D97-AF65-F5344CB8AC3E}">
-        <p14:creationId xmlns:p14="http://schemas.microsoft.com/office/powerpoint/2010/main" val="2082119112"/>
+        <p14:creationId xmlns:p14="http://schemas.microsoft.com/office/powerpoint/2010/main" val="2406173709"/>
       </p:ext>
     </p:extLst>
   </p:cSld>
@@ -1044,43 +1151,98 @@
           <a:p>
             <a:r>
               <a:rPr kumimoji="1" lang="ja-JP" altLang="en-US" dirty="0"/>
-              <a:t>使っているオプションは</a:t>
+              <a:t>本来の作り方としては、トレーニングデータ用の文章を形態素解析で単語ごとに分割するのですが、</a:t>
+            </a:r>
+            <a:r>
+              <a:rPr kumimoji="1" lang="en-US" altLang="ja-JP" dirty="0" err="1"/>
+              <a:t>fastText</a:t>
+            </a:r>
+            <a:r>
+              <a:rPr kumimoji="1" lang="ja-JP" altLang="en-US" dirty="0"/>
+              <a:t>では</a:t>
             </a:r>
             <a:r>
               <a:rPr kumimoji="1" lang="en-US" altLang="ja-JP" dirty="0"/>
-              <a:t>dim</a:t>
+              <a:t>1</a:t>
+            </a:r>
+            <a:r>
+              <a:rPr kumimoji="1" lang="ja-JP" altLang="en-US" dirty="0" err="1"/>
+              <a:t>つの</a:t>
             </a:r>
             <a:r>
               <a:rPr kumimoji="1" lang="ja-JP" altLang="en-US" dirty="0"/>
-              <a:t>は</a:t>
+              <a:t>単語を１つのデータとして扱うため、</a:t>
+            </a:r>
+            <a:endParaRPr kumimoji="1" lang="en-US" altLang="ja-JP" dirty="0"/>
+          </a:p>
+          <a:p>
+            <a:r>
+              <a:rPr kumimoji="1" lang="ja-JP" altLang="en-US" dirty="0"/>
+              <a:t>「今日　の　天気　は　晴れ　？」という文章のあとに「今日　の　天気　を教えて」という文章を追加しても、「今日の天気」の部分が重複してしまうため、</a:t>
+            </a:r>
+            <a:endParaRPr kumimoji="1" lang="en-US" altLang="ja-JP" dirty="0"/>
+          </a:p>
+          <a:p>
+            <a:r>
+              <a:rPr kumimoji="1" lang="ja-JP" altLang="en-US" dirty="0"/>
+              <a:t>その分データが増えないことになります</a:t>
+            </a:r>
+            <a:endParaRPr kumimoji="1" lang="en-US" altLang="ja-JP" dirty="0"/>
+          </a:p>
+          <a:p>
+            <a:r>
+              <a:rPr kumimoji="1" lang="ja-JP" altLang="en-US" dirty="0"/>
+              <a:t>私たちが使うであろう文章は、単語が多く重複してしまうため、対策を考えました</a:t>
+            </a:r>
+            <a:endParaRPr kumimoji="1" lang="en-US" altLang="ja-JP" dirty="0"/>
+          </a:p>
+          <a:p>
+            <a:r>
+              <a:rPr kumimoji="1" lang="ja-JP" altLang="en-US" dirty="0"/>
+              <a:t>解決策として、文章を分割せずに、そのまま</a:t>
             </a:r>
             <a:r>
               <a:rPr kumimoji="1" lang="en-US" altLang="ja-JP" dirty="0"/>
-              <a:t>200,epoch</a:t>
+              <a:t>1</a:t>
+            </a:r>
+            <a:r>
+              <a:rPr kumimoji="1" lang="ja-JP" altLang="en-US" dirty="0" err="1"/>
+              <a:t>つの</a:t>
             </a:r>
             <a:r>
               <a:rPr kumimoji="1" lang="ja-JP" altLang="en-US" dirty="0"/>
-              <a:t>数は</a:t>
-            </a:r>
-            <a:r>
-              <a:rPr kumimoji="1" lang="en-US" altLang="ja-JP"/>
-              <a:t>133000,loss</a:t>
-            </a:r>
-            <a:r>
-              <a:rPr kumimoji="1" lang="ja-JP" altLang="en-US"/>
-              <a:t>関数</a:t>
+              <a:t>文章を</a:t>
+            </a:r>
+            <a:r>
+              <a:rPr kumimoji="1" lang="en-US" altLang="ja-JP" dirty="0"/>
+              <a:t>1</a:t>
+            </a:r>
+            <a:r>
+              <a:rPr kumimoji="1" lang="ja-JP" altLang="en-US" dirty="0" err="1"/>
+              <a:t>つの</a:t>
             </a:r>
             <a:r>
               <a:rPr kumimoji="1" lang="ja-JP" altLang="en-US" dirty="0"/>
-              <a:t>は</a:t>
-            </a:r>
-            <a:r>
-              <a:rPr kumimoji="1" lang="en-US" altLang="ja-JP" dirty="0" err="1"/>
-              <a:t>hs</a:t>
-            </a:r>
+              <a:t>単語として扱うという方法を考えました</a:t>
+            </a:r>
+            <a:endParaRPr kumimoji="1" lang="en-US" altLang="ja-JP" dirty="0"/>
+          </a:p>
+          <a:p>
             <a:r>
               <a:rPr kumimoji="1" lang="ja-JP" altLang="en-US" dirty="0"/>
-              <a:t>関数に設定しています。</a:t>
+              <a:t>こうすることで、入力した文章がそのまま</a:t>
+            </a:r>
+            <a:r>
+              <a:rPr kumimoji="1" lang="en-US" altLang="ja-JP" dirty="0"/>
+              <a:t>1</a:t>
+            </a:r>
+            <a:r>
+              <a:rPr kumimoji="1" lang="ja-JP" altLang="en-US" dirty="0" err="1"/>
+              <a:t>つの</a:t>
+            </a:r>
+            <a:r>
+              <a:rPr kumimoji="1" lang="ja-JP" altLang="en-US" dirty="0"/>
+              <a:t>データとして扱えるので、データを増やしやすくなります</a:t>
             </a:r>
             <a:endParaRPr kumimoji="1" lang="en-US" altLang="ja-JP" dirty="0"/>
           </a:p>
@@ -1104,6 +1266,126 @@
             <a:fld id="{8DF1E08D-4A53-4A5C-9DAB-BDA17F3E8D74}" type="slidenum">
               <a:rPr kumimoji="1" lang="ja-JP" altLang="en-US" smtClean="0"/>
               <a:t>4</a:t>
+            </a:fld>
+            <a:endParaRPr kumimoji="1" lang="ja-JP" altLang="en-US"/>
+          </a:p>
+        </p:txBody>
+      </p:sp>
+    </p:spTree>
+    <p:extLst>
+      <p:ext uri="{BB962C8B-B14F-4D97-AF65-F5344CB8AC3E}">
+        <p14:creationId xmlns:p14="http://schemas.microsoft.com/office/powerpoint/2010/main" val="2082119112"/>
+      </p:ext>
+    </p:extLst>
+  </p:cSld>
+  <p:clrMapOvr>
+    <a:masterClrMapping/>
+  </p:clrMapOvr>
+</p:notes>
+</file>
+
+<file path=ppt/notesSlides/notesSlide4.xml><?xml version="1.0" encoding="utf-8"?>
+<p:notes xmlns:a="http://schemas.openxmlformats.org/drawingml/2006/main" xmlns:r="http://schemas.openxmlformats.org/officeDocument/2006/relationships" xmlns:p="http://schemas.openxmlformats.org/presentationml/2006/main">
+  <p:cSld>
+    <p:spTree>
+      <p:nvGrpSpPr>
+        <p:cNvPr id="1" name=""/>
+        <p:cNvGrpSpPr/>
+        <p:nvPr/>
+      </p:nvGrpSpPr>
+      <p:grpSpPr>
+        <a:xfrm>
+          <a:off x="0" y="0"/>
+          <a:ext cx="0" cy="0"/>
+          <a:chOff x="0" y="0"/>
+          <a:chExt cx="0" cy="0"/>
+        </a:xfrm>
+      </p:grpSpPr>
+      <p:sp>
+        <p:nvSpPr>
+          <p:cNvPr id="2" name="スライド イメージ プレースホルダー 1"/>
+          <p:cNvSpPr>
+            <a:spLocks noGrp="1" noRot="1" noChangeAspect="1"/>
+          </p:cNvSpPr>
+          <p:nvPr>
+            <p:ph type="sldImg"/>
+          </p:nvPr>
+        </p:nvSpPr>
+        <p:spPr/>
+      </p:sp>
+      <p:sp>
+        <p:nvSpPr>
+          <p:cNvPr id="3" name="ノート プレースホルダー 2"/>
+          <p:cNvSpPr>
+            <a:spLocks noGrp="1"/>
+          </p:cNvSpPr>
+          <p:nvPr>
+            <p:ph type="body" idx="1"/>
+          </p:nvPr>
+        </p:nvSpPr>
+        <p:spPr/>
+        <p:txBody>
+          <a:bodyPr/>
+          <a:lstStyle/>
+          <a:p>
+            <a:r>
+              <a:rPr kumimoji="1" lang="ja-JP" altLang="en-US" dirty="0"/>
+              <a:t>使っているオプションは</a:t>
+            </a:r>
+            <a:r>
+              <a:rPr kumimoji="1" lang="en-US" altLang="ja-JP" dirty="0"/>
+              <a:t>dim</a:t>
+            </a:r>
+            <a:r>
+              <a:rPr kumimoji="1" lang="ja-JP" altLang="en-US" dirty="0"/>
+              <a:t>は</a:t>
+            </a:r>
+            <a:r>
+              <a:rPr kumimoji="1" lang="en-US" altLang="ja-JP" dirty="0"/>
+              <a:t>200,epoch</a:t>
+            </a:r>
+            <a:r>
+              <a:rPr kumimoji="1" lang="ja-JP" altLang="en-US" dirty="0"/>
+              <a:t>数は</a:t>
+            </a:r>
+            <a:r>
+              <a:rPr kumimoji="1" lang="en-US" altLang="ja-JP" dirty="0"/>
+              <a:t>133000,loss</a:t>
+            </a:r>
+            <a:r>
+              <a:rPr kumimoji="1" lang="ja-JP" altLang="en-US" dirty="0"/>
+              <a:t>関数は</a:t>
+            </a:r>
+            <a:r>
+              <a:rPr kumimoji="1" lang="en-US" altLang="ja-JP" dirty="0" err="1"/>
+              <a:t>hs</a:t>
+            </a:r>
+            <a:r>
+              <a:rPr kumimoji="1" lang="ja-JP" altLang="en-US" dirty="0"/>
+              <a:t>関数に設定しています。</a:t>
+            </a:r>
+            <a:endParaRPr kumimoji="1" lang="en-US" altLang="ja-JP" dirty="0"/>
+          </a:p>
+        </p:txBody>
+      </p:sp>
+      <p:sp>
+        <p:nvSpPr>
+          <p:cNvPr id="4" name="スライド番号プレースホルダー 3"/>
+          <p:cNvSpPr>
+            <a:spLocks noGrp="1"/>
+          </p:cNvSpPr>
+          <p:nvPr>
+            <p:ph type="sldNum" sz="quarter" idx="5"/>
+          </p:nvPr>
+        </p:nvSpPr>
+        <p:spPr/>
+        <p:txBody>
+          <a:bodyPr/>
+          <a:lstStyle/>
+          <a:p>
+            <a:fld id="{8DF1E08D-4A53-4A5C-9DAB-BDA17F3E8D74}" type="slidenum">
+              <a:rPr kumimoji="1" lang="ja-JP" altLang="en-US" smtClean="0"/>
+              <a:t>5</a:t>
             </a:fld>
             <a:endParaRPr kumimoji="1" lang="ja-JP" altLang="en-US"/>
           </a:p>
@@ -4795,78 +5077,13 @@
           <a:lstStyle/>
           <a:p>
             <a:r>
-              <a:rPr kumimoji="1" lang="en-US" altLang="ja-JP" dirty="0" err="1"/>
-              <a:t>fastText</a:t>
+              <a:rPr lang="ja-JP" altLang="en-US" dirty="0"/>
+              <a:t>テキスト分類</a:t>
             </a:r>
             <a:r>
               <a:rPr kumimoji="1" lang="ja-JP" altLang="en-US" dirty="0"/>
               <a:t>の仕組み</a:t>
             </a:r>
-          </a:p>
-        </p:txBody>
-      </p:sp>
-      <p:sp>
-        <p:nvSpPr>
-          <p:cNvPr id="3" name="正方形/長方形 2">
-            <a:extLst>
-              <a:ext uri="{FF2B5EF4-FFF2-40B4-BE49-F238E27FC236}">
-                <a16:creationId xmlns:a16="http://schemas.microsoft.com/office/drawing/2014/main" id="{9EB847BF-5C10-45D4-9710-F38D68B894E0}"/>
-              </a:ext>
-            </a:extLst>
-          </p:cNvPr>
-          <p:cNvSpPr/>
-          <p:nvPr/>
-        </p:nvSpPr>
-        <p:spPr>
-          <a:xfrm>
-            <a:off x="1402558" y="2312191"/>
-            <a:ext cx="1978338" cy="578395"/>
-          </a:xfrm>
-          <a:prstGeom prst="rect">
-            <a:avLst/>
-          </a:prstGeom>
-          <a:ln>
-            <a:solidFill>
-              <a:schemeClr val="tx1">
-                <a:lumMod val="95000"/>
-                <a:lumOff val="5000"/>
-              </a:schemeClr>
-            </a:solidFill>
-          </a:ln>
-          <a:effectLst/>
-        </p:spPr>
-        <p:style>
-          <a:lnRef idx="2">
-            <a:schemeClr val="accent6"/>
-          </a:lnRef>
-          <a:fillRef idx="1">
-            <a:schemeClr val="lt1"/>
-          </a:fillRef>
-          <a:effectRef idx="0">
-            <a:schemeClr val="accent6"/>
-          </a:effectRef>
-          <a:fontRef idx="minor">
-            <a:schemeClr val="dk1"/>
-          </a:fontRef>
-        </p:style>
-        <p:txBody>
-          <a:bodyPr rtlCol="0" anchor="ctr"/>
-          <a:lstStyle/>
-          <a:p>
-            <a:pPr algn="ctr"/>
-            <a:r>
-              <a:rPr lang="ja-JP" altLang="en-US" dirty="0"/>
-              <a:t>予測したい文章</a:t>
-            </a:r>
-            <a:endParaRPr lang="en-US" altLang="ja-JP" dirty="0"/>
-          </a:p>
-          <a:p>
-            <a:pPr algn="ctr"/>
-            <a:r>
-              <a:rPr lang="ja-JP" altLang="en-US" dirty="0"/>
-              <a:t>を入れる</a:t>
-            </a:r>
-            <a:endParaRPr kumimoji="1" lang="ja-JP" altLang="en-US" dirty="0"/>
           </a:p>
         </p:txBody>
       </p:sp>
@@ -4930,19 +5147,18 @@
         </p:nvSpPr>
         <p:spPr>
           <a:xfrm>
-            <a:off x="793607" y="3483302"/>
-            <a:ext cx="1978338" cy="1325562"/>
+            <a:off x="793606" y="2890586"/>
+            <a:ext cx="2705143" cy="1918278"/>
           </a:xfrm>
           <a:prstGeom prst="rect">
             <a:avLst/>
           </a:prstGeom>
-          <a:effectLst>
-            <a:outerShdw blurRad="50800" dist="38100" dir="18900000" algn="bl" rotWithShape="0">
-              <a:prstClr val="black">
-                <a:alpha val="40000"/>
-              </a:prstClr>
-            </a:outerShdw>
-          </a:effectLst>
+          <a:ln>
+            <a:solidFill>
+              <a:schemeClr val="tx1"/>
+            </a:solidFill>
+          </a:ln>
+          <a:effectLst/>
         </p:spPr>
         <p:style>
           <a:lnRef idx="2">
@@ -4965,17 +5181,25 @@
             <a:pPr algn="ctr"/>
             <a:r>
               <a:rPr kumimoji="1" lang="ja-JP" altLang="en-US" dirty="0"/>
-              <a:t>私は犬が好き</a:t>
-            </a:r>
-          </a:p>
-        </p:txBody>
-      </p:sp>
-      <p:sp>
-        <p:nvSpPr>
-          <p:cNvPr id="7" name="正方形/長方形 6">
-            <a:extLst>
-              <a:ext uri="{FF2B5EF4-FFF2-40B4-BE49-F238E27FC236}">
-                <a16:creationId xmlns:a16="http://schemas.microsoft.com/office/drawing/2014/main" id="{17AD7007-37B6-42F3-BE00-20C827F49049}"/>
+              <a:t>犬</a:t>
+            </a:r>
+            <a:r>
+              <a:rPr lang="ja-JP" altLang="en-US" dirty="0"/>
+              <a:t>と猫が</a:t>
+            </a:r>
+            <a:r>
+              <a:rPr kumimoji="1" lang="ja-JP" altLang="en-US" dirty="0"/>
+              <a:t>好き</a:t>
+            </a:r>
+          </a:p>
+        </p:txBody>
+      </p:sp>
+      <p:sp>
+        <p:nvSpPr>
+          <p:cNvPr id="3" name="正方形/長方形 2">
+            <a:extLst>
+              <a:ext uri="{FF2B5EF4-FFF2-40B4-BE49-F238E27FC236}">
+                <a16:creationId xmlns:a16="http://schemas.microsoft.com/office/drawing/2014/main" id="{9EB847BF-5C10-45D4-9710-F38D68B894E0}"/>
               </a:ext>
             </a:extLst>
           </p:cNvPr>
@@ -4984,8 +5208,8 @@
         </p:nvSpPr>
         <p:spPr>
           <a:xfrm>
-            <a:off x="4289177" y="2752824"/>
-            <a:ext cx="1827463" cy="1930400"/>
+            <a:off x="1111299" y="4090256"/>
+            <a:ext cx="1978338" cy="578395"/>
           </a:xfrm>
           <a:prstGeom prst="rect">
             <a:avLst/>
@@ -4998,13 +5222,69 @@
               </a:schemeClr>
             </a:solidFill>
           </a:ln>
-          <a:effectLst>
-            <a:outerShdw blurRad="50800" dist="38100" dir="2700000" algn="tl" rotWithShape="0">
-              <a:prstClr val="black">
-                <a:alpha val="40000"/>
-              </a:prstClr>
-            </a:outerShdw>
-          </a:effectLst>
+          <a:effectLst/>
+        </p:spPr>
+        <p:style>
+          <a:lnRef idx="2">
+            <a:schemeClr val="accent6"/>
+          </a:lnRef>
+          <a:fillRef idx="1">
+            <a:schemeClr val="lt1"/>
+          </a:fillRef>
+          <a:effectRef idx="0">
+            <a:schemeClr val="accent6"/>
+          </a:effectRef>
+          <a:fontRef idx="minor">
+            <a:schemeClr val="dk1"/>
+          </a:fontRef>
+        </p:style>
+        <p:txBody>
+          <a:bodyPr rtlCol="0" anchor="ctr"/>
+          <a:lstStyle/>
+          <a:p>
+            <a:pPr algn="ctr"/>
+            <a:r>
+              <a:rPr lang="ja-JP" altLang="en-US" dirty="0"/>
+              <a:t>予測したい文章</a:t>
+            </a:r>
+            <a:endParaRPr lang="en-US" altLang="ja-JP" dirty="0"/>
+          </a:p>
+          <a:p>
+            <a:pPr algn="ctr"/>
+            <a:r>
+              <a:rPr lang="ja-JP" altLang="en-US" dirty="0"/>
+              <a:t>を入れる</a:t>
+            </a:r>
+            <a:endParaRPr kumimoji="1" lang="ja-JP" altLang="en-US" dirty="0"/>
+          </a:p>
+        </p:txBody>
+      </p:sp>
+      <p:sp>
+        <p:nvSpPr>
+          <p:cNvPr id="7" name="正方形/長方形 6">
+            <a:extLst>
+              <a:ext uri="{FF2B5EF4-FFF2-40B4-BE49-F238E27FC236}">
+                <a16:creationId xmlns:a16="http://schemas.microsoft.com/office/drawing/2014/main" id="{17AD7007-37B6-42F3-BE00-20C827F49049}"/>
+              </a:ext>
+            </a:extLst>
+          </p:cNvPr>
+          <p:cNvSpPr/>
+          <p:nvPr/>
+        </p:nvSpPr>
+        <p:spPr>
+          <a:xfrm>
+            <a:off x="4289177" y="2752824"/>
+            <a:ext cx="1827463" cy="1930400"/>
+          </a:xfrm>
+          <a:prstGeom prst="rect">
+            <a:avLst/>
+          </a:prstGeom>
+          <a:ln>
+            <a:solidFill>
+              <a:schemeClr val="tx1"/>
+            </a:solidFill>
+          </a:ln>
+          <a:effectLst/>
         </p:spPr>
         <p:style>
           <a:lnRef idx="2">
@@ -5160,13 +5440,7 @@
               </a:schemeClr>
             </a:solidFill>
           </a:ln>
-          <a:effectLst>
-            <a:outerShdw blurRad="50800" dist="38100" dir="2700000" algn="tl" rotWithShape="0">
-              <a:prstClr val="black">
-                <a:alpha val="40000"/>
-              </a:prstClr>
-            </a:outerShdw>
-          </a:effectLst>
+          <a:effectLst/>
         </p:spPr>
         <p:style>
           <a:lnRef idx="2">
@@ -5260,13 +5534,12 @@
           <a:prstGeom prst="rect">
             <a:avLst/>
           </a:prstGeom>
-          <a:effectLst>
-            <a:outerShdw blurRad="50800" dist="38100" dir="18900000" algn="bl" rotWithShape="0">
-              <a:prstClr val="black">
-                <a:alpha val="40000"/>
-              </a:prstClr>
-            </a:outerShdw>
-          </a:effectLst>
+          <a:ln>
+            <a:solidFill>
+              <a:schemeClr val="tx1"/>
+            </a:solidFill>
+          </a:ln>
+          <a:effectLst/>
         </p:spPr>
         <p:style>
           <a:lnRef idx="2">
@@ -5314,13 +5587,12 @@
           <a:prstGeom prst="rect">
             <a:avLst/>
           </a:prstGeom>
-          <a:effectLst>
-            <a:outerShdw blurRad="50800" dist="38100" dir="18900000" algn="bl" rotWithShape="0">
-              <a:prstClr val="black">
-                <a:alpha val="40000"/>
-              </a:prstClr>
-            </a:outerShdw>
-          </a:effectLst>
+          <a:ln>
+            <a:solidFill>
+              <a:schemeClr val="tx1"/>
+            </a:solidFill>
+          </a:ln>
+          <a:effectLst/>
         </p:spPr>
         <p:style>
           <a:lnRef idx="2">
@@ -5369,13 +5641,12 @@
           <a:prstGeom prst="rect">
             <a:avLst/>
           </a:prstGeom>
-          <a:effectLst>
-            <a:outerShdw blurRad="50800" dist="38100" dir="18900000" algn="bl" rotWithShape="0">
-              <a:prstClr val="black">
-                <a:alpha val="40000"/>
-              </a:prstClr>
-            </a:outerShdw>
-          </a:effectLst>
+          <a:ln>
+            <a:solidFill>
+              <a:schemeClr val="tx1"/>
+            </a:solidFill>
+          </a:ln>
+          <a:effectLst/>
         </p:spPr>
         <p:style>
           <a:lnRef idx="2">
@@ -5416,8 +5687,8 @@
           <p:nvPr/>
         </p:nvSpPr>
         <p:spPr>
-          <a:xfrm rot="16200000" flipH="1" flipV="1">
-            <a:off x="9012273" y="2278874"/>
+          <a:xfrm rot="14993603" flipH="1" flipV="1">
+            <a:off x="8988515" y="2479225"/>
             <a:ext cx="991588" cy="694778"/>
           </a:xfrm>
           <a:prstGeom prst="upArrow">
@@ -5481,8 +5752,8 @@
           <a:lstStyle/>
           <a:p>
             <a:r>
-              <a:rPr kumimoji="1" lang="en-US" altLang="ja-JP" dirty="0"/>
-              <a:t>90</a:t>
+              <a:rPr lang="en-US" altLang="ja-JP" dirty="0"/>
+              <a:t>74</a:t>
             </a:r>
             <a:r>
               <a:rPr kumimoji="1" lang="ja-JP" altLang="en-US" dirty="0"/>
@@ -5522,7 +5793,7 @@
           <a:p>
             <a:r>
               <a:rPr kumimoji="1" lang="en-US" altLang="ja-JP" dirty="0"/>
-              <a:t>90</a:t>
+              <a:t>14</a:t>
             </a:r>
             <a:r>
               <a:rPr kumimoji="1" lang="ja-JP" altLang="en-US" dirty="0"/>
@@ -5561,8 +5832,8 @@
           <a:lstStyle/>
           <a:p>
             <a:r>
-              <a:rPr kumimoji="1" lang="en-US" altLang="ja-JP" dirty="0"/>
-              <a:t>90</a:t>
+              <a:rPr lang="en-US" altLang="ja-JP" dirty="0"/>
+              <a:t>12</a:t>
             </a:r>
             <a:r>
               <a:rPr kumimoji="1" lang="ja-JP" altLang="en-US" dirty="0"/>
@@ -5718,6 +5989,1238 @@
 </file>
 
 <file path=ppt/slides/slide3.xml><?xml version="1.0" encoding="utf-8"?>
+<p:sld xmlns:a="http://schemas.openxmlformats.org/drawingml/2006/main" xmlns:r="http://schemas.openxmlformats.org/officeDocument/2006/relationships" xmlns:p="http://schemas.openxmlformats.org/presentationml/2006/main">
+  <p:cSld>
+    <p:spTree>
+      <p:nvGrpSpPr>
+        <p:cNvPr id="1" name=""/>
+        <p:cNvGrpSpPr/>
+        <p:nvPr/>
+      </p:nvGrpSpPr>
+      <p:grpSpPr>
+        <a:xfrm>
+          <a:off x="0" y="0"/>
+          <a:ext cx="0" cy="0"/>
+          <a:chOff x="0" y="0"/>
+          <a:chExt cx="0" cy="0"/>
+        </a:xfrm>
+      </p:grpSpPr>
+      <p:sp>
+        <p:nvSpPr>
+          <p:cNvPr id="2" name="タイトル 1">
+            <a:extLst>
+              <a:ext uri="{FF2B5EF4-FFF2-40B4-BE49-F238E27FC236}">
+                <a16:creationId xmlns:a16="http://schemas.microsoft.com/office/drawing/2014/main" id="{37BB279A-C118-465B-9AF4-6938D7D7CA61}"/>
+              </a:ext>
+            </a:extLst>
+          </p:cNvPr>
+          <p:cNvSpPr>
+            <a:spLocks noGrp="1"/>
+          </p:cNvSpPr>
+          <p:nvPr>
+            <p:ph type="title"/>
+          </p:nvPr>
+        </p:nvSpPr>
+        <p:spPr>
+          <a:xfrm>
+            <a:off x="838200" y="365125"/>
+            <a:ext cx="7747000" cy="1325563"/>
+          </a:xfrm>
+        </p:spPr>
+        <p:txBody>
+          <a:bodyPr/>
+          <a:lstStyle/>
+          <a:p>
+            <a:r>
+              <a:rPr kumimoji="1" lang="en-US" altLang="ja-JP" dirty="0" err="1"/>
+              <a:t>fastText</a:t>
+            </a:r>
+            <a:r>
+              <a:rPr kumimoji="1" lang="ja-JP" altLang="en-US" dirty="0"/>
+              <a:t>について</a:t>
+            </a:r>
+          </a:p>
+        </p:txBody>
+      </p:sp>
+      <p:sp>
+        <p:nvSpPr>
+          <p:cNvPr id="6" name="正方形/長方形 5">
+            <a:extLst>
+              <a:ext uri="{FF2B5EF4-FFF2-40B4-BE49-F238E27FC236}">
+                <a16:creationId xmlns:a16="http://schemas.microsoft.com/office/drawing/2014/main" id="{E400E8B0-1205-48EC-8658-8303BD435982}"/>
+              </a:ext>
+            </a:extLst>
+          </p:cNvPr>
+          <p:cNvSpPr/>
+          <p:nvPr/>
+        </p:nvSpPr>
+        <p:spPr>
+          <a:xfrm>
+            <a:off x="9508067" y="0"/>
+            <a:ext cx="2683933" cy="1593908"/>
+          </a:xfrm>
+          <a:prstGeom prst="rect">
+            <a:avLst/>
+          </a:prstGeom>
+          <a:solidFill>
+            <a:schemeClr val="accent6">
+              <a:lumMod val="60000"/>
+              <a:lumOff val="40000"/>
+            </a:schemeClr>
+          </a:solidFill>
+        </p:spPr>
+        <p:style>
+          <a:lnRef idx="2">
+            <a:schemeClr val="accent1">
+              <a:shade val="50000"/>
+            </a:schemeClr>
+          </a:lnRef>
+          <a:fillRef idx="1">
+            <a:schemeClr val="accent1"/>
+          </a:fillRef>
+          <a:effectRef idx="0">
+            <a:schemeClr val="accent1"/>
+          </a:effectRef>
+          <a:fontRef idx="minor">
+            <a:schemeClr val="lt1"/>
+          </a:fontRef>
+        </p:style>
+        <p:txBody>
+          <a:bodyPr rtlCol="0" anchor="ctr"/>
+          <a:lstStyle/>
+          <a:p>
+            <a:pPr algn="ctr"/>
+            <a:endParaRPr kumimoji="1" lang="ja-JP" altLang="en-US"/>
+          </a:p>
+        </p:txBody>
+      </p:sp>
+      <p:sp>
+        <p:nvSpPr>
+          <p:cNvPr id="9" name="正方形/長方形 8">
+            <a:extLst>
+              <a:ext uri="{FF2B5EF4-FFF2-40B4-BE49-F238E27FC236}">
+                <a16:creationId xmlns:a16="http://schemas.microsoft.com/office/drawing/2014/main" id="{E5D0F5E3-31AA-48A4-A9A9-06A6C9EA087E}"/>
+              </a:ext>
+            </a:extLst>
+          </p:cNvPr>
+          <p:cNvSpPr/>
+          <p:nvPr/>
+        </p:nvSpPr>
+        <p:spPr>
+          <a:xfrm>
+            <a:off x="575429" y="2943187"/>
+            <a:ext cx="2339102" cy="523220"/>
+          </a:xfrm>
+          <a:prstGeom prst="rect">
+            <a:avLst/>
+          </a:prstGeom>
+          <a:ln w="57150">
+            <a:solidFill>
+              <a:schemeClr val="tx1"/>
+            </a:solidFill>
+          </a:ln>
+        </p:spPr>
+        <p:txBody>
+          <a:bodyPr wrap="none">
+            <a:spAutoFit/>
+          </a:bodyPr>
+          <a:lstStyle/>
+          <a:p>
+            <a:pPr algn="ctr"/>
+            <a:r>
+              <a:rPr lang="ja-JP" altLang="en-US" sz="2800" b="1" dirty="0"/>
+              <a:t>犬と猫が好き</a:t>
+            </a:r>
+          </a:p>
+        </p:txBody>
+      </p:sp>
+      <p:sp>
+        <p:nvSpPr>
+          <p:cNvPr id="16" name="矢印: 右 15">
+            <a:extLst>
+              <a:ext uri="{FF2B5EF4-FFF2-40B4-BE49-F238E27FC236}">
+                <a16:creationId xmlns:a16="http://schemas.microsoft.com/office/drawing/2014/main" id="{1B6EAEC0-EF2F-4188-BDC0-9E7CAA817B80}"/>
+              </a:ext>
+            </a:extLst>
+          </p:cNvPr>
+          <p:cNvSpPr/>
+          <p:nvPr/>
+        </p:nvSpPr>
+        <p:spPr>
+          <a:xfrm>
+            <a:off x="3149600" y="2844800"/>
+            <a:ext cx="1402080" cy="621607"/>
+          </a:xfrm>
+          <a:prstGeom prst="rightArrow">
+            <a:avLst/>
+          </a:prstGeom>
+        </p:spPr>
+        <p:style>
+          <a:lnRef idx="2">
+            <a:schemeClr val="accent1">
+              <a:shade val="50000"/>
+            </a:schemeClr>
+          </a:lnRef>
+          <a:fillRef idx="1">
+            <a:schemeClr val="accent1"/>
+          </a:fillRef>
+          <a:effectRef idx="0">
+            <a:schemeClr val="accent1"/>
+          </a:effectRef>
+          <a:fontRef idx="minor">
+            <a:schemeClr val="lt1"/>
+          </a:fontRef>
+        </p:style>
+        <p:txBody>
+          <a:bodyPr rtlCol="0" anchor="ctr"/>
+          <a:lstStyle/>
+          <a:p>
+            <a:pPr algn="ctr"/>
+            <a:endParaRPr kumimoji="1" lang="ja-JP" altLang="en-US"/>
+          </a:p>
+        </p:txBody>
+      </p:sp>
+      <p:sp>
+        <p:nvSpPr>
+          <p:cNvPr id="17" name="正方形/長方形 16">
+            <a:extLst>
+              <a:ext uri="{FF2B5EF4-FFF2-40B4-BE49-F238E27FC236}">
+                <a16:creationId xmlns:a16="http://schemas.microsoft.com/office/drawing/2014/main" id="{36F4EB4F-00D7-4FDC-BAF3-CDC1C92C5A56}"/>
+              </a:ext>
+            </a:extLst>
+          </p:cNvPr>
+          <p:cNvSpPr/>
+          <p:nvPr/>
+        </p:nvSpPr>
+        <p:spPr>
+          <a:xfrm>
+            <a:off x="5860931" y="2722880"/>
+            <a:ext cx="1788160" cy="4135120"/>
+          </a:xfrm>
+          <a:prstGeom prst="rect">
+            <a:avLst/>
+          </a:prstGeom>
+          <a:noFill/>
+          <a:ln>
+            <a:solidFill>
+              <a:srgbClr val="FF9933"/>
+            </a:solidFill>
+          </a:ln>
+        </p:spPr>
+        <p:style>
+          <a:lnRef idx="2">
+            <a:schemeClr val="accent1">
+              <a:shade val="50000"/>
+            </a:schemeClr>
+          </a:lnRef>
+          <a:fillRef idx="1">
+            <a:schemeClr val="accent1"/>
+          </a:fillRef>
+          <a:effectRef idx="0">
+            <a:schemeClr val="accent1"/>
+          </a:effectRef>
+          <a:fontRef idx="minor">
+            <a:schemeClr val="lt1"/>
+          </a:fontRef>
+        </p:style>
+        <p:txBody>
+          <a:bodyPr rtlCol="0" anchor="ctr"/>
+          <a:lstStyle/>
+          <a:p>
+            <a:pPr algn="ctr"/>
+            <a:endParaRPr kumimoji="1" lang="ja-JP" altLang="en-US"/>
+          </a:p>
+        </p:txBody>
+      </p:sp>
+      <p:sp>
+        <p:nvSpPr>
+          <p:cNvPr id="18" name="正方形/長方形 17">
+            <a:extLst>
+              <a:ext uri="{FF2B5EF4-FFF2-40B4-BE49-F238E27FC236}">
+                <a16:creationId xmlns:a16="http://schemas.microsoft.com/office/drawing/2014/main" id="{FF92D6F6-D403-4F5B-BA56-086D2994E870}"/>
+              </a:ext>
+            </a:extLst>
+          </p:cNvPr>
+          <p:cNvSpPr/>
+          <p:nvPr/>
+        </p:nvSpPr>
+        <p:spPr>
+          <a:xfrm>
+            <a:off x="8128000" y="2722880"/>
+            <a:ext cx="1788160" cy="4135120"/>
+          </a:xfrm>
+          <a:prstGeom prst="rect">
+            <a:avLst/>
+          </a:prstGeom>
+          <a:noFill/>
+          <a:ln>
+            <a:solidFill>
+              <a:srgbClr val="FF9933"/>
+            </a:solidFill>
+          </a:ln>
+        </p:spPr>
+        <p:style>
+          <a:lnRef idx="2">
+            <a:schemeClr val="accent1">
+              <a:shade val="50000"/>
+            </a:schemeClr>
+          </a:lnRef>
+          <a:fillRef idx="1">
+            <a:schemeClr val="accent1"/>
+          </a:fillRef>
+          <a:effectRef idx="0">
+            <a:schemeClr val="accent1"/>
+          </a:effectRef>
+          <a:fontRef idx="minor">
+            <a:schemeClr val="lt1"/>
+          </a:fontRef>
+        </p:style>
+        <p:txBody>
+          <a:bodyPr rtlCol="0" anchor="ctr"/>
+          <a:lstStyle/>
+          <a:p>
+            <a:pPr algn="ctr"/>
+            <a:endParaRPr kumimoji="1" lang="ja-JP" altLang="en-US" dirty="0"/>
+          </a:p>
+        </p:txBody>
+      </p:sp>
+      <p:sp>
+        <p:nvSpPr>
+          <p:cNvPr id="19" name="正方形/長方形 18">
+            <a:extLst>
+              <a:ext uri="{FF2B5EF4-FFF2-40B4-BE49-F238E27FC236}">
+                <a16:creationId xmlns:a16="http://schemas.microsoft.com/office/drawing/2014/main" id="{5A8AF3CC-6F7B-4247-A90C-9402ACE1B3ED}"/>
+              </a:ext>
+            </a:extLst>
+          </p:cNvPr>
+          <p:cNvSpPr/>
+          <p:nvPr/>
+        </p:nvSpPr>
+        <p:spPr>
+          <a:xfrm>
+            <a:off x="10395069" y="2722880"/>
+            <a:ext cx="1788160" cy="4135120"/>
+          </a:xfrm>
+          <a:prstGeom prst="rect">
+            <a:avLst/>
+          </a:prstGeom>
+          <a:noFill/>
+          <a:ln>
+            <a:solidFill>
+              <a:srgbClr val="FF9933"/>
+            </a:solidFill>
+          </a:ln>
+        </p:spPr>
+        <p:style>
+          <a:lnRef idx="2">
+            <a:schemeClr val="accent1">
+              <a:shade val="50000"/>
+            </a:schemeClr>
+          </a:lnRef>
+          <a:fillRef idx="1">
+            <a:schemeClr val="accent1"/>
+          </a:fillRef>
+          <a:effectRef idx="0">
+            <a:schemeClr val="accent1"/>
+          </a:effectRef>
+          <a:fontRef idx="minor">
+            <a:schemeClr val="lt1"/>
+          </a:fontRef>
+        </p:style>
+        <p:txBody>
+          <a:bodyPr rtlCol="0" anchor="ctr"/>
+          <a:lstStyle/>
+          <a:p>
+            <a:pPr algn="ctr"/>
+            <a:endParaRPr kumimoji="1" lang="ja-JP" altLang="en-US"/>
+          </a:p>
+        </p:txBody>
+      </p:sp>
+      <p:sp>
+        <p:nvSpPr>
+          <p:cNvPr id="23" name="テキスト ボックス 22">
+            <a:extLst>
+              <a:ext uri="{FF2B5EF4-FFF2-40B4-BE49-F238E27FC236}">
+                <a16:creationId xmlns:a16="http://schemas.microsoft.com/office/drawing/2014/main" id="{3EDE9EC1-BAD4-45A6-B428-06486ACE797E}"/>
+              </a:ext>
+            </a:extLst>
+          </p:cNvPr>
+          <p:cNvSpPr txBox="1"/>
+          <p:nvPr/>
+        </p:nvSpPr>
+        <p:spPr>
+          <a:xfrm>
+            <a:off x="6148870" y="1979841"/>
+            <a:ext cx="1212282" cy="707886"/>
+          </a:xfrm>
+          <a:prstGeom prst="rect">
+            <a:avLst/>
+          </a:prstGeom>
+          <a:noFill/>
+        </p:spPr>
+        <p:txBody>
+          <a:bodyPr wrap="square" rtlCol="0">
+            <a:spAutoFit/>
+          </a:bodyPr>
+          <a:lstStyle/>
+          <a:p>
+            <a:r>
+              <a:rPr kumimoji="1" lang="ja-JP" altLang="en-US" sz="4000" b="1" dirty="0"/>
+              <a:t>動物</a:t>
+            </a:r>
+          </a:p>
+        </p:txBody>
+      </p:sp>
+      <p:sp>
+        <p:nvSpPr>
+          <p:cNvPr id="24" name="テキスト ボックス 23">
+            <a:extLst>
+              <a:ext uri="{FF2B5EF4-FFF2-40B4-BE49-F238E27FC236}">
+                <a16:creationId xmlns:a16="http://schemas.microsoft.com/office/drawing/2014/main" id="{FF4E96A0-A2EB-45CA-A779-8342B33E615E}"/>
+              </a:ext>
+            </a:extLst>
+          </p:cNvPr>
+          <p:cNvSpPr txBox="1"/>
+          <p:nvPr/>
+        </p:nvSpPr>
+        <p:spPr>
+          <a:xfrm>
+            <a:off x="8415939" y="1979841"/>
+            <a:ext cx="1212282" cy="707886"/>
+          </a:xfrm>
+          <a:prstGeom prst="rect">
+            <a:avLst/>
+          </a:prstGeom>
+          <a:noFill/>
+        </p:spPr>
+        <p:txBody>
+          <a:bodyPr wrap="square" rtlCol="0">
+            <a:spAutoFit/>
+          </a:bodyPr>
+          <a:lstStyle/>
+          <a:p>
+            <a:r>
+              <a:rPr lang="ja-JP" altLang="en-US" sz="4000" b="1" dirty="0"/>
+              <a:t>経済</a:t>
+            </a:r>
+            <a:endParaRPr kumimoji="1" lang="ja-JP" altLang="en-US" sz="4000" b="1" dirty="0"/>
+          </a:p>
+        </p:txBody>
+      </p:sp>
+      <p:sp>
+        <p:nvSpPr>
+          <p:cNvPr id="25" name="テキスト ボックス 24">
+            <a:extLst>
+              <a:ext uri="{FF2B5EF4-FFF2-40B4-BE49-F238E27FC236}">
+                <a16:creationId xmlns:a16="http://schemas.microsoft.com/office/drawing/2014/main" id="{DE4F4660-1399-4586-ABE0-D324FC0753D0}"/>
+              </a:ext>
+            </a:extLst>
+          </p:cNvPr>
+          <p:cNvSpPr txBox="1"/>
+          <p:nvPr/>
+        </p:nvSpPr>
+        <p:spPr>
+          <a:xfrm>
+            <a:off x="10029990" y="1965385"/>
+            <a:ext cx="2683932" cy="707886"/>
+          </a:xfrm>
+          <a:prstGeom prst="rect">
+            <a:avLst/>
+          </a:prstGeom>
+          <a:noFill/>
+        </p:spPr>
+        <p:txBody>
+          <a:bodyPr wrap="square" rtlCol="0">
+            <a:spAutoFit/>
+          </a:bodyPr>
+          <a:lstStyle/>
+          <a:p>
+            <a:r>
+              <a:rPr lang="ja-JP" altLang="en-US" sz="4000" b="1" dirty="0"/>
+              <a:t>スポーツ</a:t>
+            </a:r>
+            <a:endParaRPr kumimoji="1" lang="ja-JP" altLang="en-US" sz="4000" b="1" dirty="0"/>
+          </a:p>
+        </p:txBody>
+      </p:sp>
+      <p:sp>
+        <p:nvSpPr>
+          <p:cNvPr id="26" name="テキスト ボックス 25">
+            <a:extLst>
+              <a:ext uri="{FF2B5EF4-FFF2-40B4-BE49-F238E27FC236}">
+                <a16:creationId xmlns:a16="http://schemas.microsoft.com/office/drawing/2014/main" id="{2F74359F-C03D-4904-8C4A-130BD0CAA259}"/>
+              </a:ext>
+            </a:extLst>
+          </p:cNvPr>
+          <p:cNvSpPr txBox="1"/>
+          <p:nvPr/>
+        </p:nvSpPr>
+        <p:spPr>
+          <a:xfrm>
+            <a:off x="5015336" y="2850854"/>
+            <a:ext cx="1212282" cy="707886"/>
+          </a:xfrm>
+          <a:prstGeom prst="rect">
+            <a:avLst/>
+          </a:prstGeom>
+          <a:noFill/>
+        </p:spPr>
+        <p:txBody>
+          <a:bodyPr wrap="square" rtlCol="0">
+            <a:spAutoFit/>
+          </a:bodyPr>
+          <a:lstStyle/>
+          <a:p>
+            <a:r>
+              <a:rPr lang="ja-JP" altLang="en-US" sz="4000" b="1" dirty="0"/>
+              <a:t>犬</a:t>
+            </a:r>
+            <a:endParaRPr kumimoji="1" lang="ja-JP" altLang="en-US" sz="4000" b="1" dirty="0"/>
+          </a:p>
+        </p:txBody>
+      </p:sp>
+      <p:cxnSp>
+        <p:nvCxnSpPr>
+          <p:cNvPr id="28" name="直線コネクタ 27">
+            <a:extLst>
+              <a:ext uri="{FF2B5EF4-FFF2-40B4-BE49-F238E27FC236}">
+                <a16:creationId xmlns:a16="http://schemas.microsoft.com/office/drawing/2014/main" id="{5BE6B904-5547-4647-810A-29A93C69110D}"/>
+              </a:ext>
+            </a:extLst>
+          </p:cNvPr>
+          <p:cNvCxnSpPr/>
+          <p:nvPr/>
+        </p:nvCxnSpPr>
+        <p:spPr>
+          <a:xfrm>
+            <a:off x="5860931" y="3818503"/>
+            <a:ext cx="1788160" cy="0"/>
+          </a:xfrm>
+          <a:prstGeom prst="line">
+            <a:avLst/>
+          </a:prstGeom>
+          <a:ln w="57150"/>
+        </p:spPr>
+        <p:style>
+          <a:lnRef idx="1">
+            <a:schemeClr val="accent1"/>
+          </a:lnRef>
+          <a:fillRef idx="0">
+            <a:schemeClr val="accent1"/>
+          </a:fillRef>
+          <a:effectRef idx="0">
+            <a:schemeClr val="accent1"/>
+          </a:effectRef>
+          <a:fontRef idx="minor">
+            <a:schemeClr val="tx1"/>
+          </a:fontRef>
+        </p:style>
+      </p:cxnSp>
+      <p:cxnSp>
+        <p:nvCxnSpPr>
+          <p:cNvPr id="29" name="直線コネクタ 28">
+            <a:extLst>
+              <a:ext uri="{FF2B5EF4-FFF2-40B4-BE49-F238E27FC236}">
+                <a16:creationId xmlns:a16="http://schemas.microsoft.com/office/drawing/2014/main" id="{99B59BC7-1036-4192-9922-ABBE57F0E957}"/>
+              </a:ext>
+            </a:extLst>
+          </p:cNvPr>
+          <p:cNvCxnSpPr/>
+          <p:nvPr/>
+        </p:nvCxnSpPr>
+        <p:spPr>
+          <a:xfrm>
+            <a:off x="5860931" y="4885303"/>
+            <a:ext cx="1788160" cy="0"/>
+          </a:xfrm>
+          <a:prstGeom prst="line">
+            <a:avLst/>
+          </a:prstGeom>
+          <a:ln w="57150"/>
+        </p:spPr>
+        <p:style>
+          <a:lnRef idx="1">
+            <a:schemeClr val="accent1"/>
+          </a:lnRef>
+          <a:fillRef idx="0">
+            <a:schemeClr val="accent1"/>
+          </a:fillRef>
+          <a:effectRef idx="0">
+            <a:schemeClr val="accent1"/>
+          </a:effectRef>
+          <a:fontRef idx="minor">
+            <a:schemeClr val="tx1"/>
+          </a:fontRef>
+        </p:style>
+      </p:cxnSp>
+      <p:sp>
+        <p:nvSpPr>
+          <p:cNvPr id="31" name="テキスト ボックス 30">
+            <a:extLst>
+              <a:ext uri="{FF2B5EF4-FFF2-40B4-BE49-F238E27FC236}">
+                <a16:creationId xmlns:a16="http://schemas.microsoft.com/office/drawing/2014/main" id="{5E14E51B-D44D-42CA-8FB8-180ED2372EC7}"/>
+              </a:ext>
+            </a:extLst>
+          </p:cNvPr>
+          <p:cNvSpPr txBox="1"/>
+          <p:nvPr/>
+        </p:nvSpPr>
+        <p:spPr>
+          <a:xfrm>
+            <a:off x="4648649" y="3997960"/>
+            <a:ext cx="1212282" cy="707886"/>
+          </a:xfrm>
+          <a:prstGeom prst="rect">
+            <a:avLst/>
+          </a:prstGeom>
+          <a:noFill/>
+        </p:spPr>
+        <p:txBody>
+          <a:bodyPr wrap="square" rtlCol="0">
+            <a:spAutoFit/>
+          </a:bodyPr>
+          <a:lstStyle/>
+          <a:p>
+            <a:r>
+              <a:rPr lang="ja-JP" altLang="en-US" sz="4000" b="1" dirty="0"/>
+              <a:t>好き</a:t>
+            </a:r>
+            <a:endParaRPr kumimoji="1" lang="ja-JP" altLang="en-US" sz="4000" b="1" dirty="0"/>
+          </a:p>
+        </p:txBody>
+      </p:sp>
+      <p:sp>
+        <p:nvSpPr>
+          <p:cNvPr id="32" name="テキスト ボックス 31">
+            <a:extLst>
+              <a:ext uri="{FF2B5EF4-FFF2-40B4-BE49-F238E27FC236}">
+                <a16:creationId xmlns:a16="http://schemas.microsoft.com/office/drawing/2014/main" id="{BB432860-F145-4584-8441-5D8761D7F236}"/>
+              </a:ext>
+            </a:extLst>
+          </p:cNvPr>
+          <p:cNvSpPr txBox="1"/>
+          <p:nvPr/>
+        </p:nvSpPr>
+        <p:spPr>
+          <a:xfrm>
+            <a:off x="6106377" y="2943187"/>
+            <a:ext cx="1212282" cy="707886"/>
+          </a:xfrm>
+          <a:prstGeom prst="rect">
+            <a:avLst/>
+          </a:prstGeom>
+          <a:noFill/>
+        </p:spPr>
+        <p:txBody>
+          <a:bodyPr wrap="square" rtlCol="0">
+            <a:spAutoFit/>
+          </a:bodyPr>
+          <a:lstStyle/>
+          <a:p>
+            <a:r>
+              <a:rPr kumimoji="1" lang="en-US" altLang="ja-JP" sz="4000" b="1" dirty="0"/>
+              <a:t>0.99</a:t>
+            </a:r>
+            <a:endParaRPr kumimoji="1" lang="ja-JP" altLang="en-US" sz="4000" b="1" dirty="0"/>
+          </a:p>
+        </p:txBody>
+      </p:sp>
+      <p:sp>
+        <p:nvSpPr>
+          <p:cNvPr id="33" name="テキスト ボックス 32">
+            <a:extLst>
+              <a:ext uri="{FF2B5EF4-FFF2-40B4-BE49-F238E27FC236}">
+                <a16:creationId xmlns:a16="http://schemas.microsoft.com/office/drawing/2014/main" id="{4C1B2E34-B5DE-44FE-9700-076EA3A464AB}"/>
+              </a:ext>
+            </a:extLst>
+          </p:cNvPr>
+          <p:cNvSpPr txBox="1"/>
+          <p:nvPr/>
+        </p:nvSpPr>
+        <p:spPr>
+          <a:xfrm>
+            <a:off x="6148870" y="4090212"/>
+            <a:ext cx="1212282" cy="707886"/>
+          </a:xfrm>
+          <a:prstGeom prst="rect">
+            <a:avLst/>
+          </a:prstGeom>
+          <a:noFill/>
+        </p:spPr>
+        <p:txBody>
+          <a:bodyPr wrap="square" rtlCol="0">
+            <a:spAutoFit/>
+          </a:bodyPr>
+          <a:lstStyle/>
+          <a:p>
+            <a:r>
+              <a:rPr kumimoji="1" lang="en-US" altLang="ja-JP" sz="4000" b="1" dirty="0"/>
+              <a:t>0.61</a:t>
+            </a:r>
+            <a:endParaRPr kumimoji="1" lang="ja-JP" altLang="en-US" sz="4000" b="1" dirty="0"/>
+          </a:p>
+        </p:txBody>
+      </p:sp>
+      <p:sp>
+        <p:nvSpPr>
+          <p:cNvPr id="35" name="テキスト ボックス 34">
+            <a:extLst>
+              <a:ext uri="{FF2B5EF4-FFF2-40B4-BE49-F238E27FC236}">
+                <a16:creationId xmlns:a16="http://schemas.microsoft.com/office/drawing/2014/main" id="{0D3FBE09-3DA0-4CB5-BEC5-12BA8CC445E1}"/>
+              </a:ext>
+            </a:extLst>
+          </p:cNvPr>
+          <p:cNvSpPr txBox="1"/>
+          <p:nvPr/>
+        </p:nvSpPr>
+        <p:spPr>
+          <a:xfrm>
+            <a:off x="8321417" y="2976880"/>
+            <a:ext cx="1212282" cy="707886"/>
+          </a:xfrm>
+          <a:prstGeom prst="rect">
+            <a:avLst/>
+          </a:prstGeom>
+          <a:noFill/>
+        </p:spPr>
+        <p:txBody>
+          <a:bodyPr wrap="square" rtlCol="0">
+            <a:spAutoFit/>
+          </a:bodyPr>
+          <a:lstStyle/>
+          <a:p>
+            <a:r>
+              <a:rPr kumimoji="1" lang="en-US" altLang="ja-JP" sz="4000" b="1" dirty="0"/>
+              <a:t>0.01</a:t>
+            </a:r>
+            <a:endParaRPr kumimoji="1" lang="ja-JP" altLang="en-US" sz="4000" b="1" dirty="0"/>
+          </a:p>
+        </p:txBody>
+      </p:sp>
+      <p:cxnSp>
+        <p:nvCxnSpPr>
+          <p:cNvPr id="36" name="直線コネクタ 35">
+            <a:extLst>
+              <a:ext uri="{FF2B5EF4-FFF2-40B4-BE49-F238E27FC236}">
+                <a16:creationId xmlns:a16="http://schemas.microsoft.com/office/drawing/2014/main" id="{789AFA53-A9A1-40CC-98CC-556FD75D9AFB}"/>
+              </a:ext>
+            </a:extLst>
+          </p:cNvPr>
+          <p:cNvCxnSpPr/>
+          <p:nvPr/>
+        </p:nvCxnSpPr>
+        <p:spPr>
+          <a:xfrm>
+            <a:off x="8128000" y="3818503"/>
+            <a:ext cx="1788160" cy="0"/>
+          </a:xfrm>
+          <a:prstGeom prst="line">
+            <a:avLst/>
+          </a:prstGeom>
+          <a:ln w="57150"/>
+        </p:spPr>
+        <p:style>
+          <a:lnRef idx="1">
+            <a:schemeClr val="accent1"/>
+          </a:lnRef>
+          <a:fillRef idx="0">
+            <a:schemeClr val="accent1"/>
+          </a:fillRef>
+          <a:effectRef idx="0">
+            <a:schemeClr val="accent1"/>
+          </a:effectRef>
+          <a:fontRef idx="minor">
+            <a:schemeClr val="tx1"/>
+          </a:fontRef>
+        </p:style>
+      </p:cxnSp>
+      <p:cxnSp>
+        <p:nvCxnSpPr>
+          <p:cNvPr id="37" name="直線コネクタ 36">
+            <a:extLst>
+              <a:ext uri="{FF2B5EF4-FFF2-40B4-BE49-F238E27FC236}">
+                <a16:creationId xmlns:a16="http://schemas.microsoft.com/office/drawing/2014/main" id="{D9BDA6E3-A1A7-4765-9C51-572F3B5D1C24}"/>
+              </a:ext>
+            </a:extLst>
+          </p:cNvPr>
+          <p:cNvCxnSpPr/>
+          <p:nvPr/>
+        </p:nvCxnSpPr>
+        <p:spPr>
+          <a:xfrm>
+            <a:off x="8154009" y="4885303"/>
+            <a:ext cx="1788160" cy="0"/>
+          </a:xfrm>
+          <a:prstGeom prst="line">
+            <a:avLst/>
+          </a:prstGeom>
+          <a:ln w="57150"/>
+        </p:spPr>
+        <p:style>
+          <a:lnRef idx="1">
+            <a:schemeClr val="accent1"/>
+          </a:lnRef>
+          <a:fillRef idx="0">
+            <a:schemeClr val="accent1"/>
+          </a:fillRef>
+          <a:effectRef idx="0">
+            <a:schemeClr val="accent1"/>
+          </a:effectRef>
+          <a:fontRef idx="minor">
+            <a:schemeClr val="tx1"/>
+          </a:fontRef>
+        </p:style>
+      </p:cxnSp>
+      <p:cxnSp>
+        <p:nvCxnSpPr>
+          <p:cNvPr id="38" name="直線コネクタ 37">
+            <a:extLst>
+              <a:ext uri="{FF2B5EF4-FFF2-40B4-BE49-F238E27FC236}">
+                <a16:creationId xmlns:a16="http://schemas.microsoft.com/office/drawing/2014/main" id="{2BFD271C-B1E5-4808-9161-1EC03EA5AAFB}"/>
+              </a:ext>
+            </a:extLst>
+          </p:cNvPr>
+          <p:cNvCxnSpPr/>
+          <p:nvPr/>
+        </p:nvCxnSpPr>
+        <p:spPr>
+          <a:xfrm>
+            <a:off x="10403840" y="3806686"/>
+            <a:ext cx="1788160" cy="0"/>
+          </a:xfrm>
+          <a:prstGeom prst="line">
+            <a:avLst/>
+          </a:prstGeom>
+          <a:ln w="57150"/>
+        </p:spPr>
+        <p:style>
+          <a:lnRef idx="1">
+            <a:schemeClr val="accent1"/>
+          </a:lnRef>
+          <a:fillRef idx="0">
+            <a:schemeClr val="accent1"/>
+          </a:fillRef>
+          <a:effectRef idx="0">
+            <a:schemeClr val="accent1"/>
+          </a:effectRef>
+          <a:fontRef idx="minor">
+            <a:schemeClr val="tx1"/>
+          </a:fontRef>
+        </p:style>
+      </p:cxnSp>
+      <p:cxnSp>
+        <p:nvCxnSpPr>
+          <p:cNvPr id="39" name="直線コネクタ 38">
+            <a:extLst>
+              <a:ext uri="{FF2B5EF4-FFF2-40B4-BE49-F238E27FC236}">
+                <a16:creationId xmlns:a16="http://schemas.microsoft.com/office/drawing/2014/main" id="{C44BBBB7-1F55-49E1-8A2F-1AD5713FB4EB}"/>
+              </a:ext>
+            </a:extLst>
+          </p:cNvPr>
+          <p:cNvCxnSpPr/>
+          <p:nvPr/>
+        </p:nvCxnSpPr>
+        <p:spPr>
+          <a:xfrm>
+            <a:off x="10429849" y="4873486"/>
+            <a:ext cx="1788160" cy="0"/>
+          </a:xfrm>
+          <a:prstGeom prst="line">
+            <a:avLst/>
+          </a:prstGeom>
+          <a:ln w="57150"/>
+        </p:spPr>
+        <p:style>
+          <a:lnRef idx="1">
+            <a:schemeClr val="accent1"/>
+          </a:lnRef>
+          <a:fillRef idx="0">
+            <a:schemeClr val="accent1"/>
+          </a:fillRef>
+          <a:effectRef idx="0">
+            <a:schemeClr val="accent1"/>
+          </a:effectRef>
+          <a:fontRef idx="minor">
+            <a:schemeClr val="tx1"/>
+          </a:fontRef>
+        </p:style>
+      </p:cxnSp>
+      <p:sp>
+        <p:nvSpPr>
+          <p:cNvPr id="40" name="テキスト ボックス 39">
+            <a:extLst>
+              <a:ext uri="{FF2B5EF4-FFF2-40B4-BE49-F238E27FC236}">
+                <a16:creationId xmlns:a16="http://schemas.microsoft.com/office/drawing/2014/main" id="{A4331207-E31F-4E99-87DB-04DE95B7328E}"/>
+              </a:ext>
+            </a:extLst>
+          </p:cNvPr>
+          <p:cNvSpPr txBox="1"/>
+          <p:nvPr/>
+        </p:nvSpPr>
+        <p:spPr>
+          <a:xfrm>
+            <a:off x="10586258" y="2943187"/>
+            <a:ext cx="1212282" cy="707886"/>
+          </a:xfrm>
+          <a:prstGeom prst="rect">
+            <a:avLst/>
+          </a:prstGeom>
+          <a:noFill/>
+        </p:spPr>
+        <p:txBody>
+          <a:bodyPr wrap="square" rtlCol="0">
+            <a:spAutoFit/>
+          </a:bodyPr>
+          <a:lstStyle/>
+          <a:p>
+            <a:r>
+              <a:rPr kumimoji="1" lang="en-US" altLang="ja-JP" sz="4000" b="1" dirty="0"/>
+              <a:t>0.21</a:t>
+            </a:r>
+            <a:endParaRPr kumimoji="1" lang="ja-JP" altLang="en-US" sz="4000" b="1" dirty="0"/>
+          </a:p>
+        </p:txBody>
+      </p:sp>
+      <p:sp>
+        <p:nvSpPr>
+          <p:cNvPr id="41" name="テキスト ボックス 40">
+            <a:extLst>
+              <a:ext uri="{FF2B5EF4-FFF2-40B4-BE49-F238E27FC236}">
+                <a16:creationId xmlns:a16="http://schemas.microsoft.com/office/drawing/2014/main" id="{E810D2B2-425D-4250-A8E8-C05596E721A9}"/>
+              </a:ext>
+            </a:extLst>
+          </p:cNvPr>
+          <p:cNvSpPr txBox="1"/>
+          <p:nvPr/>
+        </p:nvSpPr>
+        <p:spPr>
+          <a:xfrm>
+            <a:off x="10628751" y="4090212"/>
+            <a:ext cx="1212282" cy="707886"/>
+          </a:xfrm>
+          <a:prstGeom prst="rect">
+            <a:avLst/>
+          </a:prstGeom>
+          <a:noFill/>
+        </p:spPr>
+        <p:txBody>
+          <a:bodyPr wrap="square" rtlCol="0">
+            <a:spAutoFit/>
+          </a:bodyPr>
+          <a:lstStyle/>
+          <a:p>
+            <a:r>
+              <a:rPr kumimoji="1" lang="en-US" altLang="ja-JP" sz="4000" b="1" dirty="0"/>
+              <a:t>0.58</a:t>
+            </a:r>
+            <a:endParaRPr kumimoji="1" lang="ja-JP" altLang="en-US" sz="4000" b="1" dirty="0"/>
+          </a:p>
+        </p:txBody>
+      </p:sp>
+      <p:sp>
+        <p:nvSpPr>
+          <p:cNvPr id="44" name="テキスト ボックス 43">
+            <a:extLst>
+              <a:ext uri="{FF2B5EF4-FFF2-40B4-BE49-F238E27FC236}">
+                <a16:creationId xmlns:a16="http://schemas.microsoft.com/office/drawing/2014/main" id="{61F11366-7489-40D2-AC24-E8C9F5F442CD}"/>
+              </a:ext>
+            </a:extLst>
+          </p:cNvPr>
+          <p:cNvSpPr txBox="1"/>
+          <p:nvPr/>
+        </p:nvSpPr>
+        <p:spPr>
+          <a:xfrm>
+            <a:off x="8352201" y="4043679"/>
+            <a:ext cx="1212282" cy="707886"/>
+          </a:xfrm>
+          <a:prstGeom prst="rect">
+            <a:avLst/>
+          </a:prstGeom>
+          <a:noFill/>
+        </p:spPr>
+        <p:txBody>
+          <a:bodyPr wrap="square" rtlCol="0">
+            <a:spAutoFit/>
+          </a:bodyPr>
+          <a:lstStyle/>
+          <a:p>
+            <a:r>
+              <a:rPr kumimoji="1" lang="en-US" altLang="ja-JP" sz="4000" b="1" dirty="0"/>
+              <a:t>0.31</a:t>
+            </a:r>
+            <a:endParaRPr kumimoji="1" lang="ja-JP" altLang="en-US" sz="4000" b="1" dirty="0"/>
+          </a:p>
+        </p:txBody>
+      </p:sp>
+      <p:sp>
+        <p:nvSpPr>
+          <p:cNvPr id="45" name="テキスト ボックス 44">
+            <a:extLst>
+              <a:ext uri="{FF2B5EF4-FFF2-40B4-BE49-F238E27FC236}">
+                <a16:creationId xmlns:a16="http://schemas.microsoft.com/office/drawing/2014/main" id="{1845B80C-13DE-483F-BF96-AF848F8C271A}"/>
+              </a:ext>
+            </a:extLst>
+          </p:cNvPr>
+          <p:cNvSpPr txBox="1"/>
+          <p:nvPr/>
+        </p:nvSpPr>
+        <p:spPr>
+          <a:xfrm>
+            <a:off x="6106377" y="5122404"/>
+            <a:ext cx="1212282" cy="707886"/>
+          </a:xfrm>
+          <a:prstGeom prst="rect">
+            <a:avLst/>
+          </a:prstGeom>
+          <a:noFill/>
+        </p:spPr>
+        <p:txBody>
+          <a:bodyPr wrap="square" rtlCol="0">
+            <a:spAutoFit/>
+          </a:bodyPr>
+          <a:lstStyle/>
+          <a:p>
+            <a:r>
+              <a:rPr kumimoji="1" lang="en-US" altLang="ja-JP" sz="4000" b="1" dirty="0"/>
+              <a:t>0.99</a:t>
+            </a:r>
+            <a:endParaRPr kumimoji="1" lang="ja-JP" altLang="en-US" sz="4000" b="1" dirty="0"/>
+          </a:p>
+        </p:txBody>
+      </p:sp>
+      <p:cxnSp>
+        <p:nvCxnSpPr>
+          <p:cNvPr id="46" name="直線コネクタ 45">
+            <a:extLst>
+              <a:ext uri="{FF2B5EF4-FFF2-40B4-BE49-F238E27FC236}">
+                <a16:creationId xmlns:a16="http://schemas.microsoft.com/office/drawing/2014/main" id="{592470ED-16C5-462C-9716-6C24C6CAE3D9}"/>
+              </a:ext>
+            </a:extLst>
+          </p:cNvPr>
+          <p:cNvCxnSpPr/>
+          <p:nvPr/>
+        </p:nvCxnSpPr>
+        <p:spPr>
+          <a:xfrm>
+            <a:off x="5860931" y="6043543"/>
+            <a:ext cx="1788160" cy="0"/>
+          </a:xfrm>
+          <a:prstGeom prst="line">
+            <a:avLst/>
+          </a:prstGeom>
+          <a:ln w="57150"/>
+        </p:spPr>
+        <p:style>
+          <a:lnRef idx="1">
+            <a:schemeClr val="accent1"/>
+          </a:lnRef>
+          <a:fillRef idx="0">
+            <a:schemeClr val="accent1"/>
+          </a:fillRef>
+          <a:effectRef idx="0">
+            <a:schemeClr val="accent1"/>
+          </a:effectRef>
+          <a:fontRef idx="minor">
+            <a:schemeClr val="tx1"/>
+          </a:fontRef>
+        </p:style>
+      </p:cxnSp>
+      <p:cxnSp>
+        <p:nvCxnSpPr>
+          <p:cNvPr id="47" name="直線コネクタ 46">
+            <a:extLst>
+              <a:ext uri="{FF2B5EF4-FFF2-40B4-BE49-F238E27FC236}">
+                <a16:creationId xmlns:a16="http://schemas.microsoft.com/office/drawing/2014/main" id="{F1930AED-E399-4DFC-9C3B-6274A2BCD893}"/>
+              </a:ext>
+            </a:extLst>
+          </p:cNvPr>
+          <p:cNvCxnSpPr/>
+          <p:nvPr/>
+        </p:nvCxnSpPr>
+        <p:spPr>
+          <a:xfrm>
+            <a:off x="8128000" y="6043543"/>
+            <a:ext cx="1788160" cy="0"/>
+          </a:xfrm>
+          <a:prstGeom prst="line">
+            <a:avLst/>
+          </a:prstGeom>
+          <a:ln w="57150"/>
+        </p:spPr>
+        <p:style>
+          <a:lnRef idx="1">
+            <a:schemeClr val="accent1"/>
+          </a:lnRef>
+          <a:fillRef idx="0">
+            <a:schemeClr val="accent1"/>
+          </a:fillRef>
+          <a:effectRef idx="0">
+            <a:schemeClr val="accent1"/>
+          </a:effectRef>
+          <a:fontRef idx="minor">
+            <a:schemeClr val="tx1"/>
+          </a:fontRef>
+        </p:style>
+      </p:cxnSp>
+      <p:cxnSp>
+        <p:nvCxnSpPr>
+          <p:cNvPr id="48" name="直線コネクタ 47">
+            <a:extLst>
+              <a:ext uri="{FF2B5EF4-FFF2-40B4-BE49-F238E27FC236}">
+                <a16:creationId xmlns:a16="http://schemas.microsoft.com/office/drawing/2014/main" id="{A8F3B19A-1153-46D3-B14E-DE98D9BD7AF1}"/>
+              </a:ext>
+            </a:extLst>
+          </p:cNvPr>
+          <p:cNvCxnSpPr/>
+          <p:nvPr/>
+        </p:nvCxnSpPr>
+        <p:spPr>
+          <a:xfrm>
+            <a:off x="10403840" y="6011406"/>
+            <a:ext cx="1788160" cy="0"/>
+          </a:xfrm>
+          <a:prstGeom prst="line">
+            <a:avLst/>
+          </a:prstGeom>
+          <a:ln w="57150"/>
+        </p:spPr>
+        <p:style>
+          <a:lnRef idx="1">
+            <a:schemeClr val="accent1"/>
+          </a:lnRef>
+          <a:fillRef idx="0">
+            <a:schemeClr val="accent1"/>
+          </a:fillRef>
+          <a:effectRef idx="0">
+            <a:schemeClr val="accent1"/>
+          </a:effectRef>
+          <a:fontRef idx="minor">
+            <a:schemeClr val="tx1"/>
+          </a:fontRef>
+        </p:style>
+      </p:cxnSp>
+      <p:sp>
+        <p:nvSpPr>
+          <p:cNvPr id="49" name="テキスト ボックス 48">
+            <a:extLst>
+              <a:ext uri="{FF2B5EF4-FFF2-40B4-BE49-F238E27FC236}">
+                <a16:creationId xmlns:a16="http://schemas.microsoft.com/office/drawing/2014/main" id="{7A6F5E77-92D7-4D44-8046-A650D5EE9586}"/>
+              </a:ext>
+            </a:extLst>
+          </p:cNvPr>
+          <p:cNvSpPr txBox="1"/>
+          <p:nvPr/>
+        </p:nvSpPr>
+        <p:spPr>
+          <a:xfrm>
+            <a:off x="8352201" y="5188445"/>
+            <a:ext cx="1212282" cy="707886"/>
+          </a:xfrm>
+          <a:prstGeom prst="rect">
+            <a:avLst/>
+          </a:prstGeom>
+          <a:noFill/>
+        </p:spPr>
+        <p:txBody>
+          <a:bodyPr wrap="square" rtlCol="0">
+            <a:spAutoFit/>
+          </a:bodyPr>
+          <a:lstStyle/>
+          <a:p>
+            <a:r>
+              <a:rPr kumimoji="1" lang="en-US" altLang="ja-JP" sz="4000" b="1" dirty="0"/>
+              <a:t>0.48</a:t>
+            </a:r>
+            <a:endParaRPr kumimoji="1" lang="ja-JP" altLang="en-US" sz="4000" b="1" dirty="0"/>
+          </a:p>
+        </p:txBody>
+      </p:sp>
+      <p:sp>
+        <p:nvSpPr>
+          <p:cNvPr id="50" name="テキスト ボックス 49">
+            <a:extLst>
+              <a:ext uri="{FF2B5EF4-FFF2-40B4-BE49-F238E27FC236}">
+                <a16:creationId xmlns:a16="http://schemas.microsoft.com/office/drawing/2014/main" id="{837C1EA8-876C-4CDD-A358-7E4FF3A22F85}"/>
+              </a:ext>
+            </a:extLst>
+          </p:cNvPr>
+          <p:cNvSpPr txBox="1"/>
+          <p:nvPr/>
+        </p:nvSpPr>
+        <p:spPr>
+          <a:xfrm>
+            <a:off x="10691779" y="5122404"/>
+            <a:ext cx="1212282" cy="707886"/>
+          </a:xfrm>
+          <a:prstGeom prst="rect">
+            <a:avLst/>
+          </a:prstGeom>
+          <a:noFill/>
+        </p:spPr>
+        <p:txBody>
+          <a:bodyPr wrap="square" rtlCol="0">
+            <a:spAutoFit/>
+          </a:bodyPr>
+          <a:lstStyle/>
+          <a:p>
+            <a:r>
+              <a:rPr kumimoji="1" lang="en-US" altLang="ja-JP" sz="4000" b="1" dirty="0"/>
+              <a:t>0.12</a:t>
+            </a:r>
+            <a:endParaRPr kumimoji="1" lang="ja-JP" altLang="en-US" sz="4000" b="1" dirty="0"/>
+          </a:p>
+        </p:txBody>
+      </p:sp>
+      <p:sp>
+        <p:nvSpPr>
+          <p:cNvPr id="51" name="テキスト ボックス 50">
+            <a:extLst>
+              <a:ext uri="{FF2B5EF4-FFF2-40B4-BE49-F238E27FC236}">
+                <a16:creationId xmlns:a16="http://schemas.microsoft.com/office/drawing/2014/main" id="{298432E6-BFB0-4A51-9EF6-08FBA1EA5B7B}"/>
+              </a:ext>
+            </a:extLst>
+          </p:cNvPr>
+          <p:cNvSpPr txBox="1"/>
+          <p:nvPr/>
+        </p:nvSpPr>
+        <p:spPr>
+          <a:xfrm>
+            <a:off x="4975622" y="5121432"/>
+            <a:ext cx="1212282" cy="707886"/>
+          </a:xfrm>
+          <a:prstGeom prst="rect">
+            <a:avLst/>
+          </a:prstGeom>
+          <a:noFill/>
+        </p:spPr>
+        <p:txBody>
+          <a:bodyPr wrap="square" rtlCol="0">
+            <a:spAutoFit/>
+          </a:bodyPr>
+          <a:lstStyle/>
+          <a:p>
+            <a:r>
+              <a:rPr kumimoji="1" lang="ja-JP" altLang="en-US" sz="4000" b="1" dirty="0"/>
+              <a:t>猫</a:t>
+            </a:r>
+          </a:p>
+        </p:txBody>
+      </p:sp>
+    </p:spTree>
+    <p:extLst>
+      <p:ext uri="{BB962C8B-B14F-4D97-AF65-F5344CB8AC3E}">
+        <p14:creationId xmlns:p14="http://schemas.microsoft.com/office/powerpoint/2010/main" val="316156673"/>
+      </p:ext>
+    </p:extLst>
+  </p:cSld>
+  <p:clrMapOvr>
+    <a:masterClrMapping/>
+  </p:clrMapOvr>
+</p:sld>
+</file>
+
+<file path=ppt/slides/slide4.xml><?xml version="1.0" encoding="utf-8"?>
 <p:sld xmlns:a="http://schemas.openxmlformats.org/drawingml/2006/main" xmlns:r="http://schemas.openxmlformats.org/officeDocument/2006/relationships" xmlns:p="http://schemas.openxmlformats.org/presentationml/2006/main">
   <p:cSld>
     <p:spTree>
@@ -6310,7 +7813,7 @@
 </p:sld>
 </file>
 
-<file path=ppt/slides/slide4.xml><?xml version="1.0" encoding="utf-8"?>
+<file path=ppt/slides/slide5.xml><?xml version="1.0" encoding="utf-8"?>
 <p:sld xmlns:a="http://schemas.openxmlformats.org/drawingml/2006/main" xmlns:r="http://schemas.openxmlformats.org/officeDocument/2006/relationships" xmlns:p="http://schemas.openxmlformats.org/presentationml/2006/main">
   <p:cSld>
     <p:spTree>

--- a/presentation/fasttext.pptx
+++ b/presentation/fasttext.pptx
@@ -1011,7 +1011,7 @@
                 <a:ea typeface="+mn-ea"/>
                 <a:cs typeface="+mn-cs"/>
               </a:rPr>
-              <a:t>１の間の実数で</a:t>
+              <a:t>１の間の実数で表現しています。こうすることで同じ特徴の数値が高い単語</a:t>
             </a:r>
             <a:endParaRPr kumimoji="1" lang="en-US" altLang="ja-JP" sz="1200" b="0" i="0" kern="1200" dirty="0">
               <a:solidFill>
@@ -1034,21 +1034,9 @@
                 <a:ea typeface="+mn-ea"/>
                 <a:cs typeface="+mn-cs"/>
               </a:rPr>
-              <a:t>表現して</a:t>
-            </a:r>
-            <a:r>
-              <a:rPr kumimoji="1" lang="ja-JP" altLang="en-US" sz="1200" b="0" i="0" kern="1200">
-                <a:solidFill>
-                  <a:schemeClr val="tx1"/>
-                </a:solidFill>
-                <a:effectLst/>
-                <a:latin typeface="+mn-lt"/>
-                <a:ea typeface="+mn-ea"/>
-                <a:cs typeface="+mn-cs"/>
-              </a:rPr>
-              <a:t>います。</a:t>
-            </a:r>
-            <a:endParaRPr kumimoji="1" lang="en-US" altLang="ja-JP" sz="1200" b="0" i="0" kern="1200">
+              <a:t>同士でグループを作成しテキスト分類を行えるようにしています。</a:t>
+            </a:r>
+            <a:endParaRPr kumimoji="1" lang="en-US" altLang="ja-JP" sz="1200" b="0" i="0" kern="1200" dirty="0">
               <a:solidFill>
                 <a:schemeClr val="tx1"/>
               </a:solidFill>
@@ -1330,31 +1318,27 @@
           <a:p>
             <a:r>
               <a:rPr kumimoji="1" lang="ja-JP" altLang="en-US" dirty="0"/>
-              <a:t>使っているオプションは</a:t>
+              <a:t>使っているオプションはデータサイズは</a:t>
             </a:r>
             <a:r>
               <a:rPr kumimoji="1" lang="en-US" altLang="ja-JP" dirty="0"/>
-              <a:t>dim</a:t>
+              <a:t>200,</a:t>
+            </a:r>
+            <a:r>
+              <a:rPr kumimoji="1" lang="ja-JP" altLang="en-US" dirty="0"/>
+              <a:t>試行回数は</a:t>
+            </a:r>
+            <a:r>
+              <a:rPr kumimoji="1" lang="en-US" altLang="ja-JP" dirty="0"/>
+              <a:t>133000,</a:t>
+            </a:r>
+            <a:r>
+              <a:rPr kumimoji="1" lang="ja-JP" altLang="en-US"/>
+              <a:t>損失関数</a:t>
             </a:r>
             <a:r>
               <a:rPr kumimoji="1" lang="ja-JP" altLang="en-US" dirty="0"/>
               <a:t>は</a:t>
-            </a:r>
-            <a:r>
-              <a:rPr kumimoji="1" lang="en-US" altLang="ja-JP" dirty="0"/>
-              <a:t>200,epoch</a:t>
-            </a:r>
-            <a:r>
-              <a:rPr kumimoji="1" lang="ja-JP" altLang="en-US" dirty="0"/>
-              <a:t>数は</a:t>
-            </a:r>
-            <a:r>
-              <a:rPr kumimoji="1" lang="en-US" altLang="ja-JP" dirty="0"/>
-              <a:t>133000,loss</a:t>
-            </a:r>
-            <a:r>
-              <a:rPr kumimoji="1" lang="ja-JP" altLang="en-US" dirty="0"/>
-              <a:t>関数は</a:t>
             </a:r>
             <a:r>
               <a:rPr kumimoji="1" lang="en-US" altLang="ja-JP" dirty="0" err="1"/>
